--- a/QueenVictoria.pptx
+++ b/QueenVictoria.pptx
@@ -14,6 +14,7 @@
     <p:sldId id="262" r:id="rId12"/>
     <p:sldId id="263" r:id="rId13"/>
     <p:sldId id="264" r:id="rId14"/>
+    <p:sldId id="265" r:id="rId15"/>
   </p:sldIdLst>
   <p:sldSz cx="9144000" cy="6858000" type="screen4x3"/>
   <p:notesSz cx="6858000" cy="9144000"/>
@@ -3099,7 +3100,69 @@
                   <a:srgbClr val="0000FF"/>
                 </a:solidFill>
               </a:rPr>
-              <a:t>Slide 1</a:t>
+              <a:t>Victoria Hanover</a:t>
+            </a:r>
+          </a:p>
+        </p:txBody>
+      </p:sp>
+    </p:spTree>
+  </p:cSld>
+  <p:clrMapOvr>
+    <a:masterClrMapping/>
+  </p:clrMapOvr>
+</p:sld>
+</file>
+
+<file path=ppt/slides/slide10.xml><?xml version="1.0" encoding="utf-8"?>
+<p:sld xmlns:p="http://schemas.openxmlformats.org/presentationml/2006/main" xmlns:a="http://schemas.openxmlformats.org/drawingml/2006/main">
+  <p:cSld>
+    <p:spTree>
+      <p:nvGrpSpPr>
+        <p:cNvPr id="1" name=""/>
+        <p:cNvGrpSpPr/>
+        <p:nvPr/>
+      </p:nvGrpSpPr>
+      <p:grpSpPr>
+        <a:xfrm>
+          <a:off x="0" y="0"/>
+          <a:ext cx="0" cy="0"/>
+          <a:chOff x="0" y="0"/>
+          <a:chExt cx="0" cy="0"/>
+        </a:xfrm>
+      </p:grpSpPr>
+      <p:sp>
+        <p:nvSpPr>
+          <p:cNvPr name="TextBox 1" id="2"/>
+          <p:cNvSpPr txBox="true"/>
+          <p:nvPr/>
+        </p:nvSpPr>
+        <p:spPr>
+          <a:xfrm>
+            <a:off x="254000" y="254000"/>
+            <a:ext cx="2540000" cy="2540000"/>
+          </a:xfrm>
+          <a:prstGeom prst="rect">
+            <a:avLst/>
+          </a:prstGeom>
+        </p:spPr>
+        <p:txBody>
+          <a:bodyPr anchor="t" rtlCol="false"/>
+          <a:lstStyle/>
+          <a:p>
+            <a:pPr algn="l"/>
+            <a:r>
+              <a:t/>
+            </a:r>
+            <a:endParaRPr lang="en-US" sz="1100"/>
+          </a:p>
+          <a:p>
+            <a:r>
+              <a:rPr lang="en-US" sz="2400">
+                <a:solidFill>
+                  <a:srgbClr val="0000FF"/>
+                </a:solidFill>
+              </a:rPr>
+              <a:t>Beatrice Mary Victoria</a:t>
             </a:r>
           </a:p>
         </p:txBody>
@@ -3161,7 +3224,7 @@
                   <a:srgbClr val="0000FF"/>
                 </a:solidFill>
               </a:rPr>
-              <a:t>Slide 2</a:t>
+              <a:t>Victoria Adelaide Mary</a:t>
             </a:r>
           </a:p>
         </p:txBody>
@@ -3223,7 +3286,7 @@
                   <a:srgbClr val="0000FF"/>
                 </a:solidFill>
               </a:rPr>
-              <a:t>Slide 3</a:t>
+              <a:t>Edward_VII Wettin</a:t>
             </a:r>
           </a:p>
         </p:txBody>
@@ -3285,7 +3348,7 @@
                   <a:srgbClr val="0000FF"/>
                 </a:solidFill>
               </a:rPr>
-              <a:t>Slide 4</a:t>
+              <a:t>Alice Maud Mary</a:t>
             </a:r>
           </a:p>
         </p:txBody>
@@ -3347,7 +3410,7 @@
                   <a:srgbClr val="0000FF"/>
                 </a:solidFill>
               </a:rPr>
-              <a:t>Slide 5</a:t>
+              <a:t>Alfred Ernest Albert</a:t>
             </a:r>
           </a:p>
         </p:txBody>
@@ -3409,7 +3472,7 @@
                   <a:srgbClr val="0000FF"/>
                 </a:solidFill>
               </a:rPr>
-              <a:t>Slide 6</a:t>
+              <a:t>Helena Augusta Victoria</a:t>
             </a:r>
           </a:p>
         </p:txBody>
@@ -3471,7 +3534,7 @@
                   <a:srgbClr val="0000FF"/>
                 </a:solidFill>
               </a:rPr>
-              <a:t>Slide 7</a:t>
+              <a:t>Louise Caroline Alberta</a:t>
             </a:r>
           </a:p>
         </p:txBody>
@@ -3533,7 +3596,7 @@
                   <a:srgbClr val="0000FF"/>
                 </a:solidFill>
               </a:rPr>
-              <a:t>Slide 8</a:t>
+              <a:t>Arthur William Patrick</a:t>
             </a:r>
           </a:p>
         </p:txBody>
@@ -3595,7 +3658,7 @@
                   <a:srgbClr val="0000FF"/>
                 </a:solidFill>
               </a:rPr>
-              <a:t>Slide 9</a:t>
+              <a:t>Leopold George Duncan</a:t>
             </a:r>
           </a:p>
         </p:txBody>

--- a/QueenVictoria.pptx
+++ b/QueenVictoria.pptx
@@ -3077,30 +3077,252 @@
         <p:spPr>
           <a:xfrm>
             <a:off x="254000" y="254000"/>
-            <a:ext cx="2540000" cy="2540000"/>
-          </a:xfrm>
-          <a:prstGeom prst="rect">
-            <a:avLst/>
-          </a:prstGeom>
-        </p:spPr>
-        <p:txBody>
-          <a:bodyPr anchor="t" rtlCol="false"/>
-          <a:lstStyle/>
-          <a:p>
-            <a:pPr algn="l"/>
-            <a:r>
-              <a:t/>
-            </a:r>
-            <a:endParaRPr lang="en-US" sz="1100"/>
-          </a:p>
-          <a:p>
-            <a:r>
-              <a:rPr lang="en-US" sz="2400">
-                <a:solidFill>
-                  <a:srgbClr val="0000FF"/>
-                </a:solidFill>
-              </a:rPr>
-              <a:t>Victoria Hanover</a:t>
+            <a:ext cx="7620000" cy="317500"/>
+          </a:xfrm>
+          <a:prstGeom prst="rect">
+            <a:avLst/>
+          </a:prstGeom>
+        </p:spPr>
+        <p:txBody>
+          <a:bodyPr anchor="t" rtlCol="false"/>
+          <a:lstStyle/>
+          <a:p>
+            <a:pPr algn="l"/>
+            <a:r>
+              <a:t/>
+            </a:r>
+            <a:endParaRPr lang="en-US" sz="1100"/>
+          </a:p>
+          <a:p>
+            <a:r>
+              <a:rPr lang="en-US" sz="2400">
+                <a:solidFill>
+                  <a:srgbClr val="0000FF"/>
+                </a:solidFill>
+              </a:rPr>
+              <a:t>name:Victoria Hanover</a:t>
+            </a:r>
+          </a:p>
+        </p:txBody>
+      </p:sp>
+      <p:sp>
+        <p:nvSpPr>
+          <p:cNvPr name="TextBox 2" id="3"/>
+          <p:cNvSpPr txBox="true"/>
+          <p:nvPr/>
+        </p:nvSpPr>
+        <p:spPr>
+          <a:xfrm>
+            <a:off x="254000" y="571500"/>
+            <a:ext cx="7620000" cy="317500"/>
+          </a:xfrm>
+          <a:prstGeom prst="rect">
+            <a:avLst/>
+          </a:prstGeom>
+        </p:spPr>
+        <p:txBody>
+          <a:bodyPr anchor="t" rtlCol="false"/>
+          <a:lstStyle/>
+          <a:p>
+            <a:pPr algn="l"/>
+            <a:r>
+              <a:t/>
+            </a:r>
+            <a:endParaRPr lang="en-US" sz="1100"/>
+          </a:p>
+          <a:p>
+            <a:r>
+              <a:rPr lang="en-US" sz="2400">
+                <a:solidFill>
+                  <a:srgbClr val="0000FF"/>
+                </a:solidFill>
+              </a:rPr>
+              <a:t>nobleTitle:Queen of England</a:t>
+            </a:r>
+          </a:p>
+        </p:txBody>
+      </p:sp>
+      <p:sp>
+        <p:nvSpPr>
+          <p:cNvPr name="TextBox 3" id="4"/>
+          <p:cNvSpPr txBox="true"/>
+          <p:nvPr/>
+        </p:nvSpPr>
+        <p:spPr>
+          <a:xfrm>
+            <a:off x="254000" y="889000"/>
+            <a:ext cx="7620000" cy="317500"/>
+          </a:xfrm>
+          <a:prstGeom prst="rect">
+            <a:avLst/>
+          </a:prstGeom>
+        </p:spPr>
+        <p:txBody>
+          <a:bodyPr anchor="t" rtlCol="false"/>
+          <a:lstStyle/>
+          <a:p>
+            <a:pPr algn="l"/>
+            <a:r>
+              <a:t/>
+            </a:r>
+            <a:endParaRPr lang="en-US" sz="1100"/>
+          </a:p>
+          <a:p>
+            <a:r>
+              <a:rPr lang="en-US" sz="2400">
+                <a:solidFill>
+                  <a:srgbClr val="0000FF"/>
+                </a:solidFill>
+              </a:rPr>
+              <a:t>sex:female</a:t>
+            </a:r>
+          </a:p>
+        </p:txBody>
+      </p:sp>
+      <p:sp>
+        <p:nvSpPr>
+          <p:cNvPr name="TextBox 4" id="5"/>
+          <p:cNvSpPr txBox="true"/>
+          <p:nvPr/>
+        </p:nvSpPr>
+        <p:spPr>
+          <a:xfrm>
+            <a:off x="254000" y="1206500"/>
+            <a:ext cx="7620000" cy="317500"/>
+          </a:xfrm>
+          <a:prstGeom prst="rect">
+            <a:avLst/>
+          </a:prstGeom>
+        </p:spPr>
+        <p:txBody>
+          <a:bodyPr anchor="t" rtlCol="false"/>
+          <a:lstStyle/>
+          <a:p>
+            <a:pPr algn="l"/>
+            <a:r>
+              <a:t/>
+            </a:r>
+            <a:endParaRPr lang="en-US" sz="1100"/>
+          </a:p>
+          <a:p>
+            <a:r>
+              <a:rPr lang="en-US" sz="2400">
+                <a:solidFill>
+                  <a:srgbClr val="0000FF"/>
+                </a:solidFill>
+              </a:rPr>
+              <a:t>yearBorn:1819</a:t>
+            </a:r>
+          </a:p>
+        </p:txBody>
+      </p:sp>
+      <p:sp>
+        <p:nvSpPr>
+          <p:cNvPr name="TextBox 5" id="6"/>
+          <p:cNvSpPr txBox="true"/>
+          <p:nvPr/>
+        </p:nvSpPr>
+        <p:spPr>
+          <a:xfrm>
+            <a:off x="254000" y="1524000"/>
+            <a:ext cx="7620000" cy="317500"/>
+          </a:xfrm>
+          <a:prstGeom prst="rect">
+            <a:avLst/>
+          </a:prstGeom>
+        </p:spPr>
+        <p:txBody>
+          <a:bodyPr anchor="t" rtlCol="false"/>
+          <a:lstStyle/>
+          <a:p>
+            <a:pPr algn="l"/>
+            <a:r>
+              <a:t/>
+            </a:r>
+            <a:endParaRPr lang="en-US" sz="1100"/>
+          </a:p>
+          <a:p>
+            <a:r>
+              <a:rPr lang="en-US" sz="2400">
+                <a:solidFill>
+                  <a:srgbClr val="0000FF"/>
+                </a:solidFill>
+              </a:rPr>
+              <a:t>birthPlace:Kensington,Palace,London,England</a:t>
+            </a:r>
+          </a:p>
+        </p:txBody>
+      </p:sp>
+      <p:sp>
+        <p:nvSpPr>
+          <p:cNvPr name="TextBox 6" id="7"/>
+          <p:cNvSpPr txBox="true"/>
+          <p:nvPr/>
+        </p:nvSpPr>
+        <p:spPr>
+          <a:xfrm>
+            <a:off x="254000" y="1841500"/>
+            <a:ext cx="7620000" cy="317500"/>
+          </a:xfrm>
+          <a:prstGeom prst="rect">
+            <a:avLst/>
+          </a:prstGeom>
+        </p:spPr>
+        <p:txBody>
+          <a:bodyPr anchor="t" rtlCol="false"/>
+          <a:lstStyle/>
+          <a:p>
+            <a:pPr algn="l"/>
+            <a:r>
+              <a:t/>
+            </a:r>
+            <a:endParaRPr lang="en-US" sz="1100"/>
+          </a:p>
+          <a:p>
+            <a:r>
+              <a:rPr lang="en-US" sz="2400">
+                <a:solidFill>
+                  <a:srgbClr val="0000FF"/>
+                </a:solidFill>
+              </a:rPr>
+              <a:t>yearDied:1901</a:t>
+            </a:r>
+          </a:p>
+        </p:txBody>
+      </p:sp>
+      <p:sp>
+        <p:nvSpPr>
+          <p:cNvPr name="TextBox 7" id="8"/>
+          <p:cNvSpPr txBox="true"/>
+          <p:nvPr/>
+        </p:nvSpPr>
+        <p:spPr>
+          <a:xfrm>
+            <a:off x="254000" y="2159000"/>
+            <a:ext cx="7620000" cy="317500"/>
+          </a:xfrm>
+          <a:prstGeom prst="rect">
+            <a:avLst/>
+          </a:prstGeom>
+        </p:spPr>
+        <p:txBody>
+          <a:bodyPr anchor="t" rtlCol="false"/>
+          <a:lstStyle/>
+          <a:p>
+            <a:pPr algn="l"/>
+            <a:r>
+              <a:t/>
+            </a:r>
+            <a:endParaRPr lang="en-US" sz="1100"/>
+          </a:p>
+          <a:p>
+            <a:r>
+              <a:rPr lang="en-US" sz="2400">
+                <a:solidFill>
+                  <a:srgbClr val="0000FF"/>
+                </a:solidFill>
+              </a:rPr>
+              <a:t>diedAt:Royal Mausoleum,Frogmore,Berkshire,England</a:t>
             </a:r>
           </a:p>
         </p:txBody>
@@ -3139,30 +3361,252 @@
         <p:spPr>
           <a:xfrm>
             <a:off x="254000" y="254000"/>
-            <a:ext cx="2540000" cy="2540000"/>
-          </a:xfrm>
-          <a:prstGeom prst="rect">
-            <a:avLst/>
-          </a:prstGeom>
-        </p:spPr>
-        <p:txBody>
-          <a:bodyPr anchor="t" rtlCol="false"/>
-          <a:lstStyle/>
-          <a:p>
-            <a:pPr algn="l"/>
-            <a:r>
-              <a:t/>
-            </a:r>
-            <a:endParaRPr lang="en-US" sz="1100"/>
-          </a:p>
-          <a:p>
-            <a:r>
-              <a:rPr lang="en-US" sz="2400">
-                <a:solidFill>
-                  <a:srgbClr val="0000FF"/>
-                </a:solidFill>
-              </a:rPr>
-              <a:t>Beatrice Mary Victoria</a:t>
+            <a:ext cx="7620000" cy="317500"/>
+          </a:xfrm>
+          <a:prstGeom prst="rect">
+            <a:avLst/>
+          </a:prstGeom>
+        </p:spPr>
+        <p:txBody>
+          <a:bodyPr anchor="t" rtlCol="false"/>
+          <a:lstStyle/>
+          <a:p>
+            <a:pPr algn="l"/>
+            <a:r>
+              <a:t/>
+            </a:r>
+            <a:endParaRPr lang="en-US" sz="1100"/>
+          </a:p>
+          <a:p>
+            <a:r>
+              <a:rPr lang="en-US" sz="2400">
+                <a:solidFill>
+                  <a:srgbClr val="0000FF"/>
+                </a:solidFill>
+              </a:rPr>
+              <a:t>name:Beatrice Mary Victoria</a:t>
+            </a:r>
+          </a:p>
+        </p:txBody>
+      </p:sp>
+      <p:sp>
+        <p:nvSpPr>
+          <p:cNvPr name="TextBox 2" id="3"/>
+          <p:cNvSpPr txBox="true"/>
+          <p:nvPr/>
+        </p:nvSpPr>
+        <p:spPr>
+          <a:xfrm>
+            <a:off x="254000" y="571500"/>
+            <a:ext cx="7620000" cy="317500"/>
+          </a:xfrm>
+          <a:prstGeom prst="rect">
+            <a:avLst/>
+          </a:prstGeom>
+        </p:spPr>
+        <p:txBody>
+          <a:bodyPr anchor="t" rtlCol="false"/>
+          <a:lstStyle/>
+          <a:p>
+            <a:pPr algn="l"/>
+            <a:r>
+              <a:t/>
+            </a:r>
+            <a:endParaRPr lang="en-US" sz="1100"/>
+          </a:p>
+          <a:p>
+            <a:r>
+              <a:rPr lang="en-US" sz="2400">
+                <a:solidFill>
+                  <a:srgbClr val="0000FF"/>
+                </a:solidFill>
+              </a:rPr>
+              <a:t>nobleTitle:Princess</a:t>
+            </a:r>
+          </a:p>
+        </p:txBody>
+      </p:sp>
+      <p:sp>
+        <p:nvSpPr>
+          <p:cNvPr name="TextBox 3" id="4"/>
+          <p:cNvSpPr txBox="true"/>
+          <p:nvPr/>
+        </p:nvSpPr>
+        <p:spPr>
+          <a:xfrm>
+            <a:off x="254000" y="889000"/>
+            <a:ext cx="7620000" cy="317500"/>
+          </a:xfrm>
+          <a:prstGeom prst="rect">
+            <a:avLst/>
+          </a:prstGeom>
+        </p:spPr>
+        <p:txBody>
+          <a:bodyPr anchor="t" rtlCol="false"/>
+          <a:lstStyle/>
+          <a:p>
+            <a:pPr algn="l"/>
+            <a:r>
+              <a:t/>
+            </a:r>
+            <a:endParaRPr lang="en-US" sz="1100"/>
+          </a:p>
+          <a:p>
+            <a:r>
+              <a:rPr lang="en-US" sz="2400">
+                <a:solidFill>
+                  <a:srgbClr val="0000FF"/>
+                </a:solidFill>
+              </a:rPr>
+              <a:t>sex:female</a:t>
+            </a:r>
+          </a:p>
+        </p:txBody>
+      </p:sp>
+      <p:sp>
+        <p:nvSpPr>
+          <p:cNvPr name="TextBox 4" id="5"/>
+          <p:cNvSpPr txBox="true"/>
+          <p:nvPr/>
+        </p:nvSpPr>
+        <p:spPr>
+          <a:xfrm>
+            <a:off x="254000" y="1206500"/>
+            <a:ext cx="7620000" cy="317500"/>
+          </a:xfrm>
+          <a:prstGeom prst="rect">
+            <a:avLst/>
+          </a:prstGeom>
+        </p:spPr>
+        <p:txBody>
+          <a:bodyPr anchor="t" rtlCol="false"/>
+          <a:lstStyle/>
+          <a:p>
+            <a:pPr algn="l"/>
+            <a:r>
+              <a:t/>
+            </a:r>
+            <a:endParaRPr lang="en-US" sz="1100"/>
+          </a:p>
+          <a:p>
+            <a:r>
+              <a:rPr lang="en-US" sz="2400">
+                <a:solidFill>
+                  <a:srgbClr val="0000FF"/>
+                </a:solidFill>
+              </a:rPr>
+              <a:t>yearBorn:1857</a:t>
+            </a:r>
+          </a:p>
+        </p:txBody>
+      </p:sp>
+      <p:sp>
+        <p:nvSpPr>
+          <p:cNvPr name="TextBox 5" id="6"/>
+          <p:cNvSpPr txBox="true"/>
+          <p:nvPr/>
+        </p:nvSpPr>
+        <p:spPr>
+          <a:xfrm>
+            <a:off x="254000" y="1524000"/>
+            <a:ext cx="7620000" cy="317500"/>
+          </a:xfrm>
+          <a:prstGeom prst="rect">
+            <a:avLst/>
+          </a:prstGeom>
+        </p:spPr>
+        <p:txBody>
+          <a:bodyPr anchor="t" rtlCol="false"/>
+          <a:lstStyle/>
+          <a:p>
+            <a:pPr algn="l"/>
+            <a:r>
+              <a:t/>
+            </a:r>
+            <a:endParaRPr lang="en-US" sz="1100"/>
+          </a:p>
+          <a:p>
+            <a:r>
+              <a:rPr lang="en-US" sz="2400">
+                <a:solidFill>
+                  <a:srgbClr val="0000FF"/>
+                </a:solidFill>
+              </a:rPr>
+              <a:t>birthPlace:Buckingham,Palace,London,England</a:t>
+            </a:r>
+          </a:p>
+        </p:txBody>
+      </p:sp>
+      <p:sp>
+        <p:nvSpPr>
+          <p:cNvPr name="TextBox 6" id="7"/>
+          <p:cNvSpPr txBox="true"/>
+          <p:nvPr/>
+        </p:nvSpPr>
+        <p:spPr>
+          <a:xfrm>
+            <a:off x="254000" y="1841500"/>
+            <a:ext cx="7620000" cy="317500"/>
+          </a:xfrm>
+          <a:prstGeom prst="rect">
+            <a:avLst/>
+          </a:prstGeom>
+        </p:spPr>
+        <p:txBody>
+          <a:bodyPr anchor="t" rtlCol="false"/>
+          <a:lstStyle/>
+          <a:p>
+            <a:pPr algn="l"/>
+            <a:r>
+              <a:t/>
+            </a:r>
+            <a:endParaRPr lang="en-US" sz="1100"/>
+          </a:p>
+          <a:p>
+            <a:r>
+              <a:rPr lang="en-US" sz="2400">
+                <a:solidFill>
+                  <a:srgbClr val="0000FF"/>
+                </a:solidFill>
+              </a:rPr>
+              <a:t>yearDied:1944</a:t>
+            </a:r>
+          </a:p>
+        </p:txBody>
+      </p:sp>
+      <p:sp>
+        <p:nvSpPr>
+          <p:cNvPr name="TextBox 7" id="8"/>
+          <p:cNvSpPr txBox="true"/>
+          <p:nvPr/>
+        </p:nvSpPr>
+        <p:spPr>
+          <a:xfrm>
+            <a:off x="254000" y="2159000"/>
+            <a:ext cx="7620000" cy="317500"/>
+          </a:xfrm>
+          <a:prstGeom prst="rect">
+            <a:avLst/>
+          </a:prstGeom>
+        </p:spPr>
+        <p:txBody>
+          <a:bodyPr anchor="t" rtlCol="false"/>
+          <a:lstStyle/>
+          <a:p>
+            <a:pPr algn="l"/>
+            <a:r>
+              <a:t/>
+            </a:r>
+            <a:endParaRPr lang="en-US" sz="1100"/>
+          </a:p>
+          <a:p>
+            <a:r>
+              <a:rPr lang="en-US" sz="2400">
+                <a:solidFill>
+                  <a:srgbClr val="0000FF"/>
+                </a:solidFill>
+              </a:rPr>
+              <a:t>diedAt:Bantridge Park,Balcombe,Sussex,England</a:t>
             </a:r>
           </a:p>
         </p:txBody>
@@ -3201,30 +3645,252 @@
         <p:spPr>
           <a:xfrm>
             <a:off x="254000" y="254000"/>
-            <a:ext cx="2540000" cy="2540000"/>
-          </a:xfrm>
-          <a:prstGeom prst="rect">
-            <a:avLst/>
-          </a:prstGeom>
-        </p:spPr>
-        <p:txBody>
-          <a:bodyPr anchor="t" rtlCol="false"/>
-          <a:lstStyle/>
-          <a:p>
-            <a:pPr algn="l"/>
-            <a:r>
-              <a:t/>
-            </a:r>
-            <a:endParaRPr lang="en-US" sz="1100"/>
-          </a:p>
-          <a:p>
-            <a:r>
-              <a:rPr lang="en-US" sz="2400">
-                <a:solidFill>
-                  <a:srgbClr val="0000FF"/>
-                </a:solidFill>
-              </a:rPr>
-              <a:t>Victoria Adelaide Mary</a:t>
+            <a:ext cx="7620000" cy="317500"/>
+          </a:xfrm>
+          <a:prstGeom prst="rect">
+            <a:avLst/>
+          </a:prstGeom>
+        </p:spPr>
+        <p:txBody>
+          <a:bodyPr anchor="t" rtlCol="false"/>
+          <a:lstStyle/>
+          <a:p>
+            <a:pPr algn="l"/>
+            <a:r>
+              <a:t/>
+            </a:r>
+            <a:endParaRPr lang="en-US" sz="1100"/>
+          </a:p>
+          <a:p>
+            <a:r>
+              <a:rPr lang="en-US" sz="2400">
+                <a:solidFill>
+                  <a:srgbClr val="0000FF"/>
+                </a:solidFill>
+              </a:rPr>
+              <a:t>name:Victoria Adelaide Mary</a:t>
+            </a:r>
+          </a:p>
+        </p:txBody>
+      </p:sp>
+      <p:sp>
+        <p:nvSpPr>
+          <p:cNvPr name="TextBox 2" id="3"/>
+          <p:cNvSpPr txBox="true"/>
+          <p:nvPr/>
+        </p:nvSpPr>
+        <p:spPr>
+          <a:xfrm>
+            <a:off x="254000" y="571500"/>
+            <a:ext cx="7620000" cy="317500"/>
+          </a:xfrm>
+          <a:prstGeom prst="rect">
+            <a:avLst/>
+          </a:prstGeom>
+        </p:spPr>
+        <p:txBody>
+          <a:bodyPr anchor="t" rtlCol="false"/>
+          <a:lstStyle/>
+          <a:p>
+            <a:pPr algn="l"/>
+            <a:r>
+              <a:t/>
+            </a:r>
+            <a:endParaRPr lang="en-US" sz="1100"/>
+          </a:p>
+          <a:p>
+            <a:r>
+              <a:rPr lang="en-US" sz="2400">
+                <a:solidFill>
+                  <a:srgbClr val="0000FF"/>
+                </a:solidFill>
+              </a:rPr>
+              <a:t>nobleTitle:Princess Royal</a:t>
+            </a:r>
+          </a:p>
+        </p:txBody>
+      </p:sp>
+      <p:sp>
+        <p:nvSpPr>
+          <p:cNvPr name="TextBox 3" id="4"/>
+          <p:cNvSpPr txBox="true"/>
+          <p:nvPr/>
+        </p:nvSpPr>
+        <p:spPr>
+          <a:xfrm>
+            <a:off x="254000" y="889000"/>
+            <a:ext cx="7620000" cy="317500"/>
+          </a:xfrm>
+          <a:prstGeom prst="rect">
+            <a:avLst/>
+          </a:prstGeom>
+        </p:spPr>
+        <p:txBody>
+          <a:bodyPr anchor="t" rtlCol="false"/>
+          <a:lstStyle/>
+          <a:p>
+            <a:pPr algn="l"/>
+            <a:r>
+              <a:t/>
+            </a:r>
+            <a:endParaRPr lang="en-US" sz="1100"/>
+          </a:p>
+          <a:p>
+            <a:r>
+              <a:rPr lang="en-US" sz="2400">
+                <a:solidFill>
+                  <a:srgbClr val="0000FF"/>
+                </a:solidFill>
+              </a:rPr>
+              <a:t>sex:female</a:t>
+            </a:r>
+          </a:p>
+        </p:txBody>
+      </p:sp>
+      <p:sp>
+        <p:nvSpPr>
+          <p:cNvPr name="TextBox 4" id="5"/>
+          <p:cNvSpPr txBox="true"/>
+          <p:nvPr/>
+        </p:nvSpPr>
+        <p:spPr>
+          <a:xfrm>
+            <a:off x="254000" y="1206500"/>
+            <a:ext cx="7620000" cy="317500"/>
+          </a:xfrm>
+          <a:prstGeom prst="rect">
+            <a:avLst/>
+          </a:prstGeom>
+        </p:spPr>
+        <p:txBody>
+          <a:bodyPr anchor="t" rtlCol="false"/>
+          <a:lstStyle/>
+          <a:p>
+            <a:pPr algn="l"/>
+            <a:r>
+              <a:t/>
+            </a:r>
+            <a:endParaRPr lang="en-US" sz="1100"/>
+          </a:p>
+          <a:p>
+            <a:r>
+              <a:rPr lang="en-US" sz="2400">
+                <a:solidFill>
+                  <a:srgbClr val="0000FF"/>
+                </a:solidFill>
+              </a:rPr>
+              <a:t>yearBorn:1841</a:t>
+            </a:r>
+          </a:p>
+        </p:txBody>
+      </p:sp>
+      <p:sp>
+        <p:nvSpPr>
+          <p:cNvPr name="TextBox 5" id="6"/>
+          <p:cNvSpPr txBox="true"/>
+          <p:nvPr/>
+        </p:nvSpPr>
+        <p:spPr>
+          <a:xfrm>
+            <a:off x="254000" y="1524000"/>
+            <a:ext cx="7620000" cy="317500"/>
+          </a:xfrm>
+          <a:prstGeom prst="rect">
+            <a:avLst/>
+          </a:prstGeom>
+        </p:spPr>
+        <p:txBody>
+          <a:bodyPr anchor="t" rtlCol="false"/>
+          <a:lstStyle/>
+          <a:p>
+            <a:pPr algn="l"/>
+            <a:r>
+              <a:t/>
+            </a:r>
+            <a:endParaRPr lang="en-US" sz="1100"/>
+          </a:p>
+          <a:p>
+            <a:r>
+              <a:rPr lang="en-US" sz="2400">
+                <a:solidFill>
+                  <a:srgbClr val="0000FF"/>
+                </a:solidFill>
+              </a:rPr>
+              <a:t>birthPlace:Throne Room,Buckingham Palac,England</a:t>
+            </a:r>
+          </a:p>
+        </p:txBody>
+      </p:sp>
+      <p:sp>
+        <p:nvSpPr>
+          <p:cNvPr name="TextBox 6" id="7"/>
+          <p:cNvSpPr txBox="true"/>
+          <p:nvPr/>
+        </p:nvSpPr>
+        <p:spPr>
+          <a:xfrm>
+            <a:off x="254000" y="1841500"/>
+            <a:ext cx="7620000" cy="317500"/>
+          </a:xfrm>
+          <a:prstGeom prst="rect">
+            <a:avLst/>
+          </a:prstGeom>
+        </p:spPr>
+        <p:txBody>
+          <a:bodyPr anchor="t" rtlCol="false"/>
+          <a:lstStyle/>
+          <a:p>
+            <a:pPr algn="l"/>
+            <a:r>
+              <a:t/>
+            </a:r>
+            <a:endParaRPr lang="en-US" sz="1100"/>
+          </a:p>
+          <a:p>
+            <a:r>
+              <a:rPr lang="en-US" sz="2400">
+                <a:solidFill>
+                  <a:srgbClr val="0000FF"/>
+                </a:solidFill>
+              </a:rPr>
+              <a:t>yearDied:1901</a:t>
+            </a:r>
+          </a:p>
+        </p:txBody>
+      </p:sp>
+      <p:sp>
+        <p:nvSpPr>
+          <p:cNvPr name="TextBox 7" id="8"/>
+          <p:cNvSpPr txBox="true"/>
+          <p:nvPr/>
+        </p:nvSpPr>
+        <p:spPr>
+          <a:xfrm>
+            <a:off x="254000" y="2159000"/>
+            <a:ext cx="7620000" cy="317500"/>
+          </a:xfrm>
+          <a:prstGeom prst="rect">
+            <a:avLst/>
+          </a:prstGeom>
+        </p:spPr>
+        <p:txBody>
+          <a:bodyPr anchor="t" rtlCol="false"/>
+          <a:lstStyle/>
+          <a:p>
+            <a:pPr algn="l"/>
+            <a:r>
+              <a:t/>
+            </a:r>
+            <a:endParaRPr lang="en-US" sz="1100"/>
+          </a:p>
+          <a:p>
+            <a:r>
+              <a:rPr lang="en-US" sz="2400">
+                <a:solidFill>
+                  <a:srgbClr val="0000FF"/>
+                </a:solidFill>
+              </a:rPr>
+              <a:t>diedAt:Friedenskirche,Potsdam</a:t>
             </a:r>
           </a:p>
         </p:txBody>
@@ -3263,30 +3929,252 @@
         <p:spPr>
           <a:xfrm>
             <a:off x="254000" y="254000"/>
-            <a:ext cx="2540000" cy="2540000"/>
-          </a:xfrm>
-          <a:prstGeom prst="rect">
-            <a:avLst/>
-          </a:prstGeom>
-        </p:spPr>
-        <p:txBody>
-          <a:bodyPr anchor="t" rtlCol="false"/>
-          <a:lstStyle/>
-          <a:p>
-            <a:pPr algn="l"/>
-            <a:r>
-              <a:t/>
-            </a:r>
-            <a:endParaRPr lang="en-US" sz="1100"/>
-          </a:p>
-          <a:p>
-            <a:r>
-              <a:rPr lang="en-US" sz="2400">
-                <a:solidFill>
-                  <a:srgbClr val="0000FF"/>
-                </a:solidFill>
-              </a:rPr>
-              <a:t>Edward_VII Wettin</a:t>
+            <a:ext cx="7620000" cy="317500"/>
+          </a:xfrm>
+          <a:prstGeom prst="rect">
+            <a:avLst/>
+          </a:prstGeom>
+        </p:spPr>
+        <p:txBody>
+          <a:bodyPr anchor="t" rtlCol="false"/>
+          <a:lstStyle/>
+          <a:p>
+            <a:pPr algn="l"/>
+            <a:r>
+              <a:t/>
+            </a:r>
+            <a:endParaRPr lang="en-US" sz="1100"/>
+          </a:p>
+          <a:p>
+            <a:r>
+              <a:rPr lang="en-US" sz="2400">
+                <a:solidFill>
+                  <a:srgbClr val="0000FF"/>
+                </a:solidFill>
+              </a:rPr>
+              <a:t>name:Edward_VII Wettin</a:t>
+            </a:r>
+          </a:p>
+        </p:txBody>
+      </p:sp>
+      <p:sp>
+        <p:nvSpPr>
+          <p:cNvPr name="TextBox 2" id="3"/>
+          <p:cNvSpPr txBox="true"/>
+          <p:nvPr/>
+        </p:nvSpPr>
+        <p:spPr>
+          <a:xfrm>
+            <a:off x="254000" y="571500"/>
+            <a:ext cx="7620000" cy="317500"/>
+          </a:xfrm>
+          <a:prstGeom prst="rect">
+            <a:avLst/>
+          </a:prstGeom>
+        </p:spPr>
+        <p:txBody>
+          <a:bodyPr anchor="t" rtlCol="false"/>
+          <a:lstStyle/>
+          <a:p>
+            <a:pPr algn="l"/>
+            <a:r>
+              <a:t/>
+            </a:r>
+            <a:endParaRPr lang="en-US" sz="1100"/>
+          </a:p>
+          <a:p>
+            <a:r>
+              <a:rPr lang="en-US" sz="2400">
+                <a:solidFill>
+                  <a:srgbClr val="0000FF"/>
+                </a:solidFill>
+              </a:rPr>
+              <a:t>nobleTitle:King of England</a:t>
+            </a:r>
+          </a:p>
+        </p:txBody>
+      </p:sp>
+      <p:sp>
+        <p:nvSpPr>
+          <p:cNvPr name="TextBox 3" id="4"/>
+          <p:cNvSpPr txBox="true"/>
+          <p:nvPr/>
+        </p:nvSpPr>
+        <p:spPr>
+          <a:xfrm>
+            <a:off x="254000" y="889000"/>
+            <a:ext cx="7620000" cy="317500"/>
+          </a:xfrm>
+          <a:prstGeom prst="rect">
+            <a:avLst/>
+          </a:prstGeom>
+        </p:spPr>
+        <p:txBody>
+          <a:bodyPr anchor="t" rtlCol="false"/>
+          <a:lstStyle/>
+          <a:p>
+            <a:pPr algn="l"/>
+            <a:r>
+              <a:t/>
+            </a:r>
+            <a:endParaRPr lang="en-US" sz="1100"/>
+          </a:p>
+          <a:p>
+            <a:r>
+              <a:rPr lang="en-US" sz="2400">
+                <a:solidFill>
+                  <a:srgbClr val="0000FF"/>
+                </a:solidFill>
+              </a:rPr>
+              <a:t>sex:male</a:t>
+            </a:r>
+          </a:p>
+        </p:txBody>
+      </p:sp>
+      <p:sp>
+        <p:nvSpPr>
+          <p:cNvPr name="TextBox 4" id="5"/>
+          <p:cNvSpPr txBox="true"/>
+          <p:nvPr/>
+        </p:nvSpPr>
+        <p:spPr>
+          <a:xfrm>
+            <a:off x="254000" y="1206500"/>
+            <a:ext cx="7620000" cy="317500"/>
+          </a:xfrm>
+          <a:prstGeom prst="rect">
+            <a:avLst/>
+          </a:prstGeom>
+        </p:spPr>
+        <p:txBody>
+          <a:bodyPr anchor="t" rtlCol="false"/>
+          <a:lstStyle/>
+          <a:p>
+            <a:pPr algn="l"/>
+            <a:r>
+              <a:t/>
+            </a:r>
+            <a:endParaRPr lang="en-US" sz="1100"/>
+          </a:p>
+          <a:p>
+            <a:r>
+              <a:rPr lang="en-US" sz="2400">
+                <a:solidFill>
+                  <a:srgbClr val="0000FF"/>
+                </a:solidFill>
+              </a:rPr>
+              <a:t>yearBorn:1841</a:t>
+            </a:r>
+          </a:p>
+        </p:txBody>
+      </p:sp>
+      <p:sp>
+        <p:nvSpPr>
+          <p:cNvPr name="TextBox 5" id="6"/>
+          <p:cNvSpPr txBox="true"/>
+          <p:nvPr/>
+        </p:nvSpPr>
+        <p:spPr>
+          <a:xfrm>
+            <a:off x="254000" y="1524000"/>
+            <a:ext cx="7620000" cy="317500"/>
+          </a:xfrm>
+          <a:prstGeom prst="rect">
+            <a:avLst/>
+          </a:prstGeom>
+        </p:spPr>
+        <p:txBody>
+          <a:bodyPr anchor="t" rtlCol="false"/>
+          <a:lstStyle/>
+          <a:p>
+            <a:pPr algn="l"/>
+            <a:r>
+              <a:t/>
+            </a:r>
+            <a:endParaRPr lang="en-US" sz="1100"/>
+          </a:p>
+          <a:p>
+            <a:r>
+              <a:rPr lang="en-US" sz="2400">
+                <a:solidFill>
+                  <a:srgbClr val="0000FF"/>
+                </a:solidFill>
+              </a:rPr>
+              <a:t>birthPlace:Buckingham,Palace,London,England</a:t>
+            </a:r>
+          </a:p>
+        </p:txBody>
+      </p:sp>
+      <p:sp>
+        <p:nvSpPr>
+          <p:cNvPr name="TextBox 6" id="7"/>
+          <p:cNvSpPr txBox="true"/>
+          <p:nvPr/>
+        </p:nvSpPr>
+        <p:spPr>
+          <a:xfrm>
+            <a:off x="254000" y="1841500"/>
+            <a:ext cx="7620000" cy="317500"/>
+          </a:xfrm>
+          <a:prstGeom prst="rect">
+            <a:avLst/>
+          </a:prstGeom>
+        </p:spPr>
+        <p:txBody>
+          <a:bodyPr anchor="t" rtlCol="false"/>
+          <a:lstStyle/>
+          <a:p>
+            <a:pPr algn="l"/>
+            <a:r>
+              <a:t/>
+            </a:r>
+            <a:endParaRPr lang="en-US" sz="1100"/>
+          </a:p>
+          <a:p>
+            <a:r>
+              <a:rPr lang="en-US" sz="2400">
+                <a:solidFill>
+                  <a:srgbClr val="0000FF"/>
+                </a:solidFill>
+              </a:rPr>
+              <a:t>yearDied:1910</a:t>
+            </a:r>
+          </a:p>
+        </p:txBody>
+      </p:sp>
+      <p:sp>
+        <p:nvSpPr>
+          <p:cNvPr name="TextBox 7" id="8"/>
+          <p:cNvSpPr txBox="true"/>
+          <p:nvPr/>
+        </p:nvSpPr>
+        <p:spPr>
+          <a:xfrm>
+            <a:off x="254000" y="2159000"/>
+            <a:ext cx="7620000" cy="317500"/>
+          </a:xfrm>
+          <a:prstGeom prst="rect">
+            <a:avLst/>
+          </a:prstGeom>
+        </p:spPr>
+        <p:txBody>
+          <a:bodyPr anchor="t" rtlCol="false"/>
+          <a:lstStyle/>
+          <a:p>
+            <a:pPr algn="l"/>
+            <a:r>
+              <a:t/>
+            </a:r>
+            <a:endParaRPr lang="en-US" sz="1100"/>
+          </a:p>
+          <a:p>
+            <a:r>
+              <a:rPr lang="en-US" sz="2400">
+                <a:solidFill>
+                  <a:srgbClr val="0000FF"/>
+                </a:solidFill>
+              </a:rPr>
+              <a:t>diedAt:Windsor,Berkshire,England</a:t>
             </a:r>
           </a:p>
         </p:txBody>
@@ -3325,30 +4213,252 @@
         <p:spPr>
           <a:xfrm>
             <a:off x="254000" y="254000"/>
-            <a:ext cx="2540000" cy="2540000"/>
-          </a:xfrm>
-          <a:prstGeom prst="rect">
-            <a:avLst/>
-          </a:prstGeom>
-        </p:spPr>
-        <p:txBody>
-          <a:bodyPr anchor="t" rtlCol="false"/>
-          <a:lstStyle/>
-          <a:p>
-            <a:pPr algn="l"/>
-            <a:r>
-              <a:t/>
-            </a:r>
-            <a:endParaRPr lang="en-US" sz="1100"/>
-          </a:p>
-          <a:p>
-            <a:r>
-              <a:rPr lang="en-US" sz="2400">
-                <a:solidFill>
-                  <a:srgbClr val="0000FF"/>
-                </a:solidFill>
-              </a:rPr>
-              <a:t>Alice Maud Mary</a:t>
+            <a:ext cx="7620000" cy="317500"/>
+          </a:xfrm>
+          <a:prstGeom prst="rect">
+            <a:avLst/>
+          </a:prstGeom>
+        </p:spPr>
+        <p:txBody>
+          <a:bodyPr anchor="t" rtlCol="false"/>
+          <a:lstStyle/>
+          <a:p>
+            <a:pPr algn="l"/>
+            <a:r>
+              <a:t/>
+            </a:r>
+            <a:endParaRPr lang="en-US" sz="1100"/>
+          </a:p>
+          <a:p>
+            <a:r>
+              <a:rPr lang="en-US" sz="2400">
+                <a:solidFill>
+                  <a:srgbClr val="0000FF"/>
+                </a:solidFill>
+              </a:rPr>
+              <a:t>name:Alice Maud Mary</a:t>
+            </a:r>
+          </a:p>
+        </p:txBody>
+      </p:sp>
+      <p:sp>
+        <p:nvSpPr>
+          <p:cNvPr name="TextBox 2" id="3"/>
+          <p:cNvSpPr txBox="true"/>
+          <p:nvPr/>
+        </p:nvSpPr>
+        <p:spPr>
+          <a:xfrm>
+            <a:off x="254000" y="571500"/>
+            <a:ext cx="7620000" cy="317500"/>
+          </a:xfrm>
+          <a:prstGeom prst="rect">
+            <a:avLst/>
+          </a:prstGeom>
+        </p:spPr>
+        <p:txBody>
+          <a:bodyPr anchor="t" rtlCol="false"/>
+          <a:lstStyle/>
+          <a:p>
+            <a:pPr algn="l"/>
+            <a:r>
+              <a:t/>
+            </a:r>
+            <a:endParaRPr lang="en-US" sz="1100"/>
+          </a:p>
+          <a:p>
+            <a:r>
+              <a:rPr lang="en-US" sz="2400">
+                <a:solidFill>
+                  <a:srgbClr val="0000FF"/>
+                </a:solidFill>
+              </a:rPr>
+              <a:t>nobleTitle:Princess</a:t>
+            </a:r>
+          </a:p>
+        </p:txBody>
+      </p:sp>
+      <p:sp>
+        <p:nvSpPr>
+          <p:cNvPr name="TextBox 3" id="4"/>
+          <p:cNvSpPr txBox="true"/>
+          <p:nvPr/>
+        </p:nvSpPr>
+        <p:spPr>
+          <a:xfrm>
+            <a:off x="254000" y="889000"/>
+            <a:ext cx="7620000" cy="317500"/>
+          </a:xfrm>
+          <a:prstGeom prst="rect">
+            <a:avLst/>
+          </a:prstGeom>
+        </p:spPr>
+        <p:txBody>
+          <a:bodyPr anchor="t" rtlCol="false"/>
+          <a:lstStyle/>
+          <a:p>
+            <a:pPr algn="l"/>
+            <a:r>
+              <a:t/>
+            </a:r>
+            <a:endParaRPr lang="en-US" sz="1100"/>
+          </a:p>
+          <a:p>
+            <a:r>
+              <a:rPr lang="en-US" sz="2400">
+                <a:solidFill>
+                  <a:srgbClr val="0000FF"/>
+                </a:solidFill>
+              </a:rPr>
+              <a:t>sex:female</a:t>
+            </a:r>
+          </a:p>
+        </p:txBody>
+      </p:sp>
+      <p:sp>
+        <p:nvSpPr>
+          <p:cNvPr name="TextBox 4" id="5"/>
+          <p:cNvSpPr txBox="true"/>
+          <p:nvPr/>
+        </p:nvSpPr>
+        <p:spPr>
+          <a:xfrm>
+            <a:off x="254000" y="1206500"/>
+            <a:ext cx="7620000" cy="317500"/>
+          </a:xfrm>
+          <a:prstGeom prst="rect">
+            <a:avLst/>
+          </a:prstGeom>
+        </p:spPr>
+        <p:txBody>
+          <a:bodyPr anchor="t" rtlCol="false"/>
+          <a:lstStyle/>
+          <a:p>
+            <a:pPr algn="l"/>
+            <a:r>
+              <a:t/>
+            </a:r>
+            <a:endParaRPr lang="en-US" sz="1100"/>
+          </a:p>
+          <a:p>
+            <a:r>
+              <a:rPr lang="en-US" sz="2400">
+                <a:solidFill>
+                  <a:srgbClr val="0000FF"/>
+                </a:solidFill>
+              </a:rPr>
+              <a:t>yearBorn:1843</a:t>
+            </a:r>
+          </a:p>
+        </p:txBody>
+      </p:sp>
+      <p:sp>
+        <p:nvSpPr>
+          <p:cNvPr name="TextBox 5" id="6"/>
+          <p:cNvSpPr txBox="true"/>
+          <p:nvPr/>
+        </p:nvSpPr>
+        <p:spPr>
+          <a:xfrm>
+            <a:off x="254000" y="1524000"/>
+            <a:ext cx="7620000" cy="317500"/>
+          </a:xfrm>
+          <a:prstGeom prst="rect">
+            <a:avLst/>
+          </a:prstGeom>
+        </p:spPr>
+        <p:txBody>
+          <a:bodyPr anchor="t" rtlCol="false"/>
+          <a:lstStyle/>
+          <a:p>
+            <a:pPr algn="l"/>
+            <a:r>
+              <a:t/>
+            </a:r>
+            <a:endParaRPr lang="en-US" sz="1100"/>
+          </a:p>
+          <a:p>
+            <a:r>
+              <a:rPr lang="en-US" sz="2400">
+                <a:solidFill>
+                  <a:srgbClr val="0000FF"/>
+                </a:solidFill>
+              </a:rPr>
+              <a:t>birthPlace:Buckingham,Palace,London,England</a:t>
+            </a:r>
+          </a:p>
+        </p:txBody>
+      </p:sp>
+      <p:sp>
+        <p:nvSpPr>
+          <p:cNvPr name="TextBox 6" id="7"/>
+          <p:cNvSpPr txBox="true"/>
+          <p:nvPr/>
+        </p:nvSpPr>
+        <p:spPr>
+          <a:xfrm>
+            <a:off x="254000" y="1841500"/>
+            <a:ext cx="7620000" cy="317500"/>
+          </a:xfrm>
+          <a:prstGeom prst="rect">
+            <a:avLst/>
+          </a:prstGeom>
+        </p:spPr>
+        <p:txBody>
+          <a:bodyPr anchor="t" rtlCol="false"/>
+          <a:lstStyle/>
+          <a:p>
+            <a:pPr algn="l"/>
+            <a:r>
+              <a:t/>
+            </a:r>
+            <a:endParaRPr lang="en-US" sz="1100"/>
+          </a:p>
+          <a:p>
+            <a:r>
+              <a:rPr lang="en-US" sz="2400">
+                <a:solidFill>
+                  <a:srgbClr val="0000FF"/>
+                </a:solidFill>
+              </a:rPr>
+              <a:t>yearDied:1878</a:t>
+            </a:r>
+          </a:p>
+        </p:txBody>
+      </p:sp>
+      <p:sp>
+        <p:nvSpPr>
+          <p:cNvPr name="TextBox 7" id="8"/>
+          <p:cNvSpPr txBox="true"/>
+          <p:nvPr/>
+        </p:nvSpPr>
+        <p:spPr>
+          <a:xfrm>
+            <a:off x="254000" y="2159000"/>
+            <a:ext cx="7620000" cy="317500"/>
+          </a:xfrm>
+          <a:prstGeom prst="rect">
+            <a:avLst/>
+          </a:prstGeom>
+        </p:spPr>
+        <p:txBody>
+          <a:bodyPr anchor="t" rtlCol="false"/>
+          <a:lstStyle/>
+          <a:p>
+            <a:pPr algn="l"/>
+            <a:r>
+              <a:t/>
+            </a:r>
+            <a:endParaRPr lang="en-US" sz="1100"/>
+          </a:p>
+          <a:p>
+            <a:r>
+              <a:rPr lang="en-US" sz="2400">
+                <a:solidFill>
+                  <a:srgbClr val="0000FF"/>
+                </a:solidFill>
+              </a:rPr>
+              <a:t>diedAt:Darmstadt,,,Germany</a:t>
             </a:r>
           </a:p>
         </p:txBody>
@@ -3387,30 +4497,252 @@
         <p:spPr>
           <a:xfrm>
             <a:off x="254000" y="254000"/>
-            <a:ext cx="2540000" cy="2540000"/>
-          </a:xfrm>
-          <a:prstGeom prst="rect">
-            <a:avLst/>
-          </a:prstGeom>
-        </p:spPr>
-        <p:txBody>
-          <a:bodyPr anchor="t" rtlCol="false"/>
-          <a:lstStyle/>
-          <a:p>
-            <a:pPr algn="l"/>
-            <a:r>
-              <a:t/>
-            </a:r>
-            <a:endParaRPr lang="en-US" sz="1100"/>
-          </a:p>
-          <a:p>
-            <a:r>
-              <a:rPr lang="en-US" sz="2400">
-                <a:solidFill>
-                  <a:srgbClr val="0000FF"/>
-                </a:solidFill>
-              </a:rPr>
-              <a:t>Alfred Ernest Albert</a:t>
+            <a:ext cx="7620000" cy="317500"/>
+          </a:xfrm>
+          <a:prstGeom prst="rect">
+            <a:avLst/>
+          </a:prstGeom>
+        </p:spPr>
+        <p:txBody>
+          <a:bodyPr anchor="t" rtlCol="false"/>
+          <a:lstStyle/>
+          <a:p>
+            <a:pPr algn="l"/>
+            <a:r>
+              <a:t/>
+            </a:r>
+            <a:endParaRPr lang="en-US" sz="1100"/>
+          </a:p>
+          <a:p>
+            <a:r>
+              <a:rPr lang="en-US" sz="2400">
+                <a:solidFill>
+                  <a:srgbClr val="0000FF"/>
+                </a:solidFill>
+              </a:rPr>
+              <a:t>name:Alfred Ernest Albert</a:t>
+            </a:r>
+          </a:p>
+        </p:txBody>
+      </p:sp>
+      <p:sp>
+        <p:nvSpPr>
+          <p:cNvPr name="TextBox 2" id="3"/>
+          <p:cNvSpPr txBox="true"/>
+          <p:nvPr/>
+        </p:nvSpPr>
+        <p:spPr>
+          <a:xfrm>
+            <a:off x="254000" y="571500"/>
+            <a:ext cx="7620000" cy="317500"/>
+          </a:xfrm>
+          <a:prstGeom prst="rect">
+            <a:avLst/>
+          </a:prstGeom>
+        </p:spPr>
+        <p:txBody>
+          <a:bodyPr anchor="t" rtlCol="false"/>
+          <a:lstStyle/>
+          <a:p>
+            <a:pPr algn="l"/>
+            <a:r>
+              <a:t/>
+            </a:r>
+            <a:endParaRPr lang="en-US" sz="1100"/>
+          </a:p>
+          <a:p>
+            <a:r>
+              <a:rPr lang="en-US" sz="2400">
+                <a:solidFill>
+                  <a:srgbClr val="0000FF"/>
+                </a:solidFill>
+              </a:rPr>
+              <a:t>nobleTitle:Prince</a:t>
+            </a:r>
+          </a:p>
+        </p:txBody>
+      </p:sp>
+      <p:sp>
+        <p:nvSpPr>
+          <p:cNvPr name="TextBox 3" id="4"/>
+          <p:cNvSpPr txBox="true"/>
+          <p:nvPr/>
+        </p:nvSpPr>
+        <p:spPr>
+          <a:xfrm>
+            <a:off x="254000" y="889000"/>
+            <a:ext cx="7620000" cy="317500"/>
+          </a:xfrm>
+          <a:prstGeom prst="rect">
+            <a:avLst/>
+          </a:prstGeom>
+        </p:spPr>
+        <p:txBody>
+          <a:bodyPr anchor="t" rtlCol="false"/>
+          <a:lstStyle/>
+          <a:p>
+            <a:pPr algn="l"/>
+            <a:r>
+              <a:t/>
+            </a:r>
+            <a:endParaRPr lang="en-US" sz="1100"/>
+          </a:p>
+          <a:p>
+            <a:r>
+              <a:rPr lang="en-US" sz="2400">
+                <a:solidFill>
+                  <a:srgbClr val="0000FF"/>
+                </a:solidFill>
+              </a:rPr>
+              <a:t>sex:male</a:t>
+            </a:r>
+          </a:p>
+        </p:txBody>
+      </p:sp>
+      <p:sp>
+        <p:nvSpPr>
+          <p:cNvPr name="TextBox 4" id="5"/>
+          <p:cNvSpPr txBox="true"/>
+          <p:nvPr/>
+        </p:nvSpPr>
+        <p:spPr>
+          <a:xfrm>
+            <a:off x="254000" y="1206500"/>
+            <a:ext cx="7620000" cy="317500"/>
+          </a:xfrm>
+          <a:prstGeom prst="rect">
+            <a:avLst/>
+          </a:prstGeom>
+        </p:spPr>
+        <p:txBody>
+          <a:bodyPr anchor="t" rtlCol="false"/>
+          <a:lstStyle/>
+          <a:p>
+            <a:pPr algn="l"/>
+            <a:r>
+              <a:t/>
+            </a:r>
+            <a:endParaRPr lang="en-US" sz="1100"/>
+          </a:p>
+          <a:p>
+            <a:r>
+              <a:rPr lang="en-US" sz="2400">
+                <a:solidFill>
+                  <a:srgbClr val="0000FF"/>
+                </a:solidFill>
+              </a:rPr>
+              <a:t>yearBorn:1844</a:t>
+            </a:r>
+          </a:p>
+        </p:txBody>
+      </p:sp>
+      <p:sp>
+        <p:nvSpPr>
+          <p:cNvPr name="TextBox 5" id="6"/>
+          <p:cNvSpPr txBox="true"/>
+          <p:nvPr/>
+        </p:nvSpPr>
+        <p:spPr>
+          <a:xfrm>
+            <a:off x="254000" y="1524000"/>
+            <a:ext cx="7620000" cy="317500"/>
+          </a:xfrm>
+          <a:prstGeom prst="rect">
+            <a:avLst/>
+          </a:prstGeom>
+        </p:spPr>
+        <p:txBody>
+          <a:bodyPr anchor="t" rtlCol="false"/>
+          <a:lstStyle/>
+          <a:p>
+            <a:pPr algn="l"/>
+            <a:r>
+              <a:t/>
+            </a:r>
+            <a:endParaRPr lang="en-US" sz="1100"/>
+          </a:p>
+          <a:p>
+            <a:r>
+              <a:rPr lang="en-US" sz="2400">
+                <a:solidFill>
+                  <a:srgbClr val="0000FF"/>
+                </a:solidFill>
+              </a:rPr>
+              <a:t>birthPlace:Windsor Castle,Berkshire,England</a:t>
+            </a:r>
+          </a:p>
+        </p:txBody>
+      </p:sp>
+      <p:sp>
+        <p:nvSpPr>
+          <p:cNvPr name="TextBox 6" id="7"/>
+          <p:cNvSpPr txBox="true"/>
+          <p:nvPr/>
+        </p:nvSpPr>
+        <p:spPr>
+          <a:xfrm>
+            <a:off x="254000" y="1841500"/>
+            <a:ext cx="7620000" cy="317500"/>
+          </a:xfrm>
+          <a:prstGeom prst="rect">
+            <a:avLst/>
+          </a:prstGeom>
+        </p:spPr>
+        <p:txBody>
+          <a:bodyPr anchor="t" rtlCol="false"/>
+          <a:lstStyle/>
+          <a:p>
+            <a:pPr algn="l"/>
+            <a:r>
+              <a:t/>
+            </a:r>
+            <a:endParaRPr lang="en-US" sz="1100"/>
+          </a:p>
+          <a:p>
+            <a:r>
+              <a:rPr lang="en-US" sz="2400">
+                <a:solidFill>
+                  <a:srgbClr val="0000FF"/>
+                </a:solidFill>
+              </a:rPr>
+              <a:t>yearDied:1900</a:t>
+            </a:r>
+          </a:p>
+        </p:txBody>
+      </p:sp>
+      <p:sp>
+        <p:nvSpPr>
+          <p:cNvPr name="TextBox 7" id="8"/>
+          <p:cNvSpPr txBox="true"/>
+          <p:nvPr/>
+        </p:nvSpPr>
+        <p:spPr>
+          <a:xfrm>
+            <a:off x="254000" y="2159000"/>
+            <a:ext cx="7620000" cy="317500"/>
+          </a:xfrm>
+          <a:prstGeom prst="rect">
+            <a:avLst/>
+          </a:prstGeom>
+        </p:spPr>
+        <p:txBody>
+          <a:bodyPr anchor="t" rtlCol="false"/>
+          <a:lstStyle/>
+          <a:p>
+            <a:pPr algn="l"/>
+            <a:r>
+              <a:t/>
+            </a:r>
+            <a:endParaRPr lang="en-US" sz="1100"/>
+          </a:p>
+          <a:p>
+            <a:r>
+              <a:rPr lang="en-US" sz="2400">
+                <a:solidFill>
+                  <a:srgbClr val="0000FF"/>
+                </a:solidFill>
+              </a:rPr>
+              <a:t>diedAt:Schloss Rosenau,Near Coburg</a:t>
             </a:r>
           </a:p>
         </p:txBody>
@@ -3449,30 +4781,252 @@
         <p:spPr>
           <a:xfrm>
             <a:off x="254000" y="254000"/>
-            <a:ext cx="2540000" cy="2540000"/>
-          </a:xfrm>
-          <a:prstGeom prst="rect">
-            <a:avLst/>
-          </a:prstGeom>
-        </p:spPr>
-        <p:txBody>
-          <a:bodyPr anchor="t" rtlCol="false"/>
-          <a:lstStyle/>
-          <a:p>
-            <a:pPr algn="l"/>
-            <a:r>
-              <a:t/>
-            </a:r>
-            <a:endParaRPr lang="en-US" sz="1100"/>
-          </a:p>
-          <a:p>
-            <a:r>
-              <a:rPr lang="en-US" sz="2400">
-                <a:solidFill>
-                  <a:srgbClr val="0000FF"/>
-                </a:solidFill>
-              </a:rPr>
-              <a:t>Helena Augusta Victoria</a:t>
+            <a:ext cx="7620000" cy="317500"/>
+          </a:xfrm>
+          <a:prstGeom prst="rect">
+            <a:avLst/>
+          </a:prstGeom>
+        </p:spPr>
+        <p:txBody>
+          <a:bodyPr anchor="t" rtlCol="false"/>
+          <a:lstStyle/>
+          <a:p>
+            <a:pPr algn="l"/>
+            <a:r>
+              <a:t/>
+            </a:r>
+            <a:endParaRPr lang="en-US" sz="1100"/>
+          </a:p>
+          <a:p>
+            <a:r>
+              <a:rPr lang="en-US" sz="2400">
+                <a:solidFill>
+                  <a:srgbClr val="0000FF"/>
+                </a:solidFill>
+              </a:rPr>
+              <a:t>name:Helena Augusta Victoria</a:t>
+            </a:r>
+          </a:p>
+        </p:txBody>
+      </p:sp>
+      <p:sp>
+        <p:nvSpPr>
+          <p:cNvPr name="TextBox 2" id="3"/>
+          <p:cNvSpPr txBox="true"/>
+          <p:nvPr/>
+        </p:nvSpPr>
+        <p:spPr>
+          <a:xfrm>
+            <a:off x="254000" y="571500"/>
+            <a:ext cx="7620000" cy="317500"/>
+          </a:xfrm>
+          <a:prstGeom prst="rect">
+            <a:avLst/>
+          </a:prstGeom>
+        </p:spPr>
+        <p:txBody>
+          <a:bodyPr anchor="t" rtlCol="false"/>
+          <a:lstStyle/>
+          <a:p>
+            <a:pPr algn="l"/>
+            <a:r>
+              <a:t/>
+            </a:r>
+            <a:endParaRPr lang="en-US" sz="1100"/>
+          </a:p>
+          <a:p>
+            <a:r>
+              <a:rPr lang="en-US" sz="2400">
+                <a:solidFill>
+                  <a:srgbClr val="0000FF"/>
+                </a:solidFill>
+              </a:rPr>
+              <a:t>nobleTitle:Princess</a:t>
+            </a:r>
+          </a:p>
+        </p:txBody>
+      </p:sp>
+      <p:sp>
+        <p:nvSpPr>
+          <p:cNvPr name="TextBox 3" id="4"/>
+          <p:cNvSpPr txBox="true"/>
+          <p:nvPr/>
+        </p:nvSpPr>
+        <p:spPr>
+          <a:xfrm>
+            <a:off x="254000" y="889000"/>
+            <a:ext cx="7620000" cy="317500"/>
+          </a:xfrm>
+          <a:prstGeom prst="rect">
+            <a:avLst/>
+          </a:prstGeom>
+        </p:spPr>
+        <p:txBody>
+          <a:bodyPr anchor="t" rtlCol="false"/>
+          <a:lstStyle/>
+          <a:p>
+            <a:pPr algn="l"/>
+            <a:r>
+              <a:t/>
+            </a:r>
+            <a:endParaRPr lang="en-US" sz="1100"/>
+          </a:p>
+          <a:p>
+            <a:r>
+              <a:rPr lang="en-US" sz="2400">
+                <a:solidFill>
+                  <a:srgbClr val="0000FF"/>
+                </a:solidFill>
+              </a:rPr>
+              <a:t>sex:female</a:t>
+            </a:r>
+          </a:p>
+        </p:txBody>
+      </p:sp>
+      <p:sp>
+        <p:nvSpPr>
+          <p:cNvPr name="TextBox 4" id="5"/>
+          <p:cNvSpPr txBox="true"/>
+          <p:nvPr/>
+        </p:nvSpPr>
+        <p:spPr>
+          <a:xfrm>
+            <a:off x="254000" y="1206500"/>
+            <a:ext cx="7620000" cy="317500"/>
+          </a:xfrm>
+          <a:prstGeom prst="rect">
+            <a:avLst/>
+          </a:prstGeom>
+        </p:spPr>
+        <p:txBody>
+          <a:bodyPr anchor="t" rtlCol="false"/>
+          <a:lstStyle/>
+          <a:p>
+            <a:pPr algn="l"/>
+            <a:r>
+              <a:t/>
+            </a:r>
+            <a:endParaRPr lang="en-US" sz="1100"/>
+          </a:p>
+          <a:p>
+            <a:r>
+              <a:rPr lang="en-US" sz="2400">
+                <a:solidFill>
+                  <a:srgbClr val="0000FF"/>
+                </a:solidFill>
+              </a:rPr>
+              <a:t>yearBorn:1846</a:t>
+            </a:r>
+          </a:p>
+        </p:txBody>
+      </p:sp>
+      <p:sp>
+        <p:nvSpPr>
+          <p:cNvPr name="TextBox 5" id="6"/>
+          <p:cNvSpPr txBox="true"/>
+          <p:nvPr/>
+        </p:nvSpPr>
+        <p:spPr>
+          <a:xfrm>
+            <a:off x="254000" y="1524000"/>
+            <a:ext cx="7620000" cy="317500"/>
+          </a:xfrm>
+          <a:prstGeom prst="rect">
+            <a:avLst/>
+          </a:prstGeom>
+        </p:spPr>
+        <p:txBody>
+          <a:bodyPr anchor="t" rtlCol="false"/>
+          <a:lstStyle/>
+          <a:p>
+            <a:pPr algn="l"/>
+            <a:r>
+              <a:t/>
+            </a:r>
+            <a:endParaRPr lang="en-US" sz="1100"/>
+          </a:p>
+          <a:p>
+            <a:r>
+              <a:rPr lang="en-US" sz="2400">
+                <a:solidFill>
+                  <a:srgbClr val="0000FF"/>
+                </a:solidFill>
+              </a:rPr>
+              <a:t>birthPlace:Buckingham,Palace,London,England</a:t>
+            </a:r>
+          </a:p>
+        </p:txBody>
+      </p:sp>
+      <p:sp>
+        <p:nvSpPr>
+          <p:cNvPr name="TextBox 6" id="7"/>
+          <p:cNvSpPr txBox="true"/>
+          <p:nvPr/>
+        </p:nvSpPr>
+        <p:spPr>
+          <a:xfrm>
+            <a:off x="254000" y="1841500"/>
+            <a:ext cx="7620000" cy="317500"/>
+          </a:xfrm>
+          <a:prstGeom prst="rect">
+            <a:avLst/>
+          </a:prstGeom>
+        </p:spPr>
+        <p:txBody>
+          <a:bodyPr anchor="t" rtlCol="false"/>
+          <a:lstStyle/>
+          <a:p>
+            <a:pPr algn="l"/>
+            <a:r>
+              <a:t/>
+            </a:r>
+            <a:endParaRPr lang="en-US" sz="1100"/>
+          </a:p>
+          <a:p>
+            <a:r>
+              <a:rPr lang="en-US" sz="2400">
+                <a:solidFill>
+                  <a:srgbClr val="0000FF"/>
+                </a:solidFill>
+              </a:rPr>
+              <a:t>yearDied:1923</a:t>
+            </a:r>
+          </a:p>
+        </p:txBody>
+      </p:sp>
+      <p:sp>
+        <p:nvSpPr>
+          <p:cNvPr name="TextBox 7" id="8"/>
+          <p:cNvSpPr txBox="true"/>
+          <p:nvPr/>
+        </p:nvSpPr>
+        <p:spPr>
+          <a:xfrm>
+            <a:off x="254000" y="2159000"/>
+            <a:ext cx="7620000" cy="317500"/>
+          </a:xfrm>
+          <a:prstGeom prst="rect">
+            <a:avLst/>
+          </a:prstGeom>
+        </p:spPr>
+        <p:txBody>
+          <a:bodyPr anchor="t" rtlCol="false"/>
+          <a:lstStyle/>
+          <a:p>
+            <a:pPr algn="l"/>
+            <a:r>
+              <a:t/>
+            </a:r>
+            <a:endParaRPr lang="en-US" sz="1100"/>
+          </a:p>
+          <a:p>
+            <a:r>
+              <a:rPr lang="en-US" sz="2400">
+                <a:solidFill>
+                  <a:srgbClr val="0000FF"/>
+                </a:solidFill>
+              </a:rPr>
+              <a:t>diedAt:Schomberg House,Pall Mall,London,England</a:t>
             </a:r>
           </a:p>
         </p:txBody>
@@ -3511,30 +5065,252 @@
         <p:spPr>
           <a:xfrm>
             <a:off x="254000" y="254000"/>
-            <a:ext cx="2540000" cy="2540000"/>
-          </a:xfrm>
-          <a:prstGeom prst="rect">
-            <a:avLst/>
-          </a:prstGeom>
-        </p:spPr>
-        <p:txBody>
-          <a:bodyPr anchor="t" rtlCol="false"/>
-          <a:lstStyle/>
-          <a:p>
-            <a:pPr algn="l"/>
-            <a:r>
-              <a:t/>
-            </a:r>
-            <a:endParaRPr lang="en-US" sz="1100"/>
-          </a:p>
-          <a:p>
-            <a:r>
-              <a:rPr lang="en-US" sz="2400">
-                <a:solidFill>
-                  <a:srgbClr val="0000FF"/>
-                </a:solidFill>
-              </a:rPr>
-              <a:t>Louise Caroline Alberta</a:t>
+            <a:ext cx="7620000" cy="317500"/>
+          </a:xfrm>
+          <a:prstGeom prst="rect">
+            <a:avLst/>
+          </a:prstGeom>
+        </p:spPr>
+        <p:txBody>
+          <a:bodyPr anchor="t" rtlCol="false"/>
+          <a:lstStyle/>
+          <a:p>
+            <a:pPr algn="l"/>
+            <a:r>
+              <a:t/>
+            </a:r>
+            <a:endParaRPr lang="en-US" sz="1100"/>
+          </a:p>
+          <a:p>
+            <a:r>
+              <a:rPr lang="en-US" sz="2400">
+                <a:solidFill>
+                  <a:srgbClr val="0000FF"/>
+                </a:solidFill>
+              </a:rPr>
+              <a:t>name:Louise Caroline Alberta</a:t>
+            </a:r>
+          </a:p>
+        </p:txBody>
+      </p:sp>
+      <p:sp>
+        <p:nvSpPr>
+          <p:cNvPr name="TextBox 2" id="3"/>
+          <p:cNvSpPr txBox="true"/>
+          <p:nvPr/>
+        </p:nvSpPr>
+        <p:spPr>
+          <a:xfrm>
+            <a:off x="254000" y="571500"/>
+            <a:ext cx="7620000" cy="317500"/>
+          </a:xfrm>
+          <a:prstGeom prst="rect">
+            <a:avLst/>
+          </a:prstGeom>
+        </p:spPr>
+        <p:txBody>
+          <a:bodyPr anchor="t" rtlCol="false"/>
+          <a:lstStyle/>
+          <a:p>
+            <a:pPr algn="l"/>
+            <a:r>
+              <a:t/>
+            </a:r>
+            <a:endParaRPr lang="en-US" sz="1100"/>
+          </a:p>
+          <a:p>
+            <a:r>
+              <a:rPr lang="en-US" sz="2400">
+                <a:solidFill>
+                  <a:srgbClr val="0000FF"/>
+                </a:solidFill>
+              </a:rPr>
+              <a:t>nobleTitle:Princess</a:t>
+            </a:r>
+          </a:p>
+        </p:txBody>
+      </p:sp>
+      <p:sp>
+        <p:nvSpPr>
+          <p:cNvPr name="TextBox 3" id="4"/>
+          <p:cNvSpPr txBox="true"/>
+          <p:nvPr/>
+        </p:nvSpPr>
+        <p:spPr>
+          <a:xfrm>
+            <a:off x="254000" y="889000"/>
+            <a:ext cx="7620000" cy="317500"/>
+          </a:xfrm>
+          <a:prstGeom prst="rect">
+            <a:avLst/>
+          </a:prstGeom>
+        </p:spPr>
+        <p:txBody>
+          <a:bodyPr anchor="t" rtlCol="false"/>
+          <a:lstStyle/>
+          <a:p>
+            <a:pPr algn="l"/>
+            <a:r>
+              <a:t/>
+            </a:r>
+            <a:endParaRPr lang="en-US" sz="1100"/>
+          </a:p>
+          <a:p>
+            <a:r>
+              <a:rPr lang="en-US" sz="2400">
+                <a:solidFill>
+                  <a:srgbClr val="0000FF"/>
+                </a:solidFill>
+              </a:rPr>
+              <a:t>sex:female</a:t>
+            </a:r>
+          </a:p>
+        </p:txBody>
+      </p:sp>
+      <p:sp>
+        <p:nvSpPr>
+          <p:cNvPr name="TextBox 4" id="5"/>
+          <p:cNvSpPr txBox="true"/>
+          <p:nvPr/>
+        </p:nvSpPr>
+        <p:spPr>
+          <a:xfrm>
+            <a:off x="254000" y="1206500"/>
+            <a:ext cx="7620000" cy="317500"/>
+          </a:xfrm>
+          <a:prstGeom prst="rect">
+            <a:avLst/>
+          </a:prstGeom>
+        </p:spPr>
+        <p:txBody>
+          <a:bodyPr anchor="t" rtlCol="false"/>
+          <a:lstStyle/>
+          <a:p>
+            <a:pPr algn="l"/>
+            <a:r>
+              <a:t/>
+            </a:r>
+            <a:endParaRPr lang="en-US" sz="1100"/>
+          </a:p>
+          <a:p>
+            <a:r>
+              <a:rPr lang="en-US" sz="2400">
+                <a:solidFill>
+                  <a:srgbClr val="0000FF"/>
+                </a:solidFill>
+              </a:rPr>
+              <a:t>yearBorn:1848</a:t>
+            </a:r>
+          </a:p>
+        </p:txBody>
+      </p:sp>
+      <p:sp>
+        <p:nvSpPr>
+          <p:cNvPr name="TextBox 5" id="6"/>
+          <p:cNvSpPr txBox="true"/>
+          <p:nvPr/>
+        </p:nvSpPr>
+        <p:spPr>
+          <a:xfrm>
+            <a:off x="254000" y="1524000"/>
+            <a:ext cx="7620000" cy="317500"/>
+          </a:xfrm>
+          <a:prstGeom prst="rect">
+            <a:avLst/>
+          </a:prstGeom>
+        </p:spPr>
+        <p:txBody>
+          <a:bodyPr anchor="t" rtlCol="false"/>
+          <a:lstStyle/>
+          <a:p>
+            <a:pPr algn="l"/>
+            <a:r>
+              <a:t/>
+            </a:r>
+            <a:endParaRPr lang="en-US" sz="1100"/>
+          </a:p>
+          <a:p>
+            <a:r>
+              <a:rPr lang="en-US" sz="2400">
+                <a:solidFill>
+                  <a:srgbClr val="0000FF"/>
+                </a:solidFill>
+              </a:rPr>
+              <a:t>birthPlace:Buckingham,Palace,London,England</a:t>
+            </a:r>
+          </a:p>
+        </p:txBody>
+      </p:sp>
+      <p:sp>
+        <p:nvSpPr>
+          <p:cNvPr name="TextBox 6" id="7"/>
+          <p:cNvSpPr txBox="true"/>
+          <p:nvPr/>
+        </p:nvSpPr>
+        <p:spPr>
+          <a:xfrm>
+            <a:off x="254000" y="1841500"/>
+            <a:ext cx="7620000" cy="317500"/>
+          </a:xfrm>
+          <a:prstGeom prst="rect">
+            <a:avLst/>
+          </a:prstGeom>
+        </p:spPr>
+        <p:txBody>
+          <a:bodyPr anchor="t" rtlCol="false"/>
+          <a:lstStyle/>
+          <a:p>
+            <a:pPr algn="l"/>
+            <a:r>
+              <a:t/>
+            </a:r>
+            <a:endParaRPr lang="en-US" sz="1100"/>
+          </a:p>
+          <a:p>
+            <a:r>
+              <a:rPr lang="en-US" sz="2400">
+                <a:solidFill>
+                  <a:srgbClr val="0000FF"/>
+                </a:solidFill>
+              </a:rPr>
+              <a:t>yearDied:1939</a:t>
+            </a:r>
+          </a:p>
+        </p:txBody>
+      </p:sp>
+      <p:sp>
+        <p:nvSpPr>
+          <p:cNvPr name="TextBox 7" id="8"/>
+          <p:cNvSpPr txBox="true"/>
+          <p:nvPr/>
+        </p:nvSpPr>
+        <p:spPr>
+          <a:xfrm>
+            <a:off x="254000" y="2159000"/>
+            <a:ext cx="7620000" cy="317500"/>
+          </a:xfrm>
+          <a:prstGeom prst="rect">
+            <a:avLst/>
+          </a:prstGeom>
+        </p:spPr>
+        <p:txBody>
+          <a:bodyPr anchor="t" rtlCol="false"/>
+          <a:lstStyle/>
+          <a:p>
+            <a:pPr algn="l"/>
+            <a:r>
+              <a:t/>
+            </a:r>
+            <a:endParaRPr lang="en-US" sz="1100"/>
+          </a:p>
+          <a:p>
+            <a:r>
+              <a:rPr lang="en-US" sz="2400">
+                <a:solidFill>
+                  <a:srgbClr val="0000FF"/>
+                </a:solidFill>
+              </a:rPr>
+              <a:t>diedAt:Frogmore,,,England</a:t>
             </a:r>
           </a:p>
         </p:txBody>
@@ -3573,30 +5349,252 @@
         <p:spPr>
           <a:xfrm>
             <a:off x="254000" y="254000"/>
-            <a:ext cx="2540000" cy="2540000"/>
-          </a:xfrm>
-          <a:prstGeom prst="rect">
-            <a:avLst/>
-          </a:prstGeom>
-        </p:spPr>
-        <p:txBody>
-          <a:bodyPr anchor="t" rtlCol="false"/>
-          <a:lstStyle/>
-          <a:p>
-            <a:pPr algn="l"/>
-            <a:r>
-              <a:t/>
-            </a:r>
-            <a:endParaRPr lang="en-US" sz="1100"/>
-          </a:p>
-          <a:p>
-            <a:r>
-              <a:rPr lang="en-US" sz="2400">
-                <a:solidFill>
-                  <a:srgbClr val="0000FF"/>
-                </a:solidFill>
-              </a:rPr>
-              <a:t>Arthur William Patrick</a:t>
+            <a:ext cx="7620000" cy="317500"/>
+          </a:xfrm>
+          <a:prstGeom prst="rect">
+            <a:avLst/>
+          </a:prstGeom>
+        </p:spPr>
+        <p:txBody>
+          <a:bodyPr anchor="t" rtlCol="false"/>
+          <a:lstStyle/>
+          <a:p>
+            <a:pPr algn="l"/>
+            <a:r>
+              <a:t/>
+            </a:r>
+            <a:endParaRPr lang="en-US" sz="1100"/>
+          </a:p>
+          <a:p>
+            <a:r>
+              <a:rPr lang="en-US" sz="2400">
+                <a:solidFill>
+                  <a:srgbClr val="0000FF"/>
+                </a:solidFill>
+              </a:rPr>
+              <a:t>name:Arthur William Patrick</a:t>
+            </a:r>
+          </a:p>
+        </p:txBody>
+      </p:sp>
+      <p:sp>
+        <p:nvSpPr>
+          <p:cNvPr name="TextBox 2" id="3"/>
+          <p:cNvSpPr txBox="true"/>
+          <p:nvPr/>
+        </p:nvSpPr>
+        <p:spPr>
+          <a:xfrm>
+            <a:off x="254000" y="571500"/>
+            <a:ext cx="7620000" cy="317500"/>
+          </a:xfrm>
+          <a:prstGeom prst="rect">
+            <a:avLst/>
+          </a:prstGeom>
+        </p:spPr>
+        <p:txBody>
+          <a:bodyPr anchor="t" rtlCol="false"/>
+          <a:lstStyle/>
+          <a:p>
+            <a:pPr algn="l"/>
+            <a:r>
+              <a:t/>
+            </a:r>
+            <a:endParaRPr lang="en-US" sz="1100"/>
+          </a:p>
+          <a:p>
+            <a:r>
+              <a:rPr lang="en-US" sz="2400">
+                <a:solidFill>
+                  <a:srgbClr val="0000FF"/>
+                </a:solidFill>
+              </a:rPr>
+              <a:t>nobleTitle:Prince</a:t>
+            </a:r>
+          </a:p>
+        </p:txBody>
+      </p:sp>
+      <p:sp>
+        <p:nvSpPr>
+          <p:cNvPr name="TextBox 3" id="4"/>
+          <p:cNvSpPr txBox="true"/>
+          <p:nvPr/>
+        </p:nvSpPr>
+        <p:spPr>
+          <a:xfrm>
+            <a:off x="254000" y="889000"/>
+            <a:ext cx="7620000" cy="317500"/>
+          </a:xfrm>
+          <a:prstGeom prst="rect">
+            <a:avLst/>
+          </a:prstGeom>
+        </p:spPr>
+        <p:txBody>
+          <a:bodyPr anchor="t" rtlCol="false"/>
+          <a:lstStyle/>
+          <a:p>
+            <a:pPr algn="l"/>
+            <a:r>
+              <a:t/>
+            </a:r>
+            <a:endParaRPr lang="en-US" sz="1100"/>
+          </a:p>
+          <a:p>
+            <a:r>
+              <a:rPr lang="en-US" sz="2400">
+                <a:solidFill>
+                  <a:srgbClr val="0000FF"/>
+                </a:solidFill>
+              </a:rPr>
+              <a:t>sex:male</a:t>
+            </a:r>
+          </a:p>
+        </p:txBody>
+      </p:sp>
+      <p:sp>
+        <p:nvSpPr>
+          <p:cNvPr name="TextBox 4" id="5"/>
+          <p:cNvSpPr txBox="true"/>
+          <p:nvPr/>
+        </p:nvSpPr>
+        <p:spPr>
+          <a:xfrm>
+            <a:off x="254000" y="1206500"/>
+            <a:ext cx="7620000" cy="317500"/>
+          </a:xfrm>
+          <a:prstGeom prst="rect">
+            <a:avLst/>
+          </a:prstGeom>
+        </p:spPr>
+        <p:txBody>
+          <a:bodyPr anchor="t" rtlCol="false"/>
+          <a:lstStyle/>
+          <a:p>
+            <a:pPr algn="l"/>
+            <a:r>
+              <a:t/>
+            </a:r>
+            <a:endParaRPr lang="en-US" sz="1100"/>
+          </a:p>
+          <a:p>
+            <a:r>
+              <a:rPr lang="en-US" sz="2400">
+                <a:solidFill>
+                  <a:srgbClr val="0000FF"/>
+                </a:solidFill>
+              </a:rPr>
+              <a:t>yearBorn:1850</a:t>
+            </a:r>
+          </a:p>
+        </p:txBody>
+      </p:sp>
+      <p:sp>
+        <p:nvSpPr>
+          <p:cNvPr name="TextBox 5" id="6"/>
+          <p:cNvSpPr txBox="true"/>
+          <p:nvPr/>
+        </p:nvSpPr>
+        <p:spPr>
+          <a:xfrm>
+            <a:off x="254000" y="1524000"/>
+            <a:ext cx="7620000" cy="317500"/>
+          </a:xfrm>
+          <a:prstGeom prst="rect">
+            <a:avLst/>
+          </a:prstGeom>
+        </p:spPr>
+        <p:txBody>
+          <a:bodyPr anchor="t" rtlCol="false"/>
+          <a:lstStyle/>
+          <a:p>
+            <a:pPr algn="l"/>
+            <a:r>
+              <a:t/>
+            </a:r>
+            <a:endParaRPr lang="en-US" sz="1100"/>
+          </a:p>
+          <a:p>
+            <a:r>
+              <a:rPr lang="en-US" sz="2400">
+                <a:solidFill>
+                  <a:srgbClr val="0000FF"/>
+                </a:solidFill>
+              </a:rPr>
+              <a:t>birthPlace:Buckingham,Palace,London,England</a:t>
+            </a:r>
+          </a:p>
+        </p:txBody>
+      </p:sp>
+      <p:sp>
+        <p:nvSpPr>
+          <p:cNvPr name="TextBox 6" id="7"/>
+          <p:cNvSpPr txBox="true"/>
+          <p:nvPr/>
+        </p:nvSpPr>
+        <p:spPr>
+          <a:xfrm>
+            <a:off x="254000" y="1841500"/>
+            <a:ext cx="7620000" cy="317500"/>
+          </a:xfrm>
+          <a:prstGeom prst="rect">
+            <a:avLst/>
+          </a:prstGeom>
+        </p:spPr>
+        <p:txBody>
+          <a:bodyPr anchor="t" rtlCol="false"/>
+          <a:lstStyle/>
+          <a:p>
+            <a:pPr algn="l"/>
+            <a:r>
+              <a:t/>
+            </a:r>
+            <a:endParaRPr lang="en-US" sz="1100"/>
+          </a:p>
+          <a:p>
+            <a:r>
+              <a:rPr lang="en-US" sz="2400">
+                <a:solidFill>
+                  <a:srgbClr val="0000FF"/>
+                </a:solidFill>
+              </a:rPr>
+              <a:t>yearDied:1942</a:t>
+            </a:r>
+          </a:p>
+        </p:txBody>
+      </p:sp>
+      <p:sp>
+        <p:nvSpPr>
+          <p:cNvPr name="TextBox 7" id="8"/>
+          <p:cNvSpPr txBox="true"/>
+          <p:nvPr/>
+        </p:nvSpPr>
+        <p:spPr>
+          <a:xfrm>
+            <a:off x="254000" y="2159000"/>
+            <a:ext cx="7620000" cy="317500"/>
+          </a:xfrm>
+          <a:prstGeom prst="rect">
+            <a:avLst/>
+          </a:prstGeom>
+        </p:spPr>
+        <p:txBody>
+          <a:bodyPr anchor="t" rtlCol="false"/>
+          <a:lstStyle/>
+          <a:p>
+            <a:pPr algn="l"/>
+            <a:r>
+              <a:t/>
+            </a:r>
+            <a:endParaRPr lang="en-US" sz="1100"/>
+          </a:p>
+          <a:p>
+            <a:r>
+              <a:rPr lang="en-US" sz="2400">
+                <a:solidFill>
+                  <a:srgbClr val="0000FF"/>
+                </a:solidFill>
+              </a:rPr>
+              <a:t>diedAt:Bagshot Park,Surrey</a:t>
             </a:r>
           </a:p>
         </p:txBody>
@@ -3635,30 +5633,252 @@
         <p:spPr>
           <a:xfrm>
             <a:off x="254000" y="254000"/>
-            <a:ext cx="2540000" cy="2540000"/>
-          </a:xfrm>
-          <a:prstGeom prst="rect">
-            <a:avLst/>
-          </a:prstGeom>
-        </p:spPr>
-        <p:txBody>
-          <a:bodyPr anchor="t" rtlCol="false"/>
-          <a:lstStyle/>
-          <a:p>
-            <a:pPr algn="l"/>
-            <a:r>
-              <a:t/>
-            </a:r>
-            <a:endParaRPr lang="en-US" sz="1100"/>
-          </a:p>
-          <a:p>
-            <a:r>
-              <a:rPr lang="en-US" sz="2400">
-                <a:solidFill>
-                  <a:srgbClr val="0000FF"/>
-                </a:solidFill>
-              </a:rPr>
-              <a:t>Leopold George Duncan</a:t>
+            <a:ext cx="7620000" cy="317500"/>
+          </a:xfrm>
+          <a:prstGeom prst="rect">
+            <a:avLst/>
+          </a:prstGeom>
+        </p:spPr>
+        <p:txBody>
+          <a:bodyPr anchor="t" rtlCol="false"/>
+          <a:lstStyle/>
+          <a:p>
+            <a:pPr algn="l"/>
+            <a:r>
+              <a:t/>
+            </a:r>
+            <a:endParaRPr lang="en-US" sz="1100"/>
+          </a:p>
+          <a:p>
+            <a:r>
+              <a:rPr lang="en-US" sz="2400">
+                <a:solidFill>
+                  <a:srgbClr val="0000FF"/>
+                </a:solidFill>
+              </a:rPr>
+              <a:t>name:Leopold George Duncan</a:t>
+            </a:r>
+          </a:p>
+        </p:txBody>
+      </p:sp>
+      <p:sp>
+        <p:nvSpPr>
+          <p:cNvPr name="TextBox 2" id="3"/>
+          <p:cNvSpPr txBox="true"/>
+          <p:nvPr/>
+        </p:nvSpPr>
+        <p:spPr>
+          <a:xfrm>
+            <a:off x="254000" y="571500"/>
+            <a:ext cx="7620000" cy="317500"/>
+          </a:xfrm>
+          <a:prstGeom prst="rect">
+            <a:avLst/>
+          </a:prstGeom>
+        </p:spPr>
+        <p:txBody>
+          <a:bodyPr anchor="t" rtlCol="false"/>
+          <a:lstStyle/>
+          <a:p>
+            <a:pPr algn="l"/>
+            <a:r>
+              <a:t/>
+            </a:r>
+            <a:endParaRPr lang="en-US" sz="1100"/>
+          </a:p>
+          <a:p>
+            <a:r>
+              <a:rPr lang="en-US" sz="2400">
+                <a:solidFill>
+                  <a:srgbClr val="0000FF"/>
+                </a:solidFill>
+              </a:rPr>
+              <a:t>nobleTitle:Prince</a:t>
+            </a:r>
+          </a:p>
+        </p:txBody>
+      </p:sp>
+      <p:sp>
+        <p:nvSpPr>
+          <p:cNvPr name="TextBox 3" id="4"/>
+          <p:cNvSpPr txBox="true"/>
+          <p:nvPr/>
+        </p:nvSpPr>
+        <p:spPr>
+          <a:xfrm>
+            <a:off x="254000" y="889000"/>
+            <a:ext cx="7620000" cy="317500"/>
+          </a:xfrm>
+          <a:prstGeom prst="rect">
+            <a:avLst/>
+          </a:prstGeom>
+        </p:spPr>
+        <p:txBody>
+          <a:bodyPr anchor="t" rtlCol="false"/>
+          <a:lstStyle/>
+          <a:p>
+            <a:pPr algn="l"/>
+            <a:r>
+              <a:t/>
+            </a:r>
+            <a:endParaRPr lang="en-US" sz="1100"/>
+          </a:p>
+          <a:p>
+            <a:r>
+              <a:rPr lang="en-US" sz="2400">
+                <a:solidFill>
+                  <a:srgbClr val="0000FF"/>
+                </a:solidFill>
+              </a:rPr>
+              <a:t>sex:male</a:t>
+            </a:r>
+          </a:p>
+        </p:txBody>
+      </p:sp>
+      <p:sp>
+        <p:nvSpPr>
+          <p:cNvPr name="TextBox 4" id="5"/>
+          <p:cNvSpPr txBox="true"/>
+          <p:nvPr/>
+        </p:nvSpPr>
+        <p:spPr>
+          <a:xfrm>
+            <a:off x="254000" y="1206500"/>
+            <a:ext cx="7620000" cy="317500"/>
+          </a:xfrm>
+          <a:prstGeom prst="rect">
+            <a:avLst/>
+          </a:prstGeom>
+        </p:spPr>
+        <p:txBody>
+          <a:bodyPr anchor="t" rtlCol="false"/>
+          <a:lstStyle/>
+          <a:p>
+            <a:pPr algn="l"/>
+            <a:r>
+              <a:t/>
+            </a:r>
+            <a:endParaRPr lang="en-US" sz="1100"/>
+          </a:p>
+          <a:p>
+            <a:r>
+              <a:rPr lang="en-US" sz="2400">
+                <a:solidFill>
+                  <a:srgbClr val="0000FF"/>
+                </a:solidFill>
+              </a:rPr>
+              <a:t>yearBorn:1853</a:t>
+            </a:r>
+          </a:p>
+        </p:txBody>
+      </p:sp>
+      <p:sp>
+        <p:nvSpPr>
+          <p:cNvPr name="TextBox 5" id="6"/>
+          <p:cNvSpPr txBox="true"/>
+          <p:nvPr/>
+        </p:nvSpPr>
+        <p:spPr>
+          <a:xfrm>
+            <a:off x="254000" y="1524000"/>
+            <a:ext cx="7620000" cy="317500"/>
+          </a:xfrm>
+          <a:prstGeom prst="rect">
+            <a:avLst/>
+          </a:prstGeom>
+        </p:spPr>
+        <p:txBody>
+          <a:bodyPr anchor="t" rtlCol="false"/>
+          <a:lstStyle/>
+          <a:p>
+            <a:pPr algn="l"/>
+            <a:r>
+              <a:t/>
+            </a:r>
+            <a:endParaRPr lang="en-US" sz="1100"/>
+          </a:p>
+          <a:p>
+            <a:r>
+              <a:rPr lang="en-US" sz="2400">
+                <a:solidFill>
+                  <a:srgbClr val="0000FF"/>
+                </a:solidFill>
+              </a:rPr>
+              <a:t>birthPlace:Buckingham,Palace,London,England</a:t>
+            </a:r>
+          </a:p>
+        </p:txBody>
+      </p:sp>
+      <p:sp>
+        <p:nvSpPr>
+          <p:cNvPr name="TextBox 6" id="7"/>
+          <p:cNvSpPr txBox="true"/>
+          <p:nvPr/>
+        </p:nvSpPr>
+        <p:spPr>
+          <a:xfrm>
+            <a:off x="254000" y="1841500"/>
+            <a:ext cx="7620000" cy="317500"/>
+          </a:xfrm>
+          <a:prstGeom prst="rect">
+            <a:avLst/>
+          </a:prstGeom>
+        </p:spPr>
+        <p:txBody>
+          <a:bodyPr anchor="t" rtlCol="false"/>
+          <a:lstStyle/>
+          <a:p>
+            <a:pPr algn="l"/>
+            <a:r>
+              <a:t/>
+            </a:r>
+            <a:endParaRPr lang="en-US" sz="1100"/>
+          </a:p>
+          <a:p>
+            <a:r>
+              <a:rPr lang="en-US" sz="2400">
+                <a:solidFill>
+                  <a:srgbClr val="0000FF"/>
+                </a:solidFill>
+              </a:rPr>
+              <a:t>yearDied:1884</a:t>
+            </a:r>
+          </a:p>
+        </p:txBody>
+      </p:sp>
+      <p:sp>
+        <p:nvSpPr>
+          <p:cNvPr name="TextBox 7" id="8"/>
+          <p:cNvSpPr txBox="true"/>
+          <p:nvPr/>
+        </p:nvSpPr>
+        <p:spPr>
+          <a:xfrm>
+            <a:off x="254000" y="2159000"/>
+            <a:ext cx="7620000" cy="317500"/>
+          </a:xfrm>
+          <a:prstGeom prst="rect">
+            <a:avLst/>
+          </a:prstGeom>
+        </p:spPr>
+        <p:txBody>
+          <a:bodyPr anchor="t" rtlCol="false"/>
+          <a:lstStyle/>
+          <a:p>
+            <a:pPr algn="l"/>
+            <a:r>
+              <a:t/>
+            </a:r>
+            <a:endParaRPr lang="en-US" sz="1100"/>
+          </a:p>
+          <a:p>
+            <a:r>
+              <a:rPr lang="en-US" sz="2400">
+                <a:solidFill>
+                  <a:srgbClr val="0000FF"/>
+                </a:solidFill>
+              </a:rPr>
+              <a:t>diedAt:Cannes</a:t>
             </a:r>
           </a:p>
         </p:txBody>

--- a/QueenVictoria.pptx
+++ b/QueenVictoria.pptx
@@ -9603,6 +9603,80 @@
           </a:p>
         </p:txBody>
       </p:sp>
+      <p:sp>
+        <p:nvSpPr>
+          <p:cNvPr name="TextBox 3" id="4"/>
+          <p:cNvSpPr txBox="true"/>
+          <p:nvPr/>
+        </p:nvSpPr>
+        <p:spPr>
+          <a:xfrm>
+            <a:off x="254000" y="635000"/>
+            <a:ext cx="1905000" cy="381000"/>
+          </a:xfrm>
+          <a:prstGeom prst="rect">
+            <a:avLst/>
+          </a:prstGeom>
+        </p:spPr>
+        <p:txBody>
+          <a:bodyPr anchor="t" rtlCol="false"/>
+          <a:lstStyle/>
+          <a:p>
+            <a:pPr algn="l"/>
+            <a:r>
+              <a:t/>
+            </a:r>
+            <a:endParaRPr lang="en-US" sz="1100"/>
+          </a:p>
+          <a:p>
+            <a:r>
+              <a:rPr lang="en-US" sz="2400">
+                <a:solidFill>
+                  <a:srgbClr val="000000"/>
+                </a:solidFill>
+              </a:rPr>
+              <a:t>image:</a:t>
+            </a:r>
+          </a:p>
+        </p:txBody>
+      </p:sp>
+      <p:sp>
+        <p:nvSpPr>
+          <p:cNvPr name="TextBox 4" id="5"/>
+          <p:cNvSpPr txBox="true"/>
+          <p:nvPr/>
+        </p:nvSpPr>
+        <p:spPr>
+          <a:xfrm>
+            <a:off x="2159000" y="635000"/>
+            <a:ext cx="6350000" cy="381000"/>
+          </a:xfrm>
+          <a:prstGeom prst="rect">
+            <a:avLst/>
+          </a:prstGeom>
+        </p:spPr>
+        <p:txBody>
+          <a:bodyPr anchor="t" rtlCol="false"/>
+          <a:lstStyle/>
+          <a:p>
+            <a:pPr algn="l"/>
+            <a:r>
+              <a:t/>
+            </a:r>
+            <a:endParaRPr lang="en-US" sz="1100"/>
+          </a:p>
+          <a:p>
+            <a:r>
+              <a:rPr lang="en-US" sz="2400">
+                <a:solidFill>
+                  <a:srgbClr val="0000FF"/>
+                </a:solidFill>
+              </a:rPr>
+              <a:t>"Queen Victoria by Bassano.jpg"</a:t>
+            </a:r>
+          </a:p>
+        </p:txBody>
+      </p:sp>
     </p:spTree>
   </p:cSld>
   <p:clrMapOvr>
@@ -9703,6 +9777,80 @@
           </a:p>
         </p:txBody>
       </p:sp>
+      <p:sp>
+        <p:nvSpPr>
+          <p:cNvPr name="TextBox 3" id="4"/>
+          <p:cNvSpPr txBox="true"/>
+          <p:nvPr/>
+        </p:nvSpPr>
+        <p:spPr>
+          <a:xfrm>
+            <a:off x="254000" y="635000"/>
+            <a:ext cx="1905000" cy="381000"/>
+          </a:xfrm>
+          <a:prstGeom prst="rect">
+            <a:avLst/>
+          </a:prstGeom>
+        </p:spPr>
+        <p:txBody>
+          <a:bodyPr anchor="t" rtlCol="false"/>
+          <a:lstStyle/>
+          <a:p>
+            <a:pPr algn="l"/>
+            <a:r>
+              <a:t/>
+            </a:r>
+            <a:endParaRPr lang="en-US" sz="1100"/>
+          </a:p>
+          <a:p>
+            <a:r>
+              <a:rPr lang="en-US" sz="2400">
+                <a:solidFill>
+                  <a:srgbClr val="000000"/>
+                </a:solidFill>
+              </a:rPr>
+              <a:t>image:</a:t>
+            </a:r>
+          </a:p>
+        </p:txBody>
+      </p:sp>
+      <p:sp>
+        <p:nvSpPr>
+          <p:cNvPr name="TextBox 4" id="5"/>
+          <p:cNvSpPr txBox="true"/>
+          <p:nvPr/>
+        </p:nvSpPr>
+        <p:spPr>
+          <a:xfrm>
+            <a:off x="2159000" y="635000"/>
+            <a:ext cx="6350000" cy="381000"/>
+          </a:xfrm>
+          <a:prstGeom prst="rect">
+            <a:avLst/>
+          </a:prstGeom>
+        </p:spPr>
+        <p:txBody>
+          <a:bodyPr anchor="t" rtlCol="false"/>
+          <a:lstStyle/>
+          <a:p>
+            <a:pPr algn="l"/>
+            <a:r>
+              <a:t/>
+            </a:r>
+            <a:endParaRPr lang="en-US" sz="1100"/>
+          </a:p>
+          <a:p>
+            <a:r>
+              <a:rPr lang="en-US" sz="2400">
+                <a:solidFill>
+                  <a:srgbClr val="0000FF"/>
+                </a:solidFill>
+              </a:rPr>
+              <a:t>"Laszlo - Princess Henry of Battenberg.jpg"</a:t>
+            </a:r>
+          </a:p>
+        </p:txBody>
+      </p:sp>
     </p:spTree>
   </p:cSld>
   <p:clrMapOvr>
@@ -9803,6 +9951,80 @@
           </a:p>
         </p:txBody>
       </p:sp>
+      <p:sp>
+        <p:nvSpPr>
+          <p:cNvPr name="TextBox 3" id="4"/>
+          <p:cNvSpPr txBox="true"/>
+          <p:nvPr/>
+        </p:nvSpPr>
+        <p:spPr>
+          <a:xfrm>
+            <a:off x="254000" y="635000"/>
+            <a:ext cx="1905000" cy="381000"/>
+          </a:xfrm>
+          <a:prstGeom prst="rect">
+            <a:avLst/>
+          </a:prstGeom>
+        </p:spPr>
+        <p:txBody>
+          <a:bodyPr anchor="t" rtlCol="false"/>
+          <a:lstStyle/>
+          <a:p>
+            <a:pPr algn="l"/>
+            <a:r>
+              <a:t/>
+            </a:r>
+            <a:endParaRPr lang="en-US" sz="1100"/>
+          </a:p>
+          <a:p>
+            <a:r>
+              <a:rPr lang="en-US" sz="2400">
+                <a:solidFill>
+                  <a:srgbClr val="000000"/>
+                </a:solidFill>
+              </a:rPr>
+              <a:t>image:</a:t>
+            </a:r>
+          </a:p>
+        </p:txBody>
+      </p:sp>
+      <p:sp>
+        <p:nvSpPr>
+          <p:cNvPr name="TextBox 4" id="5"/>
+          <p:cNvSpPr txBox="true"/>
+          <p:nvPr/>
+        </p:nvSpPr>
+        <p:spPr>
+          <a:xfrm>
+            <a:off x="2159000" y="635000"/>
+            <a:ext cx="6350000" cy="381000"/>
+          </a:xfrm>
+          <a:prstGeom prst="rect">
+            <a:avLst/>
+          </a:prstGeom>
+        </p:spPr>
+        <p:txBody>
+          <a:bodyPr anchor="t" rtlCol="false"/>
+          <a:lstStyle/>
+          <a:p>
+            <a:pPr algn="l"/>
+            <a:r>
+              <a:t/>
+            </a:r>
+            <a:endParaRPr lang="en-US" sz="1100"/>
+          </a:p>
+          <a:p>
+            <a:r>
+              <a:rPr lang="en-US" sz="2400">
+                <a:solidFill>
+                  <a:srgbClr val="0000FF"/>
+                </a:solidFill>
+              </a:rPr>
+              <a:t>"Victoria, Princess Royal.jpg"</a:t>
+            </a:r>
+          </a:p>
+        </p:txBody>
+      </p:sp>
     </p:spTree>
   </p:cSld>
   <p:clrMapOvr>
@@ -9903,6 +10125,80 @@
           </a:p>
         </p:txBody>
       </p:sp>
+      <p:sp>
+        <p:nvSpPr>
+          <p:cNvPr name="TextBox 3" id="4"/>
+          <p:cNvSpPr txBox="true"/>
+          <p:nvPr/>
+        </p:nvSpPr>
+        <p:spPr>
+          <a:xfrm>
+            <a:off x="254000" y="635000"/>
+            <a:ext cx="1905000" cy="381000"/>
+          </a:xfrm>
+          <a:prstGeom prst="rect">
+            <a:avLst/>
+          </a:prstGeom>
+        </p:spPr>
+        <p:txBody>
+          <a:bodyPr anchor="t" rtlCol="false"/>
+          <a:lstStyle/>
+          <a:p>
+            <a:pPr algn="l"/>
+            <a:r>
+              <a:t/>
+            </a:r>
+            <a:endParaRPr lang="en-US" sz="1100"/>
+          </a:p>
+          <a:p>
+            <a:r>
+              <a:rPr lang="en-US" sz="2400">
+                <a:solidFill>
+                  <a:srgbClr val="000000"/>
+                </a:solidFill>
+              </a:rPr>
+              <a:t>image:</a:t>
+            </a:r>
+          </a:p>
+        </p:txBody>
+      </p:sp>
+      <p:sp>
+        <p:nvSpPr>
+          <p:cNvPr name="TextBox 4" id="5"/>
+          <p:cNvSpPr txBox="true"/>
+          <p:nvPr/>
+        </p:nvSpPr>
+        <p:spPr>
+          <a:xfrm>
+            <a:off x="2159000" y="635000"/>
+            <a:ext cx="6350000" cy="381000"/>
+          </a:xfrm>
+          <a:prstGeom prst="rect">
+            <a:avLst/>
+          </a:prstGeom>
+        </p:spPr>
+        <p:txBody>
+          <a:bodyPr anchor="t" rtlCol="false"/>
+          <a:lstStyle/>
+          <a:p>
+            <a:pPr algn="l"/>
+            <a:r>
+              <a:t/>
+            </a:r>
+            <a:endParaRPr lang="en-US" sz="1100"/>
+          </a:p>
+          <a:p>
+            <a:r>
+              <a:rPr lang="en-US" sz="2400">
+                <a:solidFill>
+                  <a:srgbClr val="0000FF"/>
+                </a:solidFill>
+              </a:rPr>
+              <a:t>"Edward VII in coronation robes.jpg"</a:t>
+            </a:r>
+          </a:p>
+        </p:txBody>
+      </p:sp>
     </p:spTree>
   </p:cSld>
   <p:clrMapOvr>
@@ -10003,6 +10299,80 @@
           </a:p>
         </p:txBody>
       </p:sp>
+      <p:sp>
+        <p:nvSpPr>
+          <p:cNvPr name="TextBox 3" id="4"/>
+          <p:cNvSpPr txBox="true"/>
+          <p:nvPr/>
+        </p:nvSpPr>
+        <p:spPr>
+          <a:xfrm>
+            <a:off x="254000" y="635000"/>
+            <a:ext cx="1905000" cy="381000"/>
+          </a:xfrm>
+          <a:prstGeom prst="rect">
+            <a:avLst/>
+          </a:prstGeom>
+        </p:spPr>
+        <p:txBody>
+          <a:bodyPr anchor="t" rtlCol="false"/>
+          <a:lstStyle/>
+          <a:p>
+            <a:pPr algn="l"/>
+            <a:r>
+              <a:t/>
+            </a:r>
+            <a:endParaRPr lang="en-US" sz="1100"/>
+          </a:p>
+          <a:p>
+            <a:r>
+              <a:rPr lang="en-US" sz="2400">
+                <a:solidFill>
+                  <a:srgbClr val="000000"/>
+                </a:solidFill>
+              </a:rPr>
+              <a:t>image:</a:t>
+            </a:r>
+          </a:p>
+        </p:txBody>
+      </p:sp>
+      <p:sp>
+        <p:nvSpPr>
+          <p:cNvPr name="TextBox 4" id="5"/>
+          <p:cNvSpPr txBox="true"/>
+          <p:nvPr/>
+        </p:nvSpPr>
+        <p:spPr>
+          <a:xfrm>
+            <a:off x="2159000" y="635000"/>
+            <a:ext cx="6350000" cy="381000"/>
+          </a:xfrm>
+          <a:prstGeom prst="rect">
+            <a:avLst/>
+          </a:prstGeom>
+        </p:spPr>
+        <p:txBody>
+          <a:bodyPr anchor="t" rtlCol="false"/>
+          <a:lstStyle/>
+          <a:p>
+            <a:pPr algn="l"/>
+            <a:r>
+              <a:t/>
+            </a:r>
+            <a:endParaRPr lang="en-US" sz="1100"/>
+          </a:p>
+          <a:p>
+            <a:r>
+              <a:rPr lang="en-US" sz="2400">
+                <a:solidFill>
+                  <a:srgbClr val="0000FF"/>
+                </a:solidFill>
+              </a:rPr>
+              <a:t>"Princess Alice 1861.png"</a:t>
+            </a:r>
+          </a:p>
+        </p:txBody>
+      </p:sp>
     </p:spTree>
   </p:cSld>
   <p:clrMapOvr>
@@ -10103,6 +10473,80 @@
           </a:p>
         </p:txBody>
       </p:sp>
+      <p:sp>
+        <p:nvSpPr>
+          <p:cNvPr name="TextBox 3" id="4"/>
+          <p:cNvSpPr txBox="true"/>
+          <p:nvPr/>
+        </p:nvSpPr>
+        <p:spPr>
+          <a:xfrm>
+            <a:off x="254000" y="635000"/>
+            <a:ext cx="1905000" cy="381000"/>
+          </a:xfrm>
+          <a:prstGeom prst="rect">
+            <a:avLst/>
+          </a:prstGeom>
+        </p:spPr>
+        <p:txBody>
+          <a:bodyPr anchor="t" rtlCol="false"/>
+          <a:lstStyle/>
+          <a:p>
+            <a:pPr algn="l"/>
+            <a:r>
+              <a:t/>
+            </a:r>
+            <a:endParaRPr lang="en-US" sz="1100"/>
+          </a:p>
+          <a:p>
+            <a:r>
+              <a:rPr lang="en-US" sz="2400">
+                <a:solidFill>
+                  <a:srgbClr val="000000"/>
+                </a:solidFill>
+              </a:rPr>
+              <a:t>image:</a:t>
+            </a:r>
+          </a:p>
+        </p:txBody>
+      </p:sp>
+      <p:sp>
+        <p:nvSpPr>
+          <p:cNvPr name="TextBox 4" id="5"/>
+          <p:cNvSpPr txBox="true"/>
+          <p:nvPr/>
+        </p:nvSpPr>
+        <p:spPr>
+          <a:xfrm>
+            <a:off x="2159000" y="635000"/>
+            <a:ext cx="6350000" cy="381000"/>
+          </a:xfrm>
+          <a:prstGeom prst="rect">
+            <a:avLst/>
+          </a:prstGeom>
+        </p:spPr>
+        <p:txBody>
+          <a:bodyPr anchor="t" rtlCol="false"/>
+          <a:lstStyle/>
+          <a:p>
+            <a:pPr algn="l"/>
+            <a:r>
+              <a:t/>
+            </a:r>
+            <a:endParaRPr lang="en-US" sz="1100"/>
+          </a:p>
+          <a:p>
+            <a:r>
+              <a:rPr lang="en-US" sz="2400">
+                <a:solidFill>
+                  <a:srgbClr val="0000FF"/>
+                </a:solidFill>
+              </a:rPr>
+              <a:t>"Alfred-sachsen-coburg-gotha.jpg"</a:t>
+            </a:r>
+          </a:p>
+        </p:txBody>
+      </p:sp>
     </p:spTree>
   </p:cSld>
   <p:clrMapOvr>
@@ -10203,6 +10647,80 @@
           </a:p>
         </p:txBody>
       </p:sp>
+      <p:sp>
+        <p:nvSpPr>
+          <p:cNvPr name="TextBox 3" id="4"/>
+          <p:cNvSpPr txBox="true"/>
+          <p:nvPr/>
+        </p:nvSpPr>
+        <p:spPr>
+          <a:xfrm>
+            <a:off x="254000" y="635000"/>
+            <a:ext cx="1905000" cy="381000"/>
+          </a:xfrm>
+          <a:prstGeom prst="rect">
+            <a:avLst/>
+          </a:prstGeom>
+        </p:spPr>
+        <p:txBody>
+          <a:bodyPr anchor="t" rtlCol="false"/>
+          <a:lstStyle/>
+          <a:p>
+            <a:pPr algn="l"/>
+            <a:r>
+              <a:t/>
+            </a:r>
+            <a:endParaRPr lang="en-US" sz="1100"/>
+          </a:p>
+          <a:p>
+            <a:r>
+              <a:rPr lang="en-US" sz="2400">
+                <a:solidFill>
+                  <a:srgbClr val="000000"/>
+                </a:solidFill>
+              </a:rPr>
+              <a:t>image:</a:t>
+            </a:r>
+          </a:p>
+        </p:txBody>
+      </p:sp>
+      <p:sp>
+        <p:nvSpPr>
+          <p:cNvPr name="TextBox 4" id="5"/>
+          <p:cNvSpPr txBox="true"/>
+          <p:nvPr/>
+        </p:nvSpPr>
+        <p:spPr>
+          <a:xfrm>
+            <a:off x="2159000" y="635000"/>
+            <a:ext cx="6350000" cy="381000"/>
+          </a:xfrm>
+          <a:prstGeom prst="rect">
+            <a:avLst/>
+          </a:prstGeom>
+        </p:spPr>
+        <p:txBody>
+          <a:bodyPr anchor="t" rtlCol="false"/>
+          <a:lstStyle/>
+          <a:p>
+            <a:pPr algn="l"/>
+            <a:r>
+              <a:t/>
+            </a:r>
+            <a:endParaRPr lang="en-US" sz="1100"/>
+          </a:p>
+          <a:p>
+            <a:r>
+              <a:rPr lang="en-US" sz="2400">
+                <a:solidFill>
+                  <a:srgbClr val="0000FF"/>
+                </a:solidFill>
+              </a:rPr>
+              <a:t>"Helena scan.jpg"</a:t>
+            </a:r>
+          </a:p>
+        </p:txBody>
+      </p:sp>
     </p:spTree>
   </p:cSld>
   <p:clrMapOvr>
@@ -10303,6 +10821,80 @@
           </a:p>
         </p:txBody>
       </p:sp>
+      <p:sp>
+        <p:nvSpPr>
+          <p:cNvPr name="TextBox 3" id="4"/>
+          <p:cNvSpPr txBox="true"/>
+          <p:nvPr/>
+        </p:nvSpPr>
+        <p:spPr>
+          <a:xfrm>
+            <a:off x="254000" y="635000"/>
+            <a:ext cx="1905000" cy="381000"/>
+          </a:xfrm>
+          <a:prstGeom prst="rect">
+            <a:avLst/>
+          </a:prstGeom>
+        </p:spPr>
+        <p:txBody>
+          <a:bodyPr anchor="t" rtlCol="false"/>
+          <a:lstStyle/>
+          <a:p>
+            <a:pPr algn="l"/>
+            <a:r>
+              <a:t/>
+            </a:r>
+            <a:endParaRPr lang="en-US" sz="1100"/>
+          </a:p>
+          <a:p>
+            <a:r>
+              <a:rPr lang="en-US" sz="2400">
+                <a:solidFill>
+                  <a:srgbClr val="000000"/>
+                </a:solidFill>
+              </a:rPr>
+              <a:t>image:</a:t>
+            </a:r>
+          </a:p>
+        </p:txBody>
+      </p:sp>
+      <p:sp>
+        <p:nvSpPr>
+          <p:cNvPr name="TextBox 4" id="5"/>
+          <p:cNvSpPr txBox="true"/>
+          <p:nvPr/>
+        </p:nvSpPr>
+        <p:spPr>
+          <a:xfrm>
+            <a:off x="2159000" y="635000"/>
+            <a:ext cx="6350000" cy="381000"/>
+          </a:xfrm>
+          <a:prstGeom prst="rect">
+            <a:avLst/>
+          </a:prstGeom>
+        </p:spPr>
+        <p:txBody>
+          <a:bodyPr anchor="t" rtlCol="false"/>
+          <a:lstStyle/>
+          <a:p>
+            <a:pPr algn="l"/>
+            <a:r>
+              <a:t/>
+            </a:r>
+            <a:endParaRPr lang="en-US" sz="1100"/>
+          </a:p>
+          <a:p>
+            <a:r>
+              <a:rPr lang="en-US" sz="2400">
+                <a:solidFill>
+                  <a:srgbClr val="0000FF"/>
+                </a:solidFill>
+              </a:rPr>
+              <a:t>"Princess Louise 1901 copy.jpg"</a:t>
+            </a:r>
+          </a:p>
+        </p:txBody>
+      </p:sp>
     </p:spTree>
   </p:cSld>
   <p:clrMapOvr>
@@ -10403,6 +10995,80 @@
           </a:p>
         </p:txBody>
       </p:sp>
+      <p:sp>
+        <p:nvSpPr>
+          <p:cNvPr name="TextBox 3" id="4"/>
+          <p:cNvSpPr txBox="true"/>
+          <p:nvPr/>
+        </p:nvSpPr>
+        <p:spPr>
+          <a:xfrm>
+            <a:off x="254000" y="635000"/>
+            <a:ext cx="1905000" cy="381000"/>
+          </a:xfrm>
+          <a:prstGeom prst="rect">
+            <a:avLst/>
+          </a:prstGeom>
+        </p:spPr>
+        <p:txBody>
+          <a:bodyPr anchor="t" rtlCol="false"/>
+          <a:lstStyle/>
+          <a:p>
+            <a:pPr algn="l"/>
+            <a:r>
+              <a:t/>
+            </a:r>
+            <a:endParaRPr lang="en-US" sz="1100"/>
+          </a:p>
+          <a:p>
+            <a:r>
+              <a:rPr lang="en-US" sz="2400">
+                <a:solidFill>
+                  <a:srgbClr val="000000"/>
+                </a:solidFill>
+              </a:rPr>
+              <a:t>image:</a:t>
+            </a:r>
+          </a:p>
+        </p:txBody>
+      </p:sp>
+      <p:sp>
+        <p:nvSpPr>
+          <p:cNvPr name="TextBox 4" id="5"/>
+          <p:cNvSpPr txBox="true"/>
+          <p:nvPr/>
+        </p:nvSpPr>
+        <p:spPr>
+          <a:xfrm>
+            <a:off x="2159000" y="635000"/>
+            <a:ext cx="6350000" cy="381000"/>
+          </a:xfrm>
+          <a:prstGeom prst="rect">
+            <a:avLst/>
+          </a:prstGeom>
+        </p:spPr>
+        <p:txBody>
+          <a:bodyPr anchor="t" rtlCol="false"/>
+          <a:lstStyle/>
+          <a:p>
+            <a:pPr algn="l"/>
+            <a:r>
+              <a:t/>
+            </a:r>
+            <a:endParaRPr lang="en-US" sz="1100"/>
+          </a:p>
+          <a:p>
+            <a:r>
+              <a:rPr lang="en-US" sz="2400">
+                <a:solidFill>
+                  <a:srgbClr val="0000FF"/>
+                </a:solidFill>
+              </a:rPr>
+              <a:t>"Duke of Connaught and Strathearn.jpg"</a:t>
+            </a:r>
+          </a:p>
+        </p:txBody>
+      </p:sp>
     </p:spTree>
   </p:cSld>
   <p:clrMapOvr>
@@ -10499,6 +11165,80 @@
                 <a:hlinkClick r:id="rId2" tooltip="http://royal-family.bitplan.com/index.php/Prince_Leopold,_Duke_of_Albany"/>
               </a:rPr>
               <a:t>Prince Leopold, Duke of Albany</a:t>
+            </a:r>
+          </a:p>
+        </p:txBody>
+      </p:sp>
+      <p:sp>
+        <p:nvSpPr>
+          <p:cNvPr name="TextBox 3" id="4"/>
+          <p:cNvSpPr txBox="true"/>
+          <p:nvPr/>
+        </p:nvSpPr>
+        <p:spPr>
+          <a:xfrm>
+            <a:off x="254000" y="635000"/>
+            <a:ext cx="1905000" cy="381000"/>
+          </a:xfrm>
+          <a:prstGeom prst="rect">
+            <a:avLst/>
+          </a:prstGeom>
+        </p:spPr>
+        <p:txBody>
+          <a:bodyPr anchor="t" rtlCol="false"/>
+          <a:lstStyle/>
+          <a:p>
+            <a:pPr algn="l"/>
+            <a:r>
+              <a:t/>
+            </a:r>
+            <a:endParaRPr lang="en-US" sz="1100"/>
+          </a:p>
+          <a:p>
+            <a:r>
+              <a:rPr lang="en-US" sz="2400">
+                <a:solidFill>
+                  <a:srgbClr val="000000"/>
+                </a:solidFill>
+              </a:rPr>
+              <a:t>image:</a:t>
+            </a:r>
+          </a:p>
+        </p:txBody>
+      </p:sp>
+      <p:sp>
+        <p:nvSpPr>
+          <p:cNvPr name="TextBox 4" id="5"/>
+          <p:cNvSpPr txBox="true"/>
+          <p:nvPr/>
+        </p:nvSpPr>
+        <p:spPr>
+          <a:xfrm>
+            <a:off x="2159000" y="635000"/>
+            <a:ext cx="6350000" cy="381000"/>
+          </a:xfrm>
+          <a:prstGeom prst="rect">
+            <a:avLst/>
+          </a:prstGeom>
+        </p:spPr>
+        <p:txBody>
+          <a:bodyPr anchor="t" rtlCol="false"/>
+          <a:lstStyle/>
+          <a:p>
+            <a:pPr algn="l"/>
+            <a:r>
+              <a:t/>
+            </a:r>
+            <a:endParaRPr lang="en-US" sz="1100"/>
+          </a:p>
+          <a:p>
+            <a:r>
+              <a:rPr lang="en-US" sz="2400">
+                <a:solidFill>
+                  <a:srgbClr val="0000FF"/>
+                </a:solidFill>
+              </a:rPr>
+              <a:t>"Prince Leopold, Duke of Albany - Project Gutenberg eText 13103.jpg"</a:t>
             </a:r>
           </a:p>
         </p:txBody>

--- a/QueenVictoria.pptx
+++ b/QueenVictoria.pptx
@@ -1199,6 +1199,13 @@
             <a:pPr lvl="0"/>
             <a:r>
               <a:rPr lang="en-US"/>
+              <a:t>picture (picture) = BufferedImage@5c10285a: type = 10 ColorModel: #pixelBits = 8 numComponents = 1 color space = java.awt.color.ICC_ColorSpace@6b667cb3 transparency = 1 has alpha = false isAlphaPre = false ByteInterleavedRaster: width = 2729 height = 3851 #numDataElements 1 dataOff[0] = 0</a:t>
+            </a:r>
+          </a:p>
+          <a:p>
+            <a:pPr lvl="0"/>
+            <a:r>
+              <a:rPr lang="en-US"/>
               <a:t>family (P53) = http://www.wikidata.org/entity/Q157217 (item)</a:t>
             </a:r>
           </a:p>
@@ -1725,6 +1732,13 @@
             <a:pPr lvl="0"/>
             <a:r>
               <a:rPr lang="en-US"/>
+              <a:t>picture (picture) = BufferedImage@60cf62ad: type = 5 ColorModel: #pixelBits = 24 numComponents = 3 color space = java.awt.color.ICC_ColorSpace@167279d1 transparency = 1 has alpha = false isAlphaPre = false ByteInterleavedRaster: width = 361 height = 500 #numDataElements 3 dataOff[0] = 2</a:t>
+            </a:r>
+          </a:p>
+          <a:p>
+            <a:pPr lvl="0"/>
+            <a:r>
+              <a:rPr lang="en-US"/>
               <a:t>instance of (P31) = http://www.wikidata.org/entity/Q5 (item)</a:t>
             </a:r>
           </a:p>
@@ -2356,6 +2370,13 @@
             <a:pPr lvl="0"/>
             <a:r>
               <a:rPr lang="en-US"/>
+              <a:t>picture (picture) = BufferedImage@66ad7bf0: type = 5 ColorModel: #pixelBits = 24 numComponents = 3 color space = java.awt.color.ICC_ColorSpace@167279d1 transparency = 1 has alpha = false isAlphaPre = false ByteInterleavedRaster: width = 1590 height = 2000 #numDataElements 3 dataOff[0] = 2</a:t>
+            </a:r>
+          </a:p>
+          <a:p>
+            <a:pPr lvl="0"/>
+            <a:r>
+              <a:rPr lang="en-US"/>
               <a:t>P97 (P97) = http://www.wikidata.org/entity/Q3877594 (item)</a:t>
             </a:r>
           </a:p>
@@ -3169,6 +3190,13 @@
             <a:pPr lvl="0"/>
             <a:r>
               <a:rPr lang="en-US"/>
+              <a:t>picture (picture) = BufferedImage@7dff6d05: type = 5 ColorModel: #pixelBits = 24 numComponents = 3 color space = java.awt.color.ICC_ColorSpace@167279d1 transparency = 1 has alpha = false isAlphaPre = false ByteInterleavedRaster: width = 1936 height = 2728 #numDataElements 3 dataOff[0] = 2</a:t>
+            </a:r>
+          </a:p>
+          <a:p>
+            <a:pPr lvl="0"/>
+            <a:r>
+              <a:rPr lang="en-US"/>
               <a:t>family (P53) = http://www.wikidata.org/entity/Q1753846 (item)</a:t>
             </a:r>
           </a:p>
@@ -3457,6 +3485,160 @@
             <a:pPr lvl="0"/>
             <a:r>
               <a:rPr lang="en-US"/>
+              <a:t>cause of death (P509) = http://www.wikidata.org/entity/Q134649 (item)</a:t>
+            </a:r>
+          </a:p>
+          <a:p>
+            <a:pPr lvl="0"/>
+            <a:r>
+              <a:rPr lang="en-US"/>
+              <a:t>National Library of Israel ID (P949) = 000445221</a:t>
+            </a:r>
+          </a:p>
+          <a:p>
+            <a:pPr lvl="0"/>
+            <a:r>
+              <a:rPr lang="en-US"/>
+              <a:t>source (source) = WikiData</a:t>
+            </a:r>
+          </a:p>
+          <a:p>
+            <a:pPr lvl="0"/>
+            <a:r>
+              <a:rPr lang="en-US"/>
+              <a:t>sex or gender (P21) = http://www.wikidata.org/entity/Q6581072 (item)</a:t>
+            </a:r>
+          </a:p>
+          <a:p>
+            <a:pPr lvl="0"/>
+            <a:r>
+              <a:rPr lang="en-US"/>
+              <a:t>place of death (P20) = http://www.wikidata.org/entity/Q2973 (item)</a:t>
+            </a:r>
+          </a:p>
+          <a:p>
+            <a:pPr lvl="0"/>
+            <a:r>
+              <a:rPr lang="en-US"/>
+              <a:t>described by source (P1343) = [http://www.wikidata.org/entity/Q19034818 (item), http://www.wikidata.org/entity/Q15987216 (item), http://www.wikidata.org/entity/Q602358 (item)]</a:t>
+            </a:r>
+          </a:p>
+          <a:p>
+            <a:pPr lvl="0"/>
+            <a:r>
+              <a:rPr lang="en-US"/>
+              <a:t>father (P22) = http://www.wikidata.org/entity/Q152245 (item)</a:t>
+            </a:r>
+          </a:p>
+          <a:p>
+            <a:pPr lvl="0"/>
+            <a:r>
+              <a:rPr lang="en-US"/>
+              <a:t>mother (P25) = http://www.wikidata.org/entity/Q9439 (item)</a:t>
+            </a:r>
+          </a:p>
+          <a:p>
+            <a:pPr lvl="0"/>
+            <a:r>
+              <a:rPr lang="en-US"/>
+              <a:t>country of citizenship (P27) = http://www.wikidata.org/entity/Q145 (item)</a:t>
+            </a:r>
+          </a:p>
+          <a:p>
+            <a:pPr lvl="0"/>
+            <a:r>
+              <a:rPr lang="en-US"/>
+              <a:t>spouse (P26) = http://www.wikidata.org/entity/Q164498 (item)</a:t>
+            </a:r>
+          </a:p>
+          <a:p>
+            <a:pPr lvl="0"/>
+            <a:r>
+              <a:rPr lang="en-US"/>
+              <a:t>VIAF ID (P214) = 29898975</a:t>
+            </a:r>
+          </a:p>
+          <a:p>
+            <a:pPr lvl="0"/>
+            <a:r>
+              <a:rPr lang="en-US"/>
+              <a:t>ISNI (P213) = 0000 0000 6299 1322</a:t>
+            </a:r>
+          </a:p>
+          <a:p>
+            <a:pPr lvl="0"/>
+            <a:r>
+              <a:rPr lang="en-US"/>
+              <a:t>National Portrait Gallery (London) person ID (P1816) = mp00073</a:t>
+            </a:r>
+          </a:p>
+          <a:p>
+            <a:pPr lvl="0"/>
+            <a:r>
+              <a:rPr lang="en-US"/>
+              <a:t>WikiTree person ID (P2949) = Sachsen-Coburg_und_Gotha-14</a:t>
+            </a:r>
+          </a:p>
+          <a:p>
+            <a:pPr lvl="0"/>
+            <a:r>
+              <a:rPr lang="en-US"/>
+              <a:t>Oxford Dictionary of National Biography ID (P1415) = 347</a:t>
+            </a:r>
+          </a:p>
+          <a:p>
+            <a:pPr lvl="0"/>
+            <a:r>
+              <a:rPr lang="en-US"/>
+              <a:t>P1017 (P1017) = ADV10225521</a:t>
+            </a:r>
+          </a:p>
+          <a:p>
+            <a:pPr lvl="0"/>
+            <a:r>
+              <a:rPr lang="en-US"/>
+              <a:t>given name (P735) = http://www.wikidata.org/entity/Q650689 (item)</a:t>
+            </a:r>
+          </a:p>
+          <a:p>
+            <a:pPr lvl="0"/>
+            <a:r>
+              <a:rPr lang="en-US"/>
+              <a:t>wikidata_type (wikidata_type) = http://www.wikidata.org/ontology#Item</a:t>
+            </a:r>
+          </a:p>
+          <a:p>
+            <a:pPr lvl="0"/>
+            <a:r>
+              <a:rPr lang="en-US"/>
+              <a:t>Commons gallery (P935) = Princess Alice of the United Kingdom</a:t>
+            </a:r>
+          </a:p>
+          <a:p>
+            <a:pPr lvl="0"/>
+            <a:r>
+              <a:rPr lang="en-US"/>
+              <a:t>instance of (P31) = http://www.wikidata.org/entity/Q5 (item)</a:t>
+            </a:r>
+          </a:p>
+          <a:p>
+            <a:pPr lvl="0"/>
+            <a:r>
+              <a:rPr lang="en-US"/>
+              <a:t>SNAC Ark ID (P3430) = w6dc0mcq</a:t>
+            </a:r>
+          </a:p>
+          <a:p>
+            <a:pPr lvl="0"/>
+            <a:r>
+              <a:rPr lang="en-US"/>
+              <a:t>name (name) = Princess Alice of the United Kingdom</a:t>
+            </a:r>
+          </a:p>
+          <a:p>
+            <a:pPr lvl="0"/>
+            <a:r>
+              <a:rPr lang="en-US"/>
               <a:t>P1207 (P1207) = n2010148168</a:t>
             </a:r>
           </a:p>
@@ -3485,13 +3667,6 @@
             <a:pPr lvl="0"/>
             <a:r>
               <a:rPr lang="en-US"/>
-              <a:t>cause of death (P509) = http://www.wikidata.org/entity/Q134649 (item)</a:t>
-            </a:r>
-          </a:p>
-          <a:p>
-            <a:pPr lvl="0"/>
-            <a:r>
-              <a:rPr lang="en-US"/>
               <a:t>National Thesaurus for Author Names ID (P1006) = 069412898</a:t>
             </a:r>
           </a:p>
@@ -3499,20 +3674,6 @@
             <a:pPr lvl="0"/>
             <a:r>
               <a:rPr lang="en-US"/>
-              <a:t>National Library of Israel ID (P949) = 000445221</a:t>
-            </a:r>
-          </a:p>
-          <a:p>
-            <a:pPr lvl="0"/>
-            <a:r>
-              <a:rPr lang="en-US"/>
-              <a:t>source (source) = WikiData</a:t>
-            </a:r>
-          </a:p>
-          <a:p>
-            <a:pPr lvl="0"/>
-            <a:r>
-              <a:rPr lang="en-US"/>
               <a:t>child (P40) = [http://www.wikidata.org/entity/Q57658 (item), http://www.wikidata.org/entity/Q58063 (item), http://www.wikidata.org/entity/Q233990 (item), http://www.wikidata.org/entity/Q57507 (item), http://www.wikidata.org/entity/Q2562528 (item), http://www.wikidata.org/entity/Q152094 (item), http://www.wikidata.org/entity/Q1208045 (item)]</a:t>
             </a:r>
           </a:p>
@@ -3534,13 +3695,6 @@
             <a:pPr lvl="0"/>
             <a:r>
               <a:rPr lang="en-US"/>
-              <a:t>sex or gender (P21) = http://www.wikidata.org/entity/Q6581072 (item)</a:t>
-            </a:r>
-          </a:p>
-          <a:p>
-            <a:pPr lvl="0"/>
-            <a:r>
-              <a:rPr lang="en-US"/>
               <a:t>WeRelate person ID (P4159) = Princess_Alice_of_the_United_Kingdom_(1)</a:t>
             </a:r>
           </a:p>
@@ -3548,48 +3702,6 @@
             <a:pPr lvl="0"/>
             <a:r>
               <a:rPr lang="en-US"/>
-              <a:t>place of death (P20) = http://www.wikidata.org/entity/Q2973 (item)</a:t>
-            </a:r>
-          </a:p>
-          <a:p>
-            <a:pPr lvl="0"/>
-            <a:r>
-              <a:rPr lang="en-US"/>
-              <a:t>described by source (P1343) = [http://www.wikidata.org/entity/Q19034818 (item), http://www.wikidata.org/entity/Q15987216 (item), http://www.wikidata.org/entity/Q602358 (item)]</a:t>
-            </a:r>
-          </a:p>
-          <a:p>
-            <a:pPr lvl="0"/>
-            <a:r>
-              <a:rPr lang="en-US"/>
-              <a:t>father (P22) = http://www.wikidata.org/entity/Q152245 (item)</a:t>
-            </a:r>
-          </a:p>
-          <a:p>
-            <a:pPr lvl="0"/>
-            <a:r>
-              <a:rPr lang="en-US"/>
-              <a:t>mother (P25) = http://www.wikidata.org/entity/Q9439 (item)</a:t>
-            </a:r>
-          </a:p>
-          <a:p>
-            <a:pPr lvl="0"/>
-            <a:r>
-              <a:rPr lang="en-US"/>
-              <a:t>country of citizenship (P27) = http://www.wikidata.org/entity/Q145 (item)</a:t>
-            </a:r>
-          </a:p>
-          <a:p>
-            <a:pPr lvl="0"/>
-            <a:r>
-              <a:rPr lang="en-US"/>
-              <a:t>spouse (P26) = http://www.wikidata.org/entity/Q164498 (item)</a:t>
-            </a:r>
-          </a:p>
-          <a:p>
-            <a:pPr lvl="0"/>
-            <a:r>
-              <a:rPr lang="en-US"/>
               <a:t>Commons category (P373) = Alice of the United Kingdom</a:t>
             </a:r>
           </a:p>
@@ -3611,34 +3723,6 @@
             <a:pPr lvl="0"/>
             <a:r>
               <a:rPr lang="en-US"/>
-              <a:t>VIAF ID (P214) = 29898975</a:t>
-            </a:r>
-          </a:p>
-          <a:p>
-            <a:pPr lvl="0"/>
-            <a:r>
-              <a:rPr lang="en-US"/>
-              <a:t>ISNI (P213) = 0000 0000 6299 1322</a:t>
-            </a:r>
-          </a:p>
-          <a:p>
-            <a:pPr lvl="0"/>
-            <a:r>
-              <a:rPr lang="en-US"/>
-              <a:t>National Portrait Gallery (London) person ID (P1816) = mp00073</a:t>
-            </a:r>
-          </a:p>
-          <a:p>
-            <a:pPr lvl="0"/>
-            <a:r>
-              <a:rPr lang="en-US"/>
-              <a:t>WikiTree person ID (P2949) = Sachsen-Coburg_und_Gotha-14</a:t>
-            </a:r>
-          </a:p>
-          <a:p>
-            <a:pPr lvl="0"/>
-            <a:r>
-              <a:rPr lang="en-US"/>
               <a:t>name in native language (P1559) = "Alice of Saxe-Coburg and Gotha" (en)</a:t>
             </a:r>
           </a:p>
@@ -3653,13 +3737,6 @@
             <a:pPr lvl="0"/>
             <a:r>
               <a:rPr lang="en-US"/>
-              <a:t>Oxford Dictionary of National Biography ID (P1415) = 347</a:t>
-            </a:r>
-          </a:p>
-          <a:p>
-            <a:pPr lvl="0"/>
-            <a:r>
-              <a:rPr lang="en-US"/>
               <a:t>coat of arms image (P94) = Coat of Arms of Alice, Grand Duchess of Hesse.svg</a:t>
             </a:r>
           </a:p>
@@ -3667,13 +3744,6 @@
             <a:pPr lvl="0"/>
             <a:r>
               <a:rPr lang="en-US"/>
-              <a:t>P1017 (P1017) = ADV10225521</a:t>
-            </a:r>
-          </a:p>
-          <a:p>
-            <a:pPr lvl="0"/>
-            <a:r>
-              <a:rPr lang="en-US"/>
               <a:t>label_en (label_en) = Princess Alice of the United Kingdom</a:t>
             </a:r>
           </a:p>
@@ -3681,20 +3751,6 @@
             <a:pPr lvl="0"/>
             <a:r>
               <a:rPr lang="en-US"/>
-              <a:t>given name (P735) = http://www.wikidata.org/entity/Q650689 (item)</a:t>
-            </a:r>
-          </a:p>
-          <a:p>
-            <a:pPr lvl="0"/>
-            <a:r>
-              <a:rPr lang="en-US"/>
-              <a:t>wikidata_type (wikidata_type) = http://www.wikidata.org/ontology#Item</a:t>
-            </a:r>
-          </a:p>
-          <a:p>
-            <a:pPr lvl="0"/>
-            <a:r>
-              <a:rPr lang="en-US"/>
               <a:t>P1477 (P1477) = "Alice of Saxe-Coburg and Gotha" (en)</a:t>
             </a:r>
           </a:p>
@@ -3702,14 +3758,7 @@
             <a:pPr lvl="0"/>
             <a:r>
               <a:rPr lang="en-US"/>
-              <a:t>Commons gallery (P935) = Princess Alice of the United Kingdom</a:t>
-            </a:r>
-          </a:p>
-          <a:p>
-            <a:pPr lvl="0"/>
-            <a:r>
-              <a:rPr lang="en-US"/>
-              <a:t>instance of (P31) = http://www.wikidata.org/entity/Q5 (item)</a:t>
+              <a:t>picture (picture) = BufferedImage@4da9f723: type = 6 ColorModel: #pixelBits = 32 numComponents = 4 color space = java.awt.color.ICC_ColorSpace@167279d1 transparency = 3 has alpha = true isAlphaPre = false ByteInterleavedRaster: width = 1118 height = 1462 #numDataElements 4 dataOff[0] = 3</a:t>
             </a:r>
           </a:p>
           <a:p>
@@ -3730,13 +3779,6 @@
             <a:pPr lvl="0"/>
             <a:r>
               <a:rPr lang="en-US"/>
-              <a:t>SNAC Ark ID (P3430) = w6dc0mcq</a:t>
-            </a:r>
-          </a:p>
-          <a:p>
-            <a:pPr lvl="0"/>
-            <a:r>
-              <a:rPr lang="en-US"/>
               <a:t>manner of death (P1196) = http://www.wikidata.org/entity/Q3739104 (item)</a:t>
             </a:r>
           </a:p>
@@ -3752,13 +3794,6 @@
             <a:r>
               <a:rPr lang="en-US"/>
               <a:t>image (P18) = Princess Alice 1861.png</a:t>
-            </a:r>
-          </a:p>
-          <a:p>
-            <a:pPr lvl="0"/>
-            <a:r>
-              <a:rPr lang="en-US"/>
-              <a:t>name (name) = Princess Alice of the United Kingdom</a:t>
             </a:r>
           </a:p>
           <a:p>
@@ -4305,6 +4340,13 @@
             <a:pPr lvl="0"/>
             <a:r>
               <a:rPr lang="en-US"/>
+              <a:t>picture (picture) = BufferedImage@14d8444b: type = 5 ColorModel: #pixelBits = 24 numComponents = 3 color space = java.awt.color.ICC_ColorSpace@167279d1 transparency = 1 has alpha = false isAlphaPre = false ByteInterleavedRaster: width = 376 height = 565 #numDataElements 3 dataOff[0] = 2</a:t>
+            </a:r>
+          </a:p>
+          <a:p>
+            <a:pPr lvl="0"/>
+            <a:r>
+              <a:rPr lang="en-US"/>
               <a:t>family (P53) = http://www.wikidata.org/entity/Q1753846 (item)</a:t>
             </a:r>
           </a:p>
@@ -4803,6 +4845,13 @@
             <a:pPr lvl="0"/>
             <a:r>
               <a:rPr lang="en-US"/>
+              <a:t>picture (picture) = BufferedImage@56f521c6: type = 10 ColorModel: #pixelBits = 8 numComponents = 1 color space = java.awt.color.ICC_ColorSpace@6b667cb3 transparency = 1 has alpha = false isAlphaPre = false ByteInterleavedRaster: width = 1702 height = 2704 #numDataElements 1 dataOff[0] = 0</a:t>
+            </a:r>
+          </a:p>
+          <a:p>
+            <a:pPr lvl="0"/>
+            <a:r>
+              <a:rPr lang="en-US"/>
               <a:t>instance of (P31) = http://www.wikidata.org/entity/Q5 (item)</a:t>
             </a:r>
           </a:p>
@@ -5399,6 +5448,13 @@
             <a:pPr lvl="0"/>
             <a:r>
               <a:rPr lang="en-US"/>
+              <a:t>picture (picture) = BufferedImage@a518813: type = 10 ColorModel: #pixelBits = 8 numComponents = 1 color space = java.awt.color.ICC_ColorSpace@6b667cb3 transparency = 1 has alpha = false isAlphaPre = false ByteInterleavedRaster: width = 1026 height = 1500 #numDataElements 1 dataOff[0] = 0</a:t>
+            </a:r>
+          </a:p>
+          <a:p>
+            <a:pPr lvl="0"/>
+            <a:r>
+              <a:rPr lang="en-US"/>
               <a:t>family (P53) = http://www.wikidata.org/entity/Q1753846 (item)</a:t>
             </a:r>
           </a:p>
@@ -5967,6 +6023,13 @@
             <a:pPr lvl="0"/>
             <a:r>
               <a:rPr lang="en-US"/>
+              <a:t>picture (picture) = BufferedImage@44924587: type = 10 ColorModel: #pixelBits = 8 numComponents = 1 color space = java.awt.color.ICC_ColorSpace@6b667cb3 transparency = 1 has alpha = false isAlphaPre = false ByteInterleavedRaster: width = 417 height = 560 #numDataElements 1 dataOff[0] = 0</a:t>
+            </a:r>
+          </a:p>
+          <a:p>
+            <a:pPr lvl="0"/>
+            <a:r>
+              <a:rPr lang="en-US"/>
               <a:t>family (P53) = http://www.wikidata.org/entity/Q81589 (item)</a:t>
             </a:r>
           </a:p>
@@ -6438,6 +6501,13 @@
             <a:r>
               <a:rPr lang="en-US"/>
               <a:t>wikidata_type (wikidata_type) = http://www.wikidata.org/ontology#Item</a:t>
+            </a:r>
+          </a:p>
+          <a:p>
+            <a:pPr lvl="0"/>
+            <a:r>
+              <a:rPr lang="en-US"/>
+              <a:t>picture (picture) = BufferedImage@7c251f90: type = 5 ColorModel: #pixelBits = 24 numComponents = 3 color space = java.awt.color.ICC_ColorSpace@167279d1 transparency = 1 has alpha = false isAlphaPre = false ByteInterleavedRaster: width = 213 height = 289 #numDataElements 3 dataOff[0] = 2</a:t>
             </a:r>
           </a:p>
           <a:p>
@@ -9635,7 +9705,7 @@
                   <a:srgbClr val="000000"/>
                 </a:solidFill>
               </a:rPr>
-              <a:t>image:</a:t>
+              <a:t>wikidata_id:</a:t>
             </a:r>
           </a:p>
         </p:txBody>
@@ -9672,7 +9742,81 @@
                   <a:srgbClr val="0000FF"/>
                 </a:solidFill>
               </a:rPr>
-              <a:t>"Queen Victoria by Bassano.jpg"</a:t>
+              <a:t>Q9439</a:t>
+            </a:r>
+          </a:p>
+        </p:txBody>
+      </p:sp>
+      <p:sp>
+        <p:nvSpPr>
+          <p:cNvPr name="TextBox 5" id="6"/>
+          <p:cNvSpPr txBox="true"/>
+          <p:nvPr/>
+        </p:nvSpPr>
+        <p:spPr>
+          <a:xfrm>
+            <a:off x="254000" y="1016000"/>
+            <a:ext cx="1905000" cy="381000"/>
+          </a:xfrm>
+          <a:prstGeom prst="rect">
+            <a:avLst/>
+          </a:prstGeom>
+        </p:spPr>
+        <p:txBody>
+          <a:bodyPr anchor="t" rtlCol="false"/>
+          <a:lstStyle/>
+          <a:p>
+            <a:pPr algn="l"/>
+            <a:r>
+              <a:t/>
+            </a:r>
+            <a:endParaRPr lang="en-US" sz="1100"/>
+          </a:p>
+          <a:p>
+            <a:r>
+              <a:rPr lang="en-US" sz="2400">
+                <a:solidFill>
+                  <a:srgbClr val="000000"/>
+                </a:solidFill>
+              </a:rPr>
+              <a:t>source:</a:t>
+            </a:r>
+          </a:p>
+        </p:txBody>
+      </p:sp>
+      <p:sp>
+        <p:nvSpPr>
+          <p:cNvPr name="TextBox 6" id="7"/>
+          <p:cNvSpPr txBox="true"/>
+          <p:nvPr/>
+        </p:nvSpPr>
+        <p:spPr>
+          <a:xfrm>
+            <a:off x="2159000" y="1016000"/>
+            <a:ext cx="6350000" cy="381000"/>
+          </a:xfrm>
+          <a:prstGeom prst="rect">
+            <a:avLst/>
+          </a:prstGeom>
+        </p:spPr>
+        <p:txBody>
+          <a:bodyPr anchor="t" rtlCol="false"/>
+          <a:lstStyle/>
+          <a:p>
+            <a:pPr algn="l"/>
+            <a:r>
+              <a:t/>
+            </a:r>
+            <a:endParaRPr lang="en-US" sz="1100"/>
+          </a:p>
+          <a:p>
+            <a:r>
+              <a:rPr lang="en-US" sz="2400">
+                <a:solidFill>
+                  <a:srgbClr val="0000FF"/>
+                </a:solidFill>
+              </a:rPr>
+              <a:t>WikiData</a:t>
             </a:r>
           </a:p>
         </p:txBody>
@@ -9809,7 +9953,7 @@
                   <a:srgbClr val="000000"/>
                 </a:solidFill>
               </a:rPr>
-              <a:t>image:</a:t>
+              <a:t>wikidata_id:</a:t>
             </a:r>
           </a:p>
         </p:txBody>
@@ -9846,7 +9990,81 @@
                   <a:srgbClr val="0000FF"/>
                 </a:solidFill>
               </a:rPr>
-              <a:t>"Laszlo - Princess Henry of Battenberg.jpg"</a:t>
+              <a:t>Q158140</a:t>
+            </a:r>
+          </a:p>
+        </p:txBody>
+      </p:sp>
+      <p:sp>
+        <p:nvSpPr>
+          <p:cNvPr name="TextBox 5" id="6"/>
+          <p:cNvSpPr txBox="true"/>
+          <p:nvPr/>
+        </p:nvSpPr>
+        <p:spPr>
+          <a:xfrm>
+            <a:off x="254000" y="1016000"/>
+            <a:ext cx="1905000" cy="381000"/>
+          </a:xfrm>
+          <a:prstGeom prst="rect">
+            <a:avLst/>
+          </a:prstGeom>
+        </p:spPr>
+        <p:txBody>
+          <a:bodyPr anchor="t" rtlCol="false"/>
+          <a:lstStyle/>
+          <a:p>
+            <a:pPr algn="l"/>
+            <a:r>
+              <a:t/>
+            </a:r>
+            <a:endParaRPr lang="en-US" sz="1100"/>
+          </a:p>
+          <a:p>
+            <a:r>
+              <a:rPr lang="en-US" sz="2400">
+                <a:solidFill>
+                  <a:srgbClr val="000000"/>
+                </a:solidFill>
+              </a:rPr>
+              <a:t>source:</a:t>
+            </a:r>
+          </a:p>
+        </p:txBody>
+      </p:sp>
+      <p:sp>
+        <p:nvSpPr>
+          <p:cNvPr name="TextBox 6" id="7"/>
+          <p:cNvSpPr txBox="true"/>
+          <p:nvPr/>
+        </p:nvSpPr>
+        <p:spPr>
+          <a:xfrm>
+            <a:off x="2159000" y="1016000"/>
+            <a:ext cx="6350000" cy="381000"/>
+          </a:xfrm>
+          <a:prstGeom prst="rect">
+            <a:avLst/>
+          </a:prstGeom>
+        </p:spPr>
+        <p:txBody>
+          <a:bodyPr anchor="t" rtlCol="false"/>
+          <a:lstStyle/>
+          <a:p>
+            <a:pPr algn="l"/>
+            <a:r>
+              <a:t/>
+            </a:r>
+            <a:endParaRPr lang="en-US" sz="1100"/>
+          </a:p>
+          <a:p>
+            <a:r>
+              <a:rPr lang="en-US" sz="2400">
+                <a:solidFill>
+                  <a:srgbClr val="0000FF"/>
+                </a:solidFill>
+              </a:rPr>
+              <a:t>WikiData</a:t>
             </a:r>
           </a:p>
         </p:txBody>
@@ -9983,7 +10201,7 @@
                   <a:srgbClr val="000000"/>
                 </a:solidFill>
               </a:rPr>
-              <a:t>image:</a:t>
+              <a:t>wikidata_id:</a:t>
             </a:r>
           </a:p>
         </p:txBody>
@@ -10020,7 +10238,81 @@
                   <a:srgbClr val="0000FF"/>
                 </a:solidFill>
               </a:rPr>
-              <a:t>"Victoria, Princess Royal.jpg"</a:t>
+              <a:t>Q116728</a:t>
+            </a:r>
+          </a:p>
+        </p:txBody>
+      </p:sp>
+      <p:sp>
+        <p:nvSpPr>
+          <p:cNvPr name="TextBox 5" id="6"/>
+          <p:cNvSpPr txBox="true"/>
+          <p:nvPr/>
+        </p:nvSpPr>
+        <p:spPr>
+          <a:xfrm>
+            <a:off x="254000" y="1016000"/>
+            <a:ext cx="1905000" cy="381000"/>
+          </a:xfrm>
+          <a:prstGeom prst="rect">
+            <a:avLst/>
+          </a:prstGeom>
+        </p:spPr>
+        <p:txBody>
+          <a:bodyPr anchor="t" rtlCol="false"/>
+          <a:lstStyle/>
+          <a:p>
+            <a:pPr algn="l"/>
+            <a:r>
+              <a:t/>
+            </a:r>
+            <a:endParaRPr lang="en-US" sz="1100"/>
+          </a:p>
+          <a:p>
+            <a:r>
+              <a:rPr lang="en-US" sz="2400">
+                <a:solidFill>
+                  <a:srgbClr val="000000"/>
+                </a:solidFill>
+              </a:rPr>
+              <a:t>source:</a:t>
+            </a:r>
+          </a:p>
+        </p:txBody>
+      </p:sp>
+      <p:sp>
+        <p:nvSpPr>
+          <p:cNvPr name="TextBox 6" id="7"/>
+          <p:cNvSpPr txBox="true"/>
+          <p:nvPr/>
+        </p:nvSpPr>
+        <p:spPr>
+          <a:xfrm>
+            <a:off x="2159000" y="1016000"/>
+            <a:ext cx="6350000" cy="381000"/>
+          </a:xfrm>
+          <a:prstGeom prst="rect">
+            <a:avLst/>
+          </a:prstGeom>
+        </p:spPr>
+        <p:txBody>
+          <a:bodyPr anchor="t" rtlCol="false"/>
+          <a:lstStyle/>
+          <a:p>
+            <a:pPr algn="l"/>
+            <a:r>
+              <a:t/>
+            </a:r>
+            <a:endParaRPr lang="en-US" sz="1100"/>
+          </a:p>
+          <a:p>
+            <a:r>
+              <a:rPr lang="en-US" sz="2400">
+                <a:solidFill>
+                  <a:srgbClr val="0000FF"/>
+                </a:solidFill>
+              </a:rPr>
+              <a:t>WikiData</a:t>
             </a:r>
           </a:p>
         </p:txBody>
@@ -10157,7 +10449,7 @@
                   <a:srgbClr val="000000"/>
                 </a:solidFill>
               </a:rPr>
-              <a:t>image:</a:t>
+              <a:t>wikidata_id:</a:t>
             </a:r>
           </a:p>
         </p:txBody>
@@ -10194,7 +10486,81 @@
                   <a:srgbClr val="0000FF"/>
                 </a:solidFill>
               </a:rPr>
-              <a:t>"Edward VII in coronation robes.jpg"</a:t>
+              <a:t>Q20875</a:t>
+            </a:r>
+          </a:p>
+        </p:txBody>
+      </p:sp>
+      <p:sp>
+        <p:nvSpPr>
+          <p:cNvPr name="TextBox 5" id="6"/>
+          <p:cNvSpPr txBox="true"/>
+          <p:nvPr/>
+        </p:nvSpPr>
+        <p:spPr>
+          <a:xfrm>
+            <a:off x="254000" y="1016000"/>
+            <a:ext cx="1905000" cy="381000"/>
+          </a:xfrm>
+          <a:prstGeom prst="rect">
+            <a:avLst/>
+          </a:prstGeom>
+        </p:spPr>
+        <p:txBody>
+          <a:bodyPr anchor="t" rtlCol="false"/>
+          <a:lstStyle/>
+          <a:p>
+            <a:pPr algn="l"/>
+            <a:r>
+              <a:t/>
+            </a:r>
+            <a:endParaRPr lang="en-US" sz="1100"/>
+          </a:p>
+          <a:p>
+            <a:r>
+              <a:rPr lang="en-US" sz="2400">
+                <a:solidFill>
+                  <a:srgbClr val="000000"/>
+                </a:solidFill>
+              </a:rPr>
+              <a:t>source:</a:t>
+            </a:r>
+          </a:p>
+        </p:txBody>
+      </p:sp>
+      <p:sp>
+        <p:nvSpPr>
+          <p:cNvPr name="TextBox 6" id="7"/>
+          <p:cNvSpPr txBox="true"/>
+          <p:nvPr/>
+        </p:nvSpPr>
+        <p:spPr>
+          <a:xfrm>
+            <a:off x="2159000" y="1016000"/>
+            <a:ext cx="6350000" cy="381000"/>
+          </a:xfrm>
+          <a:prstGeom prst="rect">
+            <a:avLst/>
+          </a:prstGeom>
+        </p:spPr>
+        <p:txBody>
+          <a:bodyPr anchor="t" rtlCol="false"/>
+          <a:lstStyle/>
+          <a:p>
+            <a:pPr algn="l"/>
+            <a:r>
+              <a:t/>
+            </a:r>
+            <a:endParaRPr lang="en-US" sz="1100"/>
+          </a:p>
+          <a:p>
+            <a:r>
+              <a:rPr lang="en-US" sz="2400">
+                <a:solidFill>
+                  <a:srgbClr val="0000FF"/>
+                </a:solidFill>
+              </a:rPr>
+              <a:t>WikiData</a:t>
             </a:r>
           </a:p>
         </p:txBody>
@@ -10331,7 +10697,7 @@
                   <a:srgbClr val="000000"/>
                 </a:solidFill>
               </a:rPr>
-              <a:t>image:</a:t>
+              <a:t>wikidata_id:</a:t>
             </a:r>
           </a:p>
         </p:txBody>
@@ -10368,7 +10734,81 @@
                   <a:srgbClr val="0000FF"/>
                 </a:solidFill>
               </a:rPr>
-              <a:t>"Princess Alice 1861.png"</a:t>
+              <a:t>Q155566</a:t>
+            </a:r>
+          </a:p>
+        </p:txBody>
+      </p:sp>
+      <p:sp>
+        <p:nvSpPr>
+          <p:cNvPr name="TextBox 5" id="6"/>
+          <p:cNvSpPr txBox="true"/>
+          <p:nvPr/>
+        </p:nvSpPr>
+        <p:spPr>
+          <a:xfrm>
+            <a:off x="254000" y="1016000"/>
+            <a:ext cx="1905000" cy="381000"/>
+          </a:xfrm>
+          <a:prstGeom prst="rect">
+            <a:avLst/>
+          </a:prstGeom>
+        </p:spPr>
+        <p:txBody>
+          <a:bodyPr anchor="t" rtlCol="false"/>
+          <a:lstStyle/>
+          <a:p>
+            <a:pPr algn="l"/>
+            <a:r>
+              <a:t/>
+            </a:r>
+            <a:endParaRPr lang="en-US" sz="1100"/>
+          </a:p>
+          <a:p>
+            <a:r>
+              <a:rPr lang="en-US" sz="2400">
+                <a:solidFill>
+                  <a:srgbClr val="000000"/>
+                </a:solidFill>
+              </a:rPr>
+              <a:t>source:</a:t>
+            </a:r>
+          </a:p>
+        </p:txBody>
+      </p:sp>
+      <p:sp>
+        <p:nvSpPr>
+          <p:cNvPr name="TextBox 6" id="7"/>
+          <p:cNvSpPr txBox="true"/>
+          <p:nvPr/>
+        </p:nvSpPr>
+        <p:spPr>
+          <a:xfrm>
+            <a:off x="2159000" y="1016000"/>
+            <a:ext cx="6350000" cy="381000"/>
+          </a:xfrm>
+          <a:prstGeom prst="rect">
+            <a:avLst/>
+          </a:prstGeom>
+        </p:spPr>
+        <p:txBody>
+          <a:bodyPr anchor="t" rtlCol="false"/>
+          <a:lstStyle/>
+          <a:p>
+            <a:pPr algn="l"/>
+            <a:r>
+              <a:t/>
+            </a:r>
+            <a:endParaRPr lang="en-US" sz="1100"/>
+          </a:p>
+          <a:p>
+            <a:r>
+              <a:rPr lang="en-US" sz="2400">
+                <a:solidFill>
+                  <a:srgbClr val="0000FF"/>
+                </a:solidFill>
+              </a:rPr>
+              <a:t>WikiData</a:t>
             </a:r>
           </a:p>
         </p:txBody>
@@ -10505,7 +10945,7 @@
                   <a:srgbClr val="000000"/>
                 </a:solidFill>
               </a:rPr>
-              <a:t>image:</a:t>
+              <a:t>wikidata_id:</a:t>
             </a:r>
           </a:p>
         </p:txBody>
@@ -10542,7 +10982,81 @@
                   <a:srgbClr val="0000FF"/>
                 </a:solidFill>
               </a:rPr>
-              <a:t>"Alfred-sachsen-coburg-gotha.jpg"</a:t>
+              <a:t>Q158143</a:t>
+            </a:r>
+          </a:p>
+        </p:txBody>
+      </p:sp>
+      <p:sp>
+        <p:nvSpPr>
+          <p:cNvPr name="TextBox 5" id="6"/>
+          <p:cNvSpPr txBox="true"/>
+          <p:nvPr/>
+        </p:nvSpPr>
+        <p:spPr>
+          <a:xfrm>
+            <a:off x="254000" y="1016000"/>
+            <a:ext cx="1905000" cy="381000"/>
+          </a:xfrm>
+          <a:prstGeom prst="rect">
+            <a:avLst/>
+          </a:prstGeom>
+        </p:spPr>
+        <p:txBody>
+          <a:bodyPr anchor="t" rtlCol="false"/>
+          <a:lstStyle/>
+          <a:p>
+            <a:pPr algn="l"/>
+            <a:r>
+              <a:t/>
+            </a:r>
+            <a:endParaRPr lang="en-US" sz="1100"/>
+          </a:p>
+          <a:p>
+            <a:r>
+              <a:rPr lang="en-US" sz="2400">
+                <a:solidFill>
+                  <a:srgbClr val="000000"/>
+                </a:solidFill>
+              </a:rPr>
+              <a:t>source:</a:t>
+            </a:r>
+          </a:p>
+        </p:txBody>
+      </p:sp>
+      <p:sp>
+        <p:nvSpPr>
+          <p:cNvPr name="TextBox 6" id="7"/>
+          <p:cNvSpPr txBox="true"/>
+          <p:nvPr/>
+        </p:nvSpPr>
+        <p:spPr>
+          <a:xfrm>
+            <a:off x="2159000" y="1016000"/>
+            <a:ext cx="6350000" cy="381000"/>
+          </a:xfrm>
+          <a:prstGeom prst="rect">
+            <a:avLst/>
+          </a:prstGeom>
+        </p:spPr>
+        <p:txBody>
+          <a:bodyPr anchor="t" rtlCol="false"/>
+          <a:lstStyle/>
+          <a:p>
+            <a:pPr algn="l"/>
+            <a:r>
+              <a:t/>
+            </a:r>
+            <a:endParaRPr lang="en-US" sz="1100"/>
+          </a:p>
+          <a:p>
+            <a:r>
+              <a:rPr lang="en-US" sz="2400">
+                <a:solidFill>
+                  <a:srgbClr val="0000FF"/>
+                </a:solidFill>
+              </a:rPr>
+              <a:t>WikiData</a:t>
             </a:r>
           </a:p>
         </p:txBody>
@@ -10679,7 +11193,7 @@
                   <a:srgbClr val="000000"/>
                 </a:solidFill>
               </a:rPr>
-              <a:t>image:</a:t>
+              <a:t>wikidata_id:</a:t>
             </a:r>
           </a:p>
         </p:txBody>
@@ -10716,7 +11230,81 @@
                   <a:srgbClr val="0000FF"/>
                 </a:solidFill>
               </a:rPr>
-              <a:t>"Helena scan.jpg"</a:t>
+              <a:t>Q160539</a:t>
+            </a:r>
+          </a:p>
+        </p:txBody>
+      </p:sp>
+      <p:sp>
+        <p:nvSpPr>
+          <p:cNvPr name="TextBox 5" id="6"/>
+          <p:cNvSpPr txBox="true"/>
+          <p:nvPr/>
+        </p:nvSpPr>
+        <p:spPr>
+          <a:xfrm>
+            <a:off x="254000" y="1016000"/>
+            <a:ext cx="1905000" cy="381000"/>
+          </a:xfrm>
+          <a:prstGeom prst="rect">
+            <a:avLst/>
+          </a:prstGeom>
+        </p:spPr>
+        <p:txBody>
+          <a:bodyPr anchor="t" rtlCol="false"/>
+          <a:lstStyle/>
+          <a:p>
+            <a:pPr algn="l"/>
+            <a:r>
+              <a:t/>
+            </a:r>
+            <a:endParaRPr lang="en-US" sz="1100"/>
+          </a:p>
+          <a:p>
+            <a:r>
+              <a:rPr lang="en-US" sz="2400">
+                <a:solidFill>
+                  <a:srgbClr val="000000"/>
+                </a:solidFill>
+              </a:rPr>
+              <a:t>source:</a:t>
+            </a:r>
+          </a:p>
+        </p:txBody>
+      </p:sp>
+      <p:sp>
+        <p:nvSpPr>
+          <p:cNvPr name="TextBox 6" id="7"/>
+          <p:cNvSpPr txBox="true"/>
+          <p:nvPr/>
+        </p:nvSpPr>
+        <p:spPr>
+          <a:xfrm>
+            <a:off x="2159000" y="1016000"/>
+            <a:ext cx="6350000" cy="381000"/>
+          </a:xfrm>
+          <a:prstGeom prst="rect">
+            <a:avLst/>
+          </a:prstGeom>
+        </p:spPr>
+        <p:txBody>
+          <a:bodyPr anchor="t" rtlCol="false"/>
+          <a:lstStyle/>
+          <a:p>
+            <a:pPr algn="l"/>
+            <a:r>
+              <a:t/>
+            </a:r>
+            <a:endParaRPr lang="en-US" sz="1100"/>
+          </a:p>
+          <a:p>
+            <a:r>
+              <a:rPr lang="en-US" sz="2400">
+                <a:solidFill>
+                  <a:srgbClr val="0000FF"/>
+                </a:solidFill>
+              </a:rPr>
+              <a:t>WikiData</a:t>
             </a:r>
           </a:p>
         </p:txBody>
@@ -10853,7 +11441,7 @@
                   <a:srgbClr val="000000"/>
                 </a:solidFill>
               </a:rPr>
-              <a:t>image:</a:t>
+              <a:t>wikidata_id:</a:t>
             </a:r>
           </a:p>
         </p:txBody>
@@ -10890,7 +11478,81 @@
                   <a:srgbClr val="0000FF"/>
                 </a:solidFill>
               </a:rPr>
-              <a:t>"Princess Louise 1901 copy.jpg"</a:t>
+              <a:t>Q161167</a:t>
+            </a:r>
+          </a:p>
+        </p:txBody>
+      </p:sp>
+      <p:sp>
+        <p:nvSpPr>
+          <p:cNvPr name="TextBox 5" id="6"/>
+          <p:cNvSpPr txBox="true"/>
+          <p:nvPr/>
+        </p:nvSpPr>
+        <p:spPr>
+          <a:xfrm>
+            <a:off x="254000" y="1016000"/>
+            <a:ext cx="1905000" cy="381000"/>
+          </a:xfrm>
+          <a:prstGeom prst="rect">
+            <a:avLst/>
+          </a:prstGeom>
+        </p:spPr>
+        <p:txBody>
+          <a:bodyPr anchor="t" rtlCol="false"/>
+          <a:lstStyle/>
+          <a:p>
+            <a:pPr algn="l"/>
+            <a:r>
+              <a:t/>
+            </a:r>
+            <a:endParaRPr lang="en-US" sz="1100"/>
+          </a:p>
+          <a:p>
+            <a:r>
+              <a:rPr lang="en-US" sz="2400">
+                <a:solidFill>
+                  <a:srgbClr val="000000"/>
+                </a:solidFill>
+              </a:rPr>
+              <a:t>source:</a:t>
+            </a:r>
+          </a:p>
+        </p:txBody>
+      </p:sp>
+      <p:sp>
+        <p:nvSpPr>
+          <p:cNvPr name="TextBox 6" id="7"/>
+          <p:cNvSpPr txBox="true"/>
+          <p:nvPr/>
+        </p:nvSpPr>
+        <p:spPr>
+          <a:xfrm>
+            <a:off x="2159000" y="1016000"/>
+            <a:ext cx="6350000" cy="381000"/>
+          </a:xfrm>
+          <a:prstGeom prst="rect">
+            <a:avLst/>
+          </a:prstGeom>
+        </p:spPr>
+        <p:txBody>
+          <a:bodyPr anchor="t" rtlCol="false"/>
+          <a:lstStyle/>
+          <a:p>
+            <a:pPr algn="l"/>
+            <a:r>
+              <a:t/>
+            </a:r>
+            <a:endParaRPr lang="en-US" sz="1100"/>
+          </a:p>
+          <a:p>
+            <a:r>
+              <a:rPr lang="en-US" sz="2400">
+                <a:solidFill>
+                  <a:srgbClr val="0000FF"/>
+                </a:solidFill>
+              </a:rPr>
+              <a:t>WikiData</a:t>
             </a:r>
           </a:p>
         </p:txBody>
@@ -11027,7 +11689,7 @@
                   <a:srgbClr val="000000"/>
                 </a:solidFill>
               </a:rPr>
-              <a:t>image:</a:t>
+              <a:t>wikidata_id:</a:t>
             </a:r>
           </a:p>
         </p:txBody>
@@ -11064,7 +11726,81 @@
                   <a:srgbClr val="0000FF"/>
                 </a:solidFill>
               </a:rPr>
-              <a:t>"Duke of Connaught and Strathearn.jpg"</a:t>
+              <a:t>Q160558</a:t>
+            </a:r>
+          </a:p>
+        </p:txBody>
+      </p:sp>
+      <p:sp>
+        <p:nvSpPr>
+          <p:cNvPr name="TextBox 5" id="6"/>
+          <p:cNvSpPr txBox="true"/>
+          <p:nvPr/>
+        </p:nvSpPr>
+        <p:spPr>
+          <a:xfrm>
+            <a:off x="254000" y="1016000"/>
+            <a:ext cx="1905000" cy="381000"/>
+          </a:xfrm>
+          <a:prstGeom prst="rect">
+            <a:avLst/>
+          </a:prstGeom>
+        </p:spPr>
+        <p:txBody>
+          <a:bodyPr anchor="t" rtlCol="false"/>
+          <a:lstStyle/>
+          <a:p>
+            <a:pPr algn="l"/>
+            <a:r>
+              <a:t/>
+            </a:r>
+            <a:endParaRPr lang="en-US" sz="1100"/>
+          </a:p>
+          <a:p>
+            <a:r>
+              <a:rPr lang="en-US" sz="2400">
+                <a:solidFill>
+                  <a:srgbClr val="000000"/>
+                </a:solidFill>
+              </a:rPr>
+              <a:t>source:</a:t>
+            </a:r>
+          </a:p>
+        </p:txBody>
+      </p:sp>
+      <p:sp>
+        <p:nvSpPr>
+          <p:cNvPr name="TextBox 6" id="7"/>
+          <p:cNvSpPr txBox="true"/>
+          <p:nvPr/>
+        </p:nvSpPr>
+        <p:spPr>
+          <a:xfrm>
+            <a:off x="2159000" y="1016000"/>
+            <a:ext cx="6350000" cy="381000"/>
+          </a:xfrm>
+          <a:prstGeom prst="rect">
+            <a:avLst/>
+          </a:prstGeom>
+        </p:spPr>
+        <p:txBody>
+          <a:bodyPr anchor="t" rtlCol="false"/>
+          <a:lstStyle/>
+          <a:p>
+            <a:pPr algn="l"/>
+            <a:r>
+              <a:t/>
+            </a:r>
+            <a:endParaRPr lang="en-US" sz="1100"/>
+          </a:p>
+          <a:p>
+            <a:r>
+              <a:rPr lang="en-US" sz="2400">
+                <a:solidFill>
+                  <a:srgbClr val="0000FF"/>
+                </a:solidFill>
+              </a:rPr>
+              <a:t>WikiData</a:t>
             </a:r>
           </a:p>
         </p:txBody>
@@ -11201,7 +11937,7 @@
                   <a:srgbClr val="000000"/>
                 </a:solidFill>
               </a:rPr>
-              <a:t>image:</a:t>
+              <a:t>wikidata_id:</a:t>
             </a:r>
           </a:p>
         </p:txBody>
@@ -11238,7 +11974,81 @@
                   <a:srgbClr val="0000FF"/>
                 </a:solidFill>
               </a:rPr>
-              <a:t>"Prince Leopold, Duke of Albany - Project Gutenberg eText 13103.jpg"</a:t>
+              <a:t>Q160541</a:t>
+            </a:r>
+          </a:p>
+        </p:txBody>
+      </p:sp>
+      <p:sp>
+        <p:nvSpPr>
+          <p:cNvPr name="TextBox 5" id="6"/>
+          <p:cNvSpPr txBox="true"/>
+          <p:nvPr/>
+        </p:nvSpPr>
+        <p:spPr>
+          <a:xfrm>
+            <a:off x="254000" y="1016000"/>
+            <a:ext cx="1905000" cy="381000"/>
+          </a:xfrm>
+          <a:prstGeom prst="rect">
+            <a:avLst/>
+          </a:prstGeom>
+        </p:spPr>
+        <p:txBody>
+          <a:bodyPr anchor="t" rtlCol="false"/>
+          <a:lstStyle/>
+          <a:p>
+            <a:pPr algn="l"/>
+            <a:r>
+              <a:t/>
+            </a:r>
+            <a:endParaRPr lang="en-US" sz="1100"/>
+          </a:p>
+          <a:p>
+            <a:r>
+              <a:rPr lang="en-US" sz="2400">
+                <a:solidFill>
+                  <a:srgbClr val="000000"/>
+                </a:solidFill>
+              </a:rPr>
+              <a:t>source:</a:t>
+            </a:r>
+          </a:p>
+        </p:txBody>
+      </p:sp>
+      <p:sp>
+        <p:nvSpPr>
+          <p:cNvPr name="TextBox 6" id="7"/>
+          <p:cNvSpPr txBox="true"/>
+          <p:nvPr/>
+        </p:nvSpPr>
+        <p:spPr>
+          <a:xfrm>
+            <a:off x="2159000" y="1016000"/>
+            <a:ext cx="6350000" cy="381000"/>
+          </a:xfrm>
+          <a:prstGeom prst="rect">
+            <a:avLst/>
+          </a:prstGeom>
+        </p:spPr>
+        <p:txBody>
+          <a:bodyPr anchor="t" rtlCol="false"/>
+          <a:lstStyle/>
+          <a:p>
+            <a:pPr algn="l"/>
+            <a:r>
+              <a:t/>
+            </a:r>
+            <a:endParaRPr lang="en-US" sz="1100"/>
+          </a:p>
+          <a:p>
+            <a:r>
+              <a:rPr lang="en-US" sz="2400">
+                <a:solidFill>
+                  <a:srgbClr val="0000FF"/>
+                </a:solidFill>
+              </a:rPr>
+              <a:t>WikiData</a:t>
             </a:r>
           </a:p>
         </p:txBody>

--- a/QueenVictoria.pptx
+++ b/QueenVictoria.pptx
@@ -1199,7 +1199,7 @@
             <a:pPr lvl="0"/>
             <a:r>
               <a:rPr lang="en-US"/>
-              <a:t>picture (picture) = BufferedImage@5c10285a: type = 10 ColorModel: #pixelBits = 8 numComponents = 1 color space = java.awt.color.ICC_ColorSpace@6b667cb3 transparency = 1 has alpha = false isAlphaPre = false ByteInterleavedRaster: width = 2729 height = 3851 #numDataElements 1 dataOff[0] = 0</a:t>
+              <a:t>picture (picture) = BufferedImage@1023150a: type = 10 ColorModel: #pixelBits = 8 numComponents = 1 color space = java.awt.color.ICC_ColorSpace@3ece1e79 transparency = 1 has alpha = false isAlphaPre = false ByteInterleavedRaster: width = 200 height = 282 #numDataElements 1 dataOff[0] = 0</a:t>
             </a:r>
           </a:p>
           <a:p>
@@ -1732,7 +1732,7 @@
             <a:pPr lvl="0"/>
             <a:r>
               <a:rPr lang="en-US"/>
-              <a:t>picture (picture) = BufferedImage@60cf62ad: type = 5 ColorModel: #pixelBits = 24 numComponents = 3 color space = java.awt.color.ICC_ColorSpace@167279d1 transparency = 1 has alpha = false isAlphaPre = false ByteInterleavedRaster: width = 361 height = 500 #numDataElements 3 dataOff[0] = 2</a:t>
+              <a:t>picture (picture) = BufferedImage@54e3658c: type = 10 ColorModel: #pixelBits = 8 numComponents = 1 color space = java.awt.color.ICC_ColorSpace@3ece1e79 transparency = 1 has alpha = false isAlphaPre = false ByteInterleavedRaster: width = 200 height = 277 #numDataElements 1 dataOff[0] = 0</a:t>
             </a:r>
           </a:p>
           <a:p>
@@ -2370,7 +2370,7 @@
             <a:pPr lvl="0"/>
             <a:r>
               <a:rPr lang="en-US"/>
-              <a:t>picture (picture) = BufferedImage@66ad7bf0: type = 5 ColorModel: #pixelBits = 24 numComponents = 3 color space = java.awt.color.ICC_ColorSpace@167279d1 transparency = 1 has alpha = false isAlphaPre = false ByteInterleavedRaster: width = 1590 height = 2000 #numDataElements 3 dataOff[0] = 2</a:t>
+              <a:t>picture (picture) = BufferedImage@1128620c: type = 5 ColorModel: #pixelBits = 24 numComponents = 3 color space = java.awt.color.ICC_ColorSpace@6bf13698 transparency = 1 has alpha = false isAlphaPre = false ByteInterleavedRaster: width = 200 height = 252 #numDataElements 3 dataOff[0] = 2</a:t>
             </a:r>
           </a:p>
           <a:p>
@@ -3190,7 +3190,7 @@
             <a:pPr lvl="0"/>
             <a:r>
               <a:rPr lang="en-US"/>
-              <a:t>picture (picture) = BufferedImage@7dff6d05: type = 5 ColorModel: #pixelBits = 24 numComponents = 3 color space = java.awt.color.ICC_ColorSpace@167279d1 transparency = 1 has alpha = false isAlphaPre = false ByteInterleavedRaster: width = 1936 height = 2728 #numDataElements 3 dataOff[0] = 2</a:t>
+              <a:t>picture (picture) = BufferedImage@15f8701f: type = 5 ColorModel: #pixelBits = 24 numComponents = 3 color space = java.awt.color.ICC_ColorSpace@6bf13698 transparency = 1 has alpha = false isAlphaPre = false ByteInterleavedRaster: width = 200 height = 282 #numDataElements 3 dataOff[0] = 2</a:t>
             </a:r>
           </a:p>
           <a:p>
@@ -3758,7 +3758,7 @@
             <a:pPr lvl="0"/>
             <a:r>
               <a:rPr lang="en-US"/>
-              <a:t>picture (picture) = BufferedImage@4da9f723: type = 6 ColorModel: #pixelBits = 32 numComponents = 4 color space = java.awt.color.ICC_ColorSpace@167279d1 transparency = 3 has alpha = true isAlphaPre = false ByteInterleavedRaster: width = 1118 height = 1462 #numDataElements 4 dataOff[0] = 3</a:t>
+              <a:t>picture (picture) = BufferedImage@25a5c7db: type = 6 ColorModel: #pixelBits = 32 numComponents = 4 color space = java.awt.color.ICC_ColorSpace@6bf13698 transparency = 3 has alpha = true isAlphaPre = false ByteInterleavedRaster: width = 200 height = 262 #numDataElements 4 dataOff[0] = 3</a:t>
             </a:r>
           </a:p>
           <a:p>
@@ -4340,7 +4340,7 @@
             <a:pPr lvl="0"/>
             <a:r>
               <a:rPr lang="en-US"/>
-              <a:t>picture (picture) = BufferedImage@14d8444b: type = 5 ColorModel: #pixelBits = 24 numComponents = 3 color space = java.awt.color.ICC_ColorSpace@167279d1 transparency = 1 has alpha = false isAlphaPre = false ByteInterleavedRaster: width = 376 height = 565 #numDataElements 3 dataOff[0] = 2</a:t>
+              <a:t>picture (picture) = BufferedImage@642505c7: type = 5 ColorModel: #pixelBits = 24 numComponents = 3 color space = java.awt.color.ICC_ColorSpace@6bf13698 transparency = 1 has alpha = false isAlphaPre = false ByteInterleavedRaster: width = 200 height = 301 #numDataElements 3 dataOff[0] = 2</a:t>
             </a:r>
           </a:p>
           <a:p>
@@ -4845,7 +4845,7 @@
             <a:pPr lvl="0"/>
             <a:r>
               <a:rPr lang="en-US"/>
-              <a:t>picture (picture) = BufferedImage@56f521c6: type = 10 ColorModel: #pixelBits = 8 numComponents = 1 color space = java.awt.color.ICC_ColorSpace@6b667cb3 transparency = 1 has alpha = false isAlphaPre = false ByteInterleavedRaster: width = 1702 height = 2704 #numDataElements 1 dataOff[0] = 0</a:t>
+              <a:t>picture (picture) = BufferedImage@7487b142: type = 10 ColorModel: #pixelBits = 8 numComponents = 1 color space = java.awt.color.ICC_ColorSpace@3ece1e79 transparency = 1 has alpha = false isAlphaPre = false ByteInterleavedRaster: width = 200 height = 318 #numDataElements 1 dataOff[0] = 0</a:t>
             </a:r>
           </a:p>
           <a:p>
@@ -5448,7 +5448,7 @@
             <a:pPr lvl="0"/>
             <a:r>
               <a:rPr lang="en-US"/>
-              <a:t>picture (picture) = BufferedImage@a518813: type = 10 ColorModel: #pixelBits = 8 numComponents = 1 color space = java.awt.color.ICC_ColorSpace@6b667cb3 transparency = 1 has alpha = false isAlphaPre = false ByteInterleavedRaster: width = 1026 height = 1500 #numDataElements 1 dataOff[0] = 0</a:t>
+              <a:t>picture (picture) = BufferedImage@76db540e: type = 10 ColorModel: #pixelBits = 8 numComponents = 1 color space = java.awt.color.ICC_ColorSpace@3ece1e79 transparency = 1 has alpha = false isAlphaPre = false ByteInterleavedRaster: width = 200 height = 292 #numDataElements 1 dataOff[0] = 0</a:t>
             </a:r>
           </a:p>
           <a:p>
@@ -6023,7 +6023,7 @@
             <a:pPr lvl="0"/>
             <a:r>
               <a:rPr lang="en-US"/>
-              <a:t>picture (picture) = BufferedImage@44924587: type = 10 ColorModel: #pixelBits = 8 numComponents = 1 color space = java.awt.color.ICC_ColorSpace@6b667cb3 transparency = 1 has alpha = false isAlphaPre = false ByteInterleavedRaster: width = 417 height = 560 #numDataElements 1 dataOff[0] = 0</a:t>
+              <a:t>picture (picture) = BufferedImage@3f725306: type = 10 ColorModel: #pixelBits = 8 numComponents = 1 color space = java.awt.color.ICC_ColorSpace@3ece1e79 transparency = 1 has alpha = false isAlphaPre = false ByteInterleavedRaster: width = 200 height = 269 #numDataElements 1 dataOff[0] = 0</a:t>
             </a:r>
           </a:p>
           <a:p>
@@ -6507,7 +6507,7 @@
             <a:pPr lvl="0"/>
             <a:r>
               <a:rPr lang="en-US"/>
-              <a:t>picture (picture) = BufferedImage@7c251f90: type = 5 ColorModel: #pixelBits = 24 numComponents = 3 color space = java.awt.color.ICC_ColorSpace@167279d1 transparency = 1 has alpha = false isAlphaPre = false ByteInterleavedRaster: width = 213 height = 289 #numDataElements 3 dataOff[0] = 2</a:t>
+              <a:t>picture (picture) = BufferedImage@60cf62ad: type = 10 ColorModel: #pixelBits = 8 numComponents = 1 color space = java.awt.color.ICC_ColorSpace@3ece1e79 transparency = 1 has alpha = false isAlphaPre = false ByteInterleavedRaster: width = 200 height = 271 #numDataElements 1 dataOff[0] = 0</a:t>
             </a:r>
           </a:p>
           <a:p>
@@ -9606,8 +9606,8 @@
         </p:nvSpPr>
         <p:spPr>
           <a:xfrm>
-            <a:off x="254000" y="254000"/>
-            <a:ext cx="1905000" cy="381000"/>
+            <a:off x="3048000" y="254000"/>
+            <a:ext cx="1651000" cy="254000"/>
           </a:xfrm>
           <a:prstGeom prst="rect">
             <a:avLst/>
@@ -9625,7 +9625,7 @@
           </a:p>
           <a:p>
             <a:r>
-              <a:rPr lang="en-US" sz="2400">
+              <a:rPr lang="en-US" sz="1600">
                 <a:solidFill>
                   <a:srgbClr val="000000"/>
                 </a:solidFill>
@@ -9643,8 +9643,8 @@
         </p:nvSpPr>
         <p:spPr>
           <a:xfrm>
-            <a:off x="2159000" y="254000"/>
-            <a:ext cx="6350000" cy="381000"/>
+            <a:off x="4699000" y="254000"/>
+            <a:ext cx="4445000" cy="254000"/>
           </a:xfrm>
           <a:prstGeom prst="rect">
             <a:avLst/>
@@ -9662,27 +9662,51 @@
           </a:p>
           <a:p>
             <a:r>
-              <a:rPr lang="en-US" sz="2400">
+              <a:rPr lang="en-US" sz="1600">
                 <a:solidFill>
                   <a:srgbClr val="0000FF"/>
                 </a:solidFill>
-                <a:hlinkClick r:id="rId2" tooltip="http://royal-family.bitplan.com/index.php/Queen_Victoria"/>
+                <a:hlinkClick r:id="rId2" tooltip="https://tools.wmflabs.org/sqid/#/view?id=Q9439"/>
               </a:rPr>
               <a:t>Queen Victoria</a:t>
             </a:r>
           </a:p>
         </p:txBody>
       </p:sp>
-      <p:sp>
-        <p:nvSpPr>
-          <p:cNvPr name="TextBox 3" id="4"/>
+      <p:pic>
+        <p:nvPicPr>
+          <p:cNvPr name="Picture 3" id="4"/>
+          <p:cNvPicPr>
+            <a:picLocks noChangeAspect="true"/>
+          </p:cNvPicPr>
+          <p:nvPr/>
+        </p:nvPicPr>
+        <p:blipFill>
+          <a:blip r:embed="rId3"/>
+          <a:stretch>
+            <a:fillRect/>
+          </a:stretch>
+        </p:blipFill>
+        <p:spPr>
+          <a:xfrm>
+            <a:off x="254000" y="508000"/>
+            <a:ext cx="2540000" cy="3581400"/>
+          </a:xfrm>
+          <a:prstGeom prst="rect">
+            <a:avLst/>
+          </a:prstGeom>
+        </p:spPr>
+      </p:pic>
+      <p:sp>
+        <p:nvSpPr>
+          <p:cNvPr name="TextBox 4" id="5"/>
           <p:cNvSpPr txBox="true"/>
           <p:nvPr/>
         </p:nvSpPr>
         <p:spPr>
           <a:xfrm>
-            <a:off x="254000" y="635000"/>
-            <a:ext cx="1905000" cy="381000"/>
+            <a:off x="3048000" y="508000"/>
+            <a:ext cx="1651000" cy="254000"/>
           </a:xfrm>
           <a:prstGeom prst="rect">
             <a:avLst/>
@@ -9700,7 +9724,7 @@
           </a:p>
           <a:p>
             <a:r>
-              <a:rPr lang="en-US" sz="2400">
+              <a:rPr lang="en-US" sz="1600">
                 <a:solidFill>
                   <a:srgbClr val="000000"/>
                 </a:solidFill>
@@ -9712,14 +9736,14 @@
       </p:sp>
       <p:sp>
         <p:nvSpPr>
-          <p:cNvPr name="TextBox 4" id="5"/>
+          <p:cNvPr name="TextBox 5" id="6"/>
           <p:cNvSpPr txBox="true"/>
           <p:nvPr/>
         </p:nvSpPr>
         <p:spPr>
           <a:xfrm>
-            <a:off x="2159000" y="635000"/>
-            <a:ext cx="6350000" cy="381000"/>
+            <a:off x="4699000" y="508000"/>
+            <a:ext cx="4445000" cy="254000"/>
           </a:xfrm>
           <a:prstGeom prst="rect">
             <a:avLst/>
@@ -9737,7 +9761,7 @@
           </a:p>
           <a:p>
             <a:r>
-              <a:rPr lang="en-US" sz="2400">
+              <a:rPr lang="en-US" sz="1600">
                 <a:solidFill>
                   <a:srgbClr val="0000FF"/>
                 </a:solidFill>
@@ -9749,14 +9773,14 @@
       </p:sp>
       <p:sp>
         <p:nvSpPr>
-          <p:cNvPr name="TextBox 5" id="6"/>
+          <p:cNvPr name="TextBox 6" id="7"/>
           <p:cNvSpPr txBox="true"/>
           <p:nvPr/>
         </p:nvSpPr>
         <p:spPr>
           <a:xfrm>
-            <a:off x="254000" y="1016000"/>
-            <a:ext cx="1905000" cy="381000"/>
+            <a:off x="3048000" y="762000"/>
+            <a:ext cx="1651000" cy="254000"/>
           </a:xfrm>
           <a:prstGeom prst="rect">
             <a:avLst/>
@@ -9774,7 +9798,229 @@
           </a:p>
           <a:p>
             <a:r>
-              <a:rPr lang="en-US" sz="2400">
+              <a:rPr lang="en-US" sz="1600">
+                <a:solidFill>
+                  <a:srgbClr val="000000"/>
+                </a:solidFill>
+              </a:rPr>
+              <a:t>image:</a:t>
+            </a:r>
+          </a:p>
+        </p:txBody>
+      </p:sp>
+      <p:sp>
+        <p:nvSpPr>
+          <p:cNvPr name="TextBox 7" id="8"/>
+          <p:cNvSpPr txBox="true"/>
+          <p:nvPr/>
+        </p:nvSpPr>
+        <p:spPr>
+          <a:xfrm>
+            <a:off x="4699000" y="762000"/>
+            <a:ext cx="4445000" cy="254000"/>
+          </a:xfrm>
+          <a:prstGeom prst="rect">
+            <a:avLst/>
+          </a:prstGeom>
+        </p:spPr>
+        <p:txBody>
+          <a:bodyPr anchor="t" rtlCol="false"/>
+          <a:lstStyle/>
+          <a:p>
+            <a:pPr algn="l"/>
+            <a:r>
+              <a:t/>
+            </a:r>
+            <a:endParaRPr lang="en-US" sz="1100"/>
+          </a:p>
+          <a:p>
+            <a:r>
+              <a:rPr lang="en-US" sz="1600">
+                <a:solidFill>
+                  <a:srgbClr val="0000FF"/>
+                </a:solidFill>
+              </a:rPr>
+              <a:t>Queen Victoria by Bassano.jpg</a:t>
+            </a:r>
+          </a:p>
+        </p:txBody>
+      </p:sp>
+      <p:sp>
+        <p:nvSpPr>
+          <p:cNvPr name="TextBox 8" id="9"/>
+          <p:cNvSpPr txBox="true"/>
+          <p:nvPr/>
+        </p:nvSpPr>
+        <p:spPr>
+          <a:xfrm>
+            <a:off x="3048000" y="1016000"/>
+            <a:ext cx="1651000" cy="254000"/>
+          </a:xfrm>
+          <a:prstGeom prst="rect">
+            <a:avLst/>
+          </a:prstGeom>
+        </p:spPr>
+        <p:txBody>
+          <a:bodyPr anchor="t" rtlCol="false"/>
+          <a:lstStyle/>
+          <a:p>
+            <a:pPr algn="l"/>
+            <a:r>
+              <a:t/>
+            </a:r>
+            <a:endParaRPr lang="en-US" sz="1100"/>
+          </a:p>
+          <a:p>
+            <a:r>
+              <a:rPr lang="en-US" sz="1600">
+                <a:solidFill>
+                  <a:srgbClr val="000000"/>
+                </a:solidFill>
+              </a:rPr>
+              <a:t>wiki_en:</a:t>
+            </a:r>
+          </a:p>
+        </p:txBody>
+      </p:sp>
+      <p:sp>
+        <p:nvSpPr>
+          <p:cNvPr name="TextBox 9" id="10"/>
+          <p:cNvSpPr txBox="true"/>
+          <p:nvPr/>
+        </p:nvSpPr>
+        <p:spPr>
+          <a:xfrm>
+            <a:off x="4699000" y="1016000"/>
+            <a:ext cx="4445000" cy="254000"/>
+          </a:xfrm>
+          <a:prstGeom prst="rect">
+            <a:avLst/>
+          </a:prstGeom>
+        </p:spPr>
+        <p:txBody>
+          <a:bodyPr anchor="t" rtlCol="false"/>
+          <a:lstStyle/>
+          <a:p>
+            <a:pPr algn="l"/>
+            <a:r>
+              <a:t/>
+            </a:r>
+            <a:endParaRPr lang="en-US" sz="1100"/>
+          </a:p>
+          <a:p>
+            <a:r>
+              <a:rPr lang="en-US" sz="1600">
+                <a:solidFill>
+                  <a:srgbClr val="0000FF"/>
+                </a:solidFill>
+              </a:rPr>
+              <a:t>Queen Victoria</a:t>
+            </a:r>
+          </a:p>
+        </p:txBody>
+      </p:sp>
+      <p:sp>
+        <p:nvSpPr>
+          <p:cNvPr name="TextBox 10" id="11"/>
+          <p:cNvSpPr txBox="true"/>
+          <p:nvPr/>
+        </p:nvSpPr>
+        <p:spPr>
+          <a:xfrm>
+            <a:off x="3048000" y="1270000"/>
+            <a:ext cx="1651000" cy="254000"/>
+          </a:xfrm>
+          <a:prstGeom prst="rect">
+            <a:avLst/>
+          </a:prstGeom>
+        </p:spPr>
+        <p:txBody>
+          <a:bodyPr anchor="t" rtlCol="false"/>
+          <a:lstStyle/>
+          <a:p>
+            <a:pPr algn="l"/>
+            <a:r>
+              <a:t/>
+            </a:r>
+            <a:endParaRPr lang="en-US" sz="1100"/>
+          </a:p>
+          <a:p>
+            <a:r>
+              <a:rPr lang="en-US" sz="1600">
+                <a:solidFill>
+                  <a:srgbClr val="000000"/>
+                </a:solidFill>
+              </a:rPr>
+              <a:t>label_en:</a:t>
+            </a:r>
+          </a:p>
+        </p:txBody>
+      </p:sp>
+      <p:sp>
+        <p:nvSpPr>
+          <p:cNvPr name="TextBox 11" id="12"/>
+          <p:cNvSpPr txBox="true"/>
+          <p:nvPr/>
+        </p:nvSpPr>
+        <p:spPr>
+          <a:xfrm>
+            <a:off x="4699000" y="1270000"/>
+            <a:ext cx="4445000" cy="254000"/>
+          </a:xfrm>
+          <a:prstGeom prst="rect">
+            <a:avLst/>
+          </a:prstGeom>
+        </p:spPr>
+        <p:txBody>
+          <a:bodyPr anchor="t" rtlCol="false"/>
+          <a:lstStyle/>
+          <a:p>
+            <a:pPr algn="l"/>
+            <a:r>
+              <a:t/>
+            </a:r>
+            <a:endParaRPr lang="en-US" sz="1100"/>
+          </a:p>
+          <a:p>
+            <a:r>
+              <a:rPr lang="en-US" sz="1600">
+                <a:solidFill>
+                  <a:srgbClr val="0000FF"/>
+                </a:solidFill>
+              </a:rPr>
+              <a:t>Queen Victoria</a:t>
+            </a:r>
+          </a:p>
+        </p:txBody>
+      </p:sp>
+      <p:sp>
+        <p:nvSpPr>
+          <p:cNvPr name="TextBox 12" id="13"/>
+          <p:cNvSpPr txBox="true"/>
+          <p:nvPr/>
+        </p:nvSpPr>
+        <p:spPr>
+          <a:xfrm>
+            <a:off x="3048000" y="1524000"/>
+            <a:ext cx="1651000" cy="254000"/>
+          </a:xfrm>
+          <a:prstGeom prst="rect">
+            <a:avLst/>
+          </a:prstGeom>
+        </p:spPr>
+        <p:txBody>
+          <a:bodyPr anchor="t" rtlCol="false"/>
+          <a:lstStyle/>
+          <a:p>
+            <a:pPr algn="l"/>
+            <a:r>
+              <a:t/>
+            </a:r>
+            <a:endParaRPr lang="en-US" sz="1100"/>
+          </a:p>
+          <a:p>
+            <a:r>
+              <a:rPr lang="en-US" sz="1600">
                 <a:solidFill>
                   <a:srgbClr val="000000"/>
                 </a:solidFill>
@@ -9786,14 +10032,14 @@
       </p:sp>
       <p:sp>
         <p:nvSpPr>
-          <p:cNvPr name="TextBox 6" id="7"/>
+          <p:cNvPr name="TextBox 13" id="14"/>
           <p:cNvSpPr txBox="true"/>
           <p:nvPr/>
         </p:nvSpPr>
         <p:spPr>
           <a:xfrm>
-            <a:off x="2159000" y="1016000"/>
-            <a:ext cx="6350000" cy="381000"/>
+            <a:off x="4699000" y="1524000"/>
+            <a:ext cx="4445000" cy="254000"/>
           </a:xfrm>
           <a:prstGeom prst="rect">
             <a:avLst/>
@@ -9811,7 +10057,7 @@
           </a:p>
           <a:p>
             <a:r>
-              <a:rPr lang="en-US" sz="2400">
+              <a:rPr lang="en-US" sz="1600">
                 <a:solidFill>
                   <a:srgbClr val="0000FF"/>
                 </a:solidFill>
@@ -9854,8 +10100,8 @@
         </p:nvSpPr>
         <p:spPr>
           <a:xfrm>
-            <a:off x="254000" y="254000"/>
-            <a:ext cx="1905000" cy="381000"/>
+            <a:off x="3048000" y="254000"/>
+            <a:ext cx="1651000" cy="254000"/>
           </a:xfrm>
           <a:prstGeom prst="rect">
             <a:avLst/>
@@ -9873,7 +10119,7 @@
           </a:p>
           <a:p>
             <a:r>
-              <a:rPr lang="en-US" sz="2400">
+              <a:rPr lang="en-US" sz="1600">
                 <a:solidFill>
                   <a:srgbClr val="000000"/>
                 </a:solidFill>
@@ -9891,8 +10137,8 @@
         </p:nvSpPr>
         <p:spPr>
           <a:xfrm>
-            <a:off x="2159000" y="254000"/>
-            <a:ext cx="6350000" cy="381000"/>
+            <a:off x="4699000" y="254000"/>
+            <a:ext cx="4445000" cy="254000"/>
           </a:xfrm>
           <a:prstGeom prst="rect">
             <a:avLst/>
@@ -9910,27 +10156,51 @@
           </a:p>
           <a:p>
             <a:r>
-              <a:rPr lang="en-US" sz="2400">
+              <a:rPr lang="en-US" sz="1600">
                 <a:solidFill>
                   <a:srgbClr val="0000FF"/>
                 </a:solidFill>
-                <a:hlinkClick r:id="rId2" tooltip="http://royal-family.bitplan.com/index.php/Princess_Beatrice_of_the_United_Kingdom"/>
+                <a:hlinkClick r:id="rId2" tooltip="https://tools.wmflabs.org/sqid/#/view?id=Q158140"/>
               </a:rPr>
               <a:t>Princess Beatrice of the United Kingdom</a:t>
             </a:r>
           </a:p>
         </p:txBody>
       </p:sp>
-      <p:sp>
-        <p:nvSpPr>
-          <p:cNvPr name="TextBox 3" id="4"/>
+      <p:pic>
+        <p:nvPicPr>
+          <p:cNvPr name="Picture 3" id="4"/>
+          <p:cNvPicPr>
+            <a:picLocks noChangeAspect="true"/>
+          </p:cNvPicPr>
+          <p:nvPr/>
+        </p:nvPicPr>
+        <p:blipFill>
+          <a:blip r:embed="rId3"/>
+          <a:stretch>
+            <a:fillRect/>
+          </a:stretch>
+        </p:blipFill>
+        <p:spPr>
+          <a:xfrm>
+            <a:off x="254000" y="508000"/>
+            <a:ext cx="2540000" cy="3517900"/>
+          </a:xfrm>
+          <a:prstGeom prst="rect">
+            <a:avLst/>
+          </a:prstGeom>
+        </p:spPr>
+      </p:pic>
+      <p:sp>
+        <p:nvSpPr>
+          <p:cNvPr name="TextBox 4" id="5"/>
           <p:cNvSpPr txBox="true"/>
           <p:nvPr/>
         </p:nvSpPr>
         <p:spPr>
           <a:xfrm>
-            <a:off x="254000" y="635000"/>
-            <a:ext cx="1905000" cy="381000"/>
+            <a:off x="3048000" y="508000"/>
+            <a:ext cx="1651000" cy="254000"/>
           </a:xfrm>
           <a:prstGeom prst="rect">
             <a:avLst/>
@@ -9948,7 +10218,7 @@
           </a:p>
           <a:p>
             <a:r>
-              <a:rPr lang="en-US" sz="2400">
+              <a:rPr lang="en-US" sz="1600">
                 <a:solidFill>
                   <a:srgbClr val="000000"/>
                 </a:solidFill>
@@ -9960,14 +10230,14 @@
       </p:sp>
       <p:sp>
         <p:nvSpPr>
-          <p:cNvPr name="TextBox 4" id="5"/>
+          <p:cNvPr name="TextBox 5" id="6"/>
           <p:cNvSpPr txBox="true"/>
           <p:nvPr/>
         </p:nvSpPr>
         <p:spPr>
           <a:xfrm>
-            <a:off x="2159000" y="635000"/>
-            <a:ext cx="6350000" cy="381000"/>
+            <a:off x="4699000" y="508000"/>
+            <a:ext cx="4445000" cy="254000"/>
           </a:xfrm>
           <a:prstGeom prst="rect">
             <a:avLst/>
@@ -9985,7 +10255,7 @@
           </a:p>
           <a:p>
             <a:r>
-              <a:rPr lang="en-US" sz="2400">
+              <a:rPr lang="en-US" sz="1600">
                 <a:solidFill>
                   <a:srgbClr val="0000FF"/>
                 </a:solidFill>
@@ -9997,14 +10267,14 @@
       </p:sp>
       <p:sp>
         <p:nvSpPr>
-          <p:cNvPr name="TextBox 5" id="6"/>
+          <p:cNvPr name="TextBox 6" id="7"/>
           <p:cNvSpPr txBox="true"/>
           <p:nvPr/>
         </p:nvSpPr>
         <p:spPr>
           <a:xfrm>
-            <a:off x="254000" y="1016000"/>
-            <a:ext cx="1905000" cy="381000"/>
+            <a:off x="3048000" y="762000"/>
+            <a:ext cx="1651000" cy="254000"/>
           </a:xfrm>
           <a:prstGeom prst="rect">
             <a:avLst/>
@@ -10022,7 +10292,229 @@
           </a:p>
           <a:p>
             <a:r>
-              <a:rPr lang="en-US" sz="2400">
+              <a:rPr lang="en-US" sz="1600">
+                <a:solidFill>
+                  <a:srgbClr val="000000"/>
+                </a:solidFill>
+              </a:rPr>
+              <a:t>image:</a:t>
+            </a:r>
+          </a:p>
+        </p:txBody>
+      </p:sp>
+      <p:sp>
+        <p:nvSpPr>
+          <p:cNvPr name="TextBox 7" id="8"/>
+          <p:cNvSpPr txBox="true"/>
+          <p:nvPr/>
+        </p:nvSpPr>
+        <p:spPr>
+          <a:xfrm>
+            <a:off x="4699000" y="762000"/>
+            <a:ext cx="4445000" cy="254000"/>
+          </a:xfrm>
+          <a:prstGeom prst="rect">
+            <a:avLst/>
+          </a:prstGeom>
+        </p:spPr>
+        <p:txBody>
+          <a:bodyPr anchor="t" rtlCol="false"/>
+          <a:lstStyle/>
+          <a:p>
+            <a:pPr algn="l"/>
+            <a:r>
+              <a:t/>
+            </a:r>
+            <a:endParaRPr lang="en-US" sz="1100"/>
+          </a:p>
+          <a:p>
+            <a:r>
+              <a:rPr lang="en-US" sz="1600">
+                <a:solidFill>
+                  <a:srgbClr val="0000FF"/>
+                </a:solidFill>
+              </a:rPr>
+              <a:t>Laszlo - Princess Henry of Battenberg.jpg</a:t>
+            </a:r>
+          </a:p>
+        </p:txBody>
+      </p:sp>
+      <p:sp>
+        <p:nvSpPr>
+          <p:cNvPr name="TextBox 8" id="9"/>
+          <p:cNvSpPr txBox="true"/>
+          <p:nvPr/>
+        </p:nvSpPr>
+        <p:spPr>
+          <a:xfrm>
+            <a:off x="3048000" y="1016000"/>
+            <a:ext cx="1651000" cy="254000"/>
+          </a:xfrm>
+          <a:prstGeom prst="rect">
+            <a:avLst/>
+          </a:prstGeom>
+        </p:spPr>
+        <p:txBody>
+          <a:bodyPr anchor="t" rtlCol="false"/>
+          <a:lstStyle/>
+          <a:p>
+            <a:pPr algn="l"/>
+            <a:r>
+              <a:t/>
+            </a:r>
+            <a:endParaRPr lang="en-US" sz="1100"/>
+          </a:p>
+          <a:p>
+            <a:r>
+              <a:rPr lang="en-US" sz="1600">
+                <a:solidFill>
+                  <a:srgbClr val="000000"/>
+                </a:solidFill>
+              </a:rPr>
+              <a:t>wiki_en:</a:t>
+            </a:r>
+          </a:p>
+        </p:txBody>
+      </p:sp>
+      <p:sp>
+        <p:nvSpPr>
+          <p:cNvPr name="TextBox 9" id="10"/>
+          <p:cNvSpPr txBox="true"/>
+          <p:nvPr/>
+        </p:nvSpPr>
+        <p:spPr>
+          <a:xfrm>
+            <a:off x="4699000" y="1016000"/>
+            <a:ext cx="4445000" cy="254000"/>
+          </a:xfrm>
+          <a:prstGeom prst="rect">
+            <a:avLst/>
+          </a:prstGeom>
+        </p:spPr>
+        <p:txBody>
+          <a:bodyPr anchor="t" rtlCol="false"/>
+          <a:lstStyle/>
+          <a:p>
+            <a:pPr algn="l"/>
+            <a:r>
+              <a:t/>
+            </a:r>
+            <a:endParaRPr lang="en-US" sz="1100"/>
+          </a:p>
+          <a:p>
+            <a:r>
+              <a:rPr lang="en-US" sz="1600">
+                <a:solidFill>
+                  <a:srgbClr val="0000FF"/>
+                </a:solidFill>
+              </a:rPr>
+              <a:t>Princess Beatrice of the United Kingdom</a:t>
+            </a:r>
+          </a:p>
+        </p:txBody>
+      </p:sp>
+      <p:sp>
+        <p:nvSpPr>
+          <p:cNvPr name="TextBox 10" id="11"/>
+          <p:cNvSpPr txBox="true"/>
+          <p:nvPr/>
+        </p:nvSpPr>
+        <p:spPr>
+          <a:xfrm>
+            <a:off x="3048000" y="1270000"/>
+            <a:ext cx="1651000" cy="254000"/>
+          </a:xfrm>
+          <a:prstGeom prst="rect">
+            <a:avLst/>
+          </a:prstGeom>
+        </p:spPr>
+        <p:txBody>
+          <a:bodyPr anchor="t" rtlCol="false"/>
+          <a:lstStyle/>
+          <a:p>
+            <a:pPr algn="l"/>
+            <a:r>
+              <a:t/>
+            </a:r>
+            <a:endParaRPr lang="en-US" sz="1100"/>
+          </a:p>
+          <a:p>
+            <a:r>
+              <a:rPr lang="en-US" sz="1600">
+                <a:solidFill>
+                  <a:srgbClr val="000000"/>
+                </a:solidFill>
+              </a:rPr>
+              <a:t>label_en:</a:t>
+            </a:r>
+          </a:p>
+        </p:txBody>
+      </p:sp>
+      <p:sp>
+        <p:nvSpPr>
+          <p:cNvPr name="TextBox 11" id="12"/>
+          <p:cNvSpPr txBox="true"/>
+          <p:nvPr/>
+        </p:nvSpPr>
+        <p:spPr>
+          <a:xfrm>
+            <a:off x="4699000" y="1270000"/>
+            <a:ext cx="4445000" cy="254000"/>
+          </a:xfrm>
+          <a:prstGeom prst="rect">
+            <a:avLst/>
+          </a:prstGeom>
+        </p:spPr>
+        <p:txBody>
+          <a:bodyPr anchor="t" rtlCol="false"/>
+          <a:lstStyle/>
+          <a:p>
+            <a:pPr algn="l"/>
+            <a:r>
+              <a:t/>
+            </a:r>
+            <a:endParaRPr lang="en-US" sz="1100"/>
+          </a:p>
+          <a:p>
+            <a:r>
+              <a:rPr lang="en-US" sz="1600">
+                <a:solidFill>
+                  <a:srgbClr val="0000FF"/>
+                </a:solidFill>
+              </a:rPr>
+              <a:t>Princess Beatrice of the United Kingdom</a:t>
+            </a:r>
+          </a:p>
+        </p:txBody>
+      </p:sp>
+      <p:sp>
+        <p:nvSpPr>
+          <p:cNvPr name="TextBox 12" id="13"/>
+          <p:cNvSpPr txBox="true"/>
+          <p:nvPr/>
+        </p:nvSpPr>
+        <p:spPr>
+          <a:xfrm>
+            <a:off x="3048000" y="1524000"/>
+            <a:ext cx="1651000" cy="254000"/>
+          </a:xfrm>
+          <a:prstGeom prst="rect">
+            <a:avLst/>
+          </a:prstGeom>
+        </p:spPr>
+        <p:txBody>
+          <a:bodyPr anchor="t" rtlCol="false"/>
+          <a:lstStyle/>
+          <a:p>
+            <a:pPr algn="l"/>
+            <a:r>
+              <a:t/>
+            </a:r>
+            <a:endParaRPr lang="en-US" sz="1100"/>
+          </a:p>
+          <a:p>
+            <a:r>
+              <a:rPr lang="en-US" sz="1600">
                 <a:solidFill>
                   <a:srgbClr val="000000"/>
                 </a:solidFill>
@@ -10034,14 +10526,14 @@
       </p:sp>
       <p:sp>
         <p:nvSpPr>
-          <p:cNvPr name="TextBox 6" id="7"/>
+          <p:cNvPr name="TextBox 13" id="14"/>
           <p:cNvSpPr txBox="true"/>
           <p:nvPr/>
         </p:nvSpPr>
         <p:spPr>
           <a:xfrm>
-            <a:off x="2159000" y="1016000"/>
-            <a:ext cx="6350000" cy="381000"/>
+            <a:off x="4699000" y="1524000"/>
+            <a:ext cx="4445000" cy="254000"/>
           </a:xfrm>
           <a:prstGeom prst="rect">
             <a:avLst/>
@@ -10059,7 +10551,7 @@
           </a:p>
           <a:p>
             <a:r>
-              <a:rPr lang="en-US" sz="2400">
+              <a:rPr lang="en-US" sz="1600">
                 <a:solidFill>
                   <a:srgbClr val="0000FF"/>
                 </a:solidFill>
@@ -10102,8 +10594,8 @@
         </p:nvSpPr>
         <p:spPr>
           <a:xfrm>
-            <a:off x="254000" y="254000"/>
-            <a:ext cx="1905000" cy="381000"/>
+            <a:off x="3048000" y="254000"/>
+            <a:ext cx="1651000" cy="254000"/>
           </a:xfrm>
           <a:prstGeom prst="rect">
             <a:avLst/>
@@ -10121,7 +10613,7 @@
           </a:p>
           <a:p>
             <a:r>
-              <a:rPr lang="en-US" sz="2400">
+              <a:rPr lang="en-US" sz="1600">
                 <a:solidFill>
                   <a:srgbClr val="000000"/>
                 </a:solidFill>
@@ -10139,8 +10631,8 @@
         </p:nvSpPr>
         <p:spPr>
           <a:xfrm>
-            <a:off x="2159000" y="254000"/>
-            <a:ext cx="6350000" cy="381000"/>
+            <a:off x="4699000" y="254000"/>
+            <a:ext cx="4445000" cy="254000"/>
           </a:xfrm>
           <a:prstGeom prst="rect">
             <a:avLst/>
@@ -10158,27 +10650,51 @@
           </a:p>
           <a:p>
             <a:r>
-              <a:rPr lang="en-US" sz="2400">
+              <a:rPr lang="en-US" sz="1600">
                 <a:solidFill>
                   <a:srgbClr val="0000FF"/>
                 </a:solidFill>
-                <a:hlinkClick r:id="rId2" tooltip="http://royal-family.bitplan.com/index.php/Victoria,_Princess_Royal"/>
+                <a:hlinkClick r:id="rId2" tooltip="https://tools.wmflabs.org/sqid/#/view?id=Q116728"/>
               </a:rPr>
               <a:t>Victoria, Princess Royal</a:t>
             </a:r>
           </a:p>
         </p:txBody>
       </p:sp>
-      <p:sp>
-        <p:nvSpPr>
-          <p:cNvPr name="TextBox 3" id="4"/>
+      <p:pic>
+        <p:nvPicPr>
+          <p:cNvPr name="Picture 3" id="4"/>
+          <p:cNvPicPr>
+            <a:picLocks noChangeAspect="true"/>
+          </p:cNvPicPr>
+          <p:nvPr/>
+        </p:nvPicPr>
+        <p:blipFill>
+          <a:blip r:embed="rId3"/>
+          <a:stretch>
+            <a:fillRect/>
+          </a:stretch>
+        </p:blipFill>
+        <p:spPr>
+          <a:xfrm>
+            <a:off x="254000" y="508000"/>
+            <a:ext cx="2540000" cy="3200400"/>
+          </a:xfrm>
+          <a:prstGeom prst="rect">
+            <a:avLst/>
+          </a:prstGeom>
+        </p:spPr>
+      </p:pic>
+      <p:sp>
+        <p:nvSpPr>
+          <p:cNvPr name="TextBox 4" id="5"/>
           <p:cNvSpPr txBox="true"/>
           <p:nvPr/>
         </p:nvSpPr>
         <p:spPr>
           <a:xfrm>
-            <a:off x="254000" y="635000"/>
-            <a:ext cx="1905000" cy="381000"/>
+            <a:off x="3048000" y="508000"/>
+            <a:ext cx="1651000" cy="254000"/>
           </a:xfrm>
           <a:prstGeom prst="rect">
             <a:avLst/>
@@ -10196,7 +10712,7 @@
           </a:p>
           <a:p>
             <a:r>
-              <a:rPr lang="en-US" sz="2400">
+              <a:rPr lang="en-US" sz="1600">
                 <a:solidFill>
                   <a:srgbClr val="000000"/>
                 </a:solidFill>
@@ -10208,14 +10724,14 @@
       </p:sp>
       <p:sp>
         <p:nvSpPr>
-          <p:cNvPr name="TextBox 4" id="5"/>
+          <p:cNvPr name="TextBox 5" id="6"/>
           <p:cNvSpPr txBox="true"/>
           <p:nvPr/>
         </p:nvSpPr>
         <p:spPr>
           <a:xfrm>
-            <a:off x="2159000" y="635000"/>
-            <a:ext cx="6350000" cy="381000"/>
+            <a:off x="4699000" y="508000"/>
+            <a:ext cx="4445000" cy="254000"/>
           </a:xfrm>
           <a:prstGeom prst="rect">
             <a:avLst/>
@@ -10233,7 +10749,7 @@
           </a:p>
           <a:p>
             <a:r>
-              <a:rPr lang="en-US" sz="2400">
+              <a:rPr lang="en-US" sz="1600">
                 <a:solidFill>
                   <a:srgbClr val="0000FF"/>
                 </a:solidFill>
@@ -10245,14 +10761,14 @@
       </p:sp>
       <p:sp>
         <p:nvSpPr>
-          <p:cNvPr name="TextBox 5" id="6"/>
+          <p:cNvPr name="TextBox 6" id="7"/>
           <p:cNvSpPr txBox="true"/>
           <p:nvPr/>
         </p:nvSpPr>
         <p:spPr>
           <a:xfrm>
-            <a:off x="254000" y="1016000"/>
-            <a:ext cx="1905000" cy="381000"/>
+            <a:off x="3048000" y="762000"/>
+            <a:ext cx="1651000" cy="254000"/>
           </a:xfrm>
           <a:prstGeom prst="rect">
             <a:avLst/>
@@ -10270,7 +10786,229 @@
           </a:p>
           <a:p>
             <a:r>
-              <a:rPr lang="en-US" sz="2400">
+              <a:rPr lang="en-US" sz="1600">
+                <a:solidFill>
+                  <a:srgbClr val="000000"/>
+                </a:solidFill>
+              </a:rPr>
+              <a:t>image:</a:t>
+            </a:r>
+          </a:p>
+        </p:txBody>
+      </p:sp>
+      <p:sp>
+        <p:nvSpPr>
+          <p:cNvPr name="TextBox 7" id="8"/>
+          <p:cNvSpPr txBox="true"/>
+          <p:nvPr/>
+        </p:nvSpPr>
+        <p:spPr>
+          <a:xfrm>
+            <a:off x="4699000" y="762000"/>
+            <a:ext cx="4445000" cy="254000"/>
+          </a:xfrm>
+          <a:prstGeom prst="rect">
+            <a:avLst/>
+          </a:prstGeom>
+        </p:spPr>
+        <p:txBody>
+          <a:bodyPr anchor="t" rtlCol="false"/>
+          <a:lstStyle/>
+          <a:p>
+            <a:pPr algn="l"/>
+            <a:r>
+              <a:t/>
+            </a:r>
+            <a:endParaRPr lang="en-US" sz="1100"/>
+          </a:p>
+          <a:p>
+            <a:r>
+              <a:rPr lang="en-US" sz="1600">
+                <a:solidFill>
+                  <a:srgbClr val="0000FF"/>
+                </a:solidFill>
+              </a:rPr>
+              <a:t>Victoria, Princess Royal.jpg</a:t>
+            </a:r>
+          </a:p>
+        </p:txBody>
+      </p:sp>
+      <p:sp>
+        <p:nvSpPr>
+          <p:cNvPr name="TextBox 8" id="9"/>
+          <p:cNvSpPr txBox="true"/>
+          <p:nvPr/>
+        </p:nvSpPr>
+        <p:spPr>
+          <a:xfrm>
+            <a:off x="3048000" y="1016000"/>
+            <a:ext cx="1651000" cy="254000"/>
+          </a:xfrm>
+          <a:prstGeom prst="rect">
+            <a:avLst/>
+          </a:prstGeom>
+        </p:spPr>
+        <p:txBody>
+          <a:bodyPr anchor="t" rtlCol="false"/>
+          <a:lstStyle/>
+          <a:p>
+            <a:pPr algn="l"/>
+            <a:r>
+              <a:t/>
+            </a:r>
+            <a:endParaRPr lang="en-US" sz="1100"/>
+          </a:p>
+          <a:p>
+            <a:r>
+              <a:rPr lang="en-US" sz="1600">
+                <a:solidFill>
+                  <a:srgbClr val="000000"/>
+                </a:solidFill>
+              </a:rPr>
+              <a:t>wiki_en:</a:t>
+            </a:r>
+          </a:p>
+        </p:txBody>
+      </p:sp>
+      <p:sp>
+        <p:nvSpPr>
+          <p:cNvPr name="TextBox 9" id="10"/>
+          <p:cNvSpPr txBox="true"/>
+          <p:nvPr/>
+        </p:nvSpPr>
+        <p:spPr>
+          <a:xfrm>
+            <a:off x="4699000" y="1016000"/>
+            <a:ext cx="4445000" cy="254000"/>
+          </a:xfrm>
+          <a:prstGeom prst="rect">
+            <a:avLst/>
+          </a:prstGeom>
+        </p:spPr>
+        <p:txBody>
+          <a:bodyPr anchor="t" rtlCol="false"/>
+          <a:lstStyle/>
+          <a:p>
+            <a:pPr algn="l"/>
+            <a:r>
+              <a:t/>
+            </a:r>
+            <a:endParaRPr lang="en-US" sz="1100"/>
+          </a:p>
+          <a:p>
+            <a:r>
+              <a:rPr lang="en-US" sz="1600">
+                <a:solidFill>
+                  <a:srgbClr val="0000FF"/>
+                </a:solidFill>
+              </a:rPr>
+              <a:t>Victoria, Princess Royal</a:t>
+            </a:r>
+          </a:p>
+        </p:txBody>
+      </p:sp>
+      <p:sp>
+        <p:nvSpPr>
+          <p:cNvPr name="TextBox 10" id="11"/>
+          <p:cNvSpPr txBox="true"/>
+          <p:nvPr/>
+        </p:nvSpPr>
+        <p:spPr>
+          <a:xfrm>
+            <a:off x="3048000" y="1270000"/>
+            <a:ext cx="1651000" cy="254000"/>
+          </a:xfrm>
+          <a:prstGeom prst="rect">
+            <a:avLst/>
+          </a:prstGeom>
+        </p:spPr>
+        <p:txBody>
+          <a:bodyPr anchor="t" rtlCol="false"/>
+          <a:lstStyle/>
+          <a:p>
+            <a:pPr algn="l"/>
+            <a:r>
+              <a:t/>
+            </a:r>
+            <a:endParaRPr lang="en-US" sz="1100"/>
+          </a:p>
+          <a:p>
+            <a:r>
+              <a:rPr lang="en-US" sz="1600">
+                <a:solidFill>
+                  <a:srgbClr val="000000"/>
+                </a:solidFill>
+              </a:rPr>
+              <a:t>label_en:</a:t>
+            </a:r>
+          </a:p>
+        </p:txBody>
+      </p:sp>
+      <p:sp>
+        <p:nvSpPr>
+          <p:cNvPr name="TextBox 11" id="12"/>
+          <p:cNvSpPr txBox="true"/>
+          <p:nvPr/>
+        </p:nvSpPr>
+        <p:spPr>
+          <a:xfrm>
+            <a:off x="4699000" y="1270000"/>
+            <a:ext cx="4445000" cy="254000"/>
+          </a:xfrm>
+          <a:prstGeom prst="rect">
+            <a:avLst/>
+          </a:prstGeom>
+        </p:spPr>
+        <p:txBody>
+          <a:bodyPr anchor="t" rtlCol="false"/>
+          <a:lstStyle/>
+          <a:p>
+            <a:pPr algn="l"/>
+            <a:r>
+              <a:t/>
+            </a:r>
+            <a:endParaRPr lang="en-US" sz="1100"/>
+          </a:p>
+          <a:p>
+            <a:r>
+              <a:rPr lang="en-US" sz="1600">
+                <a:solidFill>
+                  <a:srgbClr val="0000FF"/>
+                </a:solidFill>
+              </a:rPr>
+              <a:t>Victoria, Princess Royal</a:t>
+            </a:r>
+          </a:p>
+        </p:txBody>
+      </p:sp>
+      <p:sp>
+        <p:nvSpPr>
+          <p:cNvPr name="TextBox 12" id="13"/>
+          <p:cNvSpPr txBox="true"/>
+          <p:nvPr/>
+        </p:nvSpPr>
+        <p:spPr>
+          <a:xfrm>
+            <a:off x="3048000" y="1524000"/>
+            <a:ext cx="1651000" cy="254000"/>
+          </a:xfrm>
+          <a:prstGeom prst="rect">
+            <a:avLst/>
+          </a:prstGeom>
+        </p:spPr>
+        <p:txBody>
+          <a:bodyPr anchor="t" rtlCol="false"/>
+          <a:lstStyle/>
+          <a:p>
+            <a:pPr algn="l"/>
+            <a:r>
+              <a:t/>
+            </a:r>
+            <a:endParaRPr lang="en-US" sz="1100"/>
+          </a:p>
+          <a:p>
+            <a:r>
+              <a:rPr lang="en-US" sz="1600">
                 <a:solidFill>
                   <a:srgbClr val="000000"/>
                 </a:solidFill>
@@ -10282,14 +11020,14 @@
       </p:sp>
       <p:sp>
         <p:nvSpPr>
-          <p:cNvPr name="TextBox 6" id="7"/>
+          <p:cNvPr name="TextBox 13" id="14"/>
           <p:cNvSpPr txBox="true"/>
           <p:nvPr/>
         </p:nvSpPr>
         <p:spPr>
           <a:xfrm>
-            <a:off x="2159000" y="1016000"/>
-            <a:ext cx="6350000" cy="381000"/>
+            <a:off x="4699000" y="1524000"/>
+            <a:ext cx="4445000" cy="254000"/>
           </a:xfrm>
           <a:prstGeom prst="rect">
             <a:avLst/>
@@ -10307,7 +11045,7 @@
           </a:p>
           <a:p>
             <a:r>
-              <a:rPr lang="en-US" sz="2400">
+              <a:rPr lang="en-US" sz="1600">
                 <a:solidFill>
                   <a:srgbClr val="0000FF"/>
                 </a:solidFill>
@@ -10350,8 +11088,8 @@
         </p:nvSpPr>
         <p:spPr>
           <a:xfrm>
-            <a:off x="254000" y="254000"/>
-            <a:ext cx="1905000" cy="381000"/>
+            <a:off x="3048000" y="254000"/>
+            <a:ext cx="1651000" cy="254000"/>
           </a:xfrm>
           <a:prstGeom prst="rect">
             <a:avLst/>
@@ -10369,7 +11107,7 @@
           </a:p>
           <a:p>
             <a:r>
-              <a:rPr lang="en-US" sz="2400">
+              <a:rPr lang="en-US" sz="1600">
                 <a:solidFill>
                   <a:srgbClr val="000000"/>
                 </a:solidFill>
@@ -10387,8 +11125,8 @@
         </p:nvSpPr>
         <p:spPr>
           <a:xfrm>
-            <a:off x="2159000" y="254000"/>
-            <a:ext cx="6350000" cy="381000"/>
+            <a:off x="4699000" y="254000"/>
+            <a:ext cx="4445000" cy="254000"/>
           </a:xfrm>
           <a:prstGeom prst="rect">
             <a:avLst/>
@@ -10406,27 +11144,51 @@
           </a:p>
           <a:p>
             <a:r>
-              <a:rPr lang="en-US" sz="2400">
+              <a:rPr lang="en-US" sz="1600">
                 <a:solidFill>
                   <a:srgbClr val="0000FF"/>
                 </a:solidFill>
-                <a:hlinkClick r:id="rId2" tooltip="http://royal-family.bitplan.com/index.php/Edward_VII"/>
+                <a:hlinkClick r:id="rId2" tooltip="https://tools.wmflabs.org/sqid/#/view?id=Q20875"/>
               </a:rPr>
               <a:t>Edward VII</a:t>
             </a:r>
           </a:p>
         </p:txBody>
       </p:sp>
-      <p:sp>
-        <p:nvSpPr>
-          <p:cNvPr name="TextBox 3" id="4"/>
+      <p:pic>
+        <p:nvPicPr>
+          <p:cNvPr name="Picture 3" id="4"/>
+          <p:cNvPicPr>
+            <a:picLocks noChangeAspect="true"/>
+          </p:cNvPicPr>
+          <p:nvPr/>
+        </p:nvPicPr>
+        <p:blipFill>
+          <a:blip r:embed="rId3"/>
+          <a:stretch>
+            <a:fillRect/>
+          </a:stretch>
+        </p:blipFill>
+        <p:spPr>
+          <a:xfrm>
+            <a:off x="254000" y="508000"/>
+            <a:ext cx="2540000" cy="3581400"/>
+          </a:xfrm>
+          <a:prstGeom prst="rect">
+            <a:avLst/>
+          </a:prstGeom>
+        </p:spPr>
+      </p:pic>
+      <p:sp>
+        <p:nvSpPr>
+          <p:cNvPr name="TextBox 4" id="5"/>
           <p:cNvSpPr txBox="true"/>
           <p:nvPr/>
         </p:nvSpPr>
         <p:spPr>
           <a:xfrm>
-            <a:off x="254000" y="635000"/>
-            <a:ext cx="1905000" cy="381000"/>
+            <a:off x="3048000" y="508000"/>
+            <a:ext cx="1651000" cy="254000"/>
           </a:xfrm>
           <a:prstGeom prst="rect">
             <a:avLst/>
@@ -10444,7 +11206,7 @@
           </a:p>
           <a:p>
             <a:r>
-              <a:rPr lang="en-US" sz="2400">
+              <a:rPr lang="en-US" sz="1600">
                 <a:solidFill>
                   <a:srgbClr val="000000"/>
                 </a:solidFill>
@@ -10456,14 +11218,14 @@
       </p:sp>
       <p:sp>
         <p:nvSpPr>
-          <p:cNvPr name="TextBox 4" id="5"/>
+          <p:cNvPr name="TextBox 5" id="6"/>
           <p:cNvSpPr txBox="true"/>
           <p:nvPr/>
         </p:nvSpPr>
         <p:spPr>
           <a:xfrm>
-            <a:off x="2159000" y="635000"/>
-            <a:ext cx="6350000" cy="381000"/>
+            <a:off x="4699000" y="508000"/>
+            <a:ext cx="4445000" cy="254000"/>
           </a:xfrm>
           <a:prstGeom prst="rect">
             <a:avLst/>
@@ -10481,7 +11243,7 @@
           </a:p>
           <a:p>
             <a:r>
-              <a:rPr lang="en-US" sz="2400">
+              <a:rPr lang="en-US" sz="1600">
                 <a:solidFill>
                   <a:srgbClr val="0000FF"/>
                 </a:solidFill>
@@ -10493,14 +11255,14 @@
       </p:sp>
       <p:sp>
         <p:nvSpPr>
-          <p:cNvPr name="TextBox 5" id="6"/>
+          <p:cNvPr name="TextBox 6" id="7"/>
           <p:cNvSpPr txBox="true"/>
           <p:nvPr/>
         </p:nvSpPr>
         <p:spPr>
           <a:xfrm>
-            <a:off x="254000" y="1016000"/>
-            <a:ext cx="1905000" cy="381000"/>
+            <a:off x="3048000" y="762000"/>
+            <a:ext cx="1651000" cy="254000"/>
           </a:xfrm>
           <a:prstGeom prst="rect">
             <a:avLst/>
@@ -10518,7 +11280,229 @@
           </a:p>
           <a:p>
             <a:r>
-              <a:rPr lang="en-US" sz="2400">
+              <a:rPr lang="en-US" sz="1600">
+                <a:solidFill>
+                  <a:srgbClr val="000000"/>
+                </a:solidFill>
+              </a:rPr>
+              <a:t>image:</a:t>
+            </a:r>
+          </a:p>
+        </p:txBody>
+      </p:sp>
+      <p:sp>
+        <p:nvSpPr>
+          <p:cNvPr name="TextBox 7" id="8"/>
+          <p:cNvSpPr txBox="true"/>
+          <p:nvPr/>
+        </p:nvSpPr>
+        <p:spPr>
+          <a:xfrm>
+            <a:off x="4699000" y="762000"/>
+            <a:ext cx="4445000" cy="254000"/>
+          </a:xfrm>
+          <a:prstGeom prst="rect">
+            <a:avLst/>
+          </a:prstGeom>
+        </p:spPr>
+        <p:txBody>
+          <a:bodyPr anchor="t" rtlCol="false"/>
+          <a:lstStyle/>
+          <a:p>
+            <a:pPr algn="l"/>
+            <a:r>
+              <a:t/>
+            </a:r>
+            <a:endParaRPr lang="en-US" sz="1100"/>
+          </a:p>
+          <a:p>
+            <a:r>
+              <a:rPr lang="en-US" sz="1600">
+                <a:solidFill>
+                  <a:srgbClr val="0000FF"/>
+                </a:solidFill>
+              </a:rPr>
+              <a:t>Edward VII in coronation robes.jpg</a:t>
+            </a:r>
+          </a:p>
+        </p:txBody>
+      </p:sp>
+      <p:sp>
+        <p:nvSpPr>
+          <p:cNvPr name="TextBox 8" id="9"/>
+          <p:cNvSpPr txBox="true"/>
+          <p:nvPr/>
+        </p:nvSpPr>
+        <p:spPr>
+          <a:xfrm>
+            <a:off x="3048000" y="1016000"/>
+            <a:ext cx="1651000" cy="254000"/>
+          </a:xfrm>
+          <a:prstGeom prst="rect">
+            <a:avLst/>
+          </a:prstGeom>
+        </p:spPr>
+        <p:txBody>
+          <a:bodyPr anchor="t" rtlCol="false"/>
+          <a:lstStyle/>
+          <a:p>
+            <a:pPr algn="l"/>
+            <a:r>
+              <a:t/>
+            </a:r>
+            <a:endParaRPr lang="en-US" sz="1100"/>
+          </a:p>
+          <a:p>
+            <a:r>
+              <a:rPr lang="en-US" sz="1600">
+                <a:solidFill>
+                  <a:srgbClr val="000000"/>
+                </a:solidFill>
+              </a:rPr>
+              <a:t>wiki_en:</a:t>
+            </a:r>
+          </a:p>
+        </p:txBody>
+      </p:sp>
+      <p:sp>
+        <p:nvSpPr>
+          <p:cNvPr name="TextBox 9" id="10"/>
+          <p:cNvSpPr txBox="true"/>
+          <p:nvPr/>
+        </p:nvSpPr>
+        <p:spPr>
+          <a:xfrm>
+            <a:off x="4699000" y="1016000"/>
+            <a:ext cx="4445000" cy="254000"/>
+          </a:xfrm>
+          <a:prstGeom prst="rect">
+            <a:avLst/>
+          </a:prstGeom>
+        </p:spPr>
+        <p:txBody>
+          <a:bodyPr anchor="t" rtlCol="false"/>
+          <a:lstStyle/>
+          <a:p>
+            <a:pPr algn="l"/>
+            <a:r>
+              <a:t/>
+            </a:r>
+            <a:endParaRPr lang="en-US" sz="1100"/>
+          </a:p>
+          <a:p>
+            <a:r>
+              <a:rPr lang="en-US" sz="1600">
+                <a:solidFill>
+                  <a:srgbClr val="0000FF"/>
+                </a:solidFill>
+              </a:rPr>
+              <a:t>Edward VII</a:t>
+            </a:r>
+          </a:p>
+        </p:txBody>
+      </p:sp>
+      <p:sp>
+        <p:nvSpPr>
+          <p:cNvPr name="TextBox 10" id="11"/>
+          <p:cNvSpPr txBox="true"/>
+          <p:nvPr/>
+        </p:nvSpPr>
+        <p:spPr>
+          <a:xfrm>
+            <a:off x="3048000" y="1270000"/>
+            <a:ext cx="1651000" cy="254000"/>
+          </a:xfrm>
+          <a:prstGeom prst="rect">
+            <a:avLst/>
+          </a:prstGeom>
+        </p:spPr>
+        <p:txBody>
+          <a:bodyPr anchor="t" rtlCol="false"/>
+          <a:lstStyle/>
+          <a:p>
+            <a:pPr algn="l"/>
+            <a:r>
+              <a:t/>
+            </a:r>
+            <a:endParaRPr lang="en-US" sz="1100"/>
+          </a:p>
+          <a:p>
+            <a:r>
+              <a:rPr lang="en-US" sz="1600">
+                <a:solidFill>
+                  <a:srgbClr val="000000"/>
+                </a:solidFill>
+              </a:rPr>
+              <a:t>label_en:</a:t>
+            </a:r>
+          </a:p>
+        </p:txBody>
+      </p:sp>
+      <p:sp>
+        <p:nvSpPr>
+          <p:cNvPr name="TextBox 11" id="12"/>
+          <p:cNvSpPr txBox="true"/>
+          <p:nvPr/>
+        </p:nvSpPr>
+        <p:spPr>
+          <a:xfrm>
+            <a:off x="4699000" y="1270000"/>
+            <a:ext cx="4445000" cy="254000"/>
+          </a:xfrm>
+          <a:prstGeom prst="rect">
+            <a:avLst/>
+          </a:prstGeom>
+        </p:spPr>
+        <p:txBody>
+          <a:bodyPr anchor="t" rtlCol="false"/>
+          <a:lstStyle/>
+          <a:p>
+            <a:pPr algn="l"/>
+            <a:r>
+              <a:t/>
+            </a:r>
+            <a:endParaRPr lang="en-US" sz="1100"/>
+          </a:p>
+          <a:p>
+            <a:r>
+              <a:rPr lang="en-US" sz="1600">
+                <a:solidFill>
+                  <a:srgbClr val="0000FF"/>
+                </a:solidFill>
+              </a:rPr>
+              <a:t>Edward VII</a:t>
+            </a:r>
+          </a:p>
+        </p:txBody>
+      </p:sp>
+      <p:sp>
+        <p:nvSpPr>
+          <p:cNvPr name="TextBox 12" id="13"/>
+          <p:cNvSpPr txBox="true"/>
+          <p:nvPr/>
+        </p:nvSpPr>
+        <p:spPr>
+          <a:xfrm>
+            <a:off x="3048000" y="1524000"/>
+            <a:ext cx="1651000" cy="254000"/>
+          </a:xfrm>
+          <a:prstGeom prst="rect">
+            <a:avLst/>
+          </a:prstGeom>
+        </p:spPr>
+        <p:txBody>
+          <a:bodyPr anchor="t" rtlCol="false"/>
+          <a:lstStyle/>
+          <a:p>
+            <a:pPr algn="l"/>
+            <a:r>
+              <a:t/>
+            </a:r>
+            <a:endParaRPr lang="en-US" sz="1100"/>
+          </a:p>
+          <a:p>
+            <a:r>
+              <a:rPr lang="en-US" sz="1600">
                 <a:solidFill>
                   <a:srgbClr val="000000"/>
                 </a:solidFill>
@@ -10530,14 +11514,14 @@
       </p:sp>
       <p:sp>
         <p:nvSpPr>
-          <p:cNvPr name="TextBox 6" id="7"/>
+          <p:cNvPr name="TextBox 13" id="14"/>
           <p:cNvSpPr txBox="true"/>
           <p:nvPr/>
         </p:nvSpPr>
         <p:spPr>
           <a:xfrm>
-            <a:off x="2159000" y="1016000"/>
-            <a:ext cx="6350000" cy="381000"/>
+            <a:off x="4699000" y="1524000"/>
+            <a:ext cx="4445000" cy="254000"/>
           </a:xfrm>
           <a:prstGeom prst="rect">
             <a:avLst/>
@@ -10555,7 +11539,7 @@
           </a:p>
           <a:p>
             <a:r>
-              <a:rPr lang="en-US" sz="2400">
+              <a:rPr lang="en-US" sz="1600">
                 <a:solidFill>
                   <a:srgbClr val="0000FF"/>
                 </a:solidFill>
@@ -10598,8 +11582,8 @@
         </p:nvSpPr>
         <p:spPr>
           <a:xfrm>
-            <a:off x="254000" y="254000"/>
-            <a:ext cx="1905000" cy="381000"/>
+            <a:off x="3048000" y="254000"/>
+            <a:ext cx="1651000" cy="254000"/>
           </a:xfrm>
           <a:prstGeom prst="rect">
             <a:avLst/>
@@ -10617,7 +11601,7 @@
           </a:p>
           <a:p>
             <a:r>
-              <a:rPr lang="en-US" sz="2400">
+              <a:rPr lang="en-US" sz="1600">
                 <a:solidFill>
                   <a:srgbClr val="000000"/>
                 </a:solidFill>
@@ -10635,8 +11619,8 @@
         </p:nvSpPr>
         <p:spPr>
           <a:xfrm>
-            <a:off x="2159000" y="254000"/>
-            <a:ext cx="6350000" cy="381000"/>
+            <a:off x="4699000" y="254000"/>
+            <a:ext cx="4445000" cy="254000"/>
           </a:xfrm>
           <a:prstGeom prst="rect">
             <a:avLst/>
@@ -10654,27 +11638,51 @@
           </a:p>
           <a:p>
             <a:r>
-              <a:rPr lang="en-US" sz="2400">
+              <a:rPr lang="en-US" sz="1600">
                 <a:solidFill>
                   <a:srgbClr val="0000FF"/>
                 </a:solidFill>
-                <a:hlinkClick r:id="rId2" tooltip="http://royal-family.bitplan.com/index.php/Princess_Alice_of_the_United_Kingdom"/>
+                <a:hlinkClick r:id="rId2" tooltip="https://tools.wmflabs.org/sqid/#/view?id=Q155566"/>
               </a:rPr>
               <a:t>Princess Alice of the United Kingdom</a:t>
             </a:r>
           </a:p>
         </p:txBody>
       </p:sp>
-      <p:sp>
-        <p:nvSpPr>
-          <p:cNvPr name="TextBox 3" id="4"/>
+      <p:pic>
+        <p:nvPicPr>
+          <p:cNvPr name="Picture 3" id="4"/>
+          <p:cNvPicPr>
+            <a:picLocks noChangeAspect="true"/>
+          </p:cNvPicPr>
+          <p:nvPr/>
+        </p:nvPicPr>
+        <p:blipFill>
+          <a:blip r:embed="rId3"/>
+          <a:stretch>
+            <a:fillRect/>
+          </a:stretch>
+        </p:blipFill>
+        <p:spPr>
+          <a:xfrm>
+            <a:off x="254000" y="508000"/>
+            <a:ext cx="2540000" cy="3327400"/>
+          </a:xfrm>
+          <a:prstGeom prst="rect">
+            <a:avLst/>
+          </a:prstGeom>
+        </p:spPr>
+      </p:pic>
+      <p:sp>
+        <p:nvSpPr>
+          <p:cNvPr name="TextBox 4" id="5"/>
           <p:cNvSpPr txBox="true"/>
           <p:nvPr/>
         </p:nvSpPr>
         <p:spPr>
           <a:xfrm>
-            <a:off x="254000" y="635000"/>
-            <a:ext cx="1905000" cy="381000"/>
+            <a:off x="3048000" y="508000"/>
+            <a:ext cx="1651000" cy="254000"/>
           </a:xfrm>
           <a:prstGeom prst="rect">
             <a:avLst/>
@@ -10692,7 +11700,7 @@
           </a:p>
           <a:p>
             <a:r>
-              <a:rPr lang="en-US" sz="2400">
+              <a:rPr lang="en-US" sz="1600">
                 <a:solidFill>
                   <a:srgbClr val="000000"/>
                 </a:solidFill>
@@ -10704,14 +11712,14 @@
       </p:sp>
       <p:sp>
         <p:nvSpPr>
-          <p:cNvPr name="TextBox 4" id="5"/>
+          <p:cNvPr name="TextBox 5" id="6"/>
           <p:cNvSpPr txBox="true"/>
           <p:nvPr/>
         </p:nvSpPr>
         <p:spPr>
           <a:xfrm>
-            <a:off x="2159000" y="635000"/>
-            <a:ext cx="6350000" cy="381000"/>
+            <a:off x="4699000" y="508000"/>
+            <a:ext cx="4445000" cy="254000"/>
           </a:xfrm>
           <a:prstGeom prst="rect">
             <a:avLst/>
@@ -10729,7 +11737,7 @@
           </a:p>
           <a:p>
             <a:r>
-              <a:rPr lang="en-US" sz="2400">
+              <a:rPr lang="en-US" sz="1600">
                 <a:solidFill>
                   <a:srgbClr val="0000FF"/>
                 </a:solidFill>
@@ -10741,14 +11749,14 @@
       </p:sp>
       <p:sp>
         <p:nvSpPr>
-          <p:cNvPr name="TextBox 5" id="6"/>
+          <p:cNvPr name="TextBox 6" id="7"/>
           <p:cNvSpPr txBox="true"/>
           <p:nvPr/>
         </p:nvSpPr>
         <p:spPr>
           <a:xfrm>
-            <a:off x="254000" y="1016000"/>
-            <a:ext cx="1905000" cy="381000"/>
+            <a:off x="3048000" y="762000"/>
+            <a:ext cx="1651000" cy="254000"/>
           </a:xfrm>
           <a:prstGeom prst="rect">
             <a:avLst/>
@@ -10766,7 +11774,229 @@
           </a:p>
           <a:p>
             <a:r>
-              <a:rPr lang="en-US" sz="2400">
+              <a:rPr lang="en-US" sz="1600">
+                <a:solidFill>
+                  <a:srgbClr val="000000"/>
+                </a:solidFill>
+              </a:rPr>
+              <a:t>image:</a:t>
+            </a:r>
+          </a:p>
+        </p:txBody>
+      </p:sp>
+      <p:sp>
+        <p:nvSpPr>
+          <p:cNvPr name="TextBox 7" id="8"/>
+          <p:cNvSpPr txBox="true"/>
+          <p:nvPr/>
+        </p:nvSpPr>
+        <p:spPr>
+          <a:xfrm>
+            <a:off x="4699000" y="762000"/>
+            <a:ext cx="4445000" cy="254000"/>
+          </a:xfrm>
+          <a:prstGeom prst="rect">
+            <a:avLst/>
+          </a:prstGeom>
+        </p:spPr>
+        <p:txBody>
+          <a:bodyPr anchor="t" rtlCol="false"/>
+          <a:lstStyle/>
+          <a:p>
+            <a:pPr algn="l"/>
+            <a:r>
+              <a:t/>
+            </a:r>
+            <a:endParaRPr lang="en-US" sz="1100"/>
+          </a:p>
+          <a:p>
+            <a:r>
+              <a:rPr lang="en-US" sz="1600">
+                <a:solidFill>
+                  <a:srgbClr val="0000FF"/>
+                </a:solidFill>
+              </a:rPr>
+              <a:t>Princess Alice 1861.png</a:t>
+            </a:r>
+          </a:p>
+        </p:txBody>
+      </p:sp>
+      <p:sp>
+        <p:nvSpPr>
+          <p:cNvPr name="TextBox 8" id="9"/>
+          <p:cNvSpPr txBox="true"/>
+          <p:nvPr/>
+        </p:nvSpPr>
+        <p:spPr>
+          <a:xfrm>
+            <a:off x="3048000" y="1016000"/>
+            <a:ext cx="1651000" cy="254000"/>
+          </a:xfrm>
+          <a:prstGeom prst="rect">
+            <a:avLst/>
+          </a:prstGeom>
+        </p:spPr>
+        <p:txBody>
+          <a:bodyPr anchor="t" rtlCol="false"/>
+          <a:lstStyle/>
+          <a:p>
+            <a:pPr algn="l"/>
+            <a:r>
+              <a:t/>
+            </a:r>
+            <a:endParaRPr lang="en-US" sz="1100"/>
+          </a:p>
+          <a:p>
+            <a:r>
+              <a:rPr lang="en-US" sz="1600">
+                <a:solidFill>
+                  <a:srgbClr val="000000"/>
+                </a:solidFill>
+              </a:rPr>
+              <a:t>wiki_en:</a:t>
+            </a:r>
+          </a:p>
+        </p:txBody>
+      </p:sp>
+      <p:sp>
+        <p:nvSpPr>
+          <p:cNvPr name="TextBox 9" id="10"/>
+          <p:cNvSpPr txBox="true"/>
+          <p:nvPr/>
+        </p:nvSpPr>
+        <p:spPr>
+          <a:xfrm>
+            <a:off x="4699000" y="1016000"/>
+            <a:ext cx="4445000" cy="254000"/>
+          </a:xfrm>
+          <a:prstGeom prst="rect">
+            <a:avLst/>
+          </a:prstGeom>
+        </p:spPr>
+        <p:txBody>
+          <a:bodyPr anchor="t" rtlCol="false"/>
+          <a:lstStyle/>
+          <a:p>
+            <a:pPr algn="l"/>
+            <a:r>
+              <a:t/>
+            </a:r>
+            <a:endParaRPr lang="en-US" sz="1100"/>
+          </a:p>
+          <a:p>
+            <a:r>
+              <a:rPr lang="en-US" sz="1600">
+                <a:solidFill>
+                  <a:srgbClr val="0000FF"/>
+                </a:solidFill>
+              </a:rPr>
+              <a:t>Princess Alice of the United Kingdom</a:t>
+            </a:r>
+          </a:p>
+        </p:txBody>
+      </p:sp>
+      <p:sp>
+        <p:nvSpPr>
+          <p:cNvPr name="TextBox 10" id="11"/>
+          <p:cNvSpPr txBox="true"/>
+          <p:nvPr/>
+        </p:nvSpPr>
+        <p:spPr>
+          <a:xfrm>
+            <a:off x="3048000" y="1270000"/>
+            <a:ext cx="1651000" cy="254000"/>
+          </a:xfrm>
+          <a:prstGeom prst="rect">
+            <a:avLst/>
+          </a:prstGeom>
+        </p:spPr>
+        <p:txBody>
+          <a:bodyPr anchor="t" rtlCol="false"/>
+          <a:lstStyle/>
+          <a:p>
+            <a:pPr algn="l"/>
+            <a:r>
+              <a:t/>
+            </a:r>
+            <a:endParaRPr lang="en-US" sz="1100"/>
+          </a:p>
+          <a:p>
+            <a:r>
+              <a:rPr lang="en-US" sz="1600">
+                <a:solidFill>
+                  <a:srgbClr val="000000"/>
+                </a:solidFill>
+              </a:rPr>
+              <a:t>label_en:</a:t>
+            </a:r>
+          </a:p>
+        </p:txBody>
+      </p:sp>
+      <p:sp>
+        <p:nvSpPr>
+          <p:cNvPr name="TextBox 11" id="12"/>
+          <p:cNvSpPr txBox="true"/>
+          <p:nvPr/>
+        </p:nvSpPr>
+        <p:spPr>
+          <a:xfrm>
+            <a:off x="4699000" y="1270000"/>
+            <a:ext cx="4445000" cy="254000"/>
+          </a:xfrm>
+          <a:prstGeom prst="rect">
+            <a:avLst/>
+          </a:prstGeom>
+        </p:spPr>
+        <p:txBody>
+          <a:bodyPr anchor="t" rtlCol="false"/>
+          <a:lstStyle/>
+          <a:p>
+            <a:pPr algn="l"/>
+            <a:r>
+              <a:t/>
+            </a:r>
+            <a:endParaRPr lang="en-US" sz="1100"/>
+          </a:p>
+          <a:p>
+            <a:r>
+              <a:rPr lang="en-US" sz="1600">
+                <a:solidFill>
+                  <a:srgbClr val="0000FF"/>
+                </a:solidFill>
+              </a:rPr>
+              <a:t>Princess Alice of the United Kingdom</a:t>
+            </a:r>
+          </a:p>
+        </p:txBody>
+      </p:sp>
+      <p:sp>
+        <p:nvSpPr>
+          <p:cNvPr name="TextBox 12" id="13"/>
+          <p:cNvSpPr txBox="true"/>
+          <p:nvPr/>
+        </p:nvSpPr>
+        <p:spPr>
+          <a:xfrm>
+            <a:off x="3048000" y="1524000"/>
+            <a:ext cx="1651000" cy="254000"/>
+          </a:xfrm>
+          <a:prstGeom prst="rect">
+            <a:avLst/>
+          </a:prstGeom>
+        </p:spPr>
+        <p:txBody>
+          <a:bodyPr anchor="t" rtlCol="false"/>
+          <a:lstStyle/>
+          <a:p>
+            <a:pPr algn="l"/>
+            <a:r>
+              <a:t/>
+            </a:r>
+            <a:endParaRPr lang="en-US" sz="1100"/>
+          </a:p>
+          <a:p>
+            <a:r>
+              <a:rPr lang="en-US" sz="1600">
                 <a:solidFill>
                   <a:srgbClr val="000000"/>
                 </a:solidFill>
@@ -10778,14 +12008,14 @@
       </p:sp>
       <p:sp>
         <p:nvSpPr>
-          <p:cNvPr name="TextBox 6" id="7"/>
+          <p:cNvPr name="TextBox 13" id="14"/>
           <p:cNvSpPr txBox="true"/>
           <p:nvPr/>
         </p:nvSpPr>
         <p:spPr>
           <a:xfrm>
-            <a:off x="2159000" y="1016000"/>
-            <a:ext cx="6350000" cy="381000"/>
+            <a:off x="4699000" y="1524000"/>
+            <a:ext cx="4445000" cy="254000"/>
           </a:xfrm>
           <a:prstGeom prst="rect">
             <a:avLst/>
@@ -10803,7 +12033,7 @@
           </a:p>
           <a:p>
             <a:r>
-              <a:rPr lang="en-US" sz="2400">
+              <a:rPr lang="en-US" sz="1600">
                 <a:solidFill>
                   <a:srgbClr val="0000FF"/>
                 </a:solidFill>
@@ -10846,8 +12076,8 @@
         </p:nvSpPr>
         <p:spPr>
           <a:xfrm>
-            <a:off x="254000" y="254000"/>
-            <a:ext cx="1905000" cy="381000"/>
+            <a:off x="3048000" y="254000"/>
+            <a:ext cx="1651000" cy="254000"/>
           </a:xfrm>
           <a:prstGeom prst="rect">
             <a:avLst/>
@@ -10865,7 +12095,7 @@
           </a:p>
           <a:p>
             <a:r>
-              <a:rPr lang="en-US" sz="2400">
+              <a:rPr lang="en-US" sz="1600">
                 <a:solidFill>
                   <a:srgbClr val="000000"/>
                 </a:solidFill>
@@ -10883,8 +12113,8 @@
         </p:nvSpPr>
         <p:spPr>
           <a:xfrm>
-            <a:off x="2159000" y="254000"/>
-            <a:ext cx="6350000" cy="381000"/>
+            <a:off x="4699000" y="254000"/>
+            <a:ext cx="4445000" cy="254000"/>
           </a:xfrm>
           <a:prstGeom prst="rect">
             <a:avLst/>
@@ -10902,27 +12132,51 @@
           </a:p>
           <a:p>
             <a:r>
-              <a:rPr lang="en-US" sz="2400">
+              <a:rPr lang="en-US" sz="1600">
                 <a:solidFill>
                   <a:srgbClr val="0000FF"/>
                 </a:solidFill>
-                <a:hlinkClick r:id="rId2" tooltip="http://royal-family.bitplan.com/index.php/Alfred,_Duke_of_Saxe-Coburg_and_Gotha"/>
+                <a:hlinkClick r:id="rId2" tooltip="https://tools.wmflabs.org/sqid/#/view?id=Q158143"/>
               </a:rPr>
               <a:t>Alfred, Duke of Saxe-Coburg and Gotha</a:t>
             </a:r>
           </a:p>
         </p:txBody>
       </p:sp>
-      <p:sp>
-        <p:nvSpPr>
-          <p:cNvPr name="TextBox 3" id="4"/>
+      <p:pic>
+        <p:nvPicPr>
+          <p:cNvPr name="Picture 3" id="4"/>
+          <p:cNvPicPr>
+            <a:picLocks noChangeAspect="true"/>
+          </p:cNvPicPr>
+          <p:nvPr/>
+        </p:nvPicPr>
+        <p:blipFill>
+          <a:blip r:embed="rId3"/>
+          <a:stretch>
+            <a:fillRect/>
+          </a:stretch>
+        </p:blipFill>
+        <p:spPr>
+          <a:xfrm>
+            <a:off x="254000" y="508000"/>
+            <a:ext cx="2540000" cy="3822700"/>
+          </a:xfrm>
+          <a:prstGeom prst="rect">
+            <a:avLst/>
+          </a:prstGeom>
+        </p:spPr>
+      </p:pic>
+      <p:sp>
+        <p:nvSpPr>
+          <p:cNvPr name="TextBox 4" id="5"/>
           <p:cNvSpPr txBox="true"/>
           <p:nvPr/>
         </p:nvSpPr>
         <p:spPr>
           <a:xfrm>
-            <a:off x="254000" y="635000"/>
-            <a:ext cx="1905000" cy="381000"/>
+            <a:off x="3048000" y="508000"/>
+            <a:ext cx="1651000" cy="254000"/>
           </a:xfrm>
           <a:prstGeom prst="rect">
             <a:avLst/>
@@ -10940,7 +12194,7 @@
           </a:p>
           <a:p>
             <a:r>
-              <a:rPr lang="en-US" sz="2400">
+              <a:rPr lang="en-US" sz="1600">
                 <a:solidFill>
                   <a:srgbClr val="000000"/>
                 </a:solidFill>
@@ -10952,14 +12206,14 @@
       </p:sp>
       <p:sp>
         <p:nvSpPr>
-          <p:cNvPr name="TextBox 4" id="5"/>
+          <p:cNvPr name="TextBox 5" id="6"/>
           <p:cNvSpPr txBox="true"/>
           <p:nvPr/>
         </p:nvSpPr>
         <p:spPr>
           <a:xfrm>
-            <a:off x="2159000" y="635000"/>
-            <a:ext cx="6350000" cy="381000"/>
+            <a:off x="4699000" y="508000"/>
+            <a:ext cx="4445000" cy="254000"/>
           </a:xfrm>
           <a:prstGeom prst="rect">
             <a:avLst/>
@@ -10977,7 +12231,7 @@
           </a:p>
           <a:p>
             <a:r>
-              <a:rPr lang="en-US" sz="2400">
+              <a:rPr lang="en-US" sz="1600">
                 <a:solidFill>
                   <a:srgbClr val="0000FF"/>
                 </a:solidFill>
@@ -10989,14 +12243,14 @@
       </p:sp>
       <p:sp>
         <p:nvSpPr>
-          <p:cNvPr name="TextBox 5" id="6"/>
+          <p:cNvPr name="TextBox 6" id="7"/>
           <p:cNvSpPr txBox="true"/>
           <p:nvPr/>
         </p:nvSpPr>
         <p:spPr>
           <a:xfrm>
-            <a:off x="254000" y="1016000"/>
-            <a:ext cx="1905000" cy="381000"/>
+            <a:off x="3048000" y="762000"/>
+            <a:ext cx="1651000" cy="254000"/>
           </a:xfrm>
           <a:prstGeom prst="rect">
             <a:avLst/>
@@ -11014,7 +12268,229 @@
           </a:p>
           <a:p>
             <a:r>
-              <a:rPr lang="en-US" sz="2400">
+              <a:rPr lang="en-US" sz="1600">
+                <a:solidFill>
+                  <a:srgbClr val="000000"/>
+                </a:solidFill>
+              </a:rPr>
+              <a:t>image:</a:t>
+            </a:r>
+          </a:p>
+        </p:txBody>
+      </p:sp>
+      <p:sp>
+        <p:nvSpPr>
+          <p:cNvPr name="TextBox 7" id="8"/>
+          <p:cNvSpPr txBox="true"/>
+          <p:nvPr/>
+        </p:nvSpPr>
+        <p:spPr>
+          <a:xfrm>
+            <a:off x="4699000" y="762000"/>
+            <a:ext cx="4445000" cy="254000"/>
+          </a:xfrm>
+          <a:prstGeom prst="rect">
+            <a:avLst/>
+          </a:prstGeom>
+        </p:spPr>
+        <p:txBody>
+          <a:bodyPr anchor="t" rtlCol="false"/>
+          <a:lstStyle/>
+          <a:p>
+            <a:pPr algn="l"/>
+            <a:r>
+              <a:t/>
+            </a:r>
+            <a:endParaRPr lang="en-US" sz="1100"/>
+          </a:p>
+          <a:p>
+            <a:r>
+              <a:rPr lang="en-US" sz="1600">
+                <a:solidFill>
+                  <a:srgbClr val="0000FF"/>
+                </a:solidFill>
+              </a:rPr>
+              <a:t>Alfred-sachsen-coburg-gotha.jpg</a:t>
+            </a:r>
+          </a:p>
+        </p:txBody>
+      </p:sp>
+      <p:sp>
+        <p:nvSpPr>
+          <p:cNvPr name="TextBox 8" id="9"/>
+          <p:cNvSpPr txBox="true"/>
+          <p:nvPr/>
+        </p:nvSpPr>
+        <p:spPr>
+          <a:xfrm>
+            <a:off x="3048000" y="1016000"/>
+            <a:ext cx="1651000" cy="254000"/>
+          </a:xfrm>
+          <a:prstGeom prst="rect">
+            <a:avLst/>
+          </a:prstGeom>
+        </p:spPr>
+        <p:txBody>
+          <a:bodyPr anchor="t" rtlCol="false"/>
+          <a:lstStyle/>
+          <a:p>
+            <a:pPr algn="l"/>
+            <a:r>
+              <a:t/>
+            </a:r>
+            <a:endParaRPr lang="en-US" sz="1100"/>
+          </a:p>
+          <a:p>
+            <a:r>
+              <a:rPr lang="en-US" sz="1600">
+                <a:solidFill>
+                  <a:srgbClr val="000000"/>
+                </a:solidFill>
+              </a:rPr>
+              <a:t>wiki_en:</a:t>
+            </a:r>
+          </a:p>
+        </p:txBody>
+      </p:sp>
+      <p:sp>
+        <p:nvSpPr>
+          <p:cNvPr name="TextBox 9" id="10"/>
+          <p:cNvSpPr txBox="true"/>
+          <p:nvPr/>
+        </p:nvSpPr>
+        <p:spPr>
+          <a:xfrm>
+            <a:off x="4699000" y="1016000"/>
+            <a:ext cx="4445000" cy="254000"/>
+          </a:xfrm>
+          <a:prstGeom prst="rect">
+            <a:avLst/>
+          </a:prstGeom>
+        </p:spPr>
+        <p:txBody>
+          <a:bodyPr anchor="t" rtlCol="false"/>
+          <a:lstStyle/>
+          <a:p>
+            <a:pPr algn="l"/>
+            <a:r>
+              <a:t/>
+            </a:r>
+            <a:endParaRPr lang="en-US" sz="1100"/>
+          </a:p>
+          <a:p>
+            <a:r>
+              <a:rPr lang="en-US" sz="1600">
+                <a:solidFill>
+                  <a:srgbClr val="0000FF"/>
+                </a:solidFill>
+              </a:rPr>
+              <a:t>Alfred, Duke of Saxe-Coburg and Gotha</a:t>
+            </a:r>
+          </a:p>
+        </p:txBody>
+      </p:sp>
+      <p:sp>
+        <p:nvSpPr>
+          <p:cNvPr name="TextBox 10" id="11"/>
+          <p:cNvSpPr txBox="true"/>
+          <p:nvPr/>
+        </p:nvSpPr>
+        <p:spPr>
+          <a:xfrm>
+            <a:off x="3048000" y="1270000"/>
+            <a:ext cx="1651000" cy="254000"/>
+          </a:xfrm>
+          <a:prstGeom prst="rect">
+            <a:avLst/>
+          </a:prstGeom>
+        </p:spPr>
+        <p:txBody>
+          <a:bodyPr anchor="t" rtlCol="false"/>
+          <a:lstStyle/>
+          <a:p>
+            <a:pPr algn="l"/>
+            <a:r>
+              <a:t/>
+            </a:r>
+            <a:endParaRPr lang="en-US" sz="1100"/>
+          </a:p>
+          <a:p>
+            <a:r>
+              <a:rPr lang="en-US" sz="1600">
+                <a:solidFill>
+                  <a:srgbClr val="000000"/>
+                </a:solidFill>
+              </a:rPr>
+              <a:t>label_en:</a:t>
+            </a:r>
+          </a:p>
+        </p:txBody>
+      </p:sp>
+      <p:sp>
+        <p:nvSpPr>
+          <p:cNvPr name="TextBox 11" id="12"/>
+          <p:cNvSpPr txBox="true"/>
+          <p:nvPr/>
+        </p:nvSpPr>
+        <p:spPr>
+          <a:xfrm>
+            <a:off x="4699000" y="1270000"/>
+            <a:ext cx="4445000" cy="254000"/>
+          </a:xfrm>
+          <a:prstGeom prst="rect">
+            <a:avLst/>
+          </a:prstGeom>
+        </p:spPr>
+        <p:txBody>
+          <a:bodyPr anchor="t" rtlCol="false"/>
+          <a:lstStyle/>
+          <a:p>
+            <a:pPr algn="l"/>
+            <a:r>
+              <a:t/>
+            </a:r>
+            <a:endParaRPr lang="en-US" sz="1100"/>
+          </a:p>
+          <a:p>
+            <a:r>
+              <a:rPr lang="en-US" sz="1600">
+                <a:solidFill>
+                  <a:srgbClr val="0000FF"/>
+                </a:solidFill>
+              </a:rPr>
+              <a:t>Alfred, Duke of Saxe-Coburg and Gotha</a:t>
+            </a:r>
+          </a:p>
+        </p:txBody>
+      </p:sp>
+      <p:sp>
+        <p:nvSpPr>
+          <p:cNvPr name="TextBox 12" id="13"/>
+          <p:cNvSpPr txBox="true"/>
+          <p:nvPr/>
+        </p:nvSpPr>
+        <p:spPr>
+          <a:xfrm>
+            <a:off x="3048000" y="1524000"/>
+            <a:ext cx="1651000" cy="254000"/>
+          </a:xfrm>
+          <a:prstGeom prst="rect">
+            <a:avLst/>
+          </a:prstGeom>
+        </p:spPr>
+        <p:txBody>
+          <a:bodyPr anchor="t" rtlCol="false"/>
+          <a:lstStyle/>
+          <a:p>
+            <a:pPr algn="l"/>
+            <a:r>
+              <a:t/>
+            </a:r>
+            <a:endParaRPr lang="en-US" sz="1100"/>
+          </a:p>
+          <a:p>
+            <a:r>
+              <a:rPr lang="en-US" sz="1600">
                 <a:solidFill>
                   <a:srgbClr val="000000"/>
                 </a:solidFill>
@@ -11026,14 +12502,14 @@
       </p:sp>
       <p:sp>
         <p:nvSpPr>
-          <p:cNvPr name="TextBox 6" id="7"/>
+          <p:cNvPr name="TextBox 13" id="14"/>
           <p:cNvSpPr txBox="true"/>
           <p:nvPr/>
         </p:nvSpPr>
         <p:spPr>
           <a:xfrm>
-            <a:off x="2159000" y="1016000"/>
-            <a:ext cx="6350000" cy="381000"/>
+            <a:off x="4699000" y="1524000"/>
+            <a:ext cx="4445000" cy="254000"/>
           </a:xfrm>
           <a:prstGeom prst="rect">
             <a:avLst/>
@@ -11051,7 +12527,7 @@
           </a:p>
           <a:p>
             <a:r>
-              <a:rPr lang="en-US" sz="2400">
+              <a:rPr lang="en-US" sz="1600">
                 <a:solidFill>
                   <a:srgbClr val="0000FF"/>
                 </a:solidFill>
@@ -11094,8 +12570,8 @@
         </p:nvSpPr>
         <p:spPr>
           <a:xfrm>
-            <a:off x="254000" y="254000"/>
-            <a:ext cx="1905000" cy="381000"/>
+            <a:off x="3048000" y="254000"/>
+            <a:ext cx="1651000" cy="254000"/>
           </a:xfrm>
           <a:prstGeom prst="rect">
             <a:avLst/>
@@ -11113,7 +12589,7 @@
           </a:p>
           <a:p>
             <a:r>
-              <a:rPr lang="en-US" sz="2400">
+              <a:rPr lang="en-US" sz="1600">
                 <a:solidFill>
                   <a:srgbClr val="000000"/>
                 </a:solidFill>
@@ -11131,8 +12607,8 @@
         </p:nvSpPr>
         <p:spPr>
           <a:xfrm>
-            <a:off x="2159000" y="254000"/>
-            <a:ext cx="6350000" cy="381000"/>
+            <a:off x="4699000" y="254000"/>
+            <a:ext cx="4445000" cy="254000"/>
           </a:xfrm>
           <a:prstGeom prst="rect">
             <a:avLst/>
@@ -11150,27 +12626,51 @@
           </a:p>
           <a:p>
             <a:r>
-              <a:rPr lang="en-US" sz="2400">
+              <a:rPr lang="en-US" sz="1600">
                 <a:solidFill>
                   <a:srgbClr val="0000FF"/>
                 </a:solidFill>
-                <a:hlinkClick r:id="rId2" tooltip="http://royal-family.bitplan.com/index.php/Princess_Helena_of_the_United_Kingdom"/>
+                <a:hlinkClick r:id="rId2" tooltip="https://tools.wmflabs.org/sqid/#/view?id=Q160539"/>
               </a:rPr>
               <a:t>Princess Helena of the United Kingdom</a:t>
             </a:r>
           </a:p>
         </p:txBody>
       </p:sp>
-      <p:sp>
-        <p:nvSpPr>
-          <p:cNvPr name="TextBox 3" id="4"/>
+      <p:pic>
+        <p:nvPicPr>
+          <p:cNvPr name="Picture 3" id="4"/>
+          <p:cNvPicPr>
+            <a:picLocks noChangeAspect="true"/>
+          </p:cNvPicPr>
+          <p:nvPr/>
+        </p:nvPicPr>
+        <p:blipFill>
+          <a:blip r:embed="rId3"/>
+          <a:stretch>
+            <a:fillRect/>
+          </a:stretch>
+        </p:blipFill>
+        <p:spPr>
+          <a:xfrm>
+            <a:off x="254000" y="508000"/>
+            <a:ext cx="2540000" cy="4038600"/>
+          </a:xfrm>
+          <a:prstGeom prst="rect">
+            <a:avLst/>
+          </a:prstGeom>
+        </p:spPr>
+      </p:pic>
+      <p:sp>
+        <p:nvSpPr>
+          <p:cNvPr name="TextBox 4" id="5"/>
           <p:cNvSpPr txBox="true"/>
           <p:nvPr/>
         </p:nvSpPr>
         <p:spPr>
           <a:xfrm>
-            <a:off x="254000" y="635000"/>
-            <a:ext cx="1905000" cy="381000"/>
+            <a:off x="3048000" y="508000"/>
+            <a:ext cx="1651000" cy="254000"/>
           </a:xfrm>
           <a:prstGeom prst="rect">
             <a:avLst/>
@@ -11188,7 +12688,7 @@
           </a:p>
           <a:p>
             <a:r>
-              <a:rPr lang="en-US" sz="2400">
+              <a:rPr lang="en-US" sz="1600">
                 <a:solidFill>
                   <a:srgbClr val="000000"/>
                 </a:solidFill>
@@ -11200,14 +12700,14 @@
       </p:sp>
       <p:sp>
         <p:nvSpPr>
-          <p:cNvPr name="TextBox 4" id="5"/>
+          <p:cNvPr name="TextBox 5" id="6"/>
           <p:cNvSpPr txBox="true"/>
           <p:nvPr/>
         </p:nvSpPr>
         <p:spPr>
           <a:xfrm>
-            <a:off x="2159000" y="635000"/>
-            <a:ext cx="6350000" cy="381000"/>
+            <a:off x="4699000" y="508000"/>
+            <a:ext cx="4445000" cy="254000"/>
           </a:xfrm>
           <a:prstGeom prst="rect">
             <a:avLst/>
@@ -11225,7 +12725,7 @@
           </a:p>
           <a:p>
             <a:r>
-              <a:rPr lang="en-US" sz="2400">
+              <a:rPr lang="en-US" sz="1600">
                 <a:solidFill>
                   <a:srgbClr val="0000FF"/>
                 </a:solidFill>
@@ -11237,14 +12737,14 @@
       </p:sp>
       <p:sp>
         <p:nvSpPr>
-          <p:cNvPr name="TextBox 5" id="6"/>
+          <p:cNvPr name="TextBox 6" id="7"/>
           <p:cNvSpPr txBox="true"/>
           <p:nvPr/>
         </p:nvSpPr>
         <p:spPr>
           <a:xfrm>
-            <a:off x="254000" y="1016000"/>
-            <a:ext cx="1905000" cy="381000"/>
+            <a:off x="3048000" y="762000"/>
+            <a:ext cx="1651000" cy="254000"/>
           </a:xfrm>
           <a:prstGeom prst="rect">
             <a:avLst/>
@@ -11262,7 +12762,229 @@
           </a:p>
           <a:p>
             <a:r>
-              <a:rPr lang="en-US" sz="2400">
+              <a:rPr lang="en-US" sz="1600">
+                <a:solidFill>
+                  <a:srgbClr val="000000"/>
+                </a:solidFill>
+              </a:rPr>
+              <a:t>image:</a:t>
+            </a:r>
+          </a:p>
+        </p:txBody>
+      </p:sp>
+      <p:sp>
+        <p:nvSpPr>
+          <p:cNvPr name="TextBox 7" id="8"/>
+          <p:cNvSpPr txBox="true"/>
+          <p:nvPr/>
+        </p:nvSpPr>
+        <p:spPr>
+          <a:xfrm>
+            <a:off x="4699000" y="762000"/>
+            <a:ext cx="4445000" cy="254000"/>
+          </a:xfrm>
+          <a:prstGeom prst="rect">
+            <a:avLst/>
+          </a:prstGeom>
+        </p:spPr>
+        <p:txBody>
+          <a:bodyPr anchor="t" rtlCol="false"/>
+          <a:lstStyle/>
+          <a:p>
+            <a:pPr algn="l"/>
+            <a:r>
+              <a:t/>
+            </a:r>
+            <a:endParaRPr lang="en-US" sz="1100"/>
+          </a:p>
+          <a:p>
+            <a:r>
+              <a:rPr lang="en-US" sz="1600">
+                <a:solidFill>
+                  <a:srgbClr val="0000FF"/>
+                </a:solidFill>
+              </a:rPr>
+              <a:t>Helena scan.jpg</a:t>
+            </a:r>
+          </a:p>
+        </p:txBody>
+      </p:sp>
+      <p:sp>
+        <p:nvSpPr>
+          <p:cNvPr name="TextBox 8" id="9"/>
+          <p:cNvSpPr txBox="true"/>
+          <p:nvPr/>
+        </p:nvSpPr>
+        <p:spPr>
+          <a:xfrm>
+            <a:off x="3048000" y="1016000"/>
+            <a:ext cx="1651000" cy="254000"/>
+          </a:xfrm>
+          <a:prstGeom prst="rect">
+            <a:avLst/>
+          </a:prstGeom>
+        </p:spPr>
+        <p:txBody>
+          <a:bodyPr anchor="t" rtlCol="false"/>
+          <a:lstStyle/>
+          <a:p>
+            <a:pPr algn="l"/>
+            <a:r>
+              <a:t/>
+            </a:r>
+            <a:endParaRPr lang="en-US" sz="1100"/>
+          </a:p>
+          <a:p>
+            <a:r>
+              <a:rPr lang="en-US" sz="1600">
+                <a:solidFill>
+                  <a:srgbClr val="000000"/>
+                </a:solidFill>
+              </a:rPr>
+              <a:t>wiki_en:</a:t>
+            </a:r>
+          </a:p>
+        </p:txBody>
+      </p:sp>
+      <p:sp>
+        <p:nvSpPr>
+          <p:cNvPr name="TextBox 9" id="10"/>
+          <p:cNvSpPr txBox="true"/>
+          <p:nvPr/>
+        </p:nvSpPr>
+        <p:spPr>
+          <a:xfrm>
+            <a:off x="4699000" y="1016000"/>
+            <a:ext cx="4445000" cy="254000"/>
+          </a:xfrm>
+          <a:prstGeom prst="rect">
+            <a:avLst/>
+          </a:prstGeom>
+        </p:spPr>
+        <p:txBody>
+          <a:bodyPr anchor="t" rtlCol="false"/>
+          <a:lstStyle/>
+          <a:p>
+            <a:pPr algn="l"/>
+            <a:r>
+              <a:t/>
+            </a:r>
+            <a:endParaRPr lang="en-US" sz="1100"/>
+          </a:p>
+          <a:p>
+            <a:r>
+              <a:rPr lang="en-US" sz="1600">
+                <a:solidFill>
+                  <a:srgbClr val="0000FF"/>
+                </a:solidFill>
+              </a:rPr>
+              <a:t>Princess Helena of the United Kingdom</a:t>
+            </a:r>
+          </a:p>
+        </p:txBody>
+      </p:sp>
+      <p:sp>
+        <p:nvSpPr>
+          <p:cNvPr name="TextBox 10" id="11"/>
+          <p:cNvSpPr txBox="true"/>
+          <p:nvPr/>
+        </p:nvSpPr>
+        <p:spPr>
+          <a:xfrm>
+            <a:off x="3048000" y="1270000"/>
+            <a:ext cx="1651000" cy="254000"/>
+          </a:xfrm>
+          <a:prstGeom prst="rect">
+            <a:avLst/>
+          </a:prstGeom>
+        </p:spPr>
+        <p:txBody>
+          <a:bodyPr anchor="t" rtlCol="false"/>
+          <a:lstStyle/>
+          <a:p>
+            <a:pPr algn="l"/>
+            <a:r>
+              <a:t/>
+            </a:r>
+            <a:endParaRPr lang="en-US" sz="1100"/>
+          </a:p>
+          <a:p>
+            <a:r>
+              <a:rPr lang="en-US" sz="1600">
+                <a:solidFill>
+                  <a:srgbClr val="000000"/>
+                </a:solidFill>
+              </a:rPr>
+              <a:t>label_en:</a:t>
+            </a:r>
+          </a:p>
+        </p:txBody>
+      </p:sp>
+      <p:sp>
+        <p:nvSpPr>
+          <p:cNvPr name="TextBox 11" id="12"/>
+          <p:cNvSpPr txBox="true"/>
+          <p:nvPr/>
+        </p:nvSpPr>
+        <p:spPr>
+          <a:xfrm>
+            <a:off x="4699000" y="1270000"/>
+            <a:ext cx="4445000" cy="254000"/>
+          </a:xfrm>
+          <a:prstGeom prst="rect">
+            <a:avLst/>
+          </a:prstGeom>
+        </p:spPr>
+        <p:txBody>
+          <a:bodyPr anchor="t" rtlCol="false"/>
+          <a:lstStyle/>
+          <a:p>
+            <a:pPr algn="l"/>
+            <a:r>
+              <a:t/>
+            </a:r>
+            <a:endParaRPr lang="en-US" sz="1100"/>
+          </a:p>
+          <a:p>
+            <a:r>
+              <a:rPr lang="en-US" sz="1600">
+                <a:solidFill>
+                  <a:srgbClr val="0000FF"/>
+                </a:solidFill>
+              </a:rPr>
+              <a:t>Princess Helena of the United Kingdom</a:t>
+            </a:r>
+          </a:p>
+        </p:txBody>
+      </p:sp>
+      <p:sp>
+        <p:nvSpPr>
+          <p:cNvPr name="TextBox 12" id="13"/>
+          <p:cNvSpPr txBox="true"/>
+          <p:nvPr/>
+        </p:nvSpPr>
+        <p:spPr>
+          <a:xfrm>
+            <a:off x="3048000" y="1524000"/>
+            <a:ext cx="1651000" cy="254000"/>
+          </a:xfrm>
+          <a:prstGeom prst="rect">
+            <a:avLst/>
+          </a:prstGeom>
+        </p:spPr>
+        <p:txBody>
+          <a:bodyPr anchor="t" rtlCol="false"/>
+          <a:lstStyle/>
+          <a:p>
+            <a:pPr algn="l"/>
+            <a:r>
+              <a:t/>
+            </a:r>
+            <a:endParaRPr lang="en-US" sz="1100"/>
+          </a:p>
+          <a:p>
+            <a:r>
+              <a:rPr lang="en-US" sz="1600">
                 <a:solidFill>
                   <a:srgbClr val="000000"/>
                 </a:solidFill>
@@ -11274,14 +12996,14 @@
       </p:sp>
       <p:sp>
         <p:nvSpPr>
-          <p:cNvPr name="TextBox 6" id="7"/>
+          <p:cNvPr name="TextBox 13" id="14"/>
           <p:cNvSpPr txBox="true"/>
           <p:nvPr/>
         </p:nvSpPr>
         <p:spPr>
           <a:xfrm>
-            <a:off x="2159000" y="1016000"/>
-            <a:ext cx="6350000" cy="381000"/>
+            <a:off x="4699000" y="1524000"/>
+            <a:ext cx="4445000" cy="254000"/>
           </a:xfrm>
           <a:prstGeom prst="rect">
             <a:avLst/>
@@ -11299,7 +13021,7 @@
           </a:p>
           <a:p>
             <a:r>
-              <a:rPr lang="en-US" sz="2400">
+              <a:rPr lang="en-US" sz="1600">
                 <a:solidFill>
                   <a:srgbClr val="0000FF"/>
                 </a:solidFill>
@@ -11342,8 +13064,8 @@
         </p:nvSpPr>
         <p:spPr>
           <a:xfrm>
-            <a:off x="254000" y="254000"/>
-            <a:ext cx="1905000" cy="381000"/>
+            <a:off x="3048000" y="254000"/>
+            <a:ext cx="1651000" cy="254000"/>
           </a:xfrm>
           <a:prstGeom prst="rect">
             <a:avLst/>
@@ -11361,7 +13083,7 @@
           </a:p>
           <a:p>
             <a:r>
-              <a:rPr lang="en-US" sz="2400">
+              <a:rPr lang="en-US" sz="1600">
                 <a:solidFill>
                   <a:srgbClr val="000000"/>
                 </a:solidFill>
@@ -11379,8 +13101,8 @@
         </p:nvSpPr>
         <p:spPr>
           <a:xfrm>
-            <a:off x="2159000" y="254000"/>
-            <a:ext cx="6350000" cy="381000"/>
+            <a:off x="4699000" y="254000"/>
+            <a:ext cx="4445000" cy="254000"/>
           </a:xfrm>
           <a:prstGeom prst="rect">
             <a:avLst/>
@@ -11398,27 +13120,51 @@
           </a:p>
           <a:p>
             <a:r>
-              <a:rPr lang="en-US" sz="2400">
+              <a:rPr lang="en-US" sz="1600">
                 <a:solidFill>
                   <a:srgbClr val="0000FF"/>
                 </a:solidFill>
-                <a:hlinkClick r:id="rId2" tooltip="http://royal-family.bitplan.com/index.php/Princess_Louise,_Duchess_of_Argyll"/>
+                <a:hlinkClick r:id="rId2" tooltip="https://tools.wmflabs.org/sqid/#/view?id=Q161167"/>
               </a:rPr>
               <a:t>Princess Louise, Duchess of Argyll</a:t>
             </a:r>
           </a:p>
         </p:txBody>
       </p:sp>
-      <p:sp>
-        <p:nvSpPr>
-          <p:cNvPr name="TextBox 3" id="4"/>
+      <p:pic>
+        <p:nvPicPr>
+          <p:cNvPr name="Picture 3" id="4"/>
+          <p:cNvPicPr>
+            <a:picLocks noChangeAspect="true"/>
+          </p:cNvPicPr>
+          <p:nvPr/>
+        </p:nvPicPr>
+        <p:blipFill>
+          <a:blip r:embed="rId3"/>
+          <a:stretch>
+            <a:fillRect/>
+          </a:stretch>
+        </p:blipFill>
+        <p:spPr>
+          <a:xfrm>
+            <a:off x="254000" y="508000"/>
+            <a:ext cx="2540000" cy="3708400"/>
+          </a:xfrm>
+          <a:prstGeom prst="rect">
+            <a:avLst/>
+          </a:prstGeom>
+        </p:spPr>
+      </p:pic>
+      <p:sp>
+        <p:nvSpPr>
+          <p:cNvPr name="TextBox 4" id="5"/>
           <p:cNvSpPr txBox="true"/>
           <p:nvPr/>
         </p:nvSpPr>
         <p:spPr>
           <a:xfrm>
-            <a:off x="254000" y="635000"/>
-            <a:ext cx="1905000" cy="381000"/>
+            <a:off x="3048000" y="508000"/>
+            <a:ext cx="1651000" cy="254000"/>
           </a:xfrm>
           <a:prstGeom prst="rect">
             <a:avLst/>
@@ -11436,7 +13182,7 @@
           </a:p>
           <a:p>
             <a:r>
-              <a:rPr lang="en-US" sz="2400">
+              <a:rPr lang="en-US" sz="1600">
                 <a:solidFill>
                   <a:srgbClr val="000000"/>
                 </a:solidFill>
@@ -11448,14 +13194,14 @@
       </p:sp>
       <p:sp>
         <p:nvSpPr>
-          <p:cNvPr name="TextBox 4" id="5"/>
+          <p:cNvPr name="TextBox 5" id="6"/>
           <p:cNvSpPr txBox="true"/>
           <p:nvPr/>
         </p:nvSpPr>
         <p:spPr>
           <a:xfrm>
-            <a:off x="2159000" y="635000"/>
-            <a:ext cx="6350000" cy="381000"/>
+            <a:off x="4699000" y="508000"/>
+            <a:ext cx="4445000" cy="254000"/>
           </a:xfrm>
           <a:prstGeom prst="rect">
             <a:avLst/>
@@ -11473,7 +13219,7 @@
           </a:p>
           <a:p>
             <a:r>
-              <a:rPr lang="en-US" sz="2400">
+              <a:rPr lang="en-US" sz="1600">
                 <a:solidFill>
                   <a:srgbClr val="0000FF"/>
                 </a:solidFill>
@@ -11485,14 +13231,14 @@
       </p:sp>
       <p:sp>
         <p:nvSpPr>
-          <p:cNvPr name="TextBox 5" id="6"/>
+          <p:cNvPr name="TextBox 6" id="7"/>
           <p:cNvSpPr txBox="true"/>
           <p:nvPr/>
         </p:nvSpPr>
         <p:spPr>
           <a:xfrm>
-            <a:off x="254000" y="1016000"/>
-            <a:ext cx="1905000" cy="381000"/>
+            <a:off x="3048000" y="762000"/>
+            <a:ext cx="1651000" cy="254000"/>
           </a:xfrm>
           <a:prstGeom prst="rect">
             <a:avLst/>
@@ -11510,7 +13256,229 @@
           </a:p>
           <a:p>
             <a:r>
-              <a:rPr lang="en-US" sz="2400">
+              <a:rPr lang="en-US" sz="1600">
+                <a:solidFill>
+                  <a:srgbClr val="000000"/>
+                </a:solidFill>
+              </a:rPr>
+              <a:t>image:</a:t>
+            </a:r>
+          </a:p>
+        </p:txBody>
+      </p:sp>
+      <p:sp>
+        <p:nvSpPr>
+          <p:cNvPr name="TextBox 7" id="8"/>
+          <p:cNvSpPr txBox="true"/>
+          <p:nvPr/>
+        </p:nvSpPr>
+        <p:spPr>
+          <a:xfrm>
+            <a:off x="4699000" y="762000"/>
+            <a:ext cx="4445000" cy="254000"/>
+          </a:xfrm>
+          <a:prstGeom prst="rect">
+            <a:avLst/>
+          </a:prstGeom>
+        </p:spPr>
+        <p:txBody>
+          <a:bodyPr anchor="t" rtlCol="false"/>
+          <a:lstStyle/>
+          <a:p>
+            <a:pPr algn="l"/>
+            <a:r>
+              <a:t/>
+            </a:r>
+            <a:endParaRPr lang="en-US" sz="1100"/>
+          </a:p>
+          <a:p>
+            <a:r>
+              <a:rPr lang="en-US" sz="1600">
+                <a:solidFill>
+                  <a:srgbClr val="0000FF"/>
+                </a:solidFill>
+              </a:rPr>
+              <a:t>Princess Louise 1901 copy.jpg</a:t>
+            </a:r>
+          </a:p>
+        </p:txBody>
+      </p:sp>
+      <p:sp>
+        <p:nvSpPr>
+          <p:cNvPr name="TextBox 8" id="9"/>
+          <p:cNvSpPr txBox="true"/>
+          <p:nvPr/>
+        </p:nvSpPr>
+        <p:spPr>
+          <a:xfrm>
+            <a:off x="3048000" y="1016000"/>
+            <a:ext cx="1651000" cy="254000"/>
+          </a:xfrm>
+          <a:prstGeom prst="rect">
+            <a:avLst/>
+          </a:prstGeom>
+        </p:spPr>
+        <p:txBody>
+          <a:bodyPr anchor="t" rtlCol="false"/>
+          <a:lstStyle/>
+          <a:p>
+            <a:pPr algn="l"/>
+            <a:r>
+              <a:t/>
+            </a:r>
+            <a:endParaRPr lang="en-US" sz="1100"/>
+          </a:p>
+          <a:p>
+            <a:r>
+              <a:rPr lang="en-US" sz="1600">
+                <a:solidFill>
+                  <a:srgbClr val="000000"/>
+                </a:solidFill>
+              </a:rPr>
+              <a:t>wiki_en:</a:t>
+            </a:r>
+          </a:p>
+        </p:txBody>
+      </p:sp>
+      <p:sp>
+        <p:nvSpPr>
+          <p:cNvPr name="TextBox 9" id="10"/>
+          <p:cNvSpPr txBox="true"/>
+          <p:nvPr/>
+        </p:nvSpPr>
+        <p:spPr>
+          <a:xfrm>
+            <a:off x="4699000" y="1016000"/>
+            <a:ext cx="4445000" cy="254000"/>
+          </a:xfrm>
+          <a:prstGeom prst="rect">
+            <a:avLst/>
+          </a:prstGeom>
+        </p:spPr>
+        <p:txBody>
+          <a:bodyPr anchor="t" rtlCol="false"/>
+          <a:lstStyle/>
+          <a:p>
+            <a:pPr algn="l"/>
+            <a:r>
+              <a:t/>
+            </a:r>
+            <a:endParaRPr lang="en-US" sz="1100"/>
+          </a:p>
+          <a:p>
+            <a:r>
+              <a:rPr lang="en-US" sz="1600">
+                <a:solidFill>
+                  <a:srgbClr val="0000FF"/>
+                </a:solidFill>
+              </a:rPr>
+              <a:t>Princess Louise, Duchess of Argyll</a:t>
+            </a:r>
+          </a:p>
+        </p:txBody>
+      </p:sp>
+      <p:sp>
+        <p:nvSpPr>
+          <p:cNvPr name="TextBox 10" id="11"/>
+          <p:cNvSpPr txBox="true"/>
+          <p:nvPr/>
+        </p:nvSpPr>
+        <p:spPr>
+          <a:xfrm>
+            <a:off x="3048000" y="1270000"/>
+            <a:ext cx="1651000" cy="254000"/>
+          </a:xfrm>
+          <a:prstGeom prst="rect">
+            <a:avLst/>
+          </a:prstGeom>
+        </p:spPr>
+        <p:txBody>
+          <a:bodyPr anchor="t" rtlCol="false"/>
+          <a:lstStyle/>
+          <a:p>
+            <a:pPr algn="l"/>
+            <a:r>
+              <a:t/>
+            </a:r>
+            <a:endParaRPr lang="en-US" sz="1100"/>
+          </a:p>
+          <a:p>
+            <a:r>
+              <a:rPr lang="en-US" sz="1600">
+                <a:solidFill>
+                  <a:srgbClr val="000000"/>
+                </a:solidFill>
+              </a:rPr>
+              <a:t>label_en:</a:t>
+            </a:r>
+          </a:p>
+        </p:txBody>
+      </p:sp>
+      <p:sp>
+        <p:nvSpPr>
+          <p:cNvPr name="TextBox 11" id="12"/>
+          <p:cNvSpPr txBox="true"/>
+          <p:nvPr/>
+        </p:nvSpPr>
+        <p:spPr>
+          <a:xfrm>
+            <a:off x="4699000" y="1270000"/>
+            <a:ext cx="4445000" cy="254000"/>
+          </a:xfrm>
+          <a:prstGeom prst="rect">
+            <a:avLst/>
+          </a:prstGeom>
+        </p:spPr>
+        <p:txBody>
+          <a:bodyPr anchor="t" rtlCol="false"/>
+          <a:lstStyle/>
+          <a:p>
+            <a:pPr algn="l"/>
+            <a:r>
+              <a:t/>
+            </a:r>
+            <a:endParaRPr lang="en-US" sz="1100"/>
+          </a:p>
+          <a:p>
+            <a:r>
+              <a:rPr lang="en-US" sz="1600">
+                <a:solidFill>
+                  <a:srgbClr val="0000FF"/>
+                </a:solidFill>
+              </a:rPr>
+              <a:t>Princess Louise, Duchess of Argyll</a:t>
+            </a:r>
+          </a:p>
+        </p:txBody>
+      </p:sp>
+      <p:sp>
+        <p:nvSpPr>
+          <p:cNvPr name="TextBox 12" id="13"/>
+          <p:cNvSpPr txBox="true"/>
+          <p:nvPr/>
+        </p:nvSpPr>
+        <p:spPr>
+          <a:xfrm>
+            <a:off x="3048000" y="1524000"/>
+            <a:ext cx="1651000" cy="254000"/>
+          </a:xfrm>
+          <a:prstGeom prst="rect">
+            <a:avLst/>
+          </a:prstGeom>
+        </p:spPr>
+        <p:txBody>
+          <a:bodyPr anchor="t" rtlCol="false"/>
+          <a:lstStyle/>
+          <a:p>
+            <a:pPr algn="l"/>
+            <a:r>
+              <a:t/>
+            </a:r>
+            <a:endParaRPr lang="en-US" sz="1100"/>
+          </a:p>
+          <a:p>
+            <a:r>
+              <a:rPr lang="en-US" sz="1600">
                 <a:solidFill>
                   <a:srgbClr val="000000"/>
                 </a:solidFill>
@@ -11522,14 +13490,14 @@
       </p:sp>
       <p:sp>
         <p:nvSpPr>
-          <p:cNvPr name="TextBox 6" id="7"/>
+          <p:cNvPr name="TextBox 13" id="14"/>
           <p:cNvSpPr txBox="true"/>
           <p:nvPr/>
         </p:nvSpPr>
         <p:spPr>
           <a:xfrm>
-            <a:off x="2159000" y="1016000"/>
-            <a:ext cx="6350000" cy="381000"/>
+            <a:off x="4699000" y="1524000"/>
+            <a:ext cx="4445000" cy="254000"/>
           </a:xfrm>
           <a:prstGeom prst="rect">
             <a:avLst/>
@@ -11547,7 +13515,7 @@
           </a:p>
           <a:p>
             <a:r>
-              <a:rPr lang="en-US" sz="2400">
+              <a:rPr lang="en-US" sz="1600">
                 <a:solidFill>
                   <a:srgbClr val="0000FF"/>
                 </a:solidFill>
@@ -11590,8 +13558,8 @@
         </p:nvSpPr>
         <p:spPr>
           <a:xfrm>
-            <a:off x="254000" y="254000"/>
-            <a:ext cx="1905000" cy="381000"/>
+            <a:off x="3048000" y="254000"/>
+            <a:ext cx="1651000" cy="254000"/>
           </a:xfrm>
           <a:prstGeom prst="rect">
             <a:avLst/>
@@ -11609,7 +13577,7 @@
           </a:p>
           <a:p>
             <a:r>
-              <a:rPr lang="en-US" sz="2400">
+              <a:rPr lang="en-US" sz="1600">
                 <a:solidFill>
                   <a:srgbClr val="000000"/>
                 </a:solidFill>
@@ -11627,8 +13595,8 @@
         </p:nvSpPr>
         <p:spPr>
           <a:xfrm>
-            <a:off x="2159000" y="254000"/>
-            <a:ext cx="6350000" cy="381000"/>
+            <a:off x="4699000" y="254000"/>
+            <a:ext cx="4445000" cy="254000"/>
           </a:xfrm>
           <a:prstGeom prst="rect">
             <a:avLst/>
@@ -11646,27 +13614,51 @@
           </a:p>
           <a:p>
             <a:r>
-              <a:rPr lang="en-US" sz="2400">
+              <a:rPr lang="en-US" sz="1600">
                 <a:solidFill>
                   <a:srgbClr val="0000FF"/>
                 </a:solidFill>
-                <a:hlinkClick r:id="rId2" tooltip="http://royal-family.bitplan.com/index.php/Prince_Arthur,_Duke_of_Connaught_and_Strathearn"/>
+                <a:hlinkClick r:id="rId2" tooltip="https://tools.wmflabs.org/sqid/#/view?id=Q160558"/>
               </a:rPr>
               <a:t>Prince Arthur, Duke of Connaught and Strathearn</a:t>
             </a:r>
           </a:p>
         </p:txBody>
       </p:sp>
-      <p:sp>
-        <p:nvSpPr>
-          <p:cNvPr name="TextBox 3" id="4"/>
+      <p:pic>
+        <p:nvPicPr>
+          <p:cNvPr name="Picture 3" id="4"/>
+          <p:cNvPicPr>
+            <a:picLocks noChangeAspect="true"/>
+          </p:cNvPicPr>
+          <p:nvPr/>
+        </p:nvPicPr>
+        <p:blipFill>
+          <a:blip r:embed="rId3"/>
+          <a:stretch>
+            <a:fillRect/>
+          </a:stretch>
+        </p:blipFill>
+        <p:spPr>
+          <a:xfrm>
+            <a:off x="254000" y="508000"/>
+            <a:ext cx="2540000" cy="3416300"/>
+          </a:xfrm>
+          <a:prstGeom prst="rect">
+            <a:avLst/>
+          </a:prstGeom>
+        </p:spPr>
+      </p:pic>
+      <p:sp>
+        <p:nvSpPr>
+          <p:cNvPr name="TextBox 4" id="5"/>
           <p:cNvSpPr txBox="true"/>
           <p:nvPr/>
         </p:nvSpPr>
         <p:spPr>
           <a:xfrm>
-            <a:off x="254000" y="635000"/>
-            <a:ext cx="1905000" cy="381000"/>
+            <a:off x="3048000" y="508000"/>
+            <a:ext cx="1651000" cy="254000"/>
           </a:xfrm>
           <a:prstGeom prst="rect">
             <a:avLst/>
@@ -11684,7 +13676,7 @@
           </a:p>
           <a:p>
             <a:r>
-              <a:rPr lang="en-US" sz="2400">
+              <a:rPr lang="en-US" sz="1600">
                 <a:solidFill>
                   <a:srgbClr val="000000"/>
                 </a:solidFill>
@@ -11696,14 +13688,14 @@
       </p:sp>
       <p:sp>
         <p:nvSpPr>
-          <p:cNvPr name="TextBox 4" id="5"/>
+          <p:cNvPr name="TextBox 5" id="6"/>
           <p:cNvSpPr txBox="true"/>
           <p:nvPr/>
         </p:nvSpPr>
         <p:spPr>
           <a:xfrm>
-            <a:off x="2159000" y="635000"/>
-            <a:ext cx="6350000" cy="381000"/>
+            <a:off x="4699000" y="508000"/>
+            <a:ext cx="4445000" cy="254000"/>
           </a:xfrm>
           <a:prstGeom prst="rect">
             <a:avLst/>
@@ -11721,7 +13713,7 @@
           </a:p>
           <a:p>
             <a:r>
-              <a:rPr lang="en-US" sz="2400">
+              <a:rPr lang="en-US" sz="1600">
                 <a:solidFill>
                   <a:srgbClr val="0000FF"/>
                 </a:solidFill>
@@ -11733,14 +13725,14 @@
       </p:sp>
       <p:sp>
         <p:nvSpPr>
-          <p:cNvPr name="TextBox 5" id="6"/>
+          <p:cNvPr name="TextBox 6" id="7"/>
           <p:cNvSpPr txBox="true"/>
           <p:nvPr/>
         </p:nvSpPr>
         <p:spPr>
           <a:xfrm>
-            <a:off x="254000" y="1016000"/>
-            <a:ext cx="1905000" cy="381000"/>
+            <a:off x="3048000" y="762000"/>
+            <a:ext cx="1651000" cy="254000"/>
           </a:xfrm>
           <a:prstGeom prst="rect">
             <a:avLst/>
@@ -11758,7 +13750,229 @@
           </a:p>
           <a:p>
             <a:r>
-              <a:rPr lang="en-US" sz="2400">
+              <a:rPr lang="en-US" sz="1600">
+                <a:solidFill>
+                  <a:srgbClr val="000000"/>
+                </a:solidFill>
+              </a:rPr>
+              <a:t>image:</a:t>
+            </a:r>
+          </a:p>
+        </p:txBody>
+      </p:sp>
+      <p:sp>
+        <p:nvSpPr>
+          <p:cNvPr name="TextBox 7" id="8"/>
+          <p:cNvSpPr txBox="true"/>
+          <p:nvPr/>
+        </p:nvSpPr>
+        <p:spPr>
+          <a:xfrm>
+            <a:off x="4699000" y="762000"/>
+            <a:ext cx="4445000" cy="254000"/>
+          </a:xfrm>
+          <a:prstGeom prst="rect">
+            <a:avLst/>
+          </a:prstGeom>
+        </p:spPr>
+        <p:txBody>
+          <a:bodyPr anchor="t" rtlCol="false"/>
+          <a:lstStyle/>
+          <a:p>
+            <a:pPr algn="l"/>
+            <a:r>
+              <a:t/>
+            </a:r>
+            <a:endParaRPr lang="en-US" sz="1100"/>
+          </a:p>
+          <a:p>
+            <a:r>
+              <a:rPr lang="en-US" sz="1600">
+                <a:solidFill>
+                  <a:srgbClr val="0000FF"/>
+                </a:solidFill>
+              </a:rPr>
+              <a:t>Duke of Connaught and Strathearn.jpg</a:t>
+            </a:r>
+          </a:p>
+        </p:txBody>
+      </p:sp>
+      <p:sp>
+        <p:nvSpPr>
+          <p:cNvPr name="TextBox 8" id="9"/>
+          <p:cNvSpPr txBox="true"/>
+          <p:nvPr/>
+        </p:nvSpPr>
+        <p:spPr>
+          <a:xfrm>
+            <a:off x="3048000" y="1016000"/>
+            <a:ext cx="1651000" cy="254000"/>
+          </a:xfrm>
+          <a:prstGeom prst="rect">
+            <a:avLst/>
+          </a:prstGeom>
+        </p:spPr>
+        <p:txBody>
+          <a:bodyPr anchor="t" rtlCol="false"/>
+          <a:lstStyle/>
+          <a:p>
+            <a:pPr algn="l"/>
+            <a:r>
+              <a:t/>
+            </a:r>
+            <a:endParaRPr lang="en-US" sz="1100"/>
+          </a:p>
+          <a:p>
+            <a:r>
+              <a:rPr lang="en-US" sz="1600">
+                <a:solidFill>
+                  <a:srgbClr val="000000"/>
+                </a:solidFill>
+              </a:rPr>
+              <a:t>wiki_en:</a:t>
+            </a:r>
+          </a:p>
+        </p:txBody>
+      </p:sp>
+      <p:sp>
+        <p:nvSpPr>
+          <p:cNvPr name="TextBox 9" id="10"/>
+          <p:cNvSpPr txBox="true"/>
+          <p:nvPr/>
+        </p:nvSpPr>
+        <p:spPr>
+          <a:xfrm>
+            <a:off x="4699000" y="1016000"/>
+            <a:ext cx="4445000" cy="254000"/>
+          </a:xfrm>
+          <a:prstGeom prst="rect">
+            <a:avLst/>
+          </a:prstGeom>
+        </p:spPr>
+        <p:txBody>
+          <a:bodyPr anchor="t" rtlCol="false"/>
+          <a:lstStyle/>
+          <a:p>
+            <a:pPr algn="l"/>
+            <a:r>
+              <a:t/>
+            </a:r>
+            <a:endParaRPr lang="en-US" sz="1100"/>
+          </a:p>
+          <a:p>
+            <a:r>
+              <a:rPr lang="en-US" sz="1600">
+                <a:solidFill>
+                  <a:srgbClr val="0000FF"/>
+                </a:solidFill>
+              </a:rPr>
+              <a:t>Prince Arthur, Duke of Connaught and Strathearn</a:t>
+            </a:r>
+          </a:p>
+        </p:txBody>
+      </p:sp>
+      <p:sp>
+        <p:nvSpPr>
+          <p:cNvPr name="TextBox 10" id="11"/>
+          <p:cNvSpPr txBox="true"/>
+          <p:nvPr/>
+        </p:nvSpPr>
+        <p:spPr>
+          <a:xfrm>
+            <a:off x="3048000" y="1270000"/>
+            <a:ext cx="1651000" cy="254000"/>
+          </a:xfrm>
+          <a:prstGeom prst="rect">
+            <a:avLst/>
+          </a:prstGeom>
+        </p:spPr>
+        <p:txBody>
+          <a:bodyPr anchor="t" rtlCol="false"/>
+          <a:lstStyle/>
+          <a:p>
+            <a:pPr algn="l"/>
+            <a:r>
+              <a:t/>
+            </a:r>
+            <a:endParaRPr lang="en-US" sz="1100"/>
+          </a:p>
+          <a:p>
+            <a:r>
+              <a:rPr lang="en-US" sz="1600">
+                <a:solidFill>
+                  <a:srgbClr val="000000"/>
+                </a:solidFill>
+              </a:rPr>
+              <a:t>label_en:</a:t>
+            </a:r>
+          </a:p>
+        </p:txBody>
+      </p:sp>
+      <p:sp>
+        <p:nvSpPr>
+          <p:cNvPr name="TextBox 11" id="12"/>
+          <p:cNvSpPr txBox="true"/>
+          <p:nvPr/>
+        </p:nvSpPr>
+        <p:spPr>
+          <a:xfrm>
+            <a:off x="4699000" y="1270000"/>
+            <a:ext cx="4445000" cy="254000"/>
+          </a:xfrm>
+          <a:prstGeom prst="rect">
+            <a:avLst/>
+          </a:prstGeom>
+        </p:spPr>
+        <p:txBody>
+          <a:bodyPr anchor="t" rtlCol="false"/>
+          <a:lstStyle/>
+          <a:p>
+            <a:pPr algn="l"/>
+            <a:r>
+              <a:t/>
+            </a:r>
+            <a:endParaRPr lang="en-US" sz="1100"/>
+          </a:p>
+          <a:p>
+            <a:r>
+              <a:rPr lang="en-US" sz="1600">
+                <a:solidFill>
+                  <a:srgbClr val="0000FF"/>
+                </a:solidFill>
+              </a:rPr>
+              <a:t>Prince Arthur, Duke of Connaught and Strathearn</a:t>
+            </a:r>
+          </a:p>
+        </p:txBody>
+      </p:sp>
+      <p:sp>
+        <p:nvSpPr>
+          <p:cNvPr name="TextBox 12" id="13"/>
+          <p:cNvSpPr txBox="true"/>
+          <p:nvPr/>
+        </p:nvSpPr>
+        <p:spPr>
+          <a:xfrm>
+            <a:off x="3048000" y="1524000"/>
+            <a:ext cx="1651000" cy="254000"/>
+          </a:xfrm>
+          <a:prstGeom prst="rect">
+            <a:avLst/>
+          </a:prstGeom>
+        </p:spPr>
+        <p:txBody>
+          <a:bodyPr anchor="t" rtlCol="false"/>
+          <a:lstStyle/>
+          <a:p>
+            <a:pPr algn="l"/>
+            <a:r>
+              <a:t/>
+            </a:r>
+            <a:endParaRPr lang="en-US" sz="1100"/>
+          </a:p>
+          <a:p>
+            <a:r>
+              <a:rPr lang="en-US" sz="1600">
                 <a:solidFill>
                   <a:srgbClr val="000000"/>
                 </a:solidFill>
@@ -11770,14 +13984,14 @@
       </p:sp>
       <p:sp>
         <p:nvSpPr>
-          <p:cNvPr name="TextBox 6" id="7"/>
+          <p:cNvPr name="TextBox 13" id="14"/>
           <p:cNvSpPr txBox="true"/>
           <p:nvPr/>
         </p:nvSpPr>
         <p:spPr>
           <a:xfrm>
-            <a:off x="2159000" y="1016000"/>
-            <a:ext cx="6350000" cy="381000"/>
+            <a:off x="4699000" y="1524000"/>
+            <a:ext cx="4445000" cy="254000"/>
           </a:xfrm>
           <a:prstGeom prst="rect">
             <a:avLst/>
@@ -11795,7 +14009,7 @@
           </a:p>
           <a:p>
             <a:r>
-              <a:rPr lang="en-US" sz="2400">
+              <a:rPr lang="en-US" sz="1600">
                 <a:solidFill>
                   <a:srgbClr val="0000FF"/>
                 </a:solidFill>
@@ -11838,8 +14052,8 @@
         </p:nvSpPr>
         <p:spPr>
           <a:xfrm>
-            <a:off x="254000" y="254000"/>
-            <a:ext cx="1905000" cy="381000"/>
+            <a:off x="3048000" y="254000"/>
+            <a:ext cx="1651000" cy="254000"/>
           </a:xfrm>
           <a:prstGeom prst="rect">
             <a:avLst/>
@@ -11857,7 +14071,7 @@
           </a:p>
           <a:p>
             <a:r>
-              <a:rPr lang="en-US" sz="2400">
+              <a:rPr lang="en-US" sz="1600">
                 <a:solidFill>
                   <a:srgbClr val="000000"/>
                 </a:solidFill>
@@ -11875,8 +14089,8 @@
         </p:nvSpPr>
         <p:spPr>
           <a:xfrm>
-            <a:off x="2159000" y="254000"/>
-            <a:ext cx="6350000" cy="381000"/>
+            <a:off x="4699000" y="254000"/>
+            <a:ext cx="4445000" cy="254000"/>
           </a:xfrm>
           <a:prstGeom prst="rect">
             <a:avLst/>
@@ -11894,27 +14108,51 @@
           </a:p>
           <a:p>
             <a:r>
-              <a:rPr lang="en-US" sz="2400">
+              <a:rPr lang="en-US" sz="1600">
                 <a:solidFill>
                   <a:srgbClr val="0000FF"/>
                 </a:solidFill>
-                <a:hlinkClick r:id="rId2" tooltip="http://royal-family.bitplan.com/index.php/Prince_Leopold,_Duke_of_Albany"/>
+                <a:hlinkClick r:id="rId2" tooltip="https://tools.wmflabs.org/sqid/#/view?id=Q160541"/>
               </a:rPr>
               <a:t>Prince Leopold, Duke of Albany</a:t>
             </a:r>
           </a:p>
         </p:txBody>
       </p:sp>
-      <p:sp>
-        <p:nvSpPr>
-          <p:cNvPr name="TextBox 3" id="4"/>
+      <p:pic>
+        <p:nvPicPr>
+          <p:cNvPr name="Picture 3" id="4"/>
+          <p:cNvPicPr>
+            <a:picLocks noChangeAspect="true"/>
+          </p:cNvPicPr>
+          <p:nvPr/>
+        </p:nvPicPr>
+        <p:blipFill>
+          <a:blip r:embed="rId3"/>
+          <a:stretch>
+            <a:fillRect/>
+          </a:stretch>
+        </p:blipFill>
+        <p:spPr>
+          <a:xfrm>
+            <a:off x="254000" y="508000"/>
+            <a:ext cx="2540000" cy="3441700"/>
+          </a:xfrm>
+          <a:prstGeom prst="rect">
+            <a:avLst/>
+          </a:prstGeom>
+        </p:spPr>
+      </p:pic>
+      <p:sp>
+        <p:nvSpPr>
+          <p:cNvPr name="TextBox 4" id="5"/>
           <p:cNvSpPr txBox="true"/>
           <p:nvPr/>
         </p:nvSpPr>
         <p:spPr>
           <a:xfrm>
-            <a:off x="254000" y="635000"/>
-            <a:ext cx="1905000" cy="381000"/>
+            <a:off x="3048000" y="508000"/>
+            <a:ext cx="1651000" cy="254000"/>
           </a:xfrm>
           <a:prstGeom prst="rect">
             <a:avLst/>
@@ -11932,7 +14170,7 @@
           </a:p>
           <a:p>
             <a:r>
-              <a:rPr lang="en-US" sz="2400">
+              <a:rPr lang="en-US" sz="1600">
                 <a:solidFill>
                   <a:srgbClr val="000000"/>
                 </a:solidFill>
@@ -11944,14 +14182,14 @@
       </p:sp>
       <p:sp>
         <p:nvSpPr>
-          <p:cNvPr name="TextBox 4" id="5"/>
+          <p:cNvPr name="TextBox 5" id="6"/>
           <p:cNvSpPr txBox="true"/>
           <p:nvPr/>
         </p:nvSpPr>
         <p:spPr>
           <a:xfrm>
-            <a:off x="2159000" y="635000"/>
-            <a:ext cx="6350000" cy="381000"/>
+            <a:off x="4699000" y="508000"/>
+            <a:ext cx="4445000" cy="254000"/>
           </a:xfrm>
           <a:prstGeom prst="rect">
             <a:avLst/>
@@ -11969,7 +14207,7 @@
           </a:p>
           <a:p>
             <a:r>
-              <a:rPr lang="en-US" sz="2400">
+              <a:rPr lang="en-US" sz="1600">
                 <a:solidFill>
                   <a:srgbClr val="0000FF"/>
                 </a:solidFill>
@@ -11981,14 +14219,14 @@
       </p:sp>
       <p:sp>
         <p:nvSpPr>
-          <p:cNvPr name="TextBox 5" id="6"/>
+          <p:cNvPr name="TextBox 6" id="7"/>
           <p:cNvSpPr txBox="true"/>
           <p:nvPr/>
         </p:nvSpPr>
         <p:spPr>
           <a:xfrm>
-            <a:off x="254000" y="1016000"/>
-            <a:ext cx="1905000" cy="381000"/>
+            <a:off x="3048000" y="762000"/>
+            <a:ext cx="1651000" cy="254000"/>
           </a:xfrm>
           <a:prstGeom prst="rect">
             <a:avLst/>
@@ -12006,7 +14244,229 @@
           </a:p>
           <a:p>
             <a:r>
-              <a:rPr lang="en-US" sz="2400">
+              <a:rPr lang="en-US" sz="1600">
+                <a:solidFill>
+                  <a:srgbClr val="000000"/>
+                </a:solidFill>
+              </a:rPr>
+              <a:t>image:</a:t>
+            </a:r>
+          </a:p>
+        </p:txBody>
+      </p:sp>
+      <p:sp>
+        <p:nvSpPr>
+          <p:cNvPr name="TextBox 7" id="8"/>
+          <p:cNvSpPr txBox="true"/>
+          <p:nvPr/>
+        </p:nvSpPr>
+        <p:spPr>
+          <a:xfrm>
+            <a:off x="4699000" y="762000"/>
+            <a:ext cx="4445000" cy="254000"/>
+          </a:xfrm>
+          <a:prstGeom prst="rect">
+            <a:avLst/>
+          </a:prstGeom>
+        </p:spPr>
+        <p:txBody>
+          <a:bodyPr anchor="t" rtlCol="false"/>
+          <a:lstStyle/>
+          <a:p>
+            <a:pPr algn="l"/>
+            <a:r>
+              <a:t/>
+            </a:r>
+            <a:endParaRPr lang="en-US" sz="1100"/>
+          </a:p>
+          <a:p>
+            <a:r>
+              <a:rPr lang="en-US" sz="1600">
+                <a:solidFill>
+                  <a:srgbClr val="0000FF"/>
+                </a:solidFill>
+              </a:rPr>
+              <a:t>Prince Leopold, Duke of Albany - Project Gutenberg eText 13103.jpg</a:t>
+            </a:r>
+          </a:p>
+        </p:txBody>
+      </p:sp>
+      <p:sp>
+        <p:nvSpPr>
+          <p:cNvPr name="TextBox 8" id="9"/>
+          <p:cNvSpPr txBox="true"/>
+          <p:nvPr/>
+        </p:nvSpPr>
+        <p:spPr>
+          <a:xfrm>
+            <a:off x="3048000" y="1016000"/>
+            <a:ext cx="1651000" cy="254000"/>
+          </a:xfrm>
+          <a:prstGeom prst="rect">
+            <a:avLst/>
+          </a:prstGeom>
+        </p:spPr>
+        <p:txBody>
+          <a:bodyPr anchor="t" rtlCol="false"/>
+          <a:lstStyle/>
+          <a:p>
+            <a:pPr algn="l"/>
+            <a:r>
+              <a:t/>
+            </a:r>
+            <a:endParaRPr lang="en-US" sz="1100"/>
+          </a:p>
+          <a:p>
+            <a:r>
+              <a:rPr lang="en-US" sz="1600">
+                <a:solidFill>
+                  <a:srgbClr val="000000"/>
+                </a:solidFill>
+              </a:rPr>
+              <a:t>wiki_en:</a:t>
+            </a:r>
+          </a:p>
+        </p:txBody>
+      </p:sp>
+      <p:sp>
+        <p:nvSpPr>
+          <p:cNvPr name="TextBox 9" id="10"/>
+          <p:cNvSpPr txBox="true"/>
+          <p:nvPr/>
+        </p:nvSpPr>
+        <p:spPr>
+          <a:xfrm>
+            <a:off x="4699000" y="1016000"/>
+            <a:ext cx="4445000" cy="254000"/>
+          </a:xfrm>
+          <a:prstGeom prst="rect">
+            <a:avLst/>
+          </a:prstGeom>
+        </p:spPr>
+        <p:txBody>
+          <a:bodyPr anchor="t" rtlCol="false"/>
+          <a:lstStyle/>
+          <a:p>
+            <a:pPr algn="l"/>
+            <a:r>
+              <a:t/>
+            </a:r>
+            <a:endParaRPr lang="en-US" sz="1100"/>
+          </a:p>
+          <a:p>
+            <a:r>
+              <a:rPr lang="en-US" sz="1600">
+                <a:solidFill>
+                  <a:srgbClr val="0000FF"/>
+                </a:solidFill>
+              </a:rPr>
+              <a:t>Prince Leopold, Duke of Albany</a:t>
+            </a:r>
+          </a:p>
+        </p:txBody>
+      </p:sp>
+      <p:sp>
+        <p:nvSpPr>
+          <p:cNvPr name="TextBox 10" id="11"/>
+          <p:cNvSpPr txBox="true"/>
+          <p:nvPr/>
+        </p:nvSpPr>
+        <p:spPr>
+          <a:xfrm>
+            <a:off x="3048000" y="1270000"/>
+            <a:ext cx="1651000" cy="254000"/>
+          </a:xfrm>
+          <a:prstGeom prst="rect">
+            <a:avLst/>
+          </a:prstGeom>
+        </p:spPr>
+        <p:txBody>
+          <a:bodyPr anchor="t" rtlCol="false"/>
+          <a:lstStyle/>
+          <a:p>
+            <a:pPr algn="l"/>
+            <a:r>
+              <a:t/>
+            </a:r>
+            <a:endParaRPr lang="en-US" sz="1100"/>
+          </a:p>
+          <a:p>
+            <a:r>
+              <a:rPr lang="en-US" sz="1600">
+                <a:solidFill>
+                  <a:srgbClr val="000000"/>
+                </a:solidFill>
+              </a:rPr>
+              <a:t>label_en:</a:t>
+            </a:r>
+          </a:p>
+        </p:txBody>
+      </p:sp>
+      <p:sp>
+        <p:nvSpPr>
+          <p:cNvPr name="TextBox 11" id="12"/>
+          <p:cNvSpPr txBox="true"/>
+          <p:nvPr/>
+        </p:nvSpPr>
+        <p:spPr>
+          <a:xfrm>
+            <a:off x="4699000" y="1270000"/>
+            <a:ext cx="4445000" cy="254000"/>
+          </a:xfrm>
+          <a:prstGeom prst="rect">
+            <a:avLst/>
+          </a:prstGeom>
+        </p:spPr>
+        <p:txBody>
+          <a:bodyPr anchor="t" rtlCol="false"/>
+          <a:lstStyle/>
+          <a:p>
+            <a:pPr algn="l"/>
+            <a:r>
+              <a:t/>
+            </a:r>
+            <a:endParaRPr lang="en-US" sz="1100"/>
+          </a:p>
+          <a:p>
+            <a:r>
+              <a:rPr lang="en-US" sz="1600">
+                <a:solidFill>
+                  <a:srgbClr val="0000FF"/>
+                </a:solidFill>
+              </a:rPr>
+              <a:t>Prince Leopold, Duke of Albany</a:t>
+            </a:r>
+          </a:p>
+        </p:txBody>
+      </p:sp>
+      <p:sp>
+        <p:nvSpPr>
+          <p:cNvPr name="TextBox 12" id="13"/>
+          <p:cNvSpPr txBox="true"/>
+          <p:nvPr/>
+        </p:nvSpPr>
+        <p:spPr>
+          <a:xfrm>
+            <a:off x="3048000" y="1524000"/>
+            <a:ext cx="1651000" cy="254000"/>
+          </a:xfrm>
+          <a:prstGeom prst="rect">
+            <a:avLst/>
+          </a:prstGeom>
+        </p:spPr>
+        <p:txBody>
+          <a:bodyPr anchor="t" rtlCol="false"/>
+          <a:lstStyle/>
+          <a:p>
+            <a:pPr algn="l"/>
+            <a:r>
+              <a:t/>
+            </a:r>
+            <a:endParaRPr lang="en-US" sz="1100"/>
+          </a:p>
+          <a:p>
+            <a:r>
+              <a:rPr lang="en-US" sz="1600">
                 <a:solidFill>
                   <a:srgbClr val="000000"/>
                 </a:solidFill>
@@ -12018,14 +14478,14 @@
       </p:sp>
       <p:sp>
         <p:nvSpPr>
-          <p:cNvPr name="TextBox 6" id="7"/>
+          <p:cNvPr name="TextBox 13" id="14"/>
           <p:cNvSpPr txBox="true"/>
           <p:nvPr/>
         </p:nvSpPr>
         <p:spPr>
           <a:xfrm>
-            <a:off x="2159000" y="1016000"/>
-            <a:ext cx="6350000" cy="381000"/>
+            <a:off x="4699000" y="1524000"/>
+            <a:ext cx="4445000" cy="254000"/>
           </a:xfrm>
           <a:prstGeom prst="rect">
             <a:avLst/>
@@ -12043,7 +14503,7 @@
           </a:p>
           <a:p>
             <a:r>
-              <a:rPr lang="en-US" sz="2400">
+              <a:rPr lang="en-US" sz="1600">
                 <a:solidFill>
                   <a:srgbClr val="0000FF"/>
                 </a:solidFill>

--- a/QueenVictoria.pptx
+++ b/QueenVictoria.pptx
@@ -611,665 +611,665 @@
             <a:pPr lvl="0"/>
             <a:r>
               <a:rPr lang="en-US"/>
-              <a:t>SUDOC authorities (P269) = 027448207</a:t>
-            </a:r>
-          </a:p>
-          <a:p>
-            <a:pPr lvl="0"/>
-            <a:r>
-              <a:rPr lang="en-US"/>
-              <a:t>BnF ID (P268) = 11928202f</a:t>
-            </a:r>
-          </a:p>
-          <a:p>
-            <a:pPr lvl="0"/>
-            <a:r>
-              <a:rPr lang="en-US"/>
-              <a:t>IMDb ID (P345) = ["ch0028321", "nm0703075"]</a:t>
-            </a:r>
-          </a:p>
-          <a:p>
-            <a:pPr lvl="0"/>
-            <a:r>
-              <a:rPr lang="en-US"/>
-              <a:t>GND ID (P227) = 118626876</a:t>
-            </a:r>
-          </a:p>
-          <a:p>
-            <a:pPr lvl="0"/>
-            <a:r>
-              <a:rPr lang="en-US"/>
-              <a:t>occupation (P106) = [http://www.wikidata.org/entity/Q18814623 (item), http://www.wikidata.org/entity/Q18939491 (item), http://www.wikidata.org/entity/Q116 (item), http://www.wikidata.org/entity/Q1028181 (item)]</a:t>
-            </a:r>
-          </a:p>
-          <a:p>
-            <a:pPr lvl="0"/>
-            <a:r>
-              <a:rPr lang="en-US"/>
-              <a:t>member of (P463) = http://www.wikidata.org/entity/Q123885 (item)</a:t>
-            </a:r>
-          </a:p>
-          <a:p>
-            <a:pPr lvl="0"/>
-            <a:r>
-              <a:rPr lang="en-US"/>
-              <a:t>MSBI person ID (P2914) = msib7_1207144285</a:t>
-            </a:r>
-          </a:p>
-          <a:p>
-            <a:pPr lvl="0"/>
-            <a:r>
-              <a:rPr lang="en-US"/>
-              <a:t>Collective Biographies of Women ID (P4539) = 9064</a:t>
-            </a:r>
-          </a:p>
-          <a:p>
-            <a:pPr lvl="0"/>
-            <a:r>
-              <a:rPr lang="en-US"/>
-              <a:t>SELIBR (P906) = 205997</a:t>
-            </a:r>
-          </a:p>
-          <a:p>
-            <a:pPr lvl="0"/>
-            <a:r>
-              <a:rPr lang="en-US"/>
-              <a:t>US National Archives Identifier (P1225) = 10582813</a:t>
-            </a:r>
-          </a:p>
-          <a:p>
-            <a:pPr lvl="0"/>
-            <a:r>
-              <a:rPr lang="en-US"/>
-              <a:t>National Library of Israel ID (P949) = ["000137847", "000610333", "000610332", "000605167", "000610331"]</a:t>
-            </a:r>
-          </a:p>
-          <a:p>
-            <a:pPr lvl="0"/>
-            <a:r>
-              <a:rPr lang="en-US"/>
-              <a:t>cause of death (P509) = http://www.wikidata.org/entity/Q1368943 (item)</a:t>
-            </a:r>
-          </a:p>
-          <a:p>
-            <a:pPr lvl="0"/>
-            <a:r>
-              <a:rPr lang="en-US"/>
-              <a:t>source (source) = WikiData</a:t>
-            </a:r>
-          </a:p>
-          <a:p>
-            <a:pPr lvl="0"/>
-            <a:r>
-              <a:rPr lang="en-US"/>
-              <a:t>Nomisma ID (P2950) = queen_victoria</a:t>
-            </a:r>
-          </a:p>
-          <a:p>
-            <a:pPr lvl="0"/>
-            <a:r>
-              <a:rPr lang="en-US"/>
-              <a:t>NDL Auth ID (P349) = 00621601</a:t>
-            </a:r>
-          </a:p>
-          <a:p>
-            <a:pPr lvl="0"/>
-            <a:r>
-              <a:rPr lang="en-US"/>
-              <a:t>monogram (P1543) = Royal Monogram of Queen Victoria of Great Britain.svg</a:t>
-            </a:r>
-          </a:p>
-          <a:p>
-            <a:pPr lvl="0"/>
-            <a:r>
-              <a:rPr lang="en-US"/>
-              <a:t>sex or gender (P21) = http://www.wikidata.org/entity/Q6581072 (item)</a:t>
-            </a:r>
-          </a:p>
-          <a:p>
-            <a:pPr lvl="0"/>
-            <a:r>
-              <a:rPr lang="en-US"/>
-              <a:t>signature (P109) = Queen Victoria Signature.svg</a:t>
-            </a:r>
-          </a:p>
-          <a:p>
-            <a:pPr lvl="0"/>
-            <a:r>
-              <a:rPr lang="en-US"/>
-              <a:t>place of death (P20) = http://www.wikidata.org/entity/Q565155 (item)</a:t>
-            </a:r>
-          </a:p>
-          <a:p>
-            <a:pPr lvl="0"/>
-            <a:r>
-              <a:rPr lang="en-US"/>
-              <a:t>described by source (P1343) = [http://www.wikidata.org/entity/Q19047877 (item), http://www.wikidata.org/entity/Q16014700 (item)]</a:t>
-            </a:r>
-          </a:p>
-          <a:p>
-            <a:pPr lvl="0"/>
-            <a:r>
-              <a:rPr lang="en-US"/>
-              <a:t>openMLOL author ID (P3762) = 40795</a:t>
-            </a:r>
-          </a:p>
-          <a:p>
-            <a:pPr lvl="0"/>
-            <a:r>
-              <a:rPr lang="en-US"/>
-              <a:t>NNDB people ID (P1263) = 575/000024503</a:t>
-            </a:r>
-          </a:p>
-          <a:p>
-            <a:pPr lvl="0"/>
-            <a:r>
-              <a:rPr lang="en-US"/>
-              <a:t>father (P22) = http://www.wikidata.org/entity/Q157009 (item)</a:t>
-            </a:r>
-          </a:p>
-          <a:p>
-            <a:pPr lvl="0"/>
-            <a:r>
-              <a:rPr lang="en-US"/>
-              <a:t>mother (P25) = http://www.wikidata.org/entity/Q58067 (item)</a:t>
-            </a:r>
-          </a:p>
-          <a:p>
-            <a:pPr lvl="0"/>
-            <a:r>
-              <a:rPr lang="en-US"/>
-              <a:t>country of citizenship (P27) = http://www.wikidata.org/entity/Q145 (item)</a:t>
-            </a:r>
-          </a:p>
-          <a:p>
-            <a:pPr lvl="0"/>
-            <a:r>
-              <a:rPr lang="en-US"/>
-              <a:t>spouse (P26) = http://www.wikidata.org/entity/Q152245 (item)</a:t>
-            </a:r>
-          </a:p>
-          <a:p>
-            <a:pPr lvl="0"/>
-            <a:r>
-              <a:rPr lang="en-US"/>
-              <a:t>PM20 folder ID (P4293) = pe/017802</a:t>
-            </a:r>
-          </a:p>
-          <a:p>
-            <a:pPr lvl="0"/>
-            <a:r>
-              <a:rPr lang="en-US"/>
-              <a:t>VIAF ID (P214) = 95738652</a:t>
-            </a:r>
-          </a:p>
-          <a:p>
-            <a:pPr lvl="0"/>
-            <a:r>
-              <a:rPr lang="en-US"/>
-              <a:t>ISNI (P213) = 0000 0001 2144 3562</a:t>
-            </a:r>
-          </a:p>
-          <a:p>
-            <a:pPr lvl="0"/>
-            <a:r>
-              <a:rPr lang="en-US"/>
-              <a:t>National Portrait Gallery (London) person ID (P1816) = mp04634</a:t>
-            </a:r>
-          </a:p>
-          <a:p>
-            <a:pPr lvl="0"/>
-            <a:r>
-              <a:rPr lang="en-US"/>
-              <a:t>WikiTree person ID (P2949) = Hannover-14</a:t>
-            </a:r>
-          </a:p>
-          <a:p>
-            <a:pPr lvl="0"/>
-            <a:r>
-              <a:rPr lang="en-US"/>
-              <a:t>Find a Grave memorial ID (P535) = 1442</a:t>
-            </a:r>
-          </a:p>
-          <a:p>
-            <a:pPr lvl="0"/>
-            <a:r>
-              <a:rPr lang="en-US"/>
-              <a:t>Project Gutenberg author ID (P1938) = 9035</a:t>
-            </a:r>
-          </a:p>
-          <a:p>
-            <a:pPr lvl="0"/>
-            <a:r>
-              <a:rPr lang="en-US"/>
-              <a:t>Encyclopædia Britannica Online ID (P1417) = biography/Victoria-queen-of-United-Kingdom</a:t>
-            </a:r>
-          </a:p>
-          <a:p>
-            <a:pPr lvl="0"/>
-            <a:r>
-              <a:rPr lang="en-US"/>
-              <a:t>LibriVox author ID (P1899) = 3622</a:t>
-            </a:r>
-          </a:p>
-          <a:p>
-            <a:pPr lvl="0"/>
-            <a:r>
-              <a:rPr lang="en-US"/>
-              <a:t>Oxford Dictionary of National Biography ID (P1415) = 36652</a:t>
-            </a:r>
-          </a:p>
-          <a:p>
-            <a:pPr lvl="0"/>
-            <a:r>
-              <a:rPr lang="en-US"/>
-              <a:t>languages spoken, written or signed (P1412) = http://www.wikidata.org/entity/Q1860 (item)</a:t>
-            </a:r>
-          </a:p>
-          <a:p>
-            <a:pPr lvl="0"/>
-            <a:r>
-              <a:rPr lang="en-US"/>
-              <a:t>given name (P735) = http://www.wikidata.org/entity/Q590893 (item)</a:t>
-            </a:r>
-          </a:p>
-          <a:p>
-            <a:pPr lvl="0"/>
-            <a:r>
-              <a:rPr lang="en-US"/>
-              <a:t>wikidata_type (wikidata_type) = http://www.wikidata.org/ontology#Item</a:t>
-            </a:r>
-          </a:p>
-          <a:p>
-            <a:pPr lvl="0"/>
-            <a:r>
-              <a:rPr lang="en-US"/>
-              <a:t>Commons gallery (P935) = Victoria of the United Kingdom</a:t>
-            </a:r>
-          </a:p>
-          <a:p>
-            <a:pPr lvl="0"/>
-            <a:r>
-              <a:rPr lang="en-US"/>
-              <a:t>instance of (P31) = http://www.wikidata.org/entity/Q5 (item)</a:t>
-            </a:r>
-          </a:p>
-          <a:p>
-            <a:pPr lvl="0"/>
-            <a:r>
-              <a:rPr lang="en-US"/>
-              <a:t>SNAC Ark ID (P3430) = w66z0061</a:t>
-            </a:r>
-          </a:p>
-          <a:p>
-            <a:pPr lvl="0"/>
-            <a:r>
-              <a:rPr lang="en-US"/>
-              <a:t>Christie's creator id (P4200) = 58694</a:t>
-            </a:r>
-          </a:p>
-          <a:p>
-            <a:pPr lvl="0"/>
-            <a:r>
-              <a:rPr lang="en-US"/>
-              <a:t>godparent (P1290) = http://www.wikidata.org/entity/Q15193 (item)</a:t>
-            </a:r>
-          </a:p>
-          <a:p>
-            <a:pPr lvl="0"/>
-            <a:r>
-              <a:rPr lang="en-US"/>
-              <a:t>position held (P39) = [http://www.wikidata.org/entity/Q9134365 (item), http://www.wikidata.org/entity/Q5352166 (item)]</a:t>
-            </a:r>
-          </a:p>
-          <a:p>
-            <a:pPr lvl="0"/>
-            <a:r>
-              <a:rPr lang="en-US"/>
-              <a:t>religion (P140) = http://www.wikidata.org/entity/Q6423963 (item)</a:t>
-            </a:r>
-          </a:p>
-          <a:p>
-            <a:pPr lvl="0"/>
-            <a:r>
-              <a:rPr lang="en-US"/>
-              <a:t>name (name) = Queen Victoria</a:t>
-            </a:r>
-          </a:p>
-          <a:p>
-            <a:pPr lvl="0"/>
-            <a:r>
-              <a:rPr lang="en-US"/>
-              <a:t>award received (P166) = [http://www.wikidata.org/entity/Q215248 (item), http://www.wikidata.org/entity/Q721030 (item), http://www.wikidata.org/entity/Q1326038 (item), http://www.wikidata.org/entity/Q506369 (item), http://www.wikidata.org/entity/Q585087 (item), http://www.wikidata.org/entity/Q1330936 (item), http://www.wikidata.org/entity/Q93710 (item), http://www.wikidata.org/entity/Q94056 (item), http://www.wikidata.org/entity/Q1465984 (item), http://www.wikidata.org/entity/Q2794660 (item), http://www.wikidata.org/entity/Q1635106 (item), http://www.wikidata.org/entity/Q94145 (item), http://www.wikidata.org/entity/Q1796163 (item), http://www.wikidata.org/entity/Q512272 (item), http://www.wikidata.org/entity/Q4710826 (item)]</a:t>
-            </a:r>
-          </a:p>
-          <a:p>
-            <a:pPr lvl="0"/>
-            <a:r>
-              <a:rPr lang="en-US"/>
-              <a:t>archives at (P485) = http://www.wikidata.org/entity/Q666063 (item)</a:t>
-            </a:r>
-          </a:p>
-          <a:p>
-            <a:pPr lvl="0"/>
-            <a:r>
-              <a:rPr lang="en-US"/>
-              <a:t>ULAN ID (P245) = 500022428</a:t>
-            </a:r>
-          </a:p>
-          <a:p>
-            <a:pPr lvl="0"/>
-            <a:r>
-              <a:rPr lang="en-US"/>
-              <a:t>Library of Congress authority ID (P244) = n79017983</a:t>
-            </a:r>
-          </a:p>
-          <a:p>
-            <a:pPr lvl="0"/>
-            <a:r>
-              <a:rPr lang="en-US"/>
-              <a:t>NLA (Australia) ID (P409) = 35581194</a:t>
-            </a:r>
-          </a:p>
-          <a:p>
-            <a:pPr lvl="0"/>
-            <a:r>
-              <a:rPr lang="en-US"/>
-              <a:t>wikidata_id (wikidata_id) = Q9439</a:t>
-            </a:r>
-          </a:p>
-          <a:p>
-            <a:pPr lvl="0"/>
-            <a:r>
-              <a:rPr lang="en-US"/>
-              <a:t>National Thesaurus for Author Names ID (P1006) = 070185115</a:t>
-            </a:r>
-          </a:p>
-          <a:p>
-            <a:pPr lvl="0"/>
-            <a:r>
-              <a:rPr lang="en-US"/>
-              <a:t>UK National Archives ID (P3029) = F65350</a:t>
-            </a:r>
-          </a:p>
-          <a:p>
-            <a:pPr lvl="0"/>
-            <a:r>
-              <a:rPr lang="en-US"/>
-              <a:t>child (P40) = [http://www.wikidata.org/entity/Q116728 (item), http://www.wikidata.org/entity/Q20875 (item), http://www.wikidata.org/entity/Q155566 (item), http://www.wikidata.org/entity/Q158143 (item), http://www.wikidata.org/entity/Q160539 (item), http://www.wikidata.org/entity/Q161167 (item), http://www.wikidata.org/entity/Q160558 (item), http://www.wikidata.org/entity/Q160541 (item), http://www.wikidata.org/entity/Q158140 (item)]</a:t>
-            </a:r>
-          </a:p>
-          <a:p>
-            <a:pPr lvl="0"/>
-            <a:r>
-              <a:rPr lang="en-US"/>
-              <a:t>date of birth (P569) = 1819-05-24 (Prec.: day [-0 .. +0], PCal: Gregorian)</a:t>
-            </a:r>
-          </a:p>
-          <a:p>
-            <a:pPr lvl="0"/>
-            <a:r>
-              <a:rPr lang="en-US"/>
-              <a:t>Freebase ID (P646) = /m/0cw10</a:t>
-            </a:r>
-          </a:p>
-          <a:p>
-            <a:pPr lvl="0"/>
-            <a:r>
-              <a:rPr lang="en-US"/>
-              <a:t>Te Papa person ID (P3544) = 31936</a:t>
-            </a:r>
-          </a:p>
-          <a:p>
-            <a:pPr lvl="0"/>
-            <a:r>
-              <a:rPr lang="en-US"/>
-              <a:t>WomenWriters ID (P2533) = 57ab5323-f473-44ea-ba9d-b568ee58b6af</a:t>
-            </a:r>
-          </a:p>
-          <a:p>
-            <a:pPr lvl="0"/>
-            <a:r>
-              <a:rPr lang="en-US"/>
-              <a:t>WeRelate person ID (P4159) = Victoria_of_the_United_Kingdom_(1)</a:t>
-            </a:r>
-          </a:p>
-          <a:p>
-            <a:pPr lvl="0"/>
-            <a:r>
-              <a:rPr lang="en-US"/>
-              <a:t>Open Library ID (P648) = ["OL5884400A", "OL343963A"]</a:t>
-            </a:r>
-          </a:p>
-          <a:p>
-            <a:pPr lvl="0"/>
-            <a:r>
-              <a:rPr lang="en-US"/>
-              <a:t>NE.se ID (P3222) = victoria-(1819-1901-drottning-av-storbrit)</a:t>
-            </a:r>
-          </a:p>
-          <a:p>
-            <a:pPr lvl="0"/>
-            <a:r>
-              <a:rPr lang="en-US"/>
-              <a:t>Cooper-Hewitt Person ID (P2011) = 18042969</a:t>
-            </a:r>
-          </a:p>
-          <a:p>
-            <a:pPr lvl="0"/>
-            <a:r>
-              <a:rPr lang="en-US"/>
-              <a:t>RA Collections ID (P4553) = 8741</a:t>
-            </a:r>
-          </a:p>
-          <a:p>
-            <a:pPr lvl="0"/>
-            <a:r>
-              <a:rPr lang="en-US"/>
-              <a:t>Commons category (P373) = Victoria of the United Kingdom</a:t>
-            </a:r>
-          </a:p>
-          <a:p>
-            <a:pPr lvl="0"/>
-            <a:r>
-              <a:rPr lang="en-US"/>
-              <a:t>date of death (P570) = 1901-01-22 (Prec.: day [-0 .. +0], PCal: Gregorian)</a:t>
-            </a:r>
-          </a:p>
-          <a:p>
-            <a:pPr lvl="0"/>
-            <a:r>
-              <a:rPr lang="en-US"/>
-              <a:t>NKCR AUT ID (P691) = jn20000701900</a:t>
-            </a:r>
-          </a:p>
-          <a:p>
-            <a:pPr lvl="0"/>
-            <a:r>
-              <a:rPr lang="en-US"/>
-              <a:t>wiki_en (wiki_en) = Queen Victoria</a:t>
-            </a:r>
-          </a:p>
-          <a:p>
-            <a:pPr lvl="0"/>
-            <a:r>
-              <a:rPr lang="en-US"/>
-              <a:t>MusicBrainz artist ID (P434) = 7db5c493-38e5-41c7-9518-f3b8332a5ff7</a:t>
-            </a:r>
-          </a:p>
-          <a:p>
-            <a:pPr lvl="0"/>
-            <a:r>
-              <a:rPr lang="en-US"/>
-              <a:t>BNE ID (P950) = XX979643</a:t>
-            </a:r>
-          </a:p>
-          <a:p>
-            <a:pPr lvl="0"/>
-            <a:r>
-              <a:rPr lang="en-US"/>
-              <a:t>name in native language (P1559) = "Victoria" (en)</a:t>
-            </a:r>
-          </a:p>
-          <a:p>
-            <a:pPr lvl="0"/>
-            <a:r>
-              <a:rPr lang="en-US"/>
-              <a:t>Online Books Page author ID (P4629) = Victoria, Queen of Great Britain, 1819-1901</a:t>
-            </a:r>
-          </a:p>
-          <a:p>
-            <a:pPr lvl="0"/>
-            <a:r>
-              <a:rPr lang="en-US"/>
-              <a:t>founded by (P112) = [http://www.wikidata.org/entity/Q94050 (item), http://www.wikidata.org/entity/Q94158 (item)]</a:t>
-            </a:r>
-          </a:p>
-          <a:p>
-            <a:pPr lvl="0"/>
-            <a:r>
-              <a:rPr lang="en-US"/>
-              <a:t>People Australia ID (P1315) = 1002991</a:t>
-            </a:r>
-          </a:p>
-          <a:p>
-            <a:pPr lvl="0"/>
-            <a:r>
-              <a:rPr lang="en-US"/>
-              <a:t>Quora topic ID (P3417) = Queen-Victoria</a:t>
-            </a:r>
-          </a:p>
-          <a:p>
-            <a:pPr lvl="0"/>
-            <a:r>
-              <a:rPr lang="en-US"/>
-              <a:t>British Museum person-institution (P1711) = 49731</a:t>
-            </a:r>
-          </a:p>
-          <a:p>
-            <a:pPr lvl="0"/>
-            <a:r>
-              <a:rPr lang="en-US"/>
-              <a:t>coat of arms image (P94) = Coat of arms of the United Kingdom (1837-1952).svg</a:t>
-            </a:r>
-          </a:p>
-          <a:p>
-            <a:pPr lvl="0"/>
-            <a:r>
-              <a:rPr lang="en-US"/>
-              <a:t>Benezit ID (P2843) = B00190726</a:t>
-            </a:r>
-          </a:p>
-          <a:p>
-            <a:pPr lvl="0"/>
-            <a:r>
-              <a:rPr lang="en-US"/>
-              <a:t>label_en (label_en) = Queen Victoria</a:t>
-            </a:r>
-          </a:p>
-          <a:p>
-            <a:pPr lvl="0"/>
-            <a:r>
-              <a:rPr lang="en-US"/>
-              <a:t>Smithsonian American Art Museum: person/institution thesaurus ID (P1795) = 5149</a:t>
-            </a:r>
-          </a:p>
-          <a:p>
-            <a:pPr lvl="0"/>
-            <a:r>
-              <a:rPr lang="en-US"/>
-              <a:t>place of burial (P119) = [http://www.wikidata.org/entity/Q6679988 (item), http://www.wikidata.org/entity/Q564578 (item)]</a:t>
-            </a:r>
-          </a:p>
-          <a:p>
-            <a:pPr lvl="0"/>
-            <a:r>
-              <a:rPr lang="en-US"/>
-              <a:t>topic's main category (P910) = http://www.wikidata.org/entity/Q6157016 (item)</a:t>
-            </a:r>
-          </a:p>
-          <a:p>
-            <a:pPr lvl="0"/>
-            <a:r>
-              <a:rPr lang="en-US"/>
-              <a:t>OpenPlaques subject ID (P1430) = ["227", "16297"]</a:t>
-            </a:r>
-          </a:p>
-          <a:p>
-            <a:pPr lvl="0"/>
-            <a:r>
-              <a:rPr lang="en-US"/>
-              <a:t>picture (picture) = BufferedImage@1023150a: type = 10 ColorModel: #pixelBits = 8 numComponents = 1 color space = java.awt.color.ICC_ColorSpace@3ece1e79 transparency = 1 has alpha = false isAlphaPre = false ByteInterleavedRaster: width = 200 height = 282 #numDataElements 1 dataOff[0] = 0</a:t>
-            </a:r>
-          </a:p>
-          <a:p>
-            <a:pPr lvl="0"/>
-            <a:r>
-              <a:rPr lang="en-US"/>
-              <a:t>family (P53) = http://www.wikidata.org/entity/Q157217 (item)</a:t>
-            </a:r>
-          </a:p>
-          <a:p>
-            <a:pPr lvl="0"/>
-            <a:r>
-              <a:rPr lang="en-US"/>
-              <a:t>CERL ID (P1871) = cnp00396790</a:t>
-            </a:r>
-          </a:p>
-          <a:p>
-            <a:pPr lvl="0"/>
-            <a:r>
-              <a:rPr lang="en-US"/>
-              <a:t>Atheneum person ID (P4145) = 140</a:t>
-            </a:r>
-          </a:p>
-          <a:p>
-            <a:pPr lvl="0"/>
-            <a:r>
-              <a:rPr lang="en-US"/>
-              <a:t>FAST ID (P2163) = 31183</a:t>
-            </a:r>
-          </a:p>
-          <a:p>
-            <a:pPr lvl="0"/>
-            <a:r>
-              <a:rPr lang="en-US"/>
-              <a:t>CANTIC-ID (P1273) = a11252959</a:t>
-            </a:r>
-          </a:p>
-          <a:p>
-            <a:pPr lvl="0"/>
-            <a:r>
-              <a:rPr lang="en-US"/>
-              <a:t>manner of death (P1196) = http://www.wikidata.org/entity/Q3739104 (item)</a:t>
-            </a:r>
-          </a:p>
-          <a:p>
-            <a:pPr lvl="0"/>
-            <a:r>
-              <a:rPr lang="en-US"/>
-              <a:t>sibling (P3373) = [http://www.wikidata.org/entity/Q63076 (item), http://www.wikidata.org/entity/Q60508 (item)]</a:t>
-            </a:r>
-          </a:p>
-          <a:p>
-            <a:pPr lvl="0"/>
-            <a:r>
-              <a:rPr lang="en-US"/>
-              <a:t>National Gallery of Victoria artist ID (P2041) = 6883</a:t>
-            </a:r>
-          </a:p>
-          <a:p>
-            <a:pPr lvl="0"/>
-            <a:r>
-              <a:rPr lang="en-US"/>
-              <a:t>image (P18) = Queen Victoria by Bassano.jpg</a:t>
-            </a:r>
-          </a:p>
-          <a:p>
-            <a:pPr lvl="0"/>
-            <a:r>
-              <a:rPr lang="en-US"/>
-              <a:t>place of birth (P19) = http://www.wikidata.org/entity/Q207385 (item)</a:t>
+              <a:t>SUDOC authorities (P269) = 027448207 ()</a:t>
+            </a:r>
+          </a:p>
+          <a:p>
+            <a:pPr lvl="0"/>
+            <a:r>
+              <a:rPr lang="en-US"/>
+              <a:t>BnF ID (P268) = 11928202f ()</a:t>
+            </a:r>
+          </a:p>
+          <a:p>
+            <a:pPr lvl="0"/>
+            <a:r>
+              <a:rPr lang="en-US"/>
+              <a:t>IMDb ID (P345) = ["ch0028321", "nm0703075"] ()</a:t>
+            </a:r>
+          </a:p>
+          <a:p>
+            <a:pPr lvl="0"/>
+            <a:r>
+              <a:rPr lang="en-US"/>
+              <a:t>GND ID (P227) = 118626876 ()</a:t>
+            </a:r>
+          </a:p>
+          <a:p>
+            <a:pPr lvl="0"/>
+            <a:r>
+              <a:rPr lang="en-US"/>
+              <a:t>occupation (P106) = [http://www.wikidata.org/entity/Q18814623 (item), http://www.wikidata.org/entity/Q18939491 (item), http://www.wikidata.org/entity/Q116 (item), http://www.wikidata.org/entity/Q1028181 (item)] ()</a:t>
+            </a:r>
+          </a:p>
+          <a:p>
+            <a:pPr lvl="0"/>
+            <a:r>
+              <a:rPr lang="en-US"/>
+              <a:t>member of (P463) = Q123885 (Q123885)</a:t>
+            </a:r>
+          </a:p>
+          <a:p>
+            <a:pPr lvl="0"/>
+            <a:r>
+              <a:rPr lang="en-US"/>
+              <a:t>MSBI person ID (P2914) = msib7_1207144285 ()</a:t>
+            </a:r>
+          </a:p>
+          <a:p>
+            <a:pPr lvl="0"/>
+            <a:r>
+              <a:rPr lang="en-US"/>
+              <a:t>Collective Biographies of Women ID (P4539) = 9064 ()</a:t>
+            </a:r>
+          </a:p>
+          <a:p>
+            <a:pPr lvl="0"/>
+            <a:r>
+              <a:rPr lang="en-US"/>
+              <a:t>SELIBR (P906) = 205997 ()</a:t>
+            </a:r>
+          </a:p>
+          <a:p>
+            <a:pPr lvl="0"/>
+            <a:r>
+              <a:rPr lang="en-US"/>
+              <a:t>US National Archives Identifier (P1225) = 10582813 ()</a:t>
+            </a:r>
+          </a:p>
+          <a:p>
+            <a:pPr lvl="0"/>
+            <a:r>
+              <a:rPr lang="en-US"/>
+              <a:t>National Library of Israel ID (P949) = ["000137847", "000610333", "000610332", "000605167", "000610331"] ()</a:t>
+            </a:r>
+          </a:p>
+          <a:p>
+            <a:pPr lvl="0"/>
+            <a:r>
+              <a:rPr lang="en-US"/>
+              <a:t>cause of death (P509) = Q1368943 (Q1368943)</a:t>
+            </a:r>
+          </a:p>
+          <a:p>
+            <a:pPr lvl="0"/>
+            <a:r>
+              <a:rPr lang="en-US"/>
+              <a:t>source (source) = WikiData ()</a:t>
+            </a:r>
+          </a:p>
+          <a:p>
+            <a:pPr lvl="0"/>
+            <a:r>
+              <a:rPr lang="en-US"/>
+              <a:t>Nomisma ID (P2950) = queen_victoria ()</a:t>
+            </a:r>
+          </a:p>
+          <a:p>
+            <a:pPr lvl="0"/>
+            <a:r>
+              <a:rPr lang="en-US"/>
+              <a:t>NDL Auth ID (P349) = 00621601 ()</a:t>
+            </a:r>
+          </a:p>
+          <a:p>
+            <a:pPr lvl="0"/>
+            <a:r>
+              <a:rPr lang="en-US"/>
+              <a:t>monogram (P1543) = Royal Monogram of Queen Victoria of Great Britain.svg ()</a:t>
+            </a:r>
+          </a:p>
+          <a:p>
+            <a:pPr lvl="0"/>
+            <a:r>
+              <a:rPr lang="en-US"/>
+              <a:t>sex or gender (P21) = female (Q6581072)</a:t>
+            </a:r>
+          </a:p>
+          <a:p>
+            <a:pPr lvl="0"/>
+            <a:r>
+              <a:rPr lang="en-US"/>
+              <a:t>signature (P109) = Queen Victoria Signature.svg ()</a:t>
+            </a:r>
+          </a:p>
+          <a:p>
+            <a:pPr lvl="0"/>
+            <a:r>
+              <a:rPr lang="en-US"/>
+              <a:t>place of death (P20) = Osborne House (Q565155)</a:t>
+            </a:r>
+          </a:p>
+          <a:p>
+            <a:pPr lvl="0"/>
+            <a:r>
+              <a:rPr lang="en-US"/>
+              <a:t>described by source (P1343) = [http://www.wikidata.org/entity/Q19047877 (item), http://www.wikidata.org/entity/Q16014700 (item)] ()</a:t>
+            </a:r>
+          </a:p>
+          <a:p>
+            <a:pPr lvl="0"/>
+            <a:r>
+              <a:rPr lang="en-US"/>
+              <a:t>openMLOL author ID (P3762) = 40795 ()</a:t>
+            </a:r>
+          </a:p>
+          <a:p>
+            <a:pPr lvl="0"/>
+            <a:r>
+              <a:rPr lang="en-US"/>
+              <a:t>NNDB people ID (P1263) = 575/000024503 ()</a:t>
+            </a:r>
+          </a:p>
+          <a:p>
+            <a:pPr lvl="0"/>
+            <a:r>
+              <a:rPr lang="en-US"/>
+              <a:t>father (P22) = Prince Edward Augustus, Duke of Kent and Strathearn (Q157009)</a:t>
+            </a:r>
+          </a:p>
+          <a:p>
+            <a:pPr lvl="0"/>
+            <a:r>
+              <a:rPr lang="en-US"/>
+              <a:t>mother (P25) = Princess Victoria of Saxe-Coburg-Saalfeld (Q58067)</a:t>
+            </a:r>
+          </a:p>
+          <a:p>
+            <a:pPr lvl="0"/>
+            <a:r>
+              <a:rPr lang="en-US"/>
+              <a:t>country of citizenship (P27) = Q145 (Q145)</a:t>
+            </a:r>
+          </a:p>
+          <a:p>
+            <a:pPr lvl="0"/>
+            <a:r>
+              <a:rPr lang="en-US"/>
+              <a:t>spouse (P26) = Q152245 (Q152245)</a:t>
+            </a:r>
+          </a:p>
+          <a:p>
+            <a:pPr lvl="0"/>
+            <a:r>
+              <a:rPr lang="en-US"/>
+              <a:t>PM20 folder ID (P4293) = pe/017802 ()</a:t>
+            </a:r>
+          </a:p>
+          <a:p>
+            <a:pPr lvl="0"/>
+            <a:r>
+              <a:rPr lang="en-US"/>
+              <a:t>VIAF ID (P214) = 95738652 ()</a:t>
+            </a:r>
+          </a:p>
+          <a:p>
+            <a:pPr lvl="0"/>
+            <a:r>
+              <a:rPr lang="en-US"/>
+              <a:t>ISNI (P213) = 0000 0001 2144 3562 ()</a:t>
+            </a:r>
+          </a:p>
+          <a:p>
+            <a:pPr lvl="0"/>
+            <a:r>
+              <a:rPr lang="en-US"/>
+              <a:t>National Portrait Gallery (London) person ID (P1816) = mp04634 ()</a:t>
+            </a:r>
+          </a:p>
+          <a:p>
+            <a:pPr lvl="0"/>
+            <a:r>
+              <a:rPr lang="en-US"/>
+              <a:t>WikiTree person ID (P2949) = Hannover-14 ()</a:t>
+            </a:r>
+          </a:p>
+          <a:p>
+            <a:pPr lvl="0"/>
+            <a:r>
+              <a:rPr lang="en-US"/>
+              <a:t>Find a Grave memorial ID (P535) = 1442 ()</a:t>
+            </a:r>
+          </a:p>
+          <a:p>
+            <a:pPr lvl="0"/>
+            <a:r>
+              <a:rPr lang="en-US"/>
+              <a:t>Project Gutenberg author ID (P1938) = 9035 ()</a:t>
+            </a:r>
+          </a:p>
+          <a:p>
+            <a:pPr lvl="0"/>
+            <a:r>
+              <a:rPr lang="en-US"/>
+              <a:t>Encyclopædia Britannica Online ID (P1417) = biography/Victoria-queen-of-United-Kingdom ()</a:t>
+            </a:r>
+          </a:p>
+          <a:p>
+            <a:pPr lvl="0"/>
+            <a:r>
+              <a:rPr lang="en-US"/>
+              <a:t>LibriVox author ID (P1899) = 3622 ()</a:t>
+            </a:r>
+          </a:p>
+          <a:p>
+            <a:pPr lvl="0"/>
+            <a:r>
+              <a:rPr lang="en-US"/>
+              <a:t>Oxford Dictionary of National Biography ID (P1415) = 36652 ()</a:t>
+            </a:r>
+          </a:p>
+          <a:p>
+            <a:pPr lvl="0"/>
+            <a:r>
+              <a:rPr lang="en-US"/>
+              <a:t>languages spoken, written or signed (P1412) = Q1860 (Q1860)</a:t>
+            </a:r>
+          </a:p>
+          <a:p>
+            <a:pPr lvl="0"/>
+            <a:r>
+              <a:rPr lang="en-US"/>
+              <a:t>given name (P735) = Q590893 (Q590893)</a:t>
+            </a:r>
+          </a:p>
+          <a:p>
+            <a:pPr lvl="0"/>
+            <a:r>
+              <a:rPr lang="en-US"/>
+              <a:t>wikidata_type (wikidata_type) = http://www.wikidata.org/ontology#Item ()</a:t>
+            </a:r>
+          </a:p>
+          <a:p>
+            <a:pPr lvl="0"/>
+            <a:r>
+              <a:rPr lang="en-US"/>
+              <a:t>Commons gallery (P935) = Victoria of the United Kingdom ()</a:t>
+            </a:r>
+          </a:p>
+          <a:p>
+            <a:pPr lvl="0"/>
+            <a:r>
+              <a:rPr lang="en-US"/>
+              <a:t>instance of (P31) = Q5 (Q5)</a:t>
+            </a:r>
+          </a:p>
+          <a:p>
+            <a:pPr lvl="0"/>
+            <a:r>
+              <a:rPr lang="en-US"/>
+              <a:t>SNAC Ark ID (P3430) = w66z0061 ()</a:t>
+            </a:r>
+          </a:p>
+          <a:p>
+            <a:pPr lvl="0"/>
+            <a:r>
+              <a:rPr lang="en-US"/>
+              <a:t>Christie's creator id (P4200) = 58694 ()</a:t>
+            </a:r>
+          </a:p>
+          <a:p>
+            <a:pPr lvl="0"/>
+            <a:r>
+              <a:rPr lang="en-US"/>
+              <a:t>godparent (P1290) = Q15193 (Q15193)</a:t>
+            </a:r>
+          </a:p>
+          <a:p>
+            <a:pPr lvl="0"/>
+            <a:r>
+              <a:rPr lang="en-US"/>
+              <a:t>position held (P39) = [http://www.wikidata.org/entity/Q9134365 (item), http://www.wikidata.org/entity/Q5352166 (item)] ()</a:t>
+            </a:r>
+          </a:p>
+          <a:p>
+            <a:pPr lvl="0"/>
+            <a:r>
+              <a:rPr lang="en-US"/>
+              <a:t>religion (P140) = Q6423963 (Q6423963)</a:t>
+            </a:r>
+          </a:p>
+          <a:p>
+            <a:pPr lvl="0"/>
+            <a:r>
+              <a:rPr lang="en-US"/>
+              <a:t>name (name) = Queen Victoria ()</a:t>
+            </a:r>
+          </a:p>
+          <a:p>
+            <a:pPr lvl="0"/>
+            <a:r>
+              <a:rPr lang="en-US"/>
+              <a:t>award received (P166) = [http://www.wikidata.org/entity/Q215248 (item), http://www.wikidata.org/entity/Q721030 (item), http://www.wikidata.org/entity/Q1326038 (item), http://www.wikidata.org/entity/Q506369 (item), http://www.wikidata.org/entity/Q585087 (item), http://www.wikidata.org/entity/Q1330936 (item), http://www.wikidata.org/entity/Q93710 (item), http://www.wikidata.org/entity/Q94056 (item), http://www.wikidata.org/entity/Q1465984 (item), http://www.wikidata.org/entity/Q2794660 (item), http://www.wikidata.org/entity/Q1635106 (item), http://www.wikidata.org/entity/Q94145 (item), http://www.wikidata.org/entity/Q1796163 (item), http://www.wikidata.org/entity/Q512272 (item), http://www.wikidata.org/entity/Q4710826 (item)] ()</a:t>
+            </a:r>
+          </a:p>
+          <a:p>
+            <a:pPr lvl="0"/>
+            <a:r>
+              <a:rPr lang="en-US"/>
+              <a:t>archives at (P485) = Q666063 (Q666063)</a:t>
+            </a:r>
+          </a:p>
+          <a:p>
+            <a:pPr lvl="0"/>
+            <a:r>
+              <a:rPr lang="en-US"/>
+              <a:t>ULAN ID (P245) = 500022428 ()</a:t>
+            </a:r>
+          </a:p>
+          <a:p>
+            <a:pPr lvl="0"/>
+            <a:r>
+              <a:rPr lang="en-US"/>
+              <a:t>Library of Congress authority ID (P244) = n79017983 ()</a:t>
+            </a:r>
+          </a:p>
+          <a:p>
+            <a:pPr lvl="0"/>
+            <a:r>
+              <a:rPr lang="en-US"/>
+              <a:t>NLA (Australia) ID (P409) = 35581194 ()</a:t>
+            </a:r>
+          </a:p>
+          <a:p>
+            <a:pPr lvl="0"/>
+            <a:r>
+              <a:rPr lang="en-US"/>
+              <a:t>wikidata_id (wikidata_id) = Q9439 ()</a:t>
+            </a:r>
+          </a:p>
+          <a:p>
+            <a:pPr lvl="0"/>
+            <a:r>
+              <a:rPr lang="en-US"/>
+              <a:t>National Thesaurus for Author Names ID (P1006) = 070185115 ()</a:t>
+            </a:r>
+          </a:p>
+          <a:p>
+            <a:pPr lvl="0"/>
+            <a:r>
+              <a:rPr lang="en-US"/>
+              <a:t>UK National Archives ID (P3029) = F65350 ()</a:t>
+            </a:r>
+          </a:p>
+          <a:p>
+            <a:pPr lvl="0"/>
+            <a:r>
+              <a:rPr lang="en-US"/>
+              <a:t>child (P40) = [http://www.wikidata.org/entity/Q116728 (item), http://www.wikidata.org/entity/Q20875 (item), http://www.wikidata.org/entity/Q155566 (item), http://www.wikidata.org/entity/Q158143 (item), http://www.wikidata.org/entity/Q160539 (item), http://www.wikidata.org/entity/Q161167 (item), http://www.wikidata.org/entity/Q160558 (item), http://www.wikidata.org/entity/Q160541 (item), http://www.wikidata.org/entity/Q158140 (item)] ()</a:t>
+            </a:r>
+          </a:p>
+          <a:p>
+            <a:pPr lvl="0"/>
+            <a:r>
+              <a:rPr lang="en-US"/>
+              <a:t>date of birth (P569) = 1819-05-24 (Prec.: day [-0 .. +0], PCal: Gregorian) ()</a:t>
+            </a:r>
+          </a:p>
+          <a:p>
+            <a:pPr lvl="0"/>
+            <a:r>
+              <a:rPr lang="en-US"/>
+              <a:t>Freebase ID (P646) = /m/0cw10 ()</a:t>
+            </a:r>
+          </a:p>
+          <a:p>
+            <a:pPr lvl="0"/>
+            <a:r>
+              <a:rPr lang="en-US"/>
+              <a:t>Te Papa person ID (P3544) = 31936 ()</a:t>
+            </a:r>
+          </a:p>
+          <a:p>
+            <a:pPr lvl="0"/>
+            <a:r>
+              <a:rPr lang="en-US"/>
+              <a:t>WomenWriters ID (P2533) = 57ab5323-f473-44ea-ba9d-b568ee58b6af ()</a:t>
+            </a:r>
+          </a:p>
+          <a:p>
+            <a:pPr lvl="0"/>
+            <a:r>
+              <a:rPr lang="en-US"/>
+              <a:t>WeRelate person ID (P4159) = Victoria_of_the_United_Kingdom_(1) ()</a:t>
+            </a:r>
+          </a:p>
+          <a:p>
+            <a:pPr lvl="0"/>
+            <a:r>
+              <a:rPr lang="en-US"/>
+              <a:t>Open Library ID (P648) = ["OL5884400A", "OL343963A"] ()</a:t>
+            </a:r>
+          </a:p>
+          <a:p>
+            <a:pPr lvl="0"/>
+            <a:r>
+              <a:rPr lang="en-US"/>
+              <a:t>NE.se ID (P3222) = victoria-(1819-1901-drottning-av-storbrit) ()</a:t>
+            </a:r>
+          </a:p>
+          <a:p>
+            <a:pPr lvl="0"/>
+            <a:r>
+              <a:rPr lang="en-US"/>
+              <a:t>Cooper-Hewitt Person ID (P2011) = 18042969 ()</a:t>
+            </a:r>
+          </a:p>
+          <a:p>
+            <a:pPr lvl="0"/>
+            <a:r>
+              <a:rPr lang="en-US"/>
+              <a:t>RA Collections ID (P4553) = 8741 ()</a:t>
+            </a:r>
+          </a:p>
+          <a:p>
+            <a:pPr lvl="0"/>
+            <a:r>
+              <a:rPr lang="en-US"/>
+              <a:t>Commons category (P373) = Victoria of the United Kingdom ()</a:t>
+            </a:r>
+          </a:p>
+          <a:p>
+            <a:pPr lvl="0"/>
+            <a:r>
+              <a:rPr lang="en-US"/>
+              <a:t>date of death (P570) = 1901-01-22 (Prec.: day [-0 .. +0], PCal: Gregorian) ()</a:t>
+            </a:r>
+          </a:p>
+          <a:p>
+            <a:pPr lvl="0"/>
+            <a:r>
+              <a:rPr lang="en-US"/>
+              <a:t>NKCR AUT ID (P691) = jn20000701900 ()</a:t>
+            </a:r>
+          </a:p>
+          <a:p>
+            <a:pPr lvl="0"/>
+            <a:r>
+              <a:rPr lang="en-US"/>
+              <a:t>wiki_en (wiki_en) = Queen Victoria ()</a:t>
+            </a:r>
+          </a:p>
+          <a:p>
+            <a:pPr lvl="0"/>
+            <a:r>
+              <a:rPr lang="en-US"/>
+              <a:t>MusicBrainz artist ID (P434) = 7db5c493-38e5-41c7-9518-f3b8332a5ff7 ()</a:t>
+            </a:r>
+          </a:p>
+          <a:p>
+            <a:pPr lvl="0"/>
+            <a:r>
+              <a:rPr lang="en-US"/>
+              <a:t>BNE ID (P950) = XX979643 ()</a:t>
+            </a:r>
+          </a:p>
+          <a:p>
+            <a:pPr lvl="0"/>
+            <a:r>
+              <a:rPr lang="en-US"/>
+              <a:t>name in native language (P1559) = "Victoria" (en) ()</a:t>
+            </a:r>
+          </a:p>
+          <a:p>
+            <a:pPr lvl="0"/>
+            <a:r>
+              <a:rPr lang="en-US"/>
+              <a:t>Online Books Page author ID (P4629) = Victoria, Queen of Great Britain, 1819-1901 ()</a:t>
+            </a:r>
+          </a:p>
+          <a:p>
+            <a:pPr lvl="0"/>
+            <a:r>
+              <a:rPr lang="en-US"/>
+              <a:t>founded by (P112) = [http://www.wikidata.org/entity/Q94050 (item), http://www.wikidata.org/entity/Q94158 (item)] ()</a:t>
+            </a:r>
+          </a:p>
+          <a:p>
+            <a:pPr lvl="0"/>
+            <a:r>
+              <a:rPr lang="en-US"/>
+              <a:t>People Australia ID (P1315) = 1002991 ()</a:t>
+            </a:r>
+          </a:p>
+          <a:p>
+            <a:pPr lvl="0"/>
+            <a:r>
+              <a:rPr lang="en-US"/>
+              <a:t>Quora topic ID (P3417) = Queen-Victoria ()</a:t>
+            </a:r>
+          </a:p>
+          <a:p>
+            <a:pPr lvl="0"/>
+            <a:r>
+              <a:rPr lang="en-US"/>
+              <a:t>British Museum person-institution (P1711) = 49731 ()</a:t>
+            </a:r>
+          </a:p>
+          <a:p>
+            <a:pPr lvl="0"/>
+            <a:r>
+              <a:rPr lang="en-US"/>
+              <a:t>coat of arms image (P94) = Coat of arms of the United Kingdom (1837-1952).svg ()</a:t>
+            </a:r>
+          </a:p>
+          <a:p>
+            <a:pPr lvl="0"/>
+            <a:r>
+              <a:rPr lang="en-US"/>
+              <a:t>Benezit ID (P2843) = B00190726 ()</a:t>
+            </a:r>
+          </a:p>
+          <a:p>
+            <a:pPr lvl="0"/>
+            <a:r>
+              <a:rPr lang="en-US"/>
+              <a:t>label_en (label_en) = Queen Victoria ()</a:t>
+            </a:r>
+          </a:p>
+          <a:p>
+            <a:pPr lvl="0"/>
+            <a:r>
+              <a:rPr lang="en-US"/>
+              <a:t>Smithsonian American Art Museum: person/institution thesaurus ID (P1795) = 5149 ()</a:t>
+            </a:r>
+          </a:p>
+          <a:p>
+            <a:pPr lvl="0"/>
+            <a:r>
+              <a:rPr lang="en-US"/>
+              <a:t>place of burial (P119) = [http://www.wikidata.org/entity/Q6679988 (item), http://www.wikidata.org/entity/Q564578 (item)] ()</a:t>
+            </a:r>
+          </a:p>
+          <a:p>
+            <a:pPr lvl="0"/>
+            <a:r>
+              <a:rPr lang="en-US"/>
+              <a:t>topic's main category (P910) = Q6157016 (Q6157016)</a:t>
+            </a:r>
+          </a:p>
+          <a:p>
+            <a:pPr lvl="0"/>
+            <a:r>
+              <a:rPr lang="en-US"/>
+              <a:t>OpenPlaques subject ID (P1430) = ["227", "16297"] ()</a:t>
+            </a:r>
+          </a:p>
+          <a:p>
+            <a:pPr lvl="0"/>
+            <a:r>
+              <a:rPr lang="en-US"/>
+              <a:t>picture (picture) = BufferedImage@ab20d7c: type = 10 ColorModel: #pixelBits = 8 numComponents = 1 color space = java.awt.color.ICC_ColorSpace@474fae39 transparency = 1 has alpha = false isAlphaPre = false ByteInterleavedRaster: width = 200 height = 282 #numDataElements 1 dataOff[0] = 0 ()</a:t>
+            </a:r>
+          </a:p>
+          <a:p>
+            <a:pPr lvl="0"/>
+            <a:r>
+              <a:rPr lang="en-US"/>
+              <a:t>family (P53) = Q157217 (Q157217)</a:t>
+            </a:r>
+          </a:p>
+          <a:p>
+            <a:pPr lvl="0"/>
+            <a:r>
+              <a:rPr lang="en-US"/>
+              <a:t>CERL ID (P1871) = cnp00396790 ()</a:t>
+            </a:r>
+          </a:p>
+          <a:p>
+            <a:pPr lvl="0"/>
+            <a:r>
+              <a:rPr lang="en-US"/>
+              <a:t>Atheneum person ID (P4145) = 140 ()</a:t>
+            </a:r>
+          </a:p>
+          <a:p>
+            <a:pPr lvl="0"/>
+            <a:r>
+              <a:rPr lang="en-US"/>
+              <a:t>FAST ID (P2163) = 31183 ()</a:t>
+            </a:r>
+          </a:p>
+          <a:p>
+            <a:pPr lvl="0"/>
+            <a:r>
+              <a:rPr lang="en-US"/>
+              <a:t>CANTIC-ID (P1273) = a11252959 ()</a:t>
+            </a:r>
+          </a:p>
+          <a:p>
+            <a:pPr lvl="0"/>
+            <a:r>
+              <a:rPr lang="en-US"/>
+              <a:t>manner of death (P1196) = Q3739104 (Q3739104)</a:t>
+            </a:r>
+          </a:p>
+          <a:p>
+            <a:pPr lvl="0"/>
+            <a:r>
+              <a:rPr lang="en-US"/>
+              <a:t>sibling (P3373) = [http://www.wikidata.org/entity/Q63076 (item), http://www.wikidata.org/entity/Q60508 (item)] ()</a:t>
+            </a:r>
+          </a:p>
+          <a:p>
+            <a:pPr lvl="0"/>
+            <a:r>
+              <a:rPr lang="en-US"/>
+              <a:t>National Gallery of Victoria artist ID (P2041) = 6883 ()</a:t>
+            </a:r>
+          </a:p>
+          <a:p>
+            <a:pPr lvl="0"/>
+            <a:r>
+              <a:rPr lang="en-US"/>
+              <a:t>image (P18) = Queen Victoria by Bassano.jpg ()</a:t>
+            </a:r>
+          </a:p>
+          <a:p>
+            <a:pPr lvl="0"/>
+            <a:r>
+              <a:rPr lang="en-US"/>
+              <a:t>place of birth (P19) = Q207385 (Q207385)</a:t>
             </a:r>
           </a:p>
         </p:txBody>
@@ -1487,315 +1487,315 @@
             <a:pPr lvl="0"/>
             <a:r>
               <a:rPr lang="en-US"/>
-              <a:t>BnF ID (P268) = 16724500z</a:t>
-            </a:r>
-          </a:p>
-          <a:p>
-            <a:pPr lvl="0"/>
-            <a:r>
-              <a:rPr lang="en-US"/>
-              <a:t>GND ID (P227) = 133073742</a:t>
-            </a:r>
-          </a:p>
-          <a:p>
-            <a:pPr lvl="0"/>
-            <a:r>
-              <a:rPr lang="en-US"/>
-              <a:t>P865 (P865) = b1791</a:t>
-            </a:r>
-          </a:p>
-          <a:p>
-            <a:pPr lvl="0"/>
-            <a:r>
-              <a:rPr lang="en-US"/>
-              <a:t>occupation (P106) = http://www.wikidata.org/entity/Q19643 (item)</a:t>
-            </a:r>
-          </a:p>
-          <a:p>
-            <a:pPr lvl="0"/>
-            <a:r>
-              <a:rPr lang="en-US"/>
-              <a:t>award received (P166) = [http://www.wikidata.org/entity/Q16943677 (item), http://www.wikidata.org/entity/Q12192384 (item), http://www.wikidata.org/entity/Q1635491 (item)]</a:t>
-            </a:r>
-          </a:p>
-          <a:p>
-            <a:pPr lvl="0"/>
-            <a:r>
-              <a:rPr lang="en-US"/>
-              <a:t>Library of Congress authority ID (P244) = n50051338</a:t>
-            </a:r>
-          </a:p>
-          <a:p>
-            <a:pPr lvl="0"/>
-            <a:r>
-              <a:rPr lang="en-US"/>
-              <a:t>wikidata_id (wikidata_id) = Q158140</a:t>
-            </a:r>
-          </a:p>
-          <a:p>
-            <a:pPr lvl="0"/>
-            <a:r>
-              <a:rPr lang="en-US"/>
-              <a:t>National Thesaurus for Author Names ID (P1006) = 123194857</a:t>
-            </a:r>
-          </a:p>
-          <a:p>
-            <a:pPr lvl="0"/>
-            <a:r>
-              <a:rPr lang="en-US"/>
-              <a:t>source (source) = WikiData</a:t>
-            </a:r>
-          </a:p>
-          <a:p>
-            <a:pPr lvl="0"/>
-            <a:r>
-              <a:rPr lang="en-US"/>
-              <a:t>child (P40) = [http://www.wikidata.org/entity/Q160001 (item), http://www.wikidata.org/entity/Q337477 (item), http://www.wikidata.org/entity/Q2205590 (item), http://www.wikidata.org/entity/Q2351869 (item)]</a:t>
-            </a:r>
-          </a:p>
-          <a:p>
-            <a:pPr lvl="0"/>
-            <a:r>
-              <a:rPr lang="en-US"/>
-              <a:t>date of birth (P569) = 1857-04-14 (Prec.: day [-0 .. +0], PCal: Gregorian)</a:t>
-            </a:r>
-          </a:p>
-          <a:p>
-            <a:pPr lvl="0"/>
-            <a:r>
-              <a:rPr lang="en-US"/>
-              <a:t>Freebase ID (P646) = /m/01tjm8</a:t>
-            </a:r>
-          </a:p>
-          <a:p>
-            <a:pPr lvl="0"/>
-            <a:r>
-              <a:rPr lang="en-US"/>
-              <a:t>monogram (P1543) = Royal Monogram of Princess Beatrice of Battenberg.svg</a:t>
-            </a:r>
-          </a:p>
-          <a:p>
-            <a:pPr lvl="0"/>
-            <a:r>
-              <a:rPr lang="en-US"/>
-              <a:t>sex or gender (P21) = http://www.wikidata.org/entity/Q6581072 (item)</a:t>
-            </a:r>
-          </a:p>
-          <a:p>
-            <a:pPr lvl="0"/>
-            <a:r>
-              <a:rPr lang="en-US"/>
-              <a:t>WeRelate person ID (P4159) = Princess_Beatrice_of_the_United_Kingdom_(1)</a:t>
-            </a:r>
-          </a:p>
-          <a:p>
-            <a:pPr lvl="0"/>
-            <a:r>
-              <a:rPr lang="en-US"/>
-              <a:t>place of death (P20) = http://www.wikidata.org/entity/Q2547961 (item)</a:t>
-            </a:r>
-          </a:p>
-          <a:p>
-            <a:pPr lvl="0"/>
-            <a:r>
-              <a:rPr lang="en-US"/>
-              <a:t>father (P22) = http://www.wikidata.org/entity/Q152245 (item)</a:t>
-            </a:r>
-          </a:p>
-          <a:p>
-            <a:pPr lvl="0"/>
-            <a:r>
-              <a:rPr lang="en-US"/>
-              <a:t>mother (P25) = http://www.wikidata.org/entity/Q9439 (item)</a:t>
-            </a:r>
-          </a:p>
-          <a:p>
-            <a:pPr lvl="0"/>
-            <a:r>
-              <a:rPr lang="en-US"/>
-              <a:t>country of citizenship (P27) = http://www.wikidata.org/entity/Q145 (item)</a:t>
-            </a:r>
-          </a:p>
-          <a:p>
-            <a:pPr lvl="0"/>
-            <a:r>
-              <a:rPr lang="en-US"/>
-              <a:t>spouse (P26) = http://www.wikidata.org/entity/Q444347 (item)</a:t>
-            </a:r>
-          </a:p>
-          <a:p>
-            <a:pPr lvl="0"/>
-            <a:r>
-              <a:rPr lang="en-US"/>
-              <a:t>Commons category (P373) = Princess Beatrice of the United Kingdom</a:t>
-            </a:r>
-          </a:p>
-          <a:p>
-            <a:pPr lvl="0"/>
-            <a:r>
-              <a:rPr lang="en-US"/>
-              <a:t>date of death (P570) = 1944-10-26 (Prec.: day [-0 .. +0], PCal: Gregorian)</a:t>
-            </a:r>
-          </a:p>
-          <a:p>
-            <a:pPr lvl="0"/>
-            <a:r>
-              <a:rPr lang="en-US"/>
-              <a:t>wiki_en (wiki_en) = Princess Beatrice of the United Kingdom</a:t>
-            </a:r>
-          </a:p>
-          <a:p>
-            <a:pPr lvl="0"/>
-            <a:r>
-              <a:rPr lang="en-US"/>
-              <a:t>VIAF ID (P214) = 23318500</a:t>
-            </a:r>
-          </a:p>
-          <a:p>
-            <a:pPr lvl="0"/>
-            <a:r>
-              <a:rPr lang="en-US"/>
-              <a:t>ISNI (P213) = 0000 0000 5489 3642</a:t>
-            </a:r>
-          </a:p>
-          <a:p>
-            <a:pPr lvl="0"/>
-            <a:r>
-              <a:rPr lang="en-US"/>
-              <a:t>National Portrait Gallery (London) person ID (P1816) = mp00313</a:t>
-            </a:r>
-          </a:p>
-          <a:p>
-            <a:pPr lvl="0"/>
-            <a:r>
-              <a:rPr lang="en-US"/>
-              <a:t>WikiTree person ID (P2949) = Sachsen-Coburg_und_Gotha-20</a:t>
-            </a:r>
-          </a:p>
-          <a:p>
-            <a:pPr lvl="0"/>
-            <a:r>
-              <a:rPr lang="en-US"/>
-              <a:t>name in native language (P1559) = "Beatrice of the United Kingdom" (en)</a:t>
-            </a:r>
-          </a:p>
-          <a:p>
-            <a:pPr lvl="0"/>
-            <a:r>
-              <a:rPr lang="en-US"/>
-              <a:t>Oxford Dictionary of National Biography ID (P1415) = 30658</a:t>
-            </a:r>
-          </a:p>
-          <a:p>
-            <a:pPr lvl="0"/>
-            <a:r>
-              <a:rPr lang="en-US"/>
-              <a:t>coat of arms image (P94) = Coat of Arms of Beatrice, Princess Henry of Battenberg.svg</a:t>
-            </a:r>
-          </a:p>
-          <a:p>
-            <a:pPr lvl="0"/>
-            <a:r>
-              <a:rPr lang="en-US"/>
-              <a:t>label_en (label_en) = Princess Beatrice of the United Kingdom</a:t>
-            </a:r>
-          </a:p>
-          <a:p>
-            <a:pPr lvl="0"/>
-            <a:r>
-              <a:rPr lang="en-US"/>
-              <a:t>given name (P735) = http://www.wikidata.org/entity/Q734292 (item)</a:t>
-            </a:r>
-          </a:p>
-          <a:p>
-            <a:pPr lvl="0"/>
-            <a:r>
-              <a:rPr lang="en-US"/>
-              <a:t>place of burial (P119) = http://www.wikidata.org/entity/Q2449634 (item)</a:t>
-            </a:r>
-          </a:p>
-          <a:p>
-            <a:pPr lvl="0"/>
-            <a:r>
-              <a:rPr lang="en-US"/>
-              <a:t>wikidata_type (wikidata_type) = http://www.wikidata.org/ontology#Item</a:t>
-            </a:r>
-          </a:p>
-          <a:p>
-            <a:pPr lvl="0"/>
-            <a:r>
-              <a:rPr lang="en-US"/>
-              <a:t>Commons gallery (P935) = Princess Beatrice of the United Kingdom</a:t>
-            </a:r>
-          </a:p>
-          <a:p>
-            <a:pPr lvl="0"/>
-            <a:r>
-              <a:rPr lang="en-US"/>
-              <a:t>picture (picture) = BufferedImage@54e3658c: type = 10 ColorModel: #pixelBits = 8 numComponents = 1 color space = java.awt.color.ICC_ColorSpace@3ece1e79 transparency = 1 has alpha = false isAlphaPre = false ByteInterleavedRaster: width = 200 height = 277 #numDataElements 1 dataOff[0] = 0</a:t>
-            </a:r>
-          </a:p>
-          <a:p>
-            <a:pPr lvl="0"/>
-            <a:r>
-              <a:rPr lang="en-US"/>
-              <a:t>instance of (P31) = http://www.wikidata.org/entity/Q5 (item)</a:t>
-            </a:r>
-          </a:p>
-          <a:p>
-            <a:pPr lvl="0"/>
-            <a:r>
-              <a:rPr lang="en-US"/>
-              <a:t>family (P53) = http://www.wikidata.org/entity/Q152909 (item)</a:t>
-            </a:r>
-          </a:p>
-          <a:p>
-            <a:pPr lvl="0"/>
-            <a:r>
-              <a:rPr lang="en-US"/>
-              <a:t>P97 (P97) = http://www.wikidata.org/entity/Q863048 (item)</a:t>
-            </a:r>
-          </a:p>
-          <a:p>
-            <a:pPr lvl="0"/>
-            <a:r>
-              <a:rPr lang="en-US"/>
-              <a:t>SNAC Ark ID (P3430) = w6xm2s2k</a:t>
-            </a:r>
-          </a:p>
-          <a:p>
-            <a:pPr lvl="0"/>
-            <a:r>
-              <a:rPr lang="en-US"/>
-              <a:t>FAST ID (P2163) = 1761681</a:t>
-            </a:r>
-          </a:p>
-          <a:p>
-            <a:pPr lvl="0"/>
-            <a:r>
-              <a:rPr lang="en-US"/>
-              <a:t>sibling (P3373) = [http://www.wikidata.org/entity/Q116728 (item), http://www.wikidata.org/entity/Q155566 (item), http://www.wikidata.org/entity/Q160539 (item), http://www.wikidata.org/entity/Q161167 (item), http://www.wikidata.org/entity/Q158143 (item), http://www.wikidata.org/entity/Q160541 (item), http://www.wikidata.org/entity/Q160558 (item), http://www.wikidata.org/entity/Q20875 (item)]</a:t>
-            </a:r>
-          </a:p>
-          <a:p>
-            <a:pPr lvl="0"/>
-            <a:r>
-              <a:rPr lang="en-US"/>
-              <a:t>image (P18) = Laszlo - Princess Henry of Battenberg.jpg</a:t>
-            </a:r>
-          </a:p>
-          <a:p>
-            <a:pPr lvl="0"/>
-            <a:r>
-              <a:rPr lang="en-US"/>
-              <a:t>name (name) = Princess Beatrice of the United Kingdom</a:t>
-            </a:r>
-          </a:p>
-          <a:p>
-            <a:pPr lvl="0"/>
-            <a:r>
-              <a:rPr lang="en-US"/>
-              <a:t>place of birth (P19) = http://www.wikidata.org/entity/Q42182 (item)</a:t>
+              <a:t>BnF ID (P268) = 16724500z ()</a:t>
+            </a:r>
+          </a:p>
+          <a:p>
+            <a:pPr lvl="0"/>
+            <a:r>
+              <a:rPr lang="en-US"/>
+              <a:t>GND ID (P227) = 133073742 ()</a:t>
+            </a:r>
+          </a:p>
+          <a:p>
+            <a:pPr lvl="0"/>
+            <a:r>
+              <a:rPr lang="en-US"/>
+              <a:t>P865 (P865) = b1791 ()</a:t>
+            </a:r>
+          </a:p>
+          <a:p>
+            <a:pPr lvl="0"/>
+            <a:r>
+              <a:rPr lang="en-US"/>
+              <a:t>occupation (P106) = Q19643 (Q19643)</a:t>
+            </a:r>
+          </a:p>
+          <a:p>
+            <a:pPr lvl="0"/>
+            <a:r>
+              <a:rPr lang="en-US"/>
+              <a:t>award received (P166) = [http://www.wikidata.org/entity/Q16943677 (item), http://www.wikidata.org/entity/Q12192384 (item), http://www.wikidata.org/entity/Q1635491 (item)] ()</a:t>
+            </a:r>
+          </a:p>
+          <a:p>
+            <a:pPr lvl="0"/>
+            <a:r>
+              <a:rPr lang="en-US"/>
+              <a:t>Library of Congress authority ID (P244) = n50051338 ()</a:t>
+            </a:r>
+          </a:p>
+          <a:p>
+            <a:pPr lvl="0"/>
+            <a:r>
+              <a:rPr lang="en-US"/>
+              <a:t>wikidata_id (wikidata_id) = Q158140 ()</a:t>
+            </a:r>
+          </a:p>
+          <a:p>
+            <a:pPr lvl="0"/>
+            <a:r>
+              <a:rPr lang="en-US"/>
+              <a:t>National Thesaurus for Author Names ID (P1006) = 123194857 ()</a:t>
+            </a:r>
+          </a:p>
+          <a:p>
+            <a:pPr lvl="0"/>
+            <a:r>
+              <a:rPr lang="en-US"/>
+              <a:t>source (source) = WikiData ()</a:t>
+            </a:r>
+          </a:p>
+          <a:p>
+            <a:pPr lvl="0"/>
+            <a:r>
+              <a:rPr lang="en-US"/>
+              <a:t>child (P40) = [http://www.wikidata.org/entity/Q160001 (item), http://www.wikidata.org/entity/Q337477 (item), http://www.wikidata.org/entity/Q2205590 (item), http://www.wikidata.org/entity/Q2351869 (item)] ()</a:t>
+            </a:r>
+          </a:p>
+          <a:p>
+            <a:pPr lvl="0"/>
+            <a:r>
+              <a:rPr lang="en-US"/>
+              <a:t>date of birth (P569) = 1857-04-14 (Prec.: day [-0 .. +0], PCal: Gregorian) ()</a:t>
+            </a:r>
+          </a:p>
+          <a:p>
+            <a:pPr lvl="0"/>
+            <a:r>
+              <a:rPr lang="en-US"/>
+              <a:t>Freebase ID (P646) = /m/01tjm8 ()</a:t>
+            </a:r>
+          </a:p>
+          <a:p>
+            <a:pPr lvl="0"/>
+            <a:r>
+              <a:rPr lang="en-US"/>
+              <a:t>monogram (P1543) = Royal Monogram of Princess Beatrice of Battenberg.svg ()</a:t>
+            </a:r>
+          </a:p>
+          <a:p>
+            <a:pPr lvl="0"/>
+            <a:r>
+              <a:rPr lang="en-US"/>
+              <a:t>sex or gender (P21) = female (Q6581072)</a:t>
+            </a:r>
+          </a:p>
+          <a:p>
+            <a:pPr lvl="0"/>
+            <a:r>
+              <a:rPr lang="en-US"/>
+              <a:t>WeRelate person ID (P4159) = Princess_Beatrice_of_the_United_Kingdom_(1) ()</a:t>
+            </a:r>
+          </a:p>
+          <a:p>
+            <a:pPr lvl="0"/>
+            <a:r>
+              <a:rPr lang="en-US"/>
+              <a:t>place of death (P20) = Q2547961 (Q2547961)</a:t>
+            </a:r>
+          </a:p>
+          <a:p>
+            <a:pPr lvl="0"/>
+            <a:r>
+              <a:rPr lang="en-US"/>
+              <a:t>father (P22) = Q152245 (Q152245)</a:t>
+            </a:r>
+          </a:p>
+          <a:p>
+            <a:pPr lvl="0"/>
+            <a:r>
+              <a:rPr lang="en-US"/>
+              <a:t>mother (P25) = Q9439 (Q9439)</a:t>
+            </a:r>
+          </a:p>
+          <a:p>
+            <a:pPr lvl="0"/>
+            <a:r>
+              <a:rPr lang="en-US"/>
+              <a:t>country of citizenship (P27) = Q145 (Q145)</a:t>
+            </a:r>
+          </a:p>
+          <a:p>
+            <a:pPr lvl="0"/>
+            <a:r>
+              <a:rPr lang="en-US"/>
+              <a:t>spouse (P26) = Q444347 (Q444347)</a:t>
+            </a:r>
+          </a:p>
+          <a:p>
+            <a:pPr lvl="0"/>
+            <a:r>
+              <a:rPr lang="en-US"/>
+              <a:t>Commons category (P373) = Princess Beatrice of the United Kingdom ()</a:t>
+            </a:r>
+          </a:p>
+          <a:p>
+            <a:pPr lvl="0"/>
+            <a:r>
+              <a:rPr lang="en-US"/>
+              <a:t>date of death (P570) = 1944-10-26 (Prec.: day [-0 .. +0], PCal: Gregorian) ()</a:t>
+            </a:r>
+          </a:p>
+          <a:p>
+            <a:pPr lvl="0"/>
+            <a:r>
+              <a:rPr lang="en-US"/>
+              <a:t>wiki_en (wiki_en) = Princess Beatrice of the United Kingdom ()</a:t>
+            </a:r>
+          </a:p>
+          <a:p>
+            <a:pPr lvl="0"/>
+            <a:r>
+              <a:rPr lang="en-US"/>
+              <a:t>VIAF ID (P214) = 23318500 ()</a:t>
+            </a:r>
+          </a:p>
+          <a:p>
+            <a:pPr lvl="0"/>
+            <a:r>
+              <a:rPr lang="en-US"/>
+              <a:t>ISNI (P213) = 0000 0000 5489 3642 ()</a:t>
+            </a:r>
+          </a:p>
+          <a:p>
+            <a:pPr lvl="0"/>
+            <a:r>
+              <a:rPr lang="en-US"/>
+              <a:t>National Portrait Gallery (London) person ID (P1816) = mp00313 ()</a:t>
+            </a:r>
+          </a:p>
+          <a:p>
+            <a:pPr lvl="0"/>
+            <a:r>
+              <a:rPr lang="en-US"/>
+              <a:t>WikiTree person ID (P2949) = Sachsen-Coburg_und_Gotha-20 ()</a:t>
+            </a:r>
+          </a:p>
+          <a:p>
+            <a:pPr lvl="0"/>
+            <a:r>
+              <a:rPr lang="en-US"/>
+              <a:t>name in native language (P1559) = "Beatrice of the United Kingdom" (en) ()</a:t>
+            </a:r>
+          </a:p>
+          <a:p>
+            <a:pPr lvl="0"/>
+            <a:r>
+              <a:rPr lang="en-US"/>
+              <a:t>Oxford Dictionary of National Biography ID (P1415) = 30658 ()</a:t>
+            </a:r>
+          </a:p>
+          <a:p>
+            <a:pPr lvl="0"/>
+            <a:r>
+              <a:rPr lang="en-US"/>
+              <a:t>coat of arms image (P94) = Coat of Arms of Beatrice, Princess Henry of Battenberg.svg ()</a:t>
+            </a:r>
+          </a:p>
+          <a:p>
+            <a:pPr lvl="0"/>
+            <a:r>
+              <a:rPr lang="en-US"/>
+              <a:t>label_en (label_en) = Princess Beatrice of the United Kingdom ()</a:t>
+            </a:r>
+          </a:p>
+          <a:p>
+            <a:pPr lvl="0"/>
+            <a:r>
+              <a:rPr lang="en-US"/>
+              <a:t>given name (P735) = Q734292 (Q734292)</a:t>
+            </a:r>
+          </a:p>
+          <a:p>
+            <a:pPr lvl="0"/>
+            <a:r>
+              <a:rPr lang="en-US"/>
+              <a:t>place of burial (P119) = Q2449634 (Q2449634)</a:t>
+            </a:r>
+          </a:p>
+          <a:p>
+            <a:pPr lvl="0"/>
+            <a:r>
+              <a:rPr lang="en-US"/>
+              <a:t>wikidata_type (wikidata_type) = http://www.wikidata.org/ontology#Item ()</a:t>
+            </a:r>
+          </a:p>
+          <a:p>
+            <a:pPr lvl="0"/>
+            <a:r>
+              <a:rPr lang="en-US"/>
+              <a:t>Commons gallery (P935) = Princess Beatrice of the United Kingdom ()</a:t>
+            </a:r>
+          </a:p>
+          <a:p>
+            <a:pPr lvl="0"/>
+            <a:r>
+              <a:rPr lang="en-US"/>
+              <a:t>picture (picture) = BufferedImage@3c5dbdf8: type = 10 ColorModel: #pixelBits = 8 numComponents = 1 color space = java.awt.color.ICC_ColorSpace@474fae39 transparency = 1 has alpha = false isAlphaPre = false ByteInterleavedRaster: width = 200 height = 277 #numDataElements 1 dataOff[0] = 0 ()</a:t>
+            </a:r>
+          </a:p>
+          <a:p>
+            <a:pPr lvl="0"/>
+            <a:r>
+              <a:rPr lang="en-US"/>
+              <a:t>instance of (P31) = Q5 (Q5)</a:t>
+            </a:r>
+          </a:p>
+          <a:p>
+            <a:pPr lvl="0"/>
+            <a:r>
+              <a:rPr lang="en-US"/>
+              <a:t>family (P53) = Q152909 (Q152909)</a:t>
+            </a:r>
+          </a:p>
+          <a:p>
+            <a:pPr lvl="0"/>
+            <a:r>
+              <a:rPr lang="en-US"/>
+              <a:t>P97 (P97) = Q863048 (Q863048)</a:t>
+            </a:r>
+          </a:p>
+          <a:p>
+            <a:pPr lvl="0"/>
+            <a:r>
+              <a:rPr lang="en-US"/>
+              <a:t>SNAC Ark ID (P3430) = w6xm2s2k ()</a:t>
+            </a:r>
+          </a:p>
+          <a:p>
+            <a:pPr lvl="0"/>
+            <a:r>
+              <a:rPr lang="en-US"/>
+              <a:t>FAST ID (P2163) = 1761681 ()</a:t>
+            </a:r>
+          </a:p>
+          <a:p>
+            <a:pPr lvl="0"/>
+            <a:r>
+              <a:rPr lang="en-US"/>
+              <a:t>sibling (P3373) = [http://www.wikidata.org/entity/Q116728 (item), http://www.wikidata.org/entity/Q155566 (item), http://www.wikidata.org/entity/Q160539 (item), http://www.wikidata.org/entity/Q161167 (item), http://www.wikidata.org/entity/Q158143 (item), http://www.wikidata.org/entity/Q160541 (item), http://www.wikidata.org/entity/Q160558 (item), http://www.wikidata.org/entity/Q20875 (item)] ()</a:t>
+            </a:r>
+          </a:p>
+          <a:p>
+            <a:pPr lvl="0"/>
+            <a:r>
+              <a:rPr lang="en-US"/>
+              <a:t>image (P18) = Laszlo - Princess Henry of Battenberg.jpg ()</a:t>
+            </a:r>
+          </a:p>
+          <a:p>
+            <a:pPr lvl="0"/>
+            <a:r>
+              <a:rPr lang="en-US"/>
+              <a:t>name (name) = Princess Beatrice of the United Kingdom ()</a:t>
+            </a:r>
+          </a:p>
+          <a:p>
+            <a:pPr lvl="0"/>
+            <a:r>
+              <a:rPr lang="en-US"/>
+              <a:t>place of birth (P19) = Q42182 (Q42182)</a:t>
             </a:r>
           </a:p>
         </p:txBody>
@@ -2013,420 +2013,420 @@
             <a:pPr lvl="0"/>
             <a:r>
               <a:rPr lang="en-US"/>
-              <a:t>SUDOC authorities (P269) = 074100610</a:t>
-            </a:r>
-          </a:p>
-          <a:p>
-            <a:pPr lvl="0"/>
-            <a:r>
-              <a:rPr lang="en-US"/>
-              <a:t>BnF ID (P268) = 11574398z</a:t>
-            </a:r>
-          </a:p>
-          <a:p>
-            <a:pPr lvl="0"/>
-            <a:r>
-              <a:rPr lang="en-US"/>
-              <a:t>GND ID (P227) = 118626868</a:t>
-            </a:r>
-          </a:p>
-          <a:p>
-            <a:pPr lvl="0"/>
-            <a:r>
-              <a:rPr lang="en-US"/>
-              <a:t>occupation (P106) = http://www.wikidata.org/entity/Q1028181 (item)</a:t>
-            </a:r>
-          </a:p>
-          <a:p>
-            <a:pPr lvl="0"/>
-            <a:r>
-              <a:rPr lang="en-US"/>
-              <a:t>SELIBR (P906) = 218661</a:t>
-            </a:r>
-          </a:p>
-          <a:p>
-            <a:pPr lvl="0"/>
-            <a:r>
-              <a:rPr lang="en-US"/>
-              <a:t>National Library of Israel ID (P949) = 000137846</a:t>
-            </a:r>
-          </a:p>
-          <a:p>
-            <a:pPr lvl="0"/>
-            <a:r>
-              <a:rPr lang="en-US"/>
-              <a:t>source (source) = WikiData</a:t>
-            </a:r>
-          </a:p>
-          <a:p>
-            <a:pPr lvl="0"/>
-            <a:r>
-              <a:rPr lang="en-US"/>
-              <a:t>NDL Auth ID (P349) = 00621602</a:t>
-            </a:r>
-          </a:p>
-          <a:p>
-            <a:pPr lvl="0"/>
-            <a:r>
-              <a:rPr lang="en-US"/>
-              <a:t>sex or gender (P21) = http://www.wikidata.org/entity/Q6581072 (item)</a:t>
-            </a:r>
-          </a:p>
-          <a:p>
-            <a:pPr lvl="0"/>
-            <a:r>
-              <a:rPr lang="en-US"/>
-              <a:t>place of death (P20) = http://www.wikidata.org/entity/Q510121 (item)</a:t>
-            </a:r>
-          </a:p>
-          <a:p>
-            <a:pPr lvl="0"/>
-            <a:r>
-              <a:rPr lang="en-US"/>
-              <a:t>described by source (P1343) = [http://www.wikidata.org/entity/Q19507487 (item), http://www.wikidata.org/entity/Q4173137 (item), http://www.wikidata.org/entity/Q602358 (item), http://www.wikidata.org/entity/Q16014697 (item)]</a:t>
-            </a:r>
-          </a:p>
-          <a:p>
-            <a:pPr lvl="0"/>
-            <a:r>
-              <a:rPr lang="en-US"/>
-              <a:t>father (P22) = http://www.wikidata.org/entity/Q152245 (item)</a:t>
-            </a:r>
-          </a:p>
-          <a:p>
-            <a:pPr lvl="0"/>
-            <a:r>
-              <a:rPr lang="en-US"/>
-              <a:t>mother (P25) = http://www.wikidata.org/entity/Q9439 (item)</a:t>
-            </a:r>
-          </a:p>
-          <a:p>
-            <a:pPr lvl="0"/>
-            <a:r>
-              <a:rPr lang="en-US"/>
-              <a:t>country of citizenship (P27) = [http://www.wikidata.org/entity/Q145 (item), http://www.wikidata.org/entity/Q27306 (item), http://www.wikidata.org/entity/Q43287 (item)]</a:t>
-            </a:r>
-          </a:p>
-          <a:p>
-            <a:pPr lvl="0"/>
-            <a:r>
-              <a:rPr lang="en-US"/>
-              <a:t>spouse (P26) = http://www.wikidata.org/entity/Q58600 (item)</a:t>
-            </a:r>
-          </a:p>
-          <a:p>
-            <a:pPr lvl="0"/>
-            <a:r>
-              <a:rPr lang="en-US"/>
-              <a:t>VIAF ID (P214) = 89807131</a:t>
-            </a:r>
-          </a:p>
-          <a:p>
-            <a:pPr lvl="0"/>
-            <a:r>
-              <a:rPr lang="en-US"/>
-              <a:t>ISNI (P213) = 0000 0001 1075 9617</a:t>
-            </a:r>
-          </a:p>
-          <a:p>
-            <a:pPr lvl="0"/>
-            <a:r>
-              <a:rPr lang="en-US"/>
-              <a:t>WikiTree person ID (P2949) = Sachsen-Coburg_und_Gotha-13</a:t>
-            </a:r>
-          </a:p>
-          <a:p>
-            <a:pPr lvl="0"/>
-            <a:r>
-              <a:rPr lang="en-US"/>
-              <a:t>Find a Grave memorial ID (P535) = 7046116</a:t>
-            </a:r>
-          </a:p>
-          <a:p>
-            <a:pPr lvl="0"/>
-            <a:r>
-              <a:rPr lang="en-US"/>
-              <a:t>National Portrait Gallery (London) person ID (P1816) = mp04635</a:t>
-            </a:r>
-          </a:p>
-          <a:p>
-            <a:pPr lvl="0"/>
-            <a:r>
-              <a:rPr lang="en-US"/>
-              <a:t>Encyclopædia Britannica Online ID (P1417) = biography/Victoria-wife-of-Frederick-III-of-Prussia</a:t>
-            </a:r>
-          </a:p>
-          <a:p>
-            <a:pPr lvl="0"/>
-            <a:r>
-              <a:rPr lang="en-US"/>
-              <a:t>Oxford Dictionary of National Biography ID (P1415) = 36653</a:t>
-            </a:r>
-          </a:p>
-          <a:p>
-            <a:pPr lvl="0"/>
-            <a:r>
-              <a:rPr lang="en-US"/>
-              <a:t>given name (P735) = http://www.wikidata.org/entity/Q590893 (item)</a:t>
-            </a:r>
-          </a:p>
-          <a:p>
-            <a:pPr lvl="0"/>
-            <a:r>
-              <a:rPr lang="en-US"/>
-              <a:t>wikidata_type (wikidata_type) = http://www.wikidata.org/ontology#Item</a:t>
-            </a:r>
-          </a:p>
-          <a:p>
-            <a:pPr lvl="0"/>
-            <a:r>
-              <a:rPr lang="en-US"/>
-              <a:t>Commons gallery (P935) = Victoria, Princess Royal</a:t>
-            </a:r>
-          </a:p>
-          <a:p>
-            <a:pPr lvl="0"/>
-            <a:r>
-              <a:rPr lang="en-US"/>
-              <a:t>instance of (P31) = http://www.wikidata.org/entity/Q5 (item)</a:t>
-            </a:r>
-          </a:p>
-          <a:p>
-            <a:pPr lvl="0"/>
-            <a:r>
-              <a:rPr lang="en-US"/>
-              <a:t>SNAC Ark ID (P3430) = w6xp76f2</a:t>
-            </a:r>
-          </a:p>
-          <a:p>
-            <a:pPr lvl="0"/>
-            <a:r>
-              <a:rPr lang="en-US"/>
-              <a:t>name (name) = Victoria, Princess Royal</a:t>
-            </a:r>
-          </a:p>
-          <a:p>
-            <a:pPr lvl="0"/>
-            <a:r>
-              <a:rPr lang="en-US"/>
-              <a:t>award received (P166) = [http://www.wikidata.org/entity/Q94145 (item), http://www.wikidata.org/entity/Q833809 (item)]</a:t>
-            </a:r>
-          </a:p>
-          <a:p>
-            <a:pPr lvl="0"/>
-            <a:r>
-              <a:rPr lang="en-US"/>
-              <a:t>ULAN ID (P245) = 500009430</a:t>
-            </a:r>
-          </a:p>
-          <a:p>
-            <a:pPr lvl="0"/>
-            <a:r>
-              <a:rPr lang="en-US"/>
-              <a:t>P1207 (P1207) = n2002011658</a:t>
-            </a:r>
-          </a:p>
-          <a:p>
-            <a:pPr lvl="0"/>
-            <a:r>
-              <a:rPr lang="en-US"/>
-              <a:t>Library of Congress authority ID (P244) = n81043124</a:t>
-            </a:r>
-          </a:p>
-          <a:p>
-            <a:pPr lvl="0"/>
-            <a:r>
-              <a:rPr lang="en-US"/>
-              <a:t>NLA (Australia) ID (P409) = 36298177</a:t>
-            </a:r>
-          </a:p>
-          <a:p>
-            <a:pPr lvl="0"/>
-            <a:r>
-              <a:rPr lang="en-US"/>
-              <a:t>wikidata_id (wikidata_id) = Q116728</a:t>
-            </a:r>
-          </a:p>
-          <a:p>
-            <a:pPr lvl="0"/>
-            <a:r>
-              <a:rPr lang="en-US"/>
-              <a:t>National Thesaurus for Author Names ID (P1006) = 071839631</a:t>
-            </a:r>
-          </a:p>
-          <a:p>
-            <a:pPr lvl="0"/>
-            <a:r>
-              <a:rPr lang="en-US"/>
-              <a:t>UK National Archives ID (P3029) = F257232</a:t>
-            </a:r>
-          </a:p>
-          <a:p>
-            <a:pPr lvl="0"/>
-            <a:r>
-              <a:rPr lang="en-US"/>
-              <a:t>child (P40) = [http://www.wikidata.org/entity/Q2677 (item), http://www.wikidata.org/entity/Q58670 (item), http://www.wikidata.org/entity/Q57569 (item), http://www.wikidata.org/entity/Q2800847 (item), http://www.wikidata.org/entity/Q60382 (item), http://www.wikidata.org/entity/Q3026877 (item), http://www.wikidata.org/entity/Q155822 (item), http://www.wikidata.org/entity/Q61338 (item)]</a:t>
-            </a:r>
-          </a:p>
-          <a:p>
-            <a:pPr lvl="0"/>
-            <a:r>
-              <a:rPr lang="en-US"/>
-              <a:t>date of birth (P569) = 1840-11-21 (Prec.: day [-0 .. +0], PCal: Gregorian)</a:t>
-            </a:r>
-          </a:p>
-          <a:p>
-            <a:pPr lvl="0"/>
-            <a:r>
-              <a:rPr lang="en-US"/>
-              <a:t>Freebase ID (P646) = /m/01mqj1</a:t>
-            </a:r>
-          </a:p>
-          <a:p>
-            <a:pPr lvl="0"/>
-            <a:r>
-              <a:rPr lang="en-US"/>
-              <a:t>WeRelate person ID (P4159) = Victoria,_Princess_Royal_(1)</a:t>
-            </a:r>
-          </a:p>
-          <a:p>
-            <a:pPr lvl="0"/>
-            <a:r>
-              <a:rPr lang="en-US"/>
-              <a:t>NE.se ID (P3222) = viktoria</a:t>
-            </a:r>
-          </a:p>
-          <a:p>
-            <a:pPr lvl="0"/>
-            <a:r>
-              <a:rPr lang="en-US"/>
-              <a:t>Commons category (P373) = Victoria, Princess Royal</a:t>
-            </a:r>
-          </a:p>
-          <a:p>
-            <a:pPr lvl="0"/>
-            <a:r>
-              <a:rPr lang="en-US"/>
-              <a:t>date of death (P570) = 1901-08-05 (Prec.: day [-0 .. +0], PCal: Gregorian)</a:t>
-            </a:r>
-          </a:p>
-          <a:p>
-            <a:pPr lvl="0"/>
-            <a:r>
-              <a:rPr lang="en-US"/>
-              <a:t>wiki_en (wiki_en) = Victoria, Princess Royal</a:t>
-            </a:r>
-          </a:p>
-          <a:p>
-            <a:pPr lvl="0"/>
-            <a:r>
-              <a:rPr lang="en-US"/>
-              <a:t>name in native language (P1559) = "Victoria" (en)</a:t>
-            </a:r>
-          </a:p>
-          <a:p>
-            <a:pPr lvl="0"/>
-            <a:r>
-              <a:rPr lang="en-US"/>
-              <a:t>People Australia ID (P1315) = 1243412</a:t>
-            </a:r>
-          </a:p>
-          <a:p>
-            <a:pPr lvl="0"/>
-            <a:r>
-              <a:rPr lang="en-US"/>
-              <a:t>coat of arms image (P94) = Lesser Coat of Arms of Empress Victoria.svg</a:t>
-            </a:r>
-          </a:p>
-          <a:p>
-            <a:pPr lvl="0"/>
-            <a:r>
-              <a:rPr lang="en-US"/>
-              <a:t>Benezit ID (P2843) = B00190727</a:t>
-            </a:r>
-          </a:p>
-          <a:p>
-            <a:pPr lvl="0"/>
-            <a:r>
-              <a:rPr lang="en-US"/>
-              <a:t>label_en (label_en) = Victoria, Princess Royal</a:t>
-            </a:r>
-          </a:p>
-          <a:p>
-            <a:pPr lvl="0"/>
-            <a:r>
-              <a:rPr lang="en-US"/>
-              <a:t>place of burial (P119) = http://www.wikidata.org/entity/Q819742 (item)</a:t>
-            </a:r>
-          </a:p>
-          <a:p>
-            <a:pPr lvl="0"/>
-            <a:r>
-              <a:rPr lang="en-US"/>
-              <a:t>P1477 (P1477) = "Victoria Adelaide Mary Louisa" (en)</a:t>
-            </a:r>
-          </a:p>
-          <a:p>
-            <a:pPr lvl="0"/>
-            <a:r>
-              <a:rPr lang="en-US"/>
-              <a:t>picture (picture) = BufferedImage@1128620c: type = 5 ColorModel: #pixelBits = 24 numComponents = 3 color space = java.awt.color.ICC_ColorSpace@6bf13698 transparency = 1 has alpha = false isAlphaPre = false ByteInterleavedRaster: width = 200 height = 252 #numDataElements 3 dataOff[0] = 2</a:t>
-            </a:r>
-          </a:p>
-          <a:p>
-            <a:pPr lvl="0"/>
-            <a:r>
-              <a:rPr lang="en-US"/>
-              <a:t>P97 (P97) = http://www.wikidata.org/entity/Q3877594 (item)</a:t>
-            </a:r>
-          </a:p>
-          <a:p>
-            <a:pPr lvl="0"/>
-            <a:r>
-              <a:rPr lang="en-US"/>
-              <a:t>family (P53) = http://www.wikidata.org/entity/Q81589 (item)</a:t>
-            </a:r>
-          </a:p>
-          <a:p>
-            <a:pPr lvl="0"/>
-            <a:r>
-              <a:rPr lang="en-US"/>
-              <a:t>P1472 (P1472) = Victoria, Princess Royal</a:t>
-            </a:r>
-          </a:p>
-          <a:p>
-            <a:pPr lvl="0"/>
-            <a:r>
-              <a:rPr lang="en-US"/>
-              <a:t>FAST ID (P2163) = 71378</a:t>
-            </a:r>
-          </a:p>
-          <a:p>
-            <a:pPr lvl="0"/>
-            <a:r>
-              <a:rPr lang="en-US"/>
-              <a:t>manner of death (P1196) = http://www.wikidata.org/entity/Q3739104 (item)</a:t>
-            </a:r>
-          </a:p>
-          <a:p>
-            <a:pPr lvl="0"/>
-            <a:r>
-              <a:rPr lang="en-US"/>
-              <a:t>sibling (P3373) = [http://www.wikidata.org/entity/Q155566 (item), http://www.wikidata.org/entity/Q158140 (item), http://www.wikidata.org/entity/Q160539 (item), http://www.wikidata.org/entity/Q161167 (item), http://www.wikidata.org/entity/Q158143 (item), http://www.wikidata.org/entity/Q160541 (item), http://www.wikidata.org/entity/Q160558 (item), http://www.wikidata.org/entity/Q20875 (item)]</a:t>
-            </a:r>
-          </a:p>
-          <a:p>
-            <a:pPr lvl="0"/>
-            <a:r>
-              <a:rPr lang="en-US"/>
-              <a:t>image (P18) = Victoria, Princess Royal.jpg</a:t>
-            </a:r>
-          </a:p>
-          <a:p>
-            <a:pPr lvl="0"/>
-            <a:r>
-              <a:rPr lang="en-US"/>
-              <a:t>place of birth (P19) = http://www.wikidata.org/entity/Q42182 (item)</a:t>
+              <a:t>SUDOC authorities (P269) = 074100610 ()</a:t>
+            </a:r>
+          </a:p>
+          <a:p>
+            <a:pPr lvl="0"/>
+            <a:r>
+              <a:rPr lang="en-US"/>
+              <a:t>BnF ID (P268) = 11574398z ()</a:t>
+            </a:r>
+          </a:p>
+          <a:p>
+            <a:pPr lvl="0"/>
+            <a:r>
+              <a:rPr lang="en-US"/>
+              <a:t>GND ID (P227) = 118626868 ()</a:t>
+            </a:r>
+          </a:p>
+          <a:p>
+            <a:pPr lvl="0"/>
+            <a:r>
+              <a:rPr lang="en-US"/>
+              <a:t>occupation (P106) = Q1028181 (Q1028181)</a:t>
+            </a:r>
+          </a:p>
+          <a:p>
+            <a:pPr lvl="0"/>
+            <a:r>
+              <a:rPr lang="en-US"/>
+              <a:t>SELIBR (P906) = 218661 ()</a:t>
+            </a:r>
+          </a:p>
+          <a:p>
+            <a:pPr lvl="0"/>
+            <a:r>
+              <a:rPr lang="en-US"/>
+              <a:t>National Library of Israel ID (P949) = 000137846 ()</a:t>
+            </a:r>
+          </a:p>
+          <a:p>
+            <a:pPr lvl="0"/>
+            <a:r>
+              <a:rPr lang="en-US"/>
+              <a:t>source (source) = WikiData ()</a:t>
+            </a:r>
+          </a:p>
+          <a:p>
+            <a:pPr lvl="0"/>
+            <a:r>
+              <a:rPr lang="en-US"/>
+              <a:t>NDL Auth ID (P349) = 00621602 ()</a:t>
+            </a:r>
+          </a:p>
+          <a:p>
+            <a:pPr lvl="0"/>
+            <a:r>
+              <a:rPr lang="en-US"/>
+              <a:t>sex or gender (P21) = female (Q6581072)</a:t>
+            </a:r>
+          </a:p>
+          <a:p>
+            <a:pPr lvl="0"/>
+            <a:r>
+              <a:rPr lang="en-US"/>
+              <a:t>place of death (P20) = Q510121 (Q510121)</a:t>
+            </a:r>
+          </a:p>
+          <a:p>
+            <a:pPr lvl="0"/>
+            <a:r>
+              <a:rPr lang="en-US"/>
+              <a:t>described by source (P1343) = [http://www.wikidata.org/entity/Q19507487 (item), http://www.wikidata.org/entity/Q4173137 (item), http://www.wikidata.org/entity/Q602358 (item), http://www.wikidata.org/entity/Q16014697 (item)] ()</a:t>
+            </a:r>
+          </a:p>
+          <a:p>
+            <a:pPr lvl="0"/>
+            <a:r>
+              <a:rPr lang="en-US"/>
+              <a:t>father (P22) = Q152245 (Q152245)</a:t>
+            </a:r>
+          </a:p>
+          <a:p>
+            <a:pPr lvl="0"/>
+            <a:r>
+              <a:rPr lang="en-US"/>
+              <a:t>mother (P25) = Q9439 (Q9439)</a:t>
+            </a:r>
+          </a:p>
+          <a:p>
+            <a:pPr lvl="0"/>
+            <a:r>
+              <a:rPr lang="en-US"/>
+              <a:t>country of citizenship (P27) = [http://www.wikidata.org/entity/Q145 (item), http://www.wikidata.org/entity/Q27306 (item), http://www.wikidata.org/entity/Q43287 (item)] ()</a:t>
+            </a:r>
+          </a:p>
+          <a:p>
+            <a:pPr lvl="0"/>
+            <a:r>
+              <a:rPr lang="en-US"/>
+              <a:t>spouse (P26) = Q58600 (Q58600)</a:t>
+            </a:r>
+          </a:p>
+          <a:p>
+            <a:pPr lvl="0"/>
+            <a:r>
+              <a:rPr lang="en-US"/>
+              <a:t>VIAF ID (P214) = 89807131 ()</a:t>
+            </a:r>
+          </a:p>
+          <a:p>
+            <a:pPr lvl="0"/>
+            <a:r>
+              <a:rPr lang="en-US"/>
+              <a:t>ISNI (P213) = 0000 0001 1075 9617 ()</a:t>
+            </a:r>
+          </a:p>
+          <a:p>
+            <a:pPr lvl="0"/>
+            <a:r>
+              <a:rPr lang="en-US"/>
+              <a:t>WikiTree person ID (P2949) = Sachsen-Coburg_und_Gotha-13 ()</a:t>
+            </a:r>
+          </a:p>
+          <a:p>
+            <a:pPr lvl="0"/>
+            <a:r>
+              <a:rPr lang="en-US"/>
+              <a:t>Find a Grave memorial ID (P535) = 7046116 ()</a:t>
+            </a:r>
+          </a:p>
+          <a:p>
+            <a:pPr lvl="0"/>
+            <a:r>
+              <a:rPr lang="en-US"/>
+              <a:t>National Portrait Gallery (London) person ID (P1816) = mp04635 ()</a:t>
+            </a:r>
+          </a:p>
+          <a:p>
+            <a:pPr lvl="0"/>
+            <a:r>
+              <a:rPr lang="en-US"/>
+              <a:t>Encyclopædia Britannica Online ID (P1417) = biography/Victoria-wife-of-Frederick-III-of-Prussia ()</a:t>
+            </a:r>
+          </a:p>
+          <a:p>
+            <a:pPr lvl="0"/>
+            <a:r>
+              <a:rPr lang="en-US"/>
+              <a:t>Oxford Dictionary of National Biography ID (P1415) = 36653 ()</a:t>
+            </a:r>
+          </a:p>
+          <a:p>
+            <a:pPr lvl="0"/>
+            <a:r>
+              <a:rPr lang="en-US"/>
+              <a:t>given name (P735) = Q590893 (Q590893)</a:t>
+            </a:r>
+          </a:p>
+          <a:p>
+            <a:pPr lvl="0"/>
+            <a:r>
+              <a:rPr lang="en-US"/>
+              <a:t>wikidata_type (wikidata_type) = http://www.wikidata.org/ontology#Item ()</a:t>
+            </a:r>
+          </a:p>
+          <a:p>
+            <a:pPr lvl="0"/>
+            <a:r>
+              <a:rPr lang="en-US"/>
+              <a:t>Commons gallery (P935) = Victoria, Princess Royal ()</a:t>
+            </a:r>
+          </a:p>
+          <a:p>
+            <a:pPr lvl="0"/>
+            <a:r>
+              <a:rPr lang="en-US"/>
+              <a:t>instance of (P31) = Q5 (Q5)</a:t>
+            </a:r>
+          </a:p>
+          <a:p>
+            <a:pPr lvl="0"/>
+            <a:r>
+              <a:rPr lang="en-US"/>
+              <a:t>SNAC Ark ID (P3430) = w6xp76f2 ()</a:t>
+            </a:r>
+          </a:p>
+          <a:p>
+            <a:pPr lvl="0"/>
+            <a:r>
+              <a:rPr lang="en-US"/>
+              <a:t>name (name) = Victoria, Princess Royal ()</a:t>
+            </a:r>
+          </a:p>
+          <a:p>
+            <a:pPr lvl="0"/>
+            <a:r>
+              <a:rPr lang="en-US"/>
+              <a:t>award received (P166) = [http://www.wikidata.org/entity/Q94145 (item), http://www.wikidata.org/entity/Q833809 (item)] ()</a:t>
+            </a:r>
+          </a:p>
+          <a:p>
+            <a:pPr lvl="0"/>
+            <a:r>
+              <a:rPr lang="en-US"/>
+              <a:t>ULAN ID (P245) = 500009430 ()</a:t>
+            </a:r>
+          </a:p>
+          <a:p>
+            <a:pPr lvl="0"/>
+            <a:r>
+              <a:rPr lang="en-US"/>
+              <a:t>P1207 (P1207) = n2002011658 ()</a:t>
+            </a:r>
+          </a:p>
+          <a:p>
+            <a:pPr lvl="0"/>
+            <a:r>
+              <a:rPr lang="en-US"/>
+              <a:t>Library of Congress authority ID (P244) = n81043124 ()</a:t>
+            </a:r>
+          </a:p>
+          <a:p>
+            <a:pPr lvl="0"/>
+            <a:r>
+              <a:rPr lang="en-US"/>
+              <a:t>NLA (Australia) ID (P409) = 36298177 ()</a:t>
+            </a:r>
+          </a:p>
+          <a:p>
+            <a:pPr lvl="0"/>
+            <a:r>
+              <a:rPr lang="en-US"/>
+              <a:t>wikidata_id (wikidata_id) = Q116728 ()</a:t>
+            </a:r>
+          </a:p>
+          <a:p>
+            <a:pPr lvl="0"/>
+            <a:r>
+              <a:rPr lang="en-US"/>
+              <a:t>National Thesaurus for Author Names ID (P1006) = 071839631 ()</a:t>
+            </a:r>
+          </a:p>
+          <a:p>
+            <a:pPr lvl="0"/>
+            <a:r>
+              <a:rPr lang="en-US"/>
+              <a:t>UK National Archives ID (P3029) = F257232 ()</a:t>
+            </a:r>
+          </a:p>
+          <a:p>
+            <a:pPr lvl="0"/>
+            <a:r>
+              <a:rPr lang="en-US"/>
+              <a:t>child (P40) = [http://www.wikidata.org/entity/Q2677 (item), http://www.wikidata.org/entity/Q58670 (item), http://www.wikidata.org/entity/Q57569 (item), http://www.wikidata.org/entity/Q2800847 (item), http://www.wikidata.org/entity/Q60382 (item), http://www.wikidata.org/entity/Q3026877 (item), http://www.wikidata.org/entity/Q155822 (item), http://www.wikidata.org/entity/Q61338 (item)] ()</a:t>
+            </a:r>
+          </a:p>
+          <a:p>
+            <a:pPr lvl="0"/>
+            <a:r>
+              <a:rPr lang="en-US"/>
+              <a:t>date of birth (P569) = 1840-11-21 (Prec.: day [-0 .. +0], PCal: Gregorian) ()</a:t>
+            </a:r>
+          </a:p>
+          <a:p>
+            <a:pPr lvl="0"/>
+            <a:r>
+              <a:rPr lang="en-US"/>
+              <a:t>Freebase ID (P646) = /m/01mqj1 ()</a:t>
+            </a:r>
+          </a:p>
+          <a:p>
+            <a:pPr lvl="0"/>
+            <a:r>
+              <a:rPr lang="en-US"/>
+              <a:t>WeRelate person ID (P4159) = Victoria,_Princess_Royal_(1) ()</a:t>
+            </a:r>
+          </a:p>
+          <a:p>
+            <a:pPr lvl="0"/>
+            <a:r>
+              <a:rPr lang="en-US"/>
+              <a:t>NE.se ID (P3222) = viktoria ()</a:t>
+            </a:r>
+          </a:p>
+          <a:p>
+            <a:pPr lvl="0"/>
+            <a:r>
+              <a:rPr lang="en-US"/>
+              <a:t>Commons category (P373) = Victoria, Princess Royal ()</a:t>
+            </a:r>
+          </a:p>
+          <a:p>
+            <a:pPr lvl="0"/>
+            <a:r>
+              <a:rPr lang="en-US"/>
+              <a:t>date of death (P570) = 1901-08-05 (Prec.: day [-0 .. +0], PCal: Gregorian) ()</a:t>
+            </a:r>
+          </a:p>
+          <a:p>
+            <a:pPr lvl="0"/>
+            <a:r>
+              <a:rPr lang="en-US"/>
+              <a:t>wiki_en (wiki_en) = Victoria, Princess Royal ()</a:t>
+            </a:r>
+          </a:p>
+          <a:p>
+            <a:pPr lvl="0"/>
+            <a:r>
+              <a:rPr lang="en-US"/>
+              <a:t>name in native language (P1559) = "Victoria" (en) ()</a:t>
+            </a:r>
+          </a:p>
+          <a:p>
+            <a:pPr lvl="0"/>
+            <a:r>
+              <a:rPr lang="en-US"/>
+              <a:t>People Australia ID (P1315) = 1243412 ()</a:t>
+            </a:r>
+          </a:p>
+          <a:p>
+            <a:pPr lvl="0"/>
+            <a:r>
+              <a:rPr lang="en-US"/>
+              <a:t>coat of arms image (P94) = Lesser Coat of Arms of Empress Victoria.svg ()</a:t>
+            </a:r>
+          </a:p>
+          <a:p>
+            <a:pPr lvl="0"/>
+            <a:r>
+              <a:rPr lang="en-US"/>
+              <a:t>Benezit ID (P2843) = B00190727 ()</a:t>
+            </a:r>
+          </a:p>
+          <a:p>
+            <a:pPr lvl="0"/>
+            <a:r>
+              <a:rPr lang="en-US"/>
+              <a:t>label_en (label_en) = Victoria, Princess Royal ()</a:t>
+            </a:r>
+          </a:p>
+          <a:p>
+            <a:pPr lvl="0"/>
+            <a:r>
+              <a:rPr lang="en-US"/>
+              <a:t>place of burial (P119) = Q819742 (Q819742)</a:t>
+            </a:r>
+          </a:p>
+          <a:p>
+            <a:pPr lvl="0"/>
+            <a:r>
+              <a:rPr lang="en-US"/>
+              <a:t>P1477 (P1477) = "Victoria Adelaide Mary Louisa" (en) ()</a:t>
+            </a:r>
+          </a:p>
+          <a:p>
+            <a:pPr lvl="0"/>
+            <a:r>
+              <a:rPr lang="en-US"/>
+              <a:t>picture (picture) = BufferedImage@299270eb: type = 5 ColorModel: #pixelBits = 24 numComponents = 3 color space = java.awt.color.ICC_ColorSpace@3b90a30a transparency = 1 has alpha = false isAlphaPre = false ByteInterleavedRaster: width = 200 height = 252 #numDataElements 3 dataOff[0] = 2 ()</a:t>
+            </a:r>
+          </a:p>
+          <a:p>
+            <a:pPr lvl="0"/>
+            <a:r>
+              <a:rPr lang="en-US"/>
+              <a:t>P97 (P97) = Q3877594 (Q3877594)</a:t>
+            </a:r>
+          </a:p>
+          <a:p>
+            <a:pPr lvl="0"/>
+            <a:r>
+              <a:rPr lang="en-US"/>
+              <a:t>family (P53) = Q81589 (Q81589)</a:t>
+            </a:r>
+          </a:p>
+          <a:p>
+            <a:pPr lvl="0"/>
+            <a:r>
+              <a:rPr lang="en-US"/>
+              <a:t>P1472 (P1472) = Victoria, Princess Royal ()</a:t>
+            </a:r>
+          </a:p>
+          <a:p>
+            <a:pPr lvl="0"/>
+            <a:r>
+              <a:rPr lang="en-US"/>
+              <a:t>FAST ID (P2163) = 71378 ()</a:t>
+            </a:r>
+          </a:p>
+          <a:p>
+            <a:pPr lvl="0"/>
+            <a:r>
+              <a:rPr lang="en-US"/>
+              <a:t>manner of death (P1196) = Q3739104 (Q3739104)</a:t>
+            </a:r>
+          </a:p>
+          <a:p>
+            <a:pPr lvl="0"/>
+            <a:r>
+              <a:rPr lang="en-US"/>
+              <a:t>sibling (P3373) = [http://www.wikidata.org/entity/Q155566 (item), http://www.wikidata.org/entity/Q158140 (item), http://www.wikidata.org/entity/Q160539 (item), http://www.wikidata.org/entity/Q161167 (item), http://www.wikidata.org/entity/Q158143 (item), http://www.wikidata.org/entity/Q160541 (item), http://www.wikidata.org/entity/Q160558 (item), http://www.wikidata.org/entity/Q20875 (item)] ()</a:t>
+            </a:r>
+          </a:p>
+          <a:p>
+            <a:pPr lvl="0"/>
+            <a:r>
+              <a:rPr lang="en-US"/>
+              <a:t>image (P18) = Victoria, Princess Royal.jpg ()</a:t>
+            </a:r>
+          </a:p>
+          <a:p>
+            <a:pPr lvl="0"/>
+            <a:r>
+              <a:rPr lang="en-US"/>
+              <a:t>place of birth (P19) = Q42182 (Q42182)</a:t>
             </a:r>
           </a:p>
         </p:txBody>
@@ -2644,609 +2644,609 @@
             <a:pPr lvl="0"/>
             <a:r>
               <a:rPr lang="en-US"/>
-              <a:t>SUDOC authorities (P269) = 031976077</a:t>
-            </a:r>
-          </a:p>
-          <a:p>
-            <a:pPr lvl="0"/>
-            <a:r>
-              <a:rPr lang="en-US"/>
-              <a:t>BnF ID (P268) = 12309317p</a:t>
-            </a:r>
-          </a:p>
-          <a:p>
-            <a:pPr lvl="0"/>
-            <a:r>
-              <a:rPr lang="en-US"/>
-              <a:t>GND ID (P227) = 118528955</a:t>
-            </a:r>
-          </a:p>
-          <a:p>
-            <a:pPr lvl="0"/>
-            <a:r>
-              <a:rPr lang="en-US"/>
-              <a:t>occupation (P106) = [http://www.wikidata.org/entity/Q2478141 (item), http://www.wikidata.org/entity/Q10732476 (item), http://www.wikidata.org/entity/Q12097 (item)]</a:t>
-            </a:r>
-          </a:p>
-          <a:p>
-            <a:pPr lvl="0"/>
-            <a:r>
-              <a:rPr lang="en-US"/>
-              <a:t>member of (P463) = [http://www.wikidata.org/entity/Q469039 (item), http://www.wikidata.org/entity/Q123885 (item)]</a:t>
-            </a:r>
-          </a:p>
-          <a:p>
-            <a:pPr lvl="0"/>
-            <a:r>
-              <a:rPr lang="en-US"/>
-              <a:t>SELIBR (P906) = 207197</a:t>
-            </a:r>
-          </a:p>
-          <a:p>
-            <a:pPr lvl="0"/>
-            <a:r>
-              <a:rPr lang="en-US"/>
-              <a:t>P1303 (P1303) = http://www.wikidata.org/entity/Q8347 (item)</a:t>
-            </a:r>
-          </a:p>
-          <a:p>
-            <a:pPr lvl="0"/>
-            <a:r>
-              <a:rPr lang="en-US"/>
-              <a:t>source (source) = WikiData</a:t>
-            </a:r>
-          </a:p>
-          <a:p>
-            <a:pPr lvl="0"/>
-            <a:r>
-              <a:rPr lang="en-US"/>
-              <a:t>NDL Auth ID (P349) = 001123056</a:t>
-            </a:r>
-          </a:p>
-          <a:p>
-            <a:pPr lvl="0"/>
-            <a:r>
-              <a:rPr lang="en-US"/>
-              <a:t>monogram (P1543) = Royal Monogram of King Edward VII of Great Britain.svg</a:t>
-            </a:r>
-          </a:p>
-          <a:p>
-            <a:pPr lvl="0"/>
-            <a:r>
-              <a:rPr lang="en-US"/>
-              <a:t>sex or gender (P21) = http://www.wikidata.org/entity/Q6581097 (item)</a:t>
-            </a:r>
-          </a:p>
-          <a:p>
-            <a:pPr lvl="0"/>
-            <a:r>
-              <a:rPr lang="en-US"/>
-              <a:t>signature (P109) = EdwardVII Signature.svg</a:t>
-            </a:r>
-          </a:p>
-          <a:p>
-            <a:pPr lvl="0"/>
-            <a:r>
-              <a:rPr lang="en-US"/>
-              <a:t>place of death (P20) = http://www.wikidata.org/entity/Q42182 (item)</a:t>
-            </a:r>
-          </a:p>
-          <a:p>
-            <a:pPr lvl="0"/>
-            <a:r>
-              <a:rPr lang="en-US"/>
-              <a:t>described by source (P1343) = [http://www.wikidata.org/entity/Q19180675 (item), http://www.wikidata.org/entity/Q602358 (item), http://www.wikidata.org/entity/Q16014697 (item)]</a:t>
-            </a:r>
-          </a:p>
-          <a:p>
-            <a:pPr lvl="0"/>
-            <a:r>
-              <a:rPr lang="en-US"/>
-              <a:t>openMLOL author ID (P3762) = 175650</a:t>
-            </a:r>
-          </a:p>
-          <a:p>
-            <a:pPr lvl="0"/>
-            <a:r>
-              <a:rPr lang="en-US"/>
-              <a:t>NNDB people ID (P1263) = 906/000068702</a:t>
-            </a:r>
-          </a:p>
-          <a:p>
-            <a:pPr lvl="0"/>
-            <a:r>
-              <a:rPr lang="en-US"/>
-              <a:t>father (P22) = http://www.wikidata.org/entity/Q152245 (item)</a:t>
-            </a:r>
-          </a:p>
-          <a:p>
-            <a:pPr lvl="0"/>
-            <a:r>
-              <a:rPr lang="en-US"/>
-              <a:t>mother (P25) = http://www.wikidata.org/entity/Q9439 (item)</a:t>
-            </a:r>
-          </a:p>
-          <a:p>
-            <a:pPr lvl="0"/>
-            <a:r>
-              <a:rPr lang="en-US"/>
-              <a:t>P69 (P69) = [http://www.wikidata.org/entity/Q160302 (item), http://www.wikidata.org/entity/Q745967 (item), http://www.wikidata.org/entity/Q332342 (item)]</a:t>
-            </a:r>
-          </a:p>
-          <a:p>
-            <a:pPr lvl="0"/>
-            <a:r>
-              <a:rPr lang="en-US"/>
-              <a:t>country of citizenship (P27) = [http://www.wikidata.org/entity/Q145 (item), http://www.wikidata.org/entity/Q34 (item)]</a:t>
-            </a:r>
-          </a:p>
-          <a:p>
-            <a:pPr lvl="0"/>
-            <a:r>
-              <a:rPr lang="en-US"/>
-              <a:t>spouse (P26) = http://www.wikidata.org/entity/Q152260 (item)</a:t>
-            </a:r>
-          </a:p>
-          <a:p>
-            <a:pPr lvl="0"/>
-            <a:r>
-              <a:rPr lang="en-US"/>
-              <a:t>PM20 folder ID (P4293) = pe/004484</a:t>
-            </a:r>
-          </a:p>
-          <a:p>
-            <a:pPr lvl="0"/>
-            <a:r>
-              <a:rPr lang="en-US"/>
-              <a:t>VIAF ID (P214) = 265340794</a:t>
-            </a:r>
-          </a:p>
-          <a:p>
-            <a:pPr lvl="0"/>
-            <a:r>
-              <a:rPr lang="en-US"/>
-              <a:t>ISNI (P213) = 0000 0003 8269 6461</a:t>
-            </a:r>
-          </a:p>
-          <a:p>
-            <a:pPr lvl="0"/>
-            <a:r>
-              <a:rPr lang="en-US"/>
-              <a:t>National Portrait Gallery (London) person ID (P1816) = mp01430</a:t>
-            </a:r>
-          </a:p>
-          <a:p>
-            <a:pPr lvl="0"/>
-            <a:r>
-              <a:rPr lang="en-US"/>
-              <a:t>WikiTree person ID (P2949) = Saxe-Coburg-Gotha-5</a:t>
-            </a:r>
-          </a:p>
-          <a:p>
-            <a:pPr lvl="0"/>
-            <a:r>
-              <a:rPr lang="en-US"/>
-              <a:t>Find a Grave memorial ID (P535) = 7465</a:t>
-            </a:r>
-          </a:p>
-          <a:p>
-            <a:pPr lvl="0"/>
-            <a:r>
-              <a:rPr lang="en-US"/>
-              <a:t>Project Gutenberg author ID (P1938) = 36073</a:t>
-            </a:r>
-          </a:p>
-          <a:p>
-            <a:pPr lvl="0"/>
-            <a:r>
-              <a:rPr lang="en-US"/>
-              <a:t>P650 (P650) = 25504</a:t>
-            </a:r>
-          </a:p>
-          <a:p>
-            <a:pPr lvl="0"/>
-            <a:r>
-              <a:rPr lang="en-US"/>
-              <a:t>P410 (P410) = http://www.wikidata.org/entity/Q2703373 (item)</a:t>
-            </a:r>
-          </a:p>
-          <a:p>
-            <a:pPr lvl="0"/>
-            <a:r>
-              <a:rPr lang="en-US"/>
-              <a:t>Encyclopædia Britannica Online ID (P1417) = biography/Edward-VII</a:t>
-            </a:r>
-          </a:p>
-          <a:p>
-            <a:pPr lvl="0"/>
-            <a:r>
-              <a:rPr lang="en-US"/>
-              <a:t>P937 (P937) = http://www.wikidata.org/entity/Q84 (item)</a:t>
-            </a:r>
-          </a:p>
-          <a:p>
-            <a:pPr lvl="0"/>
-            <a:r>
-              <a:rPr lang="en-US"/>
-              <a:t>P2944 (P2944) = E001546b</a:t>
-            </a:r>
-          </a:p>
-          <a:p>
-            <a:pPr lvl="0"/>
-            <a:r>
-              <a:rPr lang="en-US"/>
-              <a:t>Oxford Dictionary of National Biography ID (P1415) = 32975</a:t>
-            </a:r>
-          </a:p>
-          <a:p>
-            <a:pPr lvl="0"/>
-            <a:r>
-              <a:rPr lang="en-US"/>
-              <a:t>languages spoken, written or signed (P1412) = http://www.wikidata.org/entity/Q1860 (item)</a:t>
-            </a:r>
-          </a:p>
-          <a:p>
-            <a:pPr lvl="0"/>
-            <a:r>
-              <a:rPr lang="en-US"/>
-              <a:t>P1017 (P1017) = ["ADV12028425", "ADV12133068"]</a:t>
-            </a:r>
-          </a:p>
-          <a:p>
-            <a:pPr lvl="0"/>
-            <a:r>
-              <a:rPr lang="en-US"/>
-              <a:t>given name (P735) = [http://www.wikidata.org/entity/Q278835 (item), http://www.wikidata.org/entity/Q18130894 (item), http://www.wikidata.org/entity/Q577011 (item)]</a:t>
-            </a:r>
-          </a:p>
-          <a:p>
-            <a:pPr lvl="0"/>
-            <a:r>
-              <a:rPr lang="en-US"/>
-              <a:t>wikidata_type (wikidata_type) = http://www.wikidata.org/ontology#Item</a:t>
-            </a:r>
-          </a:p>
-          <a:p>
-            <a:pPr lvl="0"/>
-            <a:r>
-              <a:rPr lang="en-US"/>
-              <a:t>P734 (P734) = http://www.wikidata.org/entity/Q21405537 (item)</a:t>
-            </a:r>
-          </a:p>
-          <a:p>
-            <a:pPr lvl="0"/>
-            <a:r>
-              <a:rPr lang="en-US"/>
-              <a:t>P1015 (P1015) = 90595219</a:t>
-            </a:r>
-          </a:p>
-          <a:p>
-            <a:pPr lvl="0"/>
-            <a:r>
-              <a:rPr lang="en-US"/>
-              <a:t>Commons gallery (P935) = Edward VII of the United Kingdom</a:t>
-            </a:r>
-          </a:p>
-          <a:p>
-            <a:pPr lvl="0"/>
-            <a:r>
-              <a:rPr lang="en-US"/>
-              <a:t>instance of (P31) = http://www.wikidata.org/entity/Q5 (item)</a:t>
-            </a:r>
-          </a:p>
-          <a:p>
-            <a:pPr lvl="0"/>
-            <a:r>
-              <a:rPr lang="en-US"/>
-              <a:t>P1296 (P1296) = 0023499</a:t>
-            </a:r>
-          </a:p>
-          <a:p>
-            <a:pPr lvl="0"/>
-            <a:r>
-              <a:rPr lang="en-US"/>
-              <a:t>SNAC Ark ID (P3430) = w67d5xp5</a:t>
-            </a:r>
-          </a:p>
-          <a:p>
-            <a:pPr lvl="0"/>
-            <a:r>
-              <a:rPr lang="en-US"/>
-              <a:t>position held (P39) = [http://www.wikidata.org/entity/Q116 (item), http://www.wikidata.org/entity/Q5352166 (item), http://www.wikidata.org/entity/Q39018 (item), http://www.wikidata.org/entity/Q18952564 (item), http://www.wikidata.org/entity/Q28837708 (item), http://www.wikidata.org/entity/Q28841847 (item), http://www.wikidata.org/entity/Q9134365 (item)]</a:t>
-            </a:r>
-          </a:p>
-          <a:p>
-            <a:pPr lvl="0"/>
-            <a:r>
-              <a:rPr lang="en-US"/>
-              <a:t>religion (P140) = http://www.wikidata.org/entity/Q23540 (item)</a:t>
-            </a:r>
-          </a:p>
-          <a:p>
-            <a:pPr lvl="0"/>
-            <a:r>
-              <a:rPr lang="en-US"/>
-              <a:t>name (name) = Edward VII</a:t>
-            </a:r>
-          </a:p>
-          <a:p>
-            <a:pPr lvl="0"/>
-            <a:r>
-              <a:rPr lang="en-US"/>
-              <a:t>award received (P166) = [http://www.wikidata.org/entity/Q15117228 (item), http://www.wikidata.org/entity/Q94145 (item), http://www.wikidata.org/entity/Q12177451 (item), http://www.wikidata.org/entity/Q12192290 (item), http://www.wikidata.org/entity/Q12177423 (item), http://www.wikidata.org/entity/Q94345 (item), http://www.wikidata.org/entity/Q5361043 (item), http://www.wikidata.org/entity/Q1126563 (item), http://www.wikidata.org/entity/Q4710826 (item), http://www.wikidata.org/entity/Q215248 (item), http://www.wikidata.org/entity/Q721030 (item), http://www.wikidata.org/entity/Q1326038 (item), http://www.wikidata.org/entity/Q506369 (item), http://www.wikidata.org/entity/Q585087 (item), http://www.wikidata.org/entity/Q1330936 (item), http://www.wikidata.org/entity/Q93710 (item), http://www.wikidata.org/entity/Q1465984 (item), http://www.wikidata.org/entity/Q1331130 (item), http://www.wikidata.org/entity/Q976544 (item), http://www.wikidata.org/entity/Q699459 (item), http://www.wikidata.org/entity/Q347377 (item), http://www.wikidata.org/entity/Q93932 (item), http://www.wikidata.org/entity/Q163700 (item), http://www.wikidata.org/entity/Q567417 (item), http://www.wikidata.org/entity/Q20872 (item), http://www.wikidata.org/entity/Q751275 (item), http://www.wikidata.org/entity/Q1471215 (item), http://www.wikidata.org/entity/Q190353 (item)]</a:t>
-            </a:r>
-          </a:p>
-          <a:p>
-            <a:pPr lvl="0"/>
-            <a:r>
-              <a:rPr lang="en-US"/>
-              <a:t>ULAN ID (P245) = 500023438</a:t>
-            </a:r>
-          </a:p>
-          <a:p>
-            <a:pPr lvl="0"/>
-            <a:r>
-              <a:rPr lang="en-US"/>
-              <a:t>Library of Congress authority ID (P244) = n79039821</a:t>
-            </a:r>
-          </a:p>
-          <a:p>
-            <a:pPr lvl="0"/>
-            <a:r>
-              <a:rPr lang="en-US"/>
-              <a:t>NLA (Australia) ID (P409) = 35057316</a:t>
-            </a:r>
-          </a:p>
-          <a:p>
-            <a:pPr lvl="0"/>
-            <a:r>
-              <a:rPr lang="en-US"/>
-              <a:t>wikidata_id (wikidata_id) = Q20875</a:t>
-            </a:r>
-          </a:p>
-          <a:p>
-            <a:pPr lvl="0"/>
-            <a:r>
-              <a:rPr lang="en-US"/>
-              <a:t>National Thesaurus for Author Names ID (P1006) = 070464766</a:t>
-            </a:r>
-          </a:p>
-          <a:p>
-            <a:pPr lvl="0"/>
-            <a:r>
-              <a:rPr lang="en-US"/>
-              <a:t>UK National Archives ID (P3029) = ["F54154", "F256882"]</a:t>
-            </a:r>
-          </a:p>
-          <a:p>
-            <a:pPr lvl="0"/>
-            <a:r>
-              <a:rPr lang="en-US"/>
-              <a:t>P2015 (P2015) = mr-edward-gotha</a:t>
-            </a:r>
-          </a:p>
-          <a:p>
-            <a:pPr lvl="0"/>
-            <a:r>
-              <a:rPr lang="en-US"/>
-              <a:t>child (P40) = [http://www.wikidata.org/entity/Q159670 (item), http://www.wikidata.org/entity/Q269412 (item), http://www.wikidata.org/entity/Q233516 (item), http://www.wikidata.org/entity/Q234542 (item), http://www.wikidata.org/entity/Q154423 (item), http://www.wikidata.org/entity/Q12738554 (item)]</a:t>
-            </a:r>
-          </a:p>
-          <a:p>
-            <a:pPr lvl="0"/>
-            <a:r>
-              <a:rPr lang="en-US"/>
-              <a:t>date of birth (P569) = 1841-11-09 (Prec.: day [-0 .. +0], PCal: Gregorian)</a:t>
-            </a:r>
-          </a:p>
-          <a:p>
-            <a:pPr lvl="0"/>
-            <a:r>
-              <a:rPr lang="en-US"/>
-              <a:t>Freebase ID (P646) = /m/0cm03</a:t>
-            </a:r>
-          </a:p>
-          <a:p>
-            <a:pPr lvl="0"/>
-            <a:r>
-              <a:rPr lang="en-US"/>
-              <a:t>Te Papa person ID (P3544) = 33717</a:t>
-            </a:r>
-          </a:p>
-          <a:p>
-            <a:pPr lvl="0"/>
-            <a:r>
-              <a:rPr lang="en-US"/>
-              <a:t>WeRelate person ID (P4159) = Edward_VII_of_the_United_Kingdom_(1)</a:t>
-            </a:r>
-          </a:p>
-          <a:p>
-            <a:pPr lvl="0"/>
-            <a:r>
-              <a:rPr lang="en-US"/>
-              <a:t>RA Collections ID (P4553) = 8885</a:t>
-            </a:r>
-          </a:p>
-          <a:p>
-            <a:pPr lvl="0"/>
-            <a:r>
-              <a:rPr lang="en-US"/>
-              <a:t>Commons category (P373) = Edward VII of the United Kingdom</a:t>
-            </a:r>
-          </a:p>
-          <a:p>
-            <a:pPr lvl="0"/>
-            <a:r>
-              <a:rPr lang="en-US"/>
-              <a:t>date of death (P570) = 1910-05-06 (Prec.: day [-0 .. +0], PCal: Gregorian)</a:t>
-            </a:r>
-          </a:p>
-          <a:p>
-            <a:pPr lvl="0"/>
-            <a:r>
-              <a:rPr lang="en-US"/>
-              <a:t>NKCR AUT ID (P691) = jn20030212003</a:t>
-            </a:r>
-          </a:p>
-          <a:p>
-            <a:pPr lvl="0"/>
-            <a:r>
-              <a:rPr lang="en-US"/>
-              <a:t>wiki_en (wiki_en) = Edward VII</a:t>
-            </a:r>
-          </a:p>
-          <a:p>
-            <a:pPr lvl="0"/>
-            <a:r>
-              <a:rPr lang="en-US"/>
-              <a:t>BNE ID (P950) = XX954611</a:t>
-            </a:r>
-          </a:p>
-          <a:p>
-            <a:pPr lvl="0"/>
-            <a:r>
-              <a:rPr lang="en-US"/>
-              <a:t>name in native language (P1559) = "Eduard VII." (en)</a:t>
-            </a:r>
-          </a:p>
-          <a:p>
-            <a:pPr lvl="0"/>
-            <a:r>
-              <a:rPr lang="en-US"/>
-              <a:t>British Museum person-institution (P1711) = ["68944", "138072"]</a:t>
-            </a:r>
-          </a:p>
-          <a:p>
-            <a:pPr lvl="0"/>
-            <a:r>
-              <a:rPr lang="en-US"/>
-              <a:t>Quora topic ID (P3417) = Edward-VII</a:t>
-            </a:r>
-          </a:p>
-          <a:p>
-            <a:pPr lvl="0"/>
-            <a:r>
-              <a:rPr lang="en-US"/>
-              <a:t>P3219 (P3219) = edouard-vii</a:t>
-            </a:r>
-          </a:p>
-          <a:p>
-            <a:pPr lvl="0"/>
-            <a:r>
-              <a:rPr lang="en-US"/>
-              <a:t>P1599 (P1599) = WLS861AE</a:t>
-            </a:r>
-          </a:p>
-          <a:p>
-            <a:pPr lvl="0"/>
-            <a:r>
-              <a:rPr lang="en-US"/>
-              <a:t>coat of arms image (P94) = Coat of arms of the United Kingdom (1837-1952).svg</a:t>
-            </a:r>
-          </a:p>
-          <a:p>
-            <a:pPr lvl="0"/>
-            <a:r>
-              <a:rPr lang="en-US"/>
-              <a:t>label_en (label_en) = Edward VII</a:t>
-            </a:r>
-          </a:p>
-          <a:p>
-            <a:pPr lvl="0"/>
-            <a:r>
-              <a:rPr lang="en-US"/>
-              <a:t>place of burial (P119) = [http://www.wikidata.org/entity/Q2449634 (item), http://www.wikidata.org/entity/Q42646 (item)]</a:t>
-            </a:r>
-          </a:p>
-          <a:p>
-            <a:pPr lvl="0"/>
-            <a:r>
-              <a:rPr lang="en-US"/>
-              <a:t>Smithsonian American Art Museum: person/institution thesaurus ID (P1795) = 5200</a:t>
-            </a:r>
-          </a:p>
-          <a:p>
-            <a:pPr lvl="0"/>
-            <a:r>
-              <a:rPr lang="en-US"/>
-              <a:t>topic's main category (P910) = http://www.wikidata.org/entity/Q8408348 (item)</a:t>
-            </a:r>
-          </a:p>
-          <a:p>
-            <a:pPr lvl="0"/>
-            <a:r>
-              <a:rPr lang="en-US"/>
-              <a:t>P1477 (P1477) = "Albert Edward" (en)</a:t>
-            </a:r>
-          </a:p>
-          <a:p>
-            <a:pPr lvl="0"/>
-            <a:r>
-              <a:rPr lang="en-US"/>
-              <a:t>OpenPlaques subject ID (P1430) = 1513</a:t>
-            </a:r>
-          </a:p>
-          <a:p>
-            <a:pPr lvl="0"/>
-            <a:r>
-              <a:rPr lang="en-US"/>
-              <a:t>picture (picture) = BufferedImage@15f8701f: type = 5 ColorModel: #pixelBits = 24 numComponents = 3 color space = java.awt.color.ICC_ColorSpace@6bf13698 transparency = 1 has alpha = false isAlphaPre = false ByteInterleavedRaster: width = 200 height = 282 #numDataElements 3 dataOff[0] = 2</a:t>
-            </a:r>
-          </a:p>
-          <a:p>
-            <a:pPr lvl="0"/>
-            <a:r>
-              <a:rPr lang="en-US"/>
-              <a:t>family (P53) = http://www.wikidata.org/entity/Q1753846 (item)</a:t>
-            </a:r>
-          </a:p>
-          <a:p>
-            <a:pPr lvl="0"/>
-            <a:r>
-              <a:rPr lang="en-US"/>
-              <a:t>P97 (P97) = [http://www.wikidata.org/entity/Q668449 (item), http://www.wikidata.org/entity/Q460244 (item), http://www.wikidata.org/entity/Q2494846 (item)]</a:t>
-            </a:r>
-          </a:p>
-          <a:p>
-            <a:pPr lvl="0"/>
-            <a:r>
-              <a:rPr lang="en-US"/>
-              <a:t>FAST ID (P2163) = 33612</a:t>
-            </a:r>
-          </a:p>
-          <a:p>
-            <a:pPr lvl="0"/>
-            <a:r>
-              <a:rPr lang="en-US"/>
-              <a:t>CANTIC-ID (P1273) = a11246303</a:t>
-            </a:r>
-          </a:p>
-          <a:p>
-            <a:pPr lvl="0"/>
-            <a:r>
-              <a:rPr lang="en-US"/>
-              <a:t>sibling (P3373) = [http://www.wikidata.org/entity/Q116728 (item), http://www.wikidata.org/entity/Q155566 (item), http://www.wikidata.org/entity/Q158140 (item), http://www.wikidata.org/entity/Q160539 (item), http://www.wikidata.org/entity/Q161167 (item), http://www.wikidata.org/entity/Q158143 (item), http://www.wikidata.org/entity/Q160541 (item), http://www.wikidata.org/entity/Q160558 (item)]</a:t>
-            </a:r>
-          </a:p>
-          <a:p>
-            <a:pPr lvl="0"/>
-            <a:r>
-              <a:rPr lang="en-US"/>
-              <a:t>image (P18) = Edward VII in coronation robes.jpg</a:t>
-            </a:r>
-          </a:p>
-          <a:p>
-            <a:pPr lvl="0"/>
-            <a:r>
-              <a:rPr lang="en-US"/>
-              <a:t>place of birth (P19) = http://www.wikidata.org/entity/Q42182 (item)</a:t>
-            </a:r>
-          </a:p>
-          <a:p>
-            <a:pPr lvl="0"/>
-            <a:r>
-              <a:rPr lang="en-US"/>
-              <a:t>P241 (P241) = http://www.wikidata.org/entity/Q222595 (item)</a:t>
+              <a:t>SUDOC authorities (P269) = 031976077 ()</a:t>
+            </a:r>
+          </a:p>
+          <a:p>
+            <a:pPr lvl="0"/>
+            <a:r>
+              <a:rPr lang="en-US"/>
+              <a:t>BnF ID (P268) = 12309317p ()</a:t>
+            </a:r>
+          </a:p>
+          <a:p>
+            <a:pPr lvl="0"/>
+            <a:r>
+              <a:rPr lang="en-US"/>
+              <a:t>GND ID (P227) = 118528955 ()</a:t>
+            </a:r>
+          </a:p>
+          <a:p>
+            <a:pPr lvl="0"/>
+            <a:r>
+              <a:rPr lang="en-US"/>
+              <a:t>occupation (P106) = [http://www.wikidata.org/entity/Q2478141 (item), http://www.wikidata.org/entity/Q10732476 (item), http://www.wikidata.org/entity/Q12097 (item)] ()</a:t>
+            </a:r>
+          </a:p>
+          <a:p>
+            <a:pPr lvl="0"/>
+            <a:r>
+              <a:rPr lang="en-US"/>
+              <a:t>member of (P463) = [http://www.wikidata.org/entity/Q469039 (item), http://www.wikidata.org/entity/Q123885 (item)] ()</a:t>
+            </a:r>
+          </a:p>
+          <a:p>
+            <a:pPr lvl="0"/>
+            <a:r>
+              <a:rPr lang="en-US"/>
+              <a:t>SELIBR (P906) = 207197 ()</a:t>
+            </a:r>
+          </a:p>
+          <a:p>
+            <a:pPr lvl="0"/>
+            <a:r>
+              <a:rPr lang="en-US"/>
+              <a:t>P1303 (P1303) = Q8347 (Q8347)</a:t>
+            </a:r>
+          </a:p>
+          <a:p>
+            <a:pPr lvl="0"/>
+            <a:r>
+              <a:rPr lang="en-US"/>
+              <a:t>source (source) = WikiData ()</a:t>
+            </a:r>
+          </a:p>
+          <a:p>
+            <a:pPr lvl="0"/>
+            <a:r>
+              <a:rPr lang="en-US"/>
+              <a:t>NDL Auth ID (P349) = 001123056 ()</a:t>
+            </a:r>
+          </a:p>
+          <a:p>
+            <a:pPr lvl="0"/>
+            <a:r>
+              <a:rPr lang="en-US"/>
+              <a:t>monogram (P1543) = Royal Monogram of King Edward VII of Great Britain.svg ()</a:t>
+            </a:r>
+          </a:p>
+          <a:p>
+            <a:pPr lvl="0"/>
+            <a:r>
+              <a:rPr lang="en-US"/>
+              <a:t>sex or gender (P21) = Q6581097 (Q6581097)</a:t>
+            </a:r>
+          </a:p>
+          <a:p>
+            <a:pPr lvl="0"/>
+            <a:r>
+              <a:rPr lang="en-US"/>
+              <a:t>signature (P109) = EdwardVII Signature.svg ()</a:t>
+            </a:r>
+          </a:p>
+          <a:p>
+            <a:pPr lvl="0"/>
+            <a:r>
+              <a:rPr lang="en-US"/>
+              <a:t>place of death (P20) = Q42182 (Q42182)</a:t>
+            </a:r>
+          </a:p>
+          <a:p>
+            <a:pPr lvl="0"/>
+            <a:r>
+              <a:rPr lang="en-US"/>
+              <a:t>described by source (P1343) = [http://www.wikidata.org/entity/Q19180675 (item), http://www.wikidata.org/entity/Q602358 (item), http://www.wikidata.org/entity/Q16014697 (item)] ()</a:t>
+            </a:r>
+          </a:p>
+          <a:p>
+            <a:pPr lvl="0"/>
+            <a:r>
+              <a:rPr lang="en-US"/>
+              <a:t>openMLOL author ID (P3762) = 175650 ()</a:t>
+            </a:r>
+          </a:p>
+          <a:p>
+            <a:pPr lvl="0"/>
+            <a:r>
+              <a:rPr lang="en-US"/>
+              <a:t>NNDB people ID (P1263) = 906/000068702 ()</a:t>
+            </a:r>
+          </a:p>
+          <a:p>
+            <a:pPr lvl="0"/>
+            <a:r>
+              <a:rPr lang="en-US"/>
+              <a:t>father (P22) = Q152245 (Q152245)</a:t>
+            </a:r>
+          </a:p>
+          <a:p>
+            <a:pPr lvl="0"/>
+            <a:r>
+              <a:rPr lang="en-US"/>
+              <a:t>mother (P25) = Q9439 (Q9439)</a:t>
+            </a:r>
+          </a:p>
+          <a:p>
+            <a:pPr lvl="0"/>
+            <a:r>
+              <a:rPr lang="en-US"/>
+              <a:t>P69 (P69) = [http://www.wikidata.org/entity/Q160302 (item), http://www.wikidata.org/entity/Q745967 (item), http://www.wikidata.org/entity/Q332342 (item)] ()</a:t>
+            </a:r>
+          </a:p>
+          <a:p>
+            <a:pPr lvl="0"/>
+            <a:r>
+              <a:rPr lang="en-US"/>
+              <a:t>country of citizenship (P27) = [http://www.wikidata.org/entity/Q145 (item), http://www.wikidata.org/entity/Q34 (item)] ()</a:t>
+            </a:r>
+          </a:p>
+          <a:p>
+            <a:pPr lvl="0"/>
+            <a:r>
+              <a:rPr lang="en-US"/>
+              <a:t>spouse (P26) = Q152260 (Q152260)</a:t>
+            </a:r>
+          </a:p>
+          <a:p>
+            <a:pPr lvl="0"/>
+            <a:r>
+              <a:rPr lang="en-US"/>
+              <a:t>PM20 folder ID (P4293) = pe/004484 ()</a:t>
+            </a:r>
+          </a:p>
+          <a:p>
+            <a:pPr lvl="0"/>
+            <a:r>
+              <a:rPr lang="en-US"/>
+              <a:t>VIAF ID (P214) = 265340794 ()</a:t>
+            </a:r>
+          </a:p>
+          <a:p>
+            <a:pPr lvl="0"/>
+            <a:r>
+              <a:rPr lang="en-US"/>
+              <a:t>ISNI (P213) = 0000 0003 8269 6461 ()</a:t>
+            </a:r>
+          </a:p>
+          <a:p>
+            <a:pPr lvl="0"/>
+            <a:r>
+              <a:rPr lang="en-US"/>
+              <a:t>National Portrait Gallery (London) person ID (P1816) = mp01430 ()</a:t>
+            </a:r>
+          </a:p>
+          <a:p>
+            <a:pPr lvl="0"/>
+            <a:r>
+              <a:rPr lang="en-US"/>
+              <a:t>WikiTree person ID (P2949) = Saxe-Coburg-Gotha-5 ()</a:t>
+            </a:r>
+          </a:p>
+          <a:p>
+            <a:pPr lvl="0"/>
+            <a:r>
+              <a:rPr lang="en-US"/>
+              <a:t>Find a Grave memorial ID (P535) = 7465 ()</a:t>
+            </a:r>
+          </a:p>
+          <a:p>
+            <a:pPr lvl="0"/>
+            <a:r>
+              <a:rPr lang="en-US"/>
+              <a:t>Project Gutenberg author ID (P1938) = 36073 ()</a:t>
+            </a:r>
+          </a:p>
+          <a:p>
+            <a:pPr lvl="0"/>
+            <a:r>
+              <a:rPr lang="en-US"/>
+              <a:t>P650 (P650) = 25504 ()</a:t>
+            </a:r>
+          </a:p>
+          <a:p>
+            <a:pPr lvl="0"/>
+            <a:r>
+              <a:rPr lang="en-US"/>
+              <a:t>P410 (P410) = Q2703373 (Q2703373)</a:t>
+            </a:r>
+          </a:p>
+          <a:p>
+            <a:pPr lvl="0"/>
+            <a:r>
+              <a:rPr lang="en-US"/>
+              <a:t>Encyclopædia Britannica Online ID (P1417) = biography/Edward-VII ()</a:t>
+            </a:r>
+          </a:p>
+          <a:p>
+            <a:pPr lvl="0"/>
+            <a:r>
+              <a:rPr lang="en-US"/>
+              <a:t>P937 (P937) = Q84 (Q84)</a:t>
+            </a:r>
+          </a:p>
+          <a:p>
+            <a:pPr lvl="0"/>
+            <a:r>
+              <a:rPr lang="en-US"/>
+              <a:t>P2944 (P2944) = E001546b ()</a:t>
+            </a:r>
+          </a:p>
+          <a:p>
+            <a:pPr lvl="0"/>
+            <a:r>
+              <a:rPr lang="en-US"/>
+              <a:t>Oxford Dictionary of National Biography ID (P1415) = 32975 ()</a:t>
+            </a:r>
+          </a:p>
+          <a:p>
+            <a:pPr lvl="0"/>
+            <a:r>
+              <a:rPr lang="en-US"/>
+              <a:t>languages spoken, written or signed (P1412) = Q1860 (Q1860)</a:t>
+            </a:r>
+          </a:p>
+          <a:p>
+            <a:pPr lvl="0"/>
+            <a:r>
+              <a:rPr lang="en-US"/>
+              <a:t>P1017 (P1017) = ["ADV12028425", "ADV12133068"] ()</a:t>
+            </a:r>
+          </a:p>
+          <a:p>
+            <a:pPr lvl="0"/>
+            <a:r>
+              <a:rPr lang="en-US"/>
+              <a:t>given name (P735) = [http://www.wikidata.org/entity/Q278835 (item), http://www.wikidata.org/entity/Q18130894 (item), http://www.wikidata.org/entity/Q577011 (item)] ()</a:t>
+            </a:r>
+          </a:p>
+          <a:p>
+            <a:pPr lvl="0"/>
+            <a:r>
+              <a:rPr lang="en-US"/>
+              <a:t>wikidata_type (wikidata_type) = http://www.wikidata.org/ontology#Item ()</a:t>
+            </a:r>
+          </a:p>
+          <a:p>
+            <a:pPr lvl="0"/>
+            <a:r>
+              <a:rPr lang="en-US"/>
+              <a:t>P734 (P734) = Q21405537 (Q21405537)</a:t>
+            </a:r>
+          </a:p>
+          <a:p>
+            <a:pPr lvl="0"/>
+            <a:r>
+              <a:rPr lang="en-US"/>
+              <a:t>P1015 (P1015) = 90595219 ()</a:t>
+            </a:r>
+          </a:p>
+          <a:p>
+            <a:pPr lvl="0"/>
+            <a:r>
+              <a:rPr lang="en-US"/>
+              <a:t>Commons gallery (P935) = Edward VII of the United Kingdom ()</a:t>
+            </a:r>
+          </a:p>
+          <a:p>
+            <a:pPr lvl="0"/>
+            <a:r>
+              <a:rPr lang="en-US"/>
+              <a:t>instance of (P31) = Q5 (Q5)</a:t>
+            </a:r>
+          </a:p>
+          <a:p>
+            <a:pPr lvl="0"/>
+            <a:r>
+              <a:rPr lang="en-US"/>
+              <a:t>P1296 (P1296) = 0023499 ()</a:t>
+            </a:r>
+          </a:p>
+          <a:p>
+            <a:pPr lvl="0"/>
+            <a:r>
+              <a:rPr lang="en-US"/>
+              <a:t>SNAC Ark ID (P3430) = w67d5xp5 ()</a:t>
+            </a:r>
+          </a:p>
+          <a:p>
+            <a:pPr lvl="0"/>
+            <a:r>
+              <a:rPr lang="en-US"/>
+              <a:t>position held (P39) = [http://www.wikidata.org/entity/Q116 (item), http://www.wikidata.org/entity/Q5352166 (item), http://www.wikidata.org/entity/Q39018 (item), http://www.wikidata.org/entity/Q18952564 (item), http://www.wikidata.org/entity/Q28837708 (item), http://www.wikidata.org/entity/Q28841847 (item), http://www.wikidata.org/entity/Q9134365 (item)] ()</a:t>
+            </a:r>
+          </a:p>
+          <a:p>
+            <a:pPr lvl="0"/>
+            <a:r>
+              <a:rPr lang="en-US"/>
+              <a:t>religion (P140) = Q23540 (Q23540)</a:t>
+            </a:r>
+          </a:p>
+          <a:p>
+            <a:pPr lvl="0"/>
+            <a:r>
+              <a:rPr lang="en-US"/>
+              <a:t>name (name) = Edward VII ()</a:t>
+            </a:r>
+          </a:p>
+          <a:p>
+            <a:pPr lvl="0"/>
+            <a:r>
+              <a:rPr lang="en-US"/>
+              <a:t>award received (P166) = [http://www.wikidata.org/entity/Q15117228 (item), http://www.wikidata.org/entity/Q94145 (item), http://www.wikidata.org/entity/Q12177451 (item), http://www.wikidata.org/entity/Q12192290 (item), http://www.wikidata.org/entity/Q12177423 (item), http://www.wikidata.org/entity/Q94345 (item), http://www.wikidata.org/entity/Q5361043 (item), http://www.wikidata.org/entity/Q1126563 (item), http://www.wikidata.org/entity/Q4710826 (item), http://www.wikidata.org/entity/Q215248 (item), http://www.wikidata.org/entity/Q721030 (item), http://www.wikidata.org/entity/Q1326038 (item), http://www.wikidata.org/entity/Q506369 (item), http://www.wikidata.org/entity/Q585087 (item), http://www.wikidata.org/entity/Q1330936 (item), http://www.wikidata.org/entity/Q93710 (item), http://www.wikidata.org/entity/Q1465984 (item), http://www.wikidata.org/entity/Q1331130 (item), http://www.wikidata.org/entity/Q976544 (item), http://www.wikidata.org/entity/Q699459 (item), http://www.wikidata.org/entity/Q347377 (item), http://www.wikidata.org/entity/Q93932 (item), http://www.wikidata.org/entity/Q163700 (item), http://www.wikidata.org/entity/Q567417 (item), http://www.wikidata.org/entity/Q20872 (item), http://www.wikidata.org/entity/Q751275 (item), http://www.wikidata.org/entity/Q1471215 (item), http://www.wikidata.org/entity/Q190353 (item)] ()</a:t>
+            </a:r>
+          </a:p>
+          <a:p>
+            <a:pPr lvl="0"/>
+            <a:r>
+              <a:rPr lang="en-US"/>
+              <a:t>ULAN ID (P245) = 500023438 ()</a:t>
+            </a:r>
+          </a:p>
+          <a:p>
+            <a:pPr lvl="0"/>
+            <a:r>
+              <a:rPr lang="en-US"/>
+              <a:t>Library of Congress authority ID (P244) = n79039821 ()</a:t>
+            </a:r>
+          </a:p>
+          <a:p>
+            <a:pPr lvl="0"/>
+            <a:r>
+              <a:rPr lang="en-US"/>
+              <a:t>NLA (Australia) ID (P409) = 35057316 ()</a:t>
+            </a:r>
+          </a:p>
+          <a:p>
+            <a:pPr lvl="0"/>
+            <a:r>
+              <a:rPr lang="en-US"/>
+              <a:t>wikidata_id (wikidata_id) = Q20875 ()</a:t>
+            </a:r>
+          </a:p>
+          <a:p>
+            <a:pPr lvl="0"/>
+            <a:r>
+              <a:rPr lang="en-US"/>
+              <a:t>National Thesaurus for Author Names ID (P1006) = 070464766 ()</a:t>
+            </a:r>
+          </a:p>
+          <a:p>
+            <a:pPr lvl="0"/>
+            <a:r>
+              <a:rPr lang="en-US"/>
+              <a:t>UK National Archives ID (P3029) = ["F54154", "F256882"] ()</a:t>
+            </a:r>
+          </a:p>
+          <a:p>
+            <a:pPr lvl="0"/>
+            <a:r>
+              <a:rPr lang="en-US"/>
+              <a:t>P2015 (P2015) = mr-edward-gotha ()</a:t>
+            </a:r>
+          </a:p>
+          <a:p>
+            <a:pPr lvl="0"/>
+            <a:r>
+              <a:rPr lang="en-US"/>
+              <a:t>child (P40) = [http://www.wikidata.org/entity/Q159670 (item), http://www.wikidata.org/entity/Q269412 (item), http://www.wikidata.org/entity/Q233516 (item), http://www.wikidata.org/entity/Q234542 (item), http://www.wikidata.org/entity/Q154423 (item), http://www.wikidata.org/entity/Q12738554 (item)] ()</a:t>
+            </a:r>
+          </a:p>
+          <a:p>
+            <a:pPr lvl="0"/>
+            <a:r>
+              <a:rPr lang="en-US"/>
+              <a:t>date of birth (P569) = 1841-11-09 (Prec.: day [-0 .. +0], PCal: Gregorian) ()</a:t>
+            </a:r>
+          </a:p>
+          <a:p>
+            <a:pPr lvl="0"/>
+            <a:r>
+              <a:rPr lang="en-US"/>
+              <a:t>Freebase ID (P646) = /m/0cm03 ()</a:t>
+            </a:r>
+          </a:p>
+          <a:p>
+            <a:pPr lvl="0"/>
+            <a:r>
+              <a:rPr lang="en-US"/>
+              <a:t>Te Papa person ID (P3544) = 33717 ()</a:t>
+            </a:r>
+          </a:p>
+          <a:p>
+            <a:pPr lvl="0"/>
+            <a:r>
+              <a:rPr lang="en-US"/>
+              <a:t>WeRelate person ID (P4159) = Edward_VII_of_the_United_Kingdom_(1) ()</a:t>
+            </a:r>
+          </a:p>
+          <a:p>
+            <a:pPr lvl="0"/>
+            <a:r>
+              <a:rPr lang="en-US"/>
+              <a:t>RA Collections ID (P4553) = 8885 ()</a:t>
+            </a:r>
+          </a:p>
+          <a:p>
+            <a:pPr lvl="0"/>
+            <a:r>
+              <a:rPr lang="en-US"/>
+              <a:t>Commons category (P373) = Edward VII of the United Kingdom ()</a:t>
+            </a:r>
+          </a:p>
+          <a:p>
+            <a:pPr lvl="0"/>
+            <a:r>
+              <a:rPr lang="en-US"/>
+              <a:t>date of death (P570) = 1910-05-06 (Prec.: day [-0 .. +0], PCal: Gregorian) ()</a:t>
+            </a:r>
+          </a:p>
+          <a:p>
+            <a:pPr lvl="0"/>
+            <a:r>
+              <a:rPr lang="en-US"/>
+              <a:t>NKCR AUT ID (P691) = jn20030212003 ()</a:t>
+            </a:r>
+          </a:p>
+          <a:p>
+            <a:pPr lvl="0"/>
+            <a:r>
+              <a:rPr lang="en-US"/>
+              <a:t>wiki_en (wiki_en) = Edward VII ()</a:t>
+            </a:r>
+          </a:p>
+          <a:p>
+            <a:pPr lvl="0"/>
+            <a:r>
+              <a:rPr lang="en-US"/>
+              <a:t>BNE ID (P950) = XX954611 ()</a:t>
+            </a:r>
+          </a:p>
+          <a:p>
+            <a:pPr lvl="0"/>
+            <a:r>
+              <a:rPr lang="en-US"/>
+              <a:t>name in native language (P1559) = "Eduard VII." (en) ()</a:t>
+            </a:r>
+          </a:p>
+          <a:p>
+            <a:pPr lvl="0"/>
+            <a:r>
+              <a:rPr lang="en-US"/>
+              <a:t>British Museum person-institution (P1711) = ["68944", "138072"] ()</a:t>
+            </a:r>
+          </a:p>
+          <a:p>
+            <a:pPr lvl="0"/>
+            <a:r>
+              <a:rPr lang="en-US"/>
+              <a:t>Quora topic ID (P3417) = Edward-VII ()</a:t>
+            </a:r>
+          </a:p>
+          <a:p>
+            <a:pPr lvl="0"/>
+            <a:r>
+              <a:rPr lang="en-US"/>
+              <a:t>P3219 (P3219) = edouard-vii ()</a:t>
+            </a:r>
+          </a:p>
+          <a:p>
+            <a:pPr lvl="0"/>
+            <a:r>
+              <a:rPr lang="en-US"/>
+              <a:t>P1599 (P1599) = WLS861AE ()</a:t>
+            </a:r>
+          </a:p>
+          <a:p>
+            <a:pPr lvl="0"/>
+            <a:r>
+              <a:rPr lang="en-US"/>
+              <a:t>coat of arms image (P94) = Coat of arms of the United Kingdom (1837-1952).svg ()</a:t>
+            </a:r>
+          </a:p>
+          <a:p>
+            <a:pPr lvl="0"/>
+            <a:r>
+              <a:rPr lang="en-US"/>
+              <a:t>label_en (label_en) = Edward VII ()</a:t>
+            </a:r>
+          </a:p>
+          <a:p>
+            <a:pPr lvl="0"/>
+            <a:r>
+              <a:rPr lang="en-US"/>
+              <a:t>place of burial (P119) = [http://www.wikidata.org/entity/Q2449634 (item), http://www.wikidata.org/entity/Q42646 (item)] ()</a:t>
+            </a:r>
+          </a:p>
+          <a:p>
+            <a:pPr lvl="0"/>
+            <a:r>
+              <a:rPr lang="en-US"/>
+              <a:t>Smithsonian American Art Museum: person/institution thesaurus ID (P1795) = 5200 ()</a:t>
+            </a:r>
+          </a:p>
+          <a:p>
+            <a:pPr lvl="0"/>
+            <a:r>
+              <a:rPr lang="en-US"/>
+              <a:t>topic's main category (P910) = Q8408348 (Q8408348)</a:t>
+            </a:r>
+          </a:p>
+          <a:p>
+            <a:pPr lvl="0"/>
+            <a:r>
+              <a:rPr lang="en-US"/>
+              <a:t>P1477 (P1477) = "Albert Edward" (en) ()</a:t>
+            </a:r>
+          </a:p>
+          <a:p>
+            <a:pPr lvl="0"/>
+            <a:r>
+              <a:rPr lang="en-US"/>
+              <a:t>OpenPlaques subject ID (P1430) = 1513 ()</a:t>
+            </a:r>
+          </a:p>
+          <a:p>
+            <a:pPr lvl="0"/>
+            <a:r>
+              <a:rPr lang="en-US"/>
+              <a:t>picture (picture) = BufferedImage@11d4dbd6: type = 5 ColorModel: #pixelBits = 24 numComponents = 3 color space = java.awt.color.ICC_ColorSpace@3b90a30a transparency = 1 has alpha = false isAlphaPre = false ByteInterleavedRaster: width = 200 height = 282 #numDataElements 3 dataOff[0] = 2 ()</a:t>
+            </a:r>
+          </a:p>
+          <a:p>
+            <a:pPr lvl="0"/>
+            <a:r>
+              <a:rPr lang="en-US"/>
+              <a:t>family (P53) = Q1753846 (Q1753846)</a:t>
+            </a:r>
+          </a:p>
+          <a:p>
+            <a:pPr lvl="0"/>
+            <a:r>
+              <a:rPr lang="en-US"/>
+              <a:t>P97 (P97) = [http://www.wikidata.org/entity/Q668449 (item), http://www.wikidata.org/entity/Q460244 (item), http://www.wikidata.org/entity/Q2494846 (item)] ()</a:t>
+            </a:r>
+          </a:p>
+          <a:p>
+            <a:pPr lvl="0"/>
+            <a:r>
+              <a:rPr lang="en-US"/>
+              <a:t>FAST ID (P2163) = 33612 ()</a:t>
+            </a:r>
+          </a:p>
+          <a:p>
+            <a:pPr lvl="0"/>
+            <a:r>
+              <a:rPr lang="en-US"/>
+              <a:t>CANTIC-ID (P1273) = a11246303 ()</a:t>
+            </a:r>
+          </a:p>
+          <a:p>
+            <a:pPr lvl="0"/>
+            <a:r>
+              <a:rPr lang="en-US"/>
+              <a:t>sibling (P3373) = [http://www.wikidata.org/entity/Q116728 (item), http://www.wikidata.org/entity/Q155566 (item), http://www.wikidata.org/entity/Q158140 (item), http://www.wikidata.org/entity/Q160539 (item), http://www.wikidata.org/entity/Q161167 (item), http://www.wikidata.org/entity/Q158143 (item), http://www.wikidata.org/entity/Q160541 (item), http://www.wikidata.org/entity/Q160558 (item)] ()</a:t>
+            </a:r>
+          </a:p>
+          <a:p>
+            <a:pPr lvl="0"/>
+            <a:r>
+              <a:rPr lang="en-US"/>
+              <a:t>image (P18) = Edward VII in coronation robes.jpg ()</a:t>
+            </a:r>
+          </a:p>
+          <a:p>
+            <a:pPr lvl="0"/>
+            <a:r>
+              <a:rPr lang="en-US"/>
+              <a:t>place of birth (P19) = Q42182 (Q42182)</a:t>
+            </a:r>
+          </a:p>
+          <a:p>
+            <a:pPr lvl="0"/>
+            <a:r>
+              <a:rPr lang="en-US"/>
+              <a:t>P241 (P241) = Q222595 (Q222595)</a:t>
             </a:r>
           </a:p>
         </p:txBody>
@@ -3464,343 +3464,343 @@
             <a:pPr lvl="0"/>
             <a:r>
               <a:rPr lang="en-US"/>
-              <a:t>BnF ID (P268) = 16244450s</a:t>
-            </a:r>
-          </a:p>
-          <a:p>
-            <a:pPr lvl="0"/>
-            <a:r>
-              <a:rPr lang="en-US"/>
-              <a:t>GND ID (P227) = 101508727</a:t>
-            </a:r>
-          </a:p>
-          <a:p>
-            <a:pPr lvl="0"/>
-            <a:r>
-              <a:rPr lang="en-US"/>
-              <a:t>occupation (P106) = [http://www.wikidata.org/entity/Q186360 (item), http://www.wikidata.org/entity/Q82955 (item)]</a:t>
-            </a:r>
-          </a:p>
-          <a:p>
-            <a:pPr lvl="0"/>
-            <a:r>
-              <a:rPr lang="en-US"/>
-              <a:t>cause of death (P509) = http://www.wikidata.org/entity/Q134649 (item)</a:t>
-            </a:r>
-          </a:p>
-          <a:p>
-            <a:pPr lvl="0"/>
-            <a:r>
-              <a:rPr lang="en-US"/>
-              <a:t>National Library of Israel ID (P949) = 000445221</a:t>
-            </a:r>
-          </a:p>
-          <a:p>
-            <a:pPr lvl="0"/>
-            <a:r>
-              <a:rPr lang="en-US"/>
-              <a:t>source (source) = WikiData</a:t>
-            </a:r>
-          </a:p>
-          <a:p>
-            <a:pPr lvl="0"/>
-            <a:r>
-              <a:rPr lang="en-US"/>
-              <a:t>sex or gender (P21) = http://www.wikidata.org/entity/Q6581072 (item)</a:t>
-            </a:r>
-          </a:p>
-          <a:p>
-            <a:pPr lvl="0"/>
-            <a:r>
-              <a:rPr lang="en-US"/>
-              <a:t>place of death (P20) = http://www.wikidata.org/entity/Q2973 (item)</a:t>
-            </a:r>
-          </a:p>
-          <a:p>
-            <a:pPr lvl="0"/>
-            <a:r>
-              <a:rPr lang="en-US"/>
-              <a:t>described by source (P1343) = [http://www.wikidata.org/entity/Q19034818 (item), http://www.wikidata.org/entity/Q15987216 (item), http://www.wikidata.org/entity/Q602358 (item)]</a:t>
-            </a:r>
-          </a:p>
-          <a:p>
-            <a:pPr lvl="0"/>
-            <a:r>
-              <a:rPr lang="en-US"/>
-              <a:t>father (P22) = http://www.wikidata.org/entity/Q152245 (item)</a:t>
-            </a:r>
-          </a:p>
-          <a:p>
-            <a:pPr lvl="0"/>
-            <a:r>
-              <a:rPr lang="en-US"/>
-              <a:t>mother (P25) = http://www.wikidata.org/entity/Q9439 (item)</a:t>
-            </a:r>
-          </a:p>
-          <a:p>
-            <a:pPr lvl="0"/>
-            <a:r>
-              <a:rPr lang="en-US"/>
-              <a:t>country of citizenship (P27) = http://www.wikidata.org/entity/Q145 (item)</a:t>
-            </a:r>
-          </a:p>
-          <a:p>
-            <a:pPr lvl="0"/>
-            <a:r>
-              <a:rPr lang="en-US"/>
-              <a:t>spouse (P26) = http://www.wikidata.org/entity/Q164498 (item)</a:t>
-            </a:r>
-          </a:p>
-          <a:p>
-            <a:pPr lvl="0"/>
-            <a:r>
-              <a:rPr lang="en-US"/>
-              <a:t>VIAF ID (P214) = 29898975</a:t>
-            </a:r>
-          </a:p>
-          <a:p>
-            <a:pPr lvl="0"/>
-            <a:r>
-              <a:rPr lang="en-US"/>
-              <a:t>ISNI (P213) = 0000 0000 6299 1322</a:t>
-            </a:r>
-          </a:p>
-          <a:p>
-            <a:pPr lvl="0"/>
-            <a:r>
-              <a:rPr lang="en-US"/>
-              <a:t>National Portrait Gallery (London) person ID (P1816) = mp00073</a:t>
-            </a:r>
-          </a:p>
-          <a:p>
-            <a:pPr lvl="0"/>
-            <a:r>
-              <a:rPr lang="en-US"/>
-              <a:t>WikiTree person ID (P2949) = Sachsen-Coburg_und_Gotha-14</a:t>
-            </a:r>
-          </a:p>
-          <a:p>
-            <a:pPr lvl="0"/>
-            <a:r>
-              <a:rPr lang="en-US"/>
-              <a:t>Oxford Dictionary of National Biography ID (P1415) = 347</a:t>
-            </a:r>
-          </a:p>
-          <a:p>
-            <a:pPr lvl="0"/>
-            <a:r>
-              <a:rPr lang="en-US"/>
-              <a:t>P1017 (P1017) = ADV10225521</a:t>
-            </a:r>
-          </a:p>
-          <a:p>
-            <a:pPr lvl="0"/>
-            <a:r>
-              <a:rPr lang="en-US"/>
-              <a:t>given name (P735) = http://www.wikidata.org/entity/Q650689 (item)</a:t>
-            </a:r>
-          </a:p>
-          <a:p>
-            <a:pPr lvl="0"/>
-            <a:r>
-              <a:rPr lang="en-US"/>
-              <a:t>wikidata_type (wikidata_type) = http://www.wikidata.org/ontology#Item</a:t>
-            </a:r>
-          </a:p>
-          <a:p>
-            <a:pPr lvl="0"/>
-            <a:r>
-              <a:rPr lang="en-US"/>
-              <a:t>Commons gallery (P935) = Princess Alice of the United Kingdom</a:t>
-            </a:r>
-          </a:p>
-          <a:p>
-            <a:pPr lvl="0"/>
-            <a:r>
-              <a:rPr lang="en-US"/>
-              <a:t>instance of (P31) = http://www.wikidata.org/entity/Q5 (item)</a:t>
-            </a:r>
-          </a:p>
-          <a:p>
-            <a:pPr lvl="0"/>
-            <a:r>
-              <a:rPr lang="en-US"/>
-              <a:t>SNAC Ark ID (P3430) = w6dc0mcq</a:t>
-            </a:r>
-          </a:p>
-          <a:p>
-            <a:pPr lvl="0"/>
-            <a:r>
-              <a:rPr lang="en-US"/>
-              <a:t>name (name) = Princess Alice of the United Kingdom</a:t>
-            </a:r>
-          </a:p>
-          <a:p>
-            <a:pPr lvl="0"/>
-            <a:r>
-              <a:rPr lang="en-US"/>
-              <a:t>P1207 (P1207) = n2010148168</a:t>
-            </a:r>
-          </a:p>
-          <a:p>
-            <a:pPr lvl="0"/>
-            <a:r>
-              <a:rPr lang="en-US"/>
-              <a:t>Library of Congress authority ID (P244) = n82079379</a:t>
-            </a:r>
-          </a:p>
-          <a:p>
-            <a:pPr lvl="0"/>
-            <a:r>
-              <a:rPr lang="en-US"/>
-              <a:t>NLA (Australia) ID (P409) = 36010069</a:t>
-            </a:r>
-          </a:p>
-          <a:p>
-            <a:pPr lvl="0"/>
-            <a:r>
-              <a:rPr lang="en-US"/>
-              <a:t>wikidata_id (wikidata_id) = Q155566</a:t>
-            </a:r>
-          </a:p>
-          <a:p>
-            <a:pPr lvl="0"/>
-            <a:r>
-              <a:rPr lang="en-US"/>
-              <a:t>National Thesaurus for Author Names ID (P1006) = 069412898</a:t>
-            </a:r>
-          </a:p>
-          <a:p>
-            <a:pPr lvl="0"/>
-            <a:r>
-              <a:rPr lang="en-US"/>
-              <a:t>child (P40) = [http://www.wikidata.org/entity/Q57658 (item), http://www.wikidata.org/entity/Q58063 (item), http://www.wikidata.org/entity/Q233990 (item), http://www.wikidata.org/entity/Q57507 (item), http://www.wikidata.org/entity/Q2562528 (item), http://www.wikidata.org/entity/Q152094 (item), http://www.wikidata.org/entity/Q1208045 (item)]</a:t>
-            </a:r>
-          </a:p>
-          <a:p>
-            <a:pPr lvl="0"/>
-            <a:r>
-              <a:rPr lang="en-US"/>
-              <a:t>date of birth (P569) = 1843-04-25 (Prec.: day [-0 .. +0], PCal: Gregorian)</a:t>
-            </a:r>
-          </a:p>
-          <a:p>
-            <a:pPr lvl="0"/>
-            <a:r>
-              <a:rPr lang="en-US"/>
-              <a:t>Freebase ID (P646) = /m/01tytj</a:t>
-            </a:r>
-          </a:p>
-          <a:p>
-            <a:pPr lvl="0"/>
-            <a:r>
-              <a:rPr lang="en-US"/>
-              <a:t>WeRelate person ID (P4159) = Princess_Alice_of_the_United_Kingdom_(1)</a:t>
-            </a:r>
-          </a:p>
-          <a:p>
-            <a:pPr lvl="0"/>
-            <a:r>
-              <a:rPr lang="en-US"/>
-              <a:t>Commons category (P373) = Alice of the United Kingdom</a:t>
-            </a:r>
-          </a:p>
-          <a:p>
-            <a:pPr lvl="0"/>
-            <a:r>
-              <a:rPr lang="en-US"/>
-              <a:t>date of death (P570) = 1878-12-14 (Prec.: day [-0 .. +0], PCal: Gregorian)</a:t>
-            </a:r>
-          </a:p>
-          <a:p>
-            <a:pPr lvl="0"/>
-            <a:r>
-              <a:rPr lang="en-US"/>
-              <a:t>wiki_en (wiki_en) = Princess Alice of the United Kingdom</a:t>
-            </a:r>
-          </a:p>
-          <a:p>
-            <a:pPr lvl="0"/>
-            <a:r>
-              <a:rPr lang="en-US"/>
-              <a:t>name in native language (P1559) = "Alice of Saxe-Coburg and Gotha" (en)</a:t>
-            </a:r>
-          </a:p>
-          <a:p>
-            <a:pPr lvl="0"/>
-            <a:r>
-              <a:rPr lang="en-US"/>
-              <a:t>People Australia ID (P1315) = 1183864</a:t>
-            </a:r>
-          </a:p>
-          <a:p>
-            <a:pPr lvl="0"/>
-            <a:r>
-              <a:rPr lang="en-US"/>
-              <a:t>coat of arms image (P94) = Coat of Arms of Alice, Grand Duchess of Hesse.svg</a:t>
-            </a:r>
-          </a:p>
-          <a:p>
-            <a:pPr lvl="0"/>
-            <a:r>
-              <a:rPr lang="en-US"/>
-              <a:t>label_en (label_en) = Princess Alice of the United Kingdom</a:t>
-            </a:r>
-          </a:p>
-          <a:p>
-            <a:pPr lvl="0"/>
-            <a:r>
-              <a:rPr lang="en-US"/>
-              <a:t>P1477 (P1477) = "Alice of Saxe-Coburg and Gotha" (en)</a:t>
-            </a:r>
-          </a:p>
-          <a:p>
-            <a:pPr lvl="0"/>
-            <a:r>
-              <a:rPr lang="en-US"/>
-              <a:t>picture (picture) = BufferedImage@25a5c7db: type = 6 ColorModel: #pixelBits = 32 numComponents = 4 color space = java.awt.color.ICC_ColorSpace@6bf13698 transparency = 3 has alpha = true isAlphaPre = false ByteInterleavedRaster: width = 200 height = 262 #numDataElements 4 dataOff[0] = 3</a:t>
-            </a:r>
-          </a:p>
-          <a:p>
-            <a:pPr lvl="0"/>
-            <a:r>
-              <a:rPr lang="en-US"/>
-              <a:t>family (P53) = http://www.wikidata.org/entity/Q152909 (item)</a:t>
-            </a:r>
-          </a:p>
-          <a:p>
-            <a:pPr lvl="0"/>
-            <a:r>
-              <a:rPr lang="en-US"/>
-              <a:t>CERL ID (P1871) = cnp00209012</a:t>
-            </a:r>
-          </a:p>
-          <a:p>
-            <a:pPr lvl="0"/>
-            <a:r>
-              <a:rPr lang="en-US"/>
-              <a:t>manner of death (P1196) = http://www.wikidata.org/entity/Q3739104 (item)</a:t>
-            </a:r>
-          </a:p>
-          <a:p>
-            <a:pPr lvl="0"/>
-            <a:r>
-              <a:rPr lang="en-US"/>
-              <a:t>sibling (P3373) = [http://www.wikidata.org/entity/Q116728 (item), http://www.wikidata.org/entity/Q158140 (item), http://www.wikidata.org/entity/Q160539 (item), http://www.wikidata.org/entity/Q161167 (item), http://www.wikidata.org/entity/Q158143 (item), http://www.wikidata.org/entity/Q160541 (item), http://www.wikidata.org/entity/Q160558 (item), http://www.wikidata.org/entity/Q20875 (item)]</a:t>
-            </a:r>
-          </a:p>
-          <a:p>
-            <a:pPr lvl="0"/>
-            <a:r>
-              <a:rPr lang="en-US"/>
-              <a:t>image (P18) = Princess Alice 1861.png</a:t>
-            </a:r>
-          </a:p>
-          <a:p>
-            <a:pPr lvl="0"/>
-            <a:r>
-              <a:rPr lang="en-US"/>
-              <a:t>place of birth (P19) = http://www.wikidata.org/entity/Q84 (item)</a:t>
+              <a:t>BnF ID (P268) = 16244450s ()</a:t>
+            </a:r>
+          </a:p>
+          <a:p>
+            <a:pPr lvl="0"/>
+            <a:r>
+              <a:rPr lang="en-US"/>
+              <a:t>GND ID (P227) = 101508727 ()</a:t>
+            </a:r>
+          </a:p>
+          <a:p>
+            <a:pPr lvl="0"/>
+            <a:r>
+              <a:rPr lang="en-US"/>
+              <a:t>occupation (P106) = [http://www.wikidata.org/entity/Q186360 (item), http://www.wikidata.org/entity/Q82955 (item)] ()</a:t>
+            </a:r>
+          </a:p>
+          <a:p>
+            <a:pPr lvl="0"/>
+            <a:r>
+              <a:rPr lang="en-US"/>
+              <a:t>cause of death (P509) = Q134649 (Q134649)</a:t>
+            </a:r>
+          </a:p>
+          <a:p>
+            <a:pPr lvl="0"/>
+            <a:r>
+              <a:rPr lang="en-US"/>
+              <a:t>National Library of Israel ID (P949) = 000445221 ()</a:t>
+            </a:r>
+          </a:p>
+          <a:p>
+            <a:pPr lvl="0"/>
+            <a:r>
+              <a:rPr lang="en-US"/>
+              <a:t>source (source) = WikiData ()</a:t>
+            </a:r>
+          </a:p>
+          <a:p>
+            <a:pPr lvl="0"/>
+            <a:r>
+              <a:rPr lang="en-US"/>
+              <a:t>sex or gender (P21) = female (Q6581072)</a:t>
+            </a:r>
+          </a:p>
+          <a:p>
+            <a:pPr lvl="0"/>
+            <a:r>
+              <a:rPr lang="en-US"/>
+              <a:t>place of death (P20) = Q2973 (Q2973)</a:t>
+            </a:r>
+          </a:p>
+          <a:p>
+            <a:pPr lvl="0"/>
+            <a:r>
+              <a:rPr lang="en-US"/>
+              <a:t>described by source (P1343) = [http://www.wikidata.org/entity/Q19034818 (item), http://www.wikidata.org/entity/Q15987216 (item), http://www.wikidata.org/entity/Q602358 (item)] ()</a:t>
+            </a:r>
+          </a:p>
+          <a:p>
+            <a:pPr lvl="0"/>
+            <a:r>
+              <a:rPr lang="en-US"/>
+              <a:t>father (P22) = Q152245 (Q152245)</a:t>
+            </a:r>
+          </a:p>
+          <a:p>
+            <a:pPr lvl="0"/>
+            <a:r>
+              <a:rPr lang="en-US"/>
+              <a:t>mother (P25) = Q9439 (Q9439)</a:t>
+            </a:r>
+          </a:p>
+          <a:p>
+            <a:pPr lvl="0"/>
+            <a:r>
+              <a:rPr lang="en-US"/>
+              <a:t>country of citizenship (P27) = Q145 (Q145)</a:t>
+            </a:r>
+          </a:p>
+          <a:p>
+            <a:pPr lvl="0"/>
+            <a:r>
+              <a:rPr lang="en-US"/>
+              <a:t>spouse (P26) = Q164498 (Q164498)</a:t>
+            </a:r>
+          </a:p>
+          <a:p>
+            <a:pPr lvl="0"/>
+            <a:r>
+              <a:rPr lang="en-US"/>
+              <a:t>VIAF ID (P214) = 29898975 ()</a:t>
+            </a:r>
+          </a:p>
+          <a:p>
+            <a:pPr lvl="0"/>
+            <a:r>
+              <a:rPr lang="en-US"/>
+              <a:t>ISNI (P213) = 0000 0000 6299 1322 ()</a:t>
+            </a:r>
+          </a:p>
+          <a:p>
+            <a:pPr lvl="0"/>
+            <a:r>
+              <a:rPr lang="en-US"/>
+              <a:t>National Portrait Gallery (London) person ID (P1816) = mp00073 ()</a:t>
+            </a:r>
+          </a:p>
+          <a:p>
+            <a:pPr lvl="0"/>
+            <a:r>
+              <a:rPr lang="en-US"/>
+              <a:t>WikiTree person ID (P2949) = Sachsen-Coburg_und_Gotha-14 ()</a:t>
+            </a:r>
+          </a:p>
+          <a:p>
+            <a:pPr lvl="0"/>
+            <a:r>
+              <a:rPr lang="en-US"/>
+              <a:t>Oxford Dictionary of National Biography ID (P1415) = 347 ()</a:t>
+            </a:r>
+          </a:p>
+          <a:p>
+            <a:pPr lvl="0"/>
+            <a:r>
+              <a:rPr lang="en-US"/>
+              <a:t>P1017 (P1017) = ADV10225521 ()</a:t>
+            </a:r>
+          </a:p>
+          <a:p>
+            <a:pPr lvl="0"/>
+            <a:r>
+              <a:rPr lang="en-US"/>
+              <a:t>given name (P735) = Q650689 (Q650689)</a:t>
+            </a:r>
+          </a:p>
+          <a:p>
+            <a:pPr lvl="0"/>
+            <a:r>
+              <a:rPr lang="en-US"/>
+              <a:t>wikidata_type (wikidata_type) = http://www.wikidata.org/ontology#Item ()</a:t>
+            </a:r>
+          </a:p>
+          <a:p>
+            <a:pPr lvl="0"/>
+            <a:r>
+              <a:rPr lang="en-US"/>
+              <a:t>Commons gallery (P935) = Princess Alice of the United Kingdom ()</a:t>
+            </a:r>
+          </a:p>
+          <a:p>
+            <a:pPr lvl="0"/>
+            <a:r>
+              <a:rPr lang="en-US"/>
+              <a:t>instance of (P31) = Q5 (Q5)</a:t>
+            </a:r>
+          </a:p>
+          <a:p>
+            <a:pPr lvl="0"/>
+            <a:r>
+              <a:rPr lang="en-US"/>
+              <a:t>SNAC Ark ID (P3430) = w6dc0mcq ()</a:t>
+            </a:r>
+          </a:p>
+          <a:p>
+            <a:pPr lvl="0"/>
+            <a:r>
+              <a:rPr lang="en-US"/>
+              <a:t>name (name) = Princess Alice of the United Kingdom ()</a:t>
+            </a:r>
+          </a:p>
+          <a:p>
+            <a:pPr lvl="0"/>
+            <a:r>
+              <a:rPr lang="en-US"/>
+              <a:t>P1207 (P1207) = n2010148168 ()</a:t>
+            </a:r>
+          </a:p>
+          <a:p>
+            <a:pPr lvl="0"/>
+            <a:r>
+              <a:rPr lang="en-US"/>
+              <a:t>Library of Congress authority ID (P244) = n82079379 ()</a:t>
+            </a:r>
+          </a:p>
+          <a:p>
+            <a:pPr lvl="0"/>
+            <a:r>
+              <a:rPr lang="en-US"/>
+              <a:t>NLA (Australia) ID (P409) = 36010069 ()</a:t>
+            </a:r>
+          </a:p>
+          <a:p>
+            <a:pPr lvl="0"/>
+            <a:r>
+              <a:rPr lang="en-US"/>
+              <a:t>wikidata_id (wikidata_id) = Q155566 ()</a:t>
+            </a:r>
+          </a:p>
+          <a:p>
+            <a:pPr lvl="0"/>
+            <a:r>
+              <a:rPr lang="en-US"/>
+              <a:t>National Thesaurus for Author Names ID (P1006) = 069412898 ()</a:t>
+            </a:r>
+          </a:p>
+          <a:p>
+            <a:pPr lvl="0"/>
+            <a:r>
+              <a:rPr lang="en-US"/>
+              <a:t>child (P40) = [http://www.wikidata.org/entity/Q57658 (item), http://www.wikidata.org/entity/Q58063 (item), http://www.wikidata.org/entity/Q233990 (item), http://www.wikidata.org/entity/Q57507 (item), http://www.wikidata.org/entity/Q2562528 (item), http://www.wikidata.org/entity/Q152094 (item), http://www.wikidata.org/entity/Q1208045 (item)] ()</a:t>
+            </a:r>
+          </a:p>
+          <a:p>
+            <a:pPr lvl="0"/>
+            <a:r>
+              <a:rPr lang="en-US"/>
+              <a:t>date of birth (P569) = 1843-04-25 (Prec.: day [-0 .. +0], PCal: Gregorian) ()</a:t>
+            </a:r>
+          </a:p>
+          <a:p>
+            <a:pPr lvl="0"/>
+            <a:r>
+              <a:rPr lang="en-US"/>
+              <a:t>Freebase ID (P646) = /m/01tytj ()</a:t>
+            </a:r>
+          </a:p>
+          <a:p>
+            <a:pPr lvl="0"/>
+            <a:r>
+              <a:rPr lang="en-US"/>
+              <a:t>WeRelate person ID (P4159) = Princess_Alice_of_the_United_Kingdom_(1) ()</a:t>
+            </a:r>
+          </a:p>
+          <a:p>
+            <a:pPr lvl="0"/>
+            <a:r>
+              <a:rPr lang="en-US"/>
+              <a:t>Commons category (P373) = Alice of the United Kingdom ()</a:t>
+            </a:r>
+          </a:p>
+          <a:p>
+            <a:pPr lvl="0"/>
+            <a:r>
+              <a:rPr lang="en-US"/>
+              <a:t>date of death (P570) = 1878-12-14 (Prec.: day [-0 .. +0], PCal: Gregorian) ()</a:t>
+            </a:r>
+          </a:p>
+          <a:p>
+            <a:pPr lvl="0"/>
+            <a:r>
+              <a:rPr lang="en-US"/>
+              <a:t>wiki_en (wiki_en) = Princess Alice of the United Kingdom ()</a:t>
+            </a:r>
+          </a:p>
+          <a:p>
+            <a:pPr lvl="0"/>
+            <a:r>
+              <a:rPr lang="en-US"/>
+              <a:t>name in native language (P1559) = "Alice of Saxe-Coburg and Gotha" (en) ()</a:t>
+            </a:r>
+          </a:p>
+          <a:p>
+            <a:pPr lvl="0"/>
+            <a:r>
+              <a:rPr lang="en-US"/>
+              <a:t>People Australia ID (P1315) = 1183864 ()</a:t>
+            </a:r>
+          </a:p>
+          <a:p>
+            <a:pPr lvl="0"/>
+            <a:r>
+              <a:rPr lang="en-US"/>
+              <a:t>coat of arms image (P94) = Coat of Arms of Alice, Grand Duchess of Hesse.svg ()</a:t>
+            </a:r>
+          </a:p>
+          <a:p>
+            <a:pPr lvl="0"/>
+            <a:r>
+              <a:rPr lang="en-US"/>
+              <a:t>label_en (label_en) = Princess Alice of the United Kingdom ()</a:t>
+            </a:r>
+          </a:p>
+          <a:p>
+            <a:pPr lvl="0"/>
+            <a:r>
+              <a:rPr lang="en-US"/>
+              <a:t>P1477 (P1477) = "Alice of Saxe-Coburg and Gotha" (en) ()</a:t>
+            </a:r>
+          </a:p>
+          <a:p>
+            <a:pPr lvl="0"/>
+            <a:r>
+              <a:rPr lang="en-US"/>
+              <a:t>picture (picture) = BufferedImage@28f878a0: type = 6 ColorModel: #pixelBits = 32 numComponents = 4 color space = java.awt.color.ICC_ColorSpace@3b90a30a transparency = 3 has alpha = true isAlphaPre = false ByteInterleavedRaster: width = 200 height = 262 #numDataElements 4 dataOff[0] = 3 ()</a:t>
+            </a:r>
+          </a:p>
+          <a:p>
+            <a:pPr lvl="0"/>
+            <a:r>
+              <a:rPr lang="en-US"/>
+              <a:t>family (P53) = Q152909 (Q152909)</a:t>
+            </a:r>
+          </a:p>
+          <a:p>
+            <a:pPr lvl="0"/>
+            <a:r>
+              <a:rPr lang="en-US"/>
+              <a:t>CERL ID (P1871) = cnp00209012 ()</a:t>
+            </a:r>
+          </a:p>
+          <a:p>
+            <a:pPr lvl="0"/>
+            <a:r>
+              <a:rPr lang="en-US"/>
+              <a:t>manner of death (P1196) = Q3739104 (Q3739104)</a:t>
+            </a:r>
+          </a:p>
+          <a:p>
+            <a:pPr lvl="0"/>
+            <a:r>
+              <a:rPr lang="en-US"/>
+              <a:t>sibling (P3373) = [http://www.wikidata.org/entity/Q116728 (item), http://www.wikidata.org/entity/Q158140 (item), http://www.wikidata.org/entity/Q160539 (item), http://www.wikidata.org/entity/Q161167 (item), http://www.wikidata.org/entity/Q158143 (item), http://www.wikidata.org/entity/Q160541 (item), http://www.wikidata.org/entity/Q160558 (item), http://www.wikidata.org/entity/Q20875 (item)] ()</a:t>
+            </a:r>
+          </a:p>
+          <a:p>
+            <a:pPr lvl="0"/>
+            <a:r>
+              <a:rPr lang="en-US"/>
+              <a:t>image (P18) = Princess Alice 1861.png ()</a:t>
+            </a:r>
+          </a:p>
+          <a:p>
+            <a:pPr lvl="0"/>
+            <a:r>
+              <a:rPr lang="en-US"/>
+              <a:t>place of birth (P19) = Q84 (Q84)</a:t>
             </a:r>
           </a:p>
         </p:txBody>
@@ -4018,371 +4018,371 @@
             <a:pPr lvl="0"/>
             <a:r>
               <a:rPr lang="en-US"/>
-              <a:t>SUDOC authorities (P269) = 137556284</a:t>
-            </a:r>
-          </a:p>
-          <a:p>
-            <a:pPr lvl="0"/>
-            <a:r>
-              <a:rPr lang="en-US"/>
-              <a:t>P1907 (P1907) = edinburgh-duke-of-3467</a:t>
-            </a:r>
-          </a:p>
-          <a:p>
-            <a:pPr lvl="0"/>
-            <a:r>
-              <a:rPr lang="en-US"/>
-              <a:t>BnF ID (P268) = 162421556</a:t>
-            </a:r>
-          </a:p>
-          <a:p>
-            <a:pPr lvl="0"/>
-            <a:r>
-              <a:rPr lang="en-US"/>
-              <a:t>GND ID (P227) = 119212323</a:t>
-            </a:r>
-          </a:p>
-          <a:p>
-            <a:pPr lvl="0"/>
-            <a:r>
-              <a:rPr lang="en-US"/>
-              <a:t>occupation (P106) = http://www.wikidata.org/entity/Q1475726 (item)</a:t>
-            </a:r>
-          </a:p>
-          <a:p>
-            <a:pPr lvl="0"/>
-            <a:r>
-              <a:rPr lang="en-US"/>
-              <a:t>member of (P463) = [http://www.wikidata.org/entity/Q123885 (item), http://www.wikidata.org/entity/Q3446009 (item)]</a:t>
-            </a:r>
-          </a:p>
-          <a:p>
-            <a:pPr lvl="0"/>
-            <a:r>
-              <a:rPr lang="en-US"/>
-              <a:t>cause of death (P509) = http://www.wikidata.org/entity/Q372701 (item)</a:t>
-            </a:r>
-          </a:p>
-          <a:p>
-            <a:pPr lvl="0"/>
-            <a:r>
-              <a:rPr lang="en-US"/>
-              <a:t>source (source) = WikiData</a:t>
-            </a:r>
-          </a:p>
-          <a:p>
-            <a:pPr lvl="0"/>
-            <a:r>
-              <a:rPr lang="en-US"/>
-              <a:t>sex or gender (P21) = http://www.wikidata.org/entity/Q6581097 (item)</a:t>
-            </a:r>
-          </a:p>
-          <a:p>
-            <a:pPr lvl="0"/>
-            <a:r>
-              <a:rPr lang="en-US"/>
-              <a:t>place of death (P20) = http://www.wikidata.org/entity/Q449510 (item)</a:t>
-            </a:r>
-          </a:p>
-          <a:p>
-            <a:pPr lvl="0"/>
-            <a:r>
-              <a:rPr lang="en-US"/>
-              <a:t>described by source (P1343) = [http://www.wikidata.org/entity/Q19034568 (item), http://www.wikidata.org/entity/Q16014700 (item), http://www.wikidata.org/entity/Q19180675 (item), http://www.wikidata.org/entity/Q602358 (item)]</a:t>
-            </a:r>
-          </a:p>
-          <a:p>
-            <a:pPr lvl="0"/>
-            <a:r>
-              <a:rPr lang="en-US"/>
-              <a:t>father (P22) = http://www.wikidata.org/entity/Q152245 (item)</a:t>
-            </a:r>
-          </a:p>
-          <a:p>
-            <a:pPr lvl="0"/>
-            <a:r>
-              <a:rPr lang="en-US"/>
-              <a:t>mother (P25) = http://www.wikidata.org/entity/Q9439 (item)</a:t>
-            </a:r>
-          </a:p>
-          <a:p>
-            <a:pPr lvl="0"/>
-            <a:r>
-              <a:rPr lang="en-US"/>
-              <a:t>country of citizenship (P27) = http://www.wikidata.org/entity/Q145 (item)</a:t>
-            </a:r>
-          </a:p>
-          <a:p>
-            <a:pPr lvl="0"/>
-            <a:r>
-              <a:rPr lang="en-US"/>
-              <a:t>spouse (P26) = http://www.wikidata.org/entity/Q158154 (item)</a:t>
-            </a:r>
-          </a:p>
-          <a:p>
-            <a:pPr lvl="0"/>
-            <a:r>
-              <a:rPr lang="en-US"/>
-              <a:t>VIAF ID (P214) = 33411163</a:t>
-            </a:r>
-          </a:p>
-          <a:p>
-            <a:pPr lvl="0"/>
-            <a:r>
-              <a:rPr lang="en-US"/>
-              <a:t>ISNI (P213) = 0000 0000 6676 3976</a:t>
-            </a:r>
-          </a:p>
-          <a:p>
-            <a:pPr lvl="0"/>
-            <a:r>
-              <a:rPr lang="en-US"/>
-              <a:t>National Portrait Gallery (London) person ID (P1816) = mp01422</a:t>
-            </a:r>
-          </a:p>
-          <a:p>
-            <a:pPr lvl="0"/>
-            <a:r>
-              <a:rPr lang="en-US"/>
-              <a:t>WikiTree person ID (P2949) = Sachsen-Coburg_und_Gotha-15</a:t>
-            </a:r>
-          </a:p>
-          <a:p>
-            <a:pPr lvl="0"/>
-            <a:r>
-              <a:rPr lang="en-US"/>
-              <a:t>Oxford Dictionary of National Biography ID (P1415) = 346</a:t>
-            </a:r>
-          </a:p>
-          <a:p>
-            <a:pPr lvl="0"/>
-            <a:r>
-              <a:rPr lang="en-US"/>
-              <a:t>given name (P735) = http://www.wikidata.org/entity/Q3480335 (item)</a:t>
-            </a:r>
-          </a:p>
-          <a:p>
-            <a:pPr lvl="0"/>
-            <a:r>
-              <a:rPr lang="en-US"/>
-              <a:t>wikidata_type (wikidata_type) = http://www.wikidata.org/ontology#Item</a:t>
-            </a:r>
-          </a:p>
-          <a:p>
-            <a:pPr lvl="0"/>
-            <a:r>
-              <a:rPr lang="en-US"/>
-              <a:t>instance of (P31) = http://www.wikidata.org/entity/Q5 (item)</a:t>
-            </a:r>
-          </a:p>
-          <a:p>
-            <a:pPr lvl="0"/>
-            <a:r>
-              <a:rPr lang="en-US"/>
-              <a:t>SNAC Ark ID (P3430) = w6000m1q</a:t>
-            </a:r>
-          </a:p>
-          <a:p>
-            <a:pPr lvl="0"/>
-            <a:r>
-              <a:rPr lang="en-US"/>
-              <a:t>position held (P39) = http://www.wikidata.org/entity/Q28841847 (item)</a:t>
-            </a:r>
-          </a:p>
-          <a:p>
-            <a:pPr lvl="0"/>
-            <a:r>
-              <a:rPr lang="en-US"/>
-              <a:t>name (name) = Alfred, Duke of Saxe-Coburg and Gotha</a:t>
-            </a:r>
-          </a:p>
-          <a:p>
-            <a:pPr lvl="0"/>
-            <a:r>
-              <a:rPr lang="en-US"/>
-              <a:t>award received (P166) = [http://www.wikidata.org/entity/Q15117228 (item), http://www.wikidata.org/entity/Q94145 (item), http://www.wikidata.org/entity/Q12177451 (item), http://www.wikidata.org/entity/Q12192290 (item), http://www.wikidata.org/entity/Q12177423 (item), http://www.wikidata.org/entity/Q10855271 (item), http://www.wikidata.org/entity/Q1126563 (item), http://www.wikidata.org/entity/Q18579585 (item)]</a:t>
-            </a:r>
-          </a:p>
-          <a:p>
-            <a:pPr lvl="0"/>
-            <a:r>
-              <a:rPr lang="en-US"/>
-              <a:t>Library of Congress authority ID (P244) = n84208844</a:t>
-            </a:r>
-          </a:p>
-          <a:p>
-            <a:pPr lvl="0"/>
-            <a:r>
-              <a:rPr lang="en-US"/>
-              <a:t>NLA (Australia) ID (P409) = 50119360</a:t>
-            </a:r>
-          </a:p>
-          <a:p>
-            <a:pPr lvl="0"/>
-            <a:r>
-              <a:rPr lang="en-US"/>
-              <a:t>wikidata_id (wikidata_id) = Q158143</a:t>
-            </a:r>
-          </a:p>
-          <a:p>
-            <a:pPr lvl="0"/>
-            <a:r>
-              <a:rPr lang="en-US"/>
-              <a:t>National Thesaurus for Author Names ID (P1006) = 111651476</a:t>
-            </a:r>
-          </a:p>
-          <a:p>
-            <a:pPr lvl="0"/>
-            <a:r>
-              <a:rPr lang="en-US"/>
-              <a:t>P2015 (P2015) = mr-alfred-gotha</a:t>
-            </a:r>
-          </a:p>
-          <a:p>
-            <a:pPr lvl="0"/>
-            <a:r>
-              <a:rPr lang="en-US"/>
-              <a:t>child (P40) = [http://www.wikidata.org/entity/Q62477 (item), http://www.wikidata.org/entity/Q57666 (item), http://www.wikidata.org/entity/Q164500 (item), http://www.wikidata.org/entity/Q61345 (item), http://www.wikidata.org/entity/Q235597 (item)]</a:t>
-            </a:r>
-          </a:p>
-          <a:p>
-            <a:pPr lvl="0"/>
-            <a:r>
-              <a:rPr lang="en-US"/>
-              <a:t>date of birth (P569) = [1844-08-06 (Prec.: day [-0 .. +0], PCal: Gregorian), 1844-08-08 (Prec.: day [-0 .. +0], PCal: Gregorian)]</a:t>
-            </a:r>
-          </a:p>
-          <a:p>
-            <a:pPr lvl="0"/>
-            <a:r>
-              <a:rPr lang="en-US"/>
-              <a:t>Freebase ID (P646) = /m/016dk4</a:t>
-            </a:r>
-          </a:p>
-          <a:p>
-            <a:pPr lvl="0"/>
-            <a:r>
-              <a:rPr lang="en-US"/>
-              <a:t>WeRelate person ID (P4159) = Alfred,_Duke_of_Saxe-Coburg_and_Gotha_(1)</a:t>
-            </a:r>
-          </a:p>
-          <a:p>
-            <a:pPr lvl="0"/>
-            <a:r>
-              <a:rPr lang="en-US"/>
-              <a:t>RA Collections ID (P4553) = 13484</a:t>
-            </a:r>
-          </a:p>
-          <a:p>
-            <a:pPr lvl="0"/>
-            <a:r>
-              <a:rPr lang="en-US"/>
-              <a:t>Commons category (P373) = Alfred, Duke of Saxe-Coburg and Gotha</a:t>
-            </a:r>
-          </a:p>
-          <a:p>
-            <a:pPr lvl="0"/>
-            <a:r>
-              <a:rPr lang="en-US"/>
-              <a:t>date of death (P570) = 1900-07-30 (Prec.: day [-0 .. +0], PCal: Gregorian)</a:t>
-            </a:r>
-          </a:p>
-          <a:p>
-            <a:pPr lvl="0"/>
-            <a:r>
-              <a:rPr lang="en-US"/>
-              <a:t>wiki_en (wiki_en) = Alfred, Duke of Saxe-Coburg and Gotha</a:t>
-            </a:r>
-          </a:p>
-          <a:p>
-            <a:pPr lvl="0"/>
-            <a:r>
-              <a:rPr lang="en-US"/>
-              <a:t>name in native language (P1559) = "Alfred von Sachsen-Coburg und Gotha" (de)</a:t>
-            </a:r>
-          </a:p>
-          <a:p>
-            <a:pPr lvl="0"/>
-            <a:r>
-              <a:rPr lang="en-US"/>
-              <a:t>British Museum person-institution (P1711) = 136230</a:t>
-            </a:r>
-          </a:p>
-          <a:p>
-            <a:pPr lvl="0"/>
-            <a:r>
-              <a:rPr lang="en-US"/>
-              <a:t>People Australia ID (P1315) = ["1506941", "1478878"]</a:t>
-            </a:r>
-          </a:p>
-          <a:p>
-            <a:pPr lvl="0"/>
-            <a:r>
-              <a:rPr lang="en-US"/>
-              <a:t>coat of arms image (P94) = Coat of Arms of Alfred, Duke of Saxe-Coburg and Gotha.svg</a:t>
-            </a:r>
-          </a:p>
-          <a:p>
-            <a:pPr lvl="0"/>
-            <a:r>
-              <a:rPr lang="en-US"/>
-              <a:t>label_en (label_en) = Alfred, Duke of Saxe-Coburg and Gotha</a:t>
-            </a:r>
-          </a:p>
-          <a:p>
-            <a:pPr lvl="0"/>
-            <a:r>
-              <a:rPr lang="en-US"/>
-              <a:t>OpenPlaques subject ID (P1430) = 10432</a:t>
-            </a:r>
-          </a:p>
-          <a:p>
-            <a:pPr lvl="0"/>
-            <a:r>
-              <a:rPr lang="en-US"/>
-              <a:t>picture (picture) = BufferedImage@642505c7: type = 5 ColorModel: #pixelBits = 24 numComponents = 3 color space = java.awt.color.ICC_ColorSpace@6bf13698 transparency = 1 has alpha = false isAlphaPre = false ByteInterleavedRaster: width = 200 height = 301 #numDataElements 3 dataOff[0] = 2</a:t>
-            </a:r>
-          </a:p>
-          <a:p>
-            <a:pPr lvl="0"/>
-            <a:r>
-              <a:rPr lang="en-US"/>
-              <a:t>family (P53) = http://www.wikidata.org/entity/Q1753846 (item)</a:t>
-            </a:r>
-          </a:p>
-          <a:p>
-            <a:pPr lvl="0"/>
-            <a:r>
-              <a:rPr lang="en-US"/>
-              <a:t>FAST ID (P2163) = 147445</a:t>
-            </a:r>
-          </a:p>
-          <a:p>
-            <a:pPr lvl="0"/>
-            <a:r>
-              <a:rPr lang="en-US"/>
-              <a:t>manner of death (P1196) = http://www.wikidata.org/entity/Q3739104 (item)</a:t>
-            </a:r>
-          </a:p>
-          <a:p>
-            <a:pPr lvl="0"/>
-            <a:r>
-              <a:rPr lang="en-US"/>
-              <a:t>sibling (P3373) = [http://www.wikidata.org/entity/Q116728 (item), http://www.wikidata.org/entity/Q155566 (item), http://www.wikidata.org/entity/Q158140 (item), http://www.wikidata.org/entity/Q160539 (item), http://www.wikidata.org/entity/Q161167 (item), http://www.wikidata.org/entity/Q160541 (item), http://www.wikidata.org/entity/Q160558 (item), http://www.wikidata.org/entity/Q20875 (item)]</a:t>
-            </a:r>
-          </a:p>
-          <a:p>
-            <a:pPr lvl="0"/>
-            <a:r>
-              <a:rPr lang="en-US"/>
-              <a:t>image (P18) = Alfred-sachsen-coburg-gotha.jpg</a:t>
-            </a:r>
-          </a:p>
-          <a:p>
-            <a:pPr lvl="0"/>
-            <a:r>
-              <a:rPr lang="en-US"/>
-              <a:t>place of birth (P19) = http://www.wikidata.org/entity/Q42646 (item)</a:t>
+              <a:t>SUDOC authorities (P269) = 137556284 ()</a:t>
+            </a:r>
+          </a:p>
+          <a:p>
+            <a:pPr lvl="0"/>
+            <a:r>
+              <a:rPr lang="en-US"/>
+              <a:t>P1907 (P1907) = edinburgh-duke-of-3467 ()</a:t>
+            </a:r>
+          </a:p>
+          <a:p>
+            <a:pPr lvl="0"/>
+            <a:r>
+              <a:rPr lang="en-US"/>
+              <a:t>BnF ID (P268) = 162421556 ()</a:t>
+            </a:r>
+          </a:p>
+          <a:p>
+            <a:pPr lvl="0"/>
+            <a:r>
+              <a:rPr lang="en-US"/>
+              <a:t>GND ID (P227) = 119212323 ()</a:t>
+            </a:r>
+          </a:p>
+          <a:p>
+            <a:pPr lvl="0"/>
+            <a:r>
+              <a:rPr lang="en-US"/>
+              <a:t>occupation (P106) = Q1475726 (Q1475726)</a:t>
+            </a:r>
+          </a:p>
+          <a:p>
+            <a:pPr lvl="0"/>
+            <a:r>
+              <a:rPr lang="en-US"/>
+              <a:t>member of (P463) = [http://www.wikidata.org/entity/Q123885 (item), http://www.wikidata.org/entity/Q3446009 (item)] ()</a:t>
+            </a:r>
+          </a:p>
+          <a:p>
+            <a:pPr lvl="0"/>
+            <a:r>
+              <a:rPr lang="en-US"/>
+              <a:t>cause of death (P509) = Q372701 (Q372701)</a:t>
+            </a:r>
+          </a:p>
+          <a:p>
+            <a:pPr lvl="0"/>
+            <a:r>
+              <a:rPr lang="en-US"/>
+              <a:t>source (source) = WikiData ()</a:t>
+            </a:r>
+          </a:p>
+          <a:p>
+            <a:pPr lvl="0"/>
+            <a:r>
+              <a:rPr lang="en-US"/>
+              <a:t>sex or gender (P21) = Q6581097 (Q6581097)</a:t>
+            </a:r>
+          </a:p>
+          <a:p>
+            <a:pPr lvl="0"/>
+            <a:r>
+              <a:rPr lang="en-US"/>
+              <a:t>place of death (P20) = Q449510 (Q449510)</a:t>
+            </a:r>
+          </a:p>
+          <a:p>
+            <a:pPr lvl="0"/>
+            <a:r>
+              <a:rPr lang="en-US"/>
+              <a:t>described by source (P1343) = [http://www.wikidata.org/entity/Q19034568 (item), http://www.wikidata.org/entity/Q16014700 (item), http://www.wikidata.org/entity/Q19180675 (item), http://www.wikidata.org/entity/Q602358 (item)] ()</a:t>
+            </a:r>
+          </a:p>
+          <a:p>
+            <a:pPr lvl="0"/>
+            <a:r>
+              <a:rPr lang="en-US"/>
+              <a:t>father (P22) = Q152245 (Q152245)</a:t>
+            </a:r>
+          </a:p>
+          <a:p>
+            <a:pPr lvl="0"/>
+            <a:r>
+              <a:rPr lang="en-US"/>
+              <a:t>mother (P25) = Q9439 (Q9439)</a:t>
+            </a:r>
+          </a:p>
+          <a:p>
+            <a:pPr lvl="0"/>
+            <a:r>
+              <a:rPr lang="en-US"/>
+              <a:t>country of citizenship (P27) = Q145 (Q145)</a:t>
+            </a:r>
+          </a:p>
+          <a:p>
+            <a:pPr lvl="0"/>
+            <a:r>
+              <a:rPr lang="en-US"/>
+              <a:t>spouse (P26) = Q158154 (Q158154)</a:t>
+            </a:r>
+          </a:p>
+          <a:p>
+            <a:pPr lvl="0"/>
+            <a:r>
+              <a:rPr lang="en-US"/>
+              <a:t>VIAF ID (P214) = 33411163 ()</a:t>
+            </a:r>
+          </a:p>
+          <a:p>
+            <a:pPr lvl="0"/>
+            <a:r>
+              <a:rPr lang="en-US"/>
+              <a:t>ISNI (P213) = 0000 0000 6676 3976 ()</a:t>
+            </a:r>
+          </a:p>
+          <a:p>
+            <a:pPr lvl="0"/>
+            <a:r>
+              <a:rPr lang="en-US"/>
+              <a:t>National Portrait Gallery (London) person ID (P1816) = mp01422 ()</a:t>
+            </a:r>
+          </a:p>
+          <a:p>
+            <a:pPr lvl="0"/>
+            <a:r>
+              <a:rPr lang="en-US"/>
+              <a:t>WikiTree person ID (P2949) = Sachsen-Coburg_und_Gotha-15 ()</a:t>
+            </a:r>
+          </a:p>
+          <a:p>
+            <a:pPr lvl="0"/>
+            <a:r>
+              <a:rPr lang="en-US"/>
+              <a:t>Oxford Dictionary of National Biography ID (P1415) = 346 ()</a:t>
+            </a:r>
+          </a:p>
+          <a:p>
+            <a:pPr lvl="0"/>
+            <a:r>
+              <a:rPr lang="en-US"/>
+              <a:t>given name (P735) = Q3480335 (Q3480335)</a:t>
+            </a:r>
+          </a:p>
+          <a:p>
+            <a:pPr lvl="0"/>
+            <a:r>
+              <a:rPr lang="en-US"/>
+              <a:t>wikidata_type (wikidata_type) = http://www.wikidata.org/ontology#Item ()</a:t>
+            </a:r>
+          </a:p>
+          <a:p>
+            <a:pPr lvl="0"/>
+            <a:r>
+              <a:rPr lang="en-US"/>
+              <a:t>instance of (P31) = Q5 (Q5)</a:t>
+            </a:r>
+          </a:p>
+          <a:p>
+            <a:pPr lvl="0"/>
+            <a:r>
+              <a:rPr lang="en-US"/>
+              <a:t>SNAC Ark ID (P3430) = w6000m1q ()</a:t>
+            </a:r>
+          </a:p>
+          <a:p>
+            <a:pPr lvl="0"/>
+            <a:r>
+              <a:rPr lang="en-US"/>
+              <a:t>position held (P39) = Q28841847 (Q28841847)</a:t>
+            </a:r>
+          </a:p>
+          <a:p>
+            <a:pPr lvl="0"/>
+            <a:r>
+              <a:rPr lang="en-US"/>
+              <a:t>name (name) = Alfred, Duke of Saxe-Coburg and Gotha ()</a:t>
+            </a:r>
+          </a:p>
+          <a:p>
+            <a:pPr lvl="0"/>
+            <a:r>
+              <a:rPr lang="en-US"/>
+              <a:t>award received (P166) = [http://www.wikidata.org/entity/Q15117228 (item), http://www.wikidata.org/entity/Q94145 (item), http://www.wikidata.org/entity/Q12177451 (item), http://www.wikidata.org/entity/Q12192290 (item), http://www.wikidata.org/entity/Q12177423 (item), http://www.wikidata.org/entity/Q10855271 (item), http://www.wikidata.org/entity/Q1126563 (item), http://www.wikidata.org/entity/Q18579585 (item)] ()</a:t>
+            </a:r>
+          </a:p>
+          <a:p>
+            <a:pPr lvl="0"/>
+            <a:r>
+              <a:rPr lang="en-US"/>
+              <a:t>Library of Congress authority ID (P244) = n84208844 ()</a:t>
+            </a:r>
+          </a:p>
+          <a:p>
+            <a:pPr lvl="0"/>
+            <a:r>
+              <a:rPr lang="en-US"/>
+              <a:t>NLA (Australia) ID (P409) = 50119360 ()</a:t>
+            </a:r>
+          </a:p>
+          <a:p>
+            <a:pPr lvl="0"/>
+            <a:r>
+              <a:rPr lang="en-US"/>
+              <a:t>wikidata_id (wikidata_id) = Q158143 ()</a:t>
+            </a:r>
+          </a:p>
+          <a:p>
+            <a:pPr lvl="0"/>
+            <a:r>
+              <a:rPr lang="en-US"/>
+              <a:t>National Thesaurus for Author Names ID (P1006) = 111651476 ()</a:t>
+            </a:r>
+          </a:p>
+          <a:p>
+            <a:pPr lvl="0"/>
+            <a:r>
+              <a:rPr lang="en-US"/>
+              <a:t>P2015 (P2015) = mr-alfred-gotha ()</a:t>
+            </a:r>
+          </a:p>
+          <a:p>
+            <a:pPr lvl="0"/>
+            <a:r>
+              <a:rPr lang="en-US"/>
+              <a:t>child (P40) = [http://www.wikidata.org/entity/Q62477 (item), http://www.wikidata.org/entity/Q57666 (item), http://www.wikidata.org/entity/Q164500 (item), http://www.wikidata.org/entity/Q61345 (item), http://www.wikidata.org/entity/Q235597 (item)] ()</a:t>
+            </a:r>
+          </a:p>
+          <a:p>
+            <a:pPr lvl="0"/>
+            <a:r>
+              <a:rPr lang="en-US"/>
+              <a:t>date of birth (P569) = [1844-08-06 (Prec.: day [-0 .. +0], PCal: Gregorian), 1844-08-08 (Prec.: day [-0 .. +0], PCal: Gregorian)] ()</a:t>
+            </a:r>
+          </a:p>
+          <a:p>
+            <a:pPr lvl="0"/>
+            <a:r>
+              <a:rPr lang="en-US"/>
+              <a:t>Freebase ID (P646) = /m/016dk4 ()</a:t>
+            </a:r>
+          </a:p>
+          <a:p>
+            <a:pPr lvl="0"/>
+            <a:r>
+              <a:rPr lang="en-US"/>
+              <a:t>WeRelate person ID (P4159) = Alfred,_Duke_of_Saxe-Coburg_and_Gotha_(1) ()</a:t>
+            </a:r>
+          </a:p>
+          <a:p>
+            <a:pPr lvl="0"/>
+            <a:r>
+              <a:rPr lang="en-US"/>
+              <a:t>RA Collections ID (P4553) = 13484 ()</a:t>
+            </a:r>
+          </a:p>
+          <a:p>
+            <a:pPr lvl="0"/>
+            <a:r>
+              <a:rPr lang="en-US"/>
+              <a:t>Commons category (P373) = Alfred, Duke of Saxe-Coburg and Gotha ()</a:t>
+            </a:r>
+          </a:p>
+          <a:p>
+            <a:pPr lvl="0"/>
+            <a:r>
+              <a:rPr lang="en-US"/>
+              <a:t>date of death (P570) = 1900-07-30 (Prec.: day [-0 .. +0], PCal: Gregorian) ()</a:t>
+            </a:r>
+          </a:p>
+          <a:p>
+            <a:pPr lvl="0"/>
+            <a:r>
+              <a:rPr lang="en-US"/>
+              <a:t>wiki_en (wiki_en) = Alfred, Duke of Saxe-Coburg and Gotha ()</a:t>
+            </a:r>
+          </a:p>
+          <a:p>
+            <a:pPr lvl="0"/>
+            <a:r>
+              <a:rPr lang="en-US"/>
+              <a:t>name in native language (P1559) = "Alfred von Sachsen-Coburg und Gotha" (de) ()</a:t>
+            </a:r>
+          </a:p>
+          <a:p>
+            <a:pPr lvl="0"/>
+            <a:r>
+              <a:rPr lang="en-US"/>
+              <a:t>British Museum person-institution (P1711) = 136230 ()</a:t>
+            </a:r>
+          </a:p>
+          <a:p>
+            <a:pPr lvl="0"/>
+            <a:r>
+              <a:rPr lang="en-US"/>
+              <a:t>People Australia ID (P1315) = ["1506941", "1478878"] ()</a:t>
+            </a:r>
+          </a:p>
+          <a:p>
+            <a:pPr lvl="0"/>
+            <a:r>
+              <a:rPr lang="en-US"/>
+              <a:t>coat of arms image (P94) = Coat of Arms of Alfred, Duke of Saxe-Coburg and Gotha.svg ()</a:t>
+            </a:r>
+          </a:p>
+          <a:p>
+            <a:pPr lvl="0"/>
+            <a:r>
+              <a:rPr lang="en-US"/>
+              <a:t>label_en (label_en) = Alfred, Duke of Saxe-Coburg and Gotha ()</a:t>
+            </a:r>
+          </a:p>
+          <a:p>
+            <a:pPr lvl="0"/>
+            <a:r>
+              <a:rPr lang="en-US"/>
+              <a:t>OpenPlaques subject ID (P1430) = 10432 ()</a:t>
+            </a:r>
+          </a:p>
+          <a:p>
+            <a:pPr lvl="0"/>
+            <a:r>
+              <a:rPr lang="en-US"/>
+              <a:t>picture (picture) = BufferedImage@153cd6bb: type = 5 ColorModel: #pixelBits = 24 numComponents = 3 color space = java.awt.color.ICC_ColorSpace@3b90a30a transparency = 1 has alpha = false isAlphaPre = false ByteInterleavedRaster: width = 200 height = 301 #numDataElements 3 dataOff[0] = 2 ()</a:t>
+            </a:r>
+          </a:p>
+          <a:p>
+            <a:pPr lvl="0"/>
+            <a:r>
+              <a:rPr lang="en-US"/>
+              <a:t>family (P53) = Q1753846 (Q1753846)</a:t>
+            </a:r>
+          </a:p>
+          <a:p>
+            <a:pPr lvl="0"/>
+            <a:r>
+              <a:rPr lang="en-US"/>
+              <a:t>FAST ID (P2163) = 147445 ()</a:t>
+            </a:r>
+          </a:p>
+          <a:p>
+            <a:pPr lvl="0"/>
+            <a:r>
+              <a:rPr lang="en-US"/>
+              <a:t>manner of death (P1196) = Q3739104 (Q3739104)</a:t>
+            </a:r>
+          </a:p>
+          <a:p>
+            <a:pPr lvl="0"/>
+            <a:r>
+              <a:rPr lang="en-US"/>
+              <a:t>sibling (P3373) = [http://www.wikidata.org/entity/Q116728 (item), http://www.wikidata.org/entity/Q155566 (item), http://www.wikidata.org/entity/Q158140 (item), http://www.wikidata.org/entity/Q160539 (item), http://www.wikidata.org/entity/Q161167 (item), http://www.wikidata.org/entity/Q160541 (item), http://www.wikidata.org/entity/Q160558 (item), http://www.wikidata.org/entity/Q20875 (item)] ()</a:t>
+            </a:r>
+          </a:p>
+          <a:p>
+            <a:pPr lvl="0"/>
+            <a:r>
+              <a:rPr lang="en-US"/>
+              <a:t>image (P18) = Alfred-sachsen-coburg-gotha.jpg ()</a:t>
+            </a:r>
+          </a:p>
+          <a:p>
+            <a:pPr lvl="0"/>
+            <a:r>
+              <a:rPr lang="en-US"/>
+              <a:t>place of birth (P19) = Q42646 (Q42646)</a:t>
             </a:r>
           </a:p>
         </p:txBody>
@@ -4600,308 +4600,308 @@
             <a:pPr lvl="0"/>
             <a:r>
               <a:rPr lang="en-US"/>
-              <a:t>BnF ID (P268) = 169466443</a:t>
-            </a:r>
-          </a:p>
-          <a:p>
-            <a:pPr lvl="0"/>
-            <a:r>
-              <a:rPr lang="en-US"/>
-              <a:t>GND ID (P227) = 103174116X</a:t>
-            </a:r>
-          </a:p>
-          <a:p>
-            <a:pPr lvl="0"/>
-            <a:r>
-              <a:rPr lang="en-US"/>
-              <a:t>occupation (P106) = http://www.wikidata.org/entity/Q186360 (item)</a:t>
-            </a:r>
-          </a:p>
-          <a:p>
-            <a:pPr lvl="0"/>
-            <a:r>
-              <a:rPr lang="en-US"/>
-              <a:t>award received (P166) = [http://www.wikidata.org/entity/Q16943677 (item), http://www.wikidata.org/entity/Q1635491 (item)]</a:t>
-            </a:r>
-          </a:p>
-          <a:p>
-            <a:pPr lvl="0"/>
-            <a:r>
-              <a:rPr lang="en-US"/>
-              <a:t>ULAN ID (P245) = 500072573</a:t>
-            </a:r>
-          </a:p>
-          <a:p>
-            <a:pPr lvl="0"/>
-            <a:r>
-              <a:rPr lang="en-US"/>
-              <a:t>Library of Congress authority ID (P244) = n00023605</a:t>
-            </a:r>
-          </a:p>
-          <a:p>
-            <a:pPr lvl="0"/>
-            <a:r>
-              <a:rPr lang="en-US"/>
-              <a:t>Collective Biographies of Women ID (P4539) = 11837</a:t>
-            </a:r>
-          </a:p>
-          <a:p>
-            <a:pPr lvl="0"/>
-            <a:r>
-              <a:rPr lang="en-US"/>
-              <a:t>wikidata_id (wikidata_id) = Q160539</a:t>
-            </a:r>
-          </a:p>
-          <a:p>
-            <a:pPr lvl="0"/>
-            <a:r>
-              <a:rPr lang="en-US"/>
-              <a:t>UK National Archives ID (P3029) = F33374</a:t>
-            </a:r>
-          </a:p>
-          <a:p>
-            <a:pPr lvl="0"/>
-            <a:r>
-              <a:rPr lang="en-US"/>
-              <a:t>source (source) = WikiData</a:t>
-            </a:r>
-          </a:p>
-          <a:p>
-            <a:pPr lvl="0"/>
-            <a:r>
-              <a:rPr lang="en-US"/>
-              <a:t>child (P40) = [http://www.wikidata.org/entity/Q242876 (item), http://www.wikidata.org/entity/Q836119 (item), http://www.wikidata.org/entity/Q701095 (item), http://www.wikidata.org/entity/Q204864 (item)]</a:t>
-            </a:r>
-          </a:p>
-          <a:p>
-            <a:pPr lvl="0"/>
-            <a:r>
-              <a:rPr lang="en-US"/>
-              <a:t>date of birth (P569) = [1846-05-25 (Prec.: day [-0 .. +0], PCal: Gregorian), 1846-05-26 (Prec.: day [-0 .. +0], PCal: Gregorian)]</a:t>
-            </a:r>
-          </a:p>
-          <a:p>
-            <a:pPr lvl="0"/>
-            <a:r>
-              <a:rPr lang="en-US"/>
-              <a:t>Freebase ID (P646) = /m/01s46f</a:t>
-            </a:r>
-          </a:p>
-          <a:p>
-            <a:pPr lvl="0"/>
-            <a:r>
-              <a:rPr lang="en-US"/>
-              <a:t>sex or gender (P21) = http://www.wikidata.org/entity/Q6581072 (item)</a:t>
-            </a:r>
-          </a:p>
-          <a:p>
-            <a:pPr lvl="0"/>
-            <a:r>
-              <a:rPr lang="en-US"/>
-              <a:t>WeRelate person ID (P4159) = Princess_Helena_of_the_United_Kingdom_(1)</a:t>
-            </a:r>
-          </a:p>
-          <a:p>
-            <a:pPr lvl="0"/>
-            <a:r>
-              <a:rPr lang="en-US"/>
-              <a:t>place of death (P20) = http://www.wikidata.org/entity/Q84 (item)</a:t>
-            </a:r>
-          </a:p>
-          <a:p>
-            <a:pPr lvl="0"/>
-            <a:r>
-              <a:rPr lang="en-US"/>
-              <a:t>father (P22) = http://www.wikidata.org/entity/Q152245 (item)</a:t>
-            </a:r>
-          </a:p>
-          <a:p>
-            <a:pPr lvl="0"/>
-            <a:r>
-              <a:rPr lang="en-US"/>
-              <a:t>mother (P25) = http://www.wikidata.org/entity/Q9439 (item)</a:t>
-            </a:r>
-          </a:p>
-          <a:p>
-            <a:pPr lvl="0"/>
-            <a:r>
-              <a:rPr lang="en-US"/>
-              <a:t>country of citizenship (P27) = http://www.wikidata.org/entity/Q145 (item)</a:t>
-            </a:r>
-          </a:p>
-          <a:p>
-            <a:pPr lvl="0"/>
-            <a:r>
-              <a:rPr lang="en-US"/>
-              <a:t>spouse (P26) = http://www.wikidata.org/entity/Q677589 (item)</a:t>
-            </a:r>
-          </a:p>
-          <a:p>
-            <a:pPr lvl="0"/>
-            <a:r>
-              <a:rPr lang="en-US"/>
-              <a:t>Commons category (P373) = Princess Helena of the United Kingdom</a:t>
-            </a:r>
-          </a:p>
-          <a:p>
-            <a:pPr lvl="0"/>
-            <a:r>
-              <a:rPr lang="en-US"/>
-              <a:t>date of death (P570) = 1923-06-09 (Prec.: day [-0 .. +0], PCal: Gregorian)</a:t>
-            </a:r>
-          </a:p>
-          <a:p>
-            <a:pPr lvl="0"/>
-            <a:r>
-              <a:rPr lang="en-US"/>
-              <a:t>wiki_en (wiki_en) = Princess Helena of the United Kingdom</a:t>
-            </a:r>
-          </a:p>
-          <a:p>
-            <a:pPr lvl="0"/>
-            <a:r>
-              <a:rPr lang="en-US"/>
-              <a:t>VIAF ID (P214) = 96190266</a:t>
-            </a:r>
-          </a:p>
-          <a:p>
-            <a:pPr lvl="0"/>
-            <a:r>
-              <a:rPr lang="en-US"/>
-              <a:t>ISNI (P213) = 0000 0001 2213 6927</a:t>
-            </a:r>
-          </a:p>
-          <a:p>
-            <a:pPr lvl="0"/>
-            <a:r>
-              <a:rPr lang="en-US"/>
-              <a:t>WikiTree person ID (P2949) = Sachsen-Coburg_und_Gotha-16</a:t>
-            </a:r>
-          </a:p>
-          <a:p>
-            <a:pPr lvl="0"/>
-            <a:r>
-              <a:rPr lang="en-US"/>
-              <a:t>Find a Grave memorial ID (P535) = 6137255</a:t>
-            </a:r>
-          </a:p>
-          <a:p>
-            <a:pPr lvl="0"/>
-            <a:r>
-              <a:rPr lang="en-US"/>
-              <a:t>British Museum person-institution (P1711) = 146589</a:t>
-            </a:r>
-          </a:p>
-          <a:p>
-            <a:pPr lvl="0"/>
-            <a:r>
-              <a:rPr lang="en-US"/>
-              <a:t>Oxford Dictionary of National Biography ID (P1415) = 41067</a:t>
-            </a:r>
-          </a:p>
-          <a:p>
-            <a:pPr lvl="0"/>
-            <a:r>
-              <a:rPr lang="en-US"/>
-              <a:t>coat of arms image (P94) = Coat of Arms of Helena, Princess Christian of Schleswig-Holstein.svg</a:t>
-            </a:r>
-          </a:p>
-          <a:p>
-            <a:pPr lvl="0"/>
-            <a:r>
-              <a:rPr lang="en-US"/>
-              <a:t>label_en (label_en) = Princess Helena of the United Kingdom</a:t>
-            </a:r>
-          </a:p>
-          <a:p>
-            <a:pPr lvl="0"/>
-            <a:r>
-              <a:rPr lang="en-US"/>
-              <a:t>place of burial (P119) = http://www.wikidata.org/entity/Q6677705 (item)</a:t>
-            </a:r>
-          </a:p>
-          <a:p>
-            <a:pPr lvl="0"/>
-            <a:r>
-              <a:rPr lang="en-US"/>
-              <a:t>given name (P735) = http://www.wikidata.org/entity/Q1209486 (item)</a:t>
-            </a:r>
-          </a:p>
-          <a:p>
-            <a:pPr lvl="0"/>
-            <a:r>
-              <a:rPr lang="en-US"/>
-              <a:t>wikidata_type (wikidata_type) = http://www.wikidata.org/ontology#Item</a:t>
-            </a:r>
-          </a:p>
-          <a:p>
-            <a:pPr lvl="0"/>
-            <a:r>
-              <a:rPr lang="en-US"/>
-              <a:t>Commons gallery (P935) = Princess Helena of the United Kingdom</a:t>
-            </a:r>
-          </a:p>
-          <a:p>
-            <a:pPr lvl="0"/>
-            <a:r>
-              <a:rPr lang="en-US"/>
-              <a:t>picture (picture) = BufferedImage@7487b142: type = 10 ColorModel: #pixelBits = 8 numComponents = 1 color space = java.awt.color.ICC_ColorSpace@3ece1e79 transparency = 1 has alpha = false isAlphaPre = false ByteInterleavedRaster: width = 200 height = 318 #numDataElements 1 dataOff[0] = 0</a:t>
-            </a:r>
-          </a:p>
-          <a:p>
-            <a:pPr lvl="0"/>
-            <a:r>
-              <a:rPr lang="en-US"/>
-              <a:t>instance of (P31) = http://www.wikidata.org/entity/Q5 (item)</a:t>
-            </a:r>
-          </a:p>
-          <a:p>
-            <a:pPr lvl="0"/>
-            <a:r>
-              <a:rPr lang="en-US"/>
-              <a:t>family (P53) = http://www.wikidata.org/entity/Q1753846 (item)</a:t>
-            </a:r>
-          </a:p>
-          <a:p>
-            <a:pPr lvl="0"/>
-            <a:r>
-              <a:rPr lang="en-US"/>
-              <a:t>SNAC Ark ID (P3430) = w6nd4r9h</a:t>
-            </a:r>
-          </a:p>
-          <a:p>
-            <a:pPr lvl="0"/>
-            <a:r>
-              <a:rPr lang="en-US"/>
-              <a:t>FAST ID (P2163) = 444318</a:t>
-            </a:r>
-          </a:p>
-          <a:p>
-            <a:pPr lvl="0"/>
-            <a:r>
-              <a:rPr lang="en-US"/>
-              <a:t>sibling (P3373) = [http://www.wikidata.org/entity/Q116728 (item), http://www.wikidata.org/entity/Q155566 (item), http://www.wikidata.org/entity/Q158140 (item), http://www.wikidata.org/entity/Q161167 (item), http://www.wikidata.org/entity/Q158143 (item), http://www.wikidata.org/entity/Q160541 (item), http://www.wikidata.org/entity/Q160558 (item), http://www.wikidata.org/entity/Q20875 (item)]</a:t>
-            </a:r>
-          </a:p>
-          <a:p>
-            <a:pPr lvl="0"/>
-            <a:r>
-              <a:rPr lang="en-US"/>
-              <a:t>image (P18) = Helena scan.jpg</a:t>
-            </a:r>
-          </a:p>
-          <a:p>
-            <a:pPr lvl="0"/>
-            <a:r>
-              <a:rPr lang="en-US"/>
-              <a:t>name (name) = Princess Helena of the United Kingdom</a:t>
-            </a:r>
-          </a:p>
-          <a:p>
-            <a:pPr lvl="0"/>
-            <a:r>
-              <a:rPr lang="en-US"/>
-              <a:t>place of birth (P19) = http://www.wikidata.org/entity/Q42182 (item)</a:t>
+              <a:t>BnF ID (P268) = 169466443 ()</a:t>
+            </a:r>
+          </a:p>
+          <a:p>
+            <a:pPr lvl="0"/>
+            <a:r>
+              <a:rPr lang="en-US"/>
+              <a:t>GND ID (P227) = 103174116X ()</a:t>
+            </a:r>
+          </a:p>
+          <a:p>
+            <a:pPr lvl="0"/>
+            <a:r>
+              <a:rPr lang="en-US"/>
+              <a:t>occupation (P106) = Q186360 (Q186360)</a:t>
+            </a:r>
+          </a:p>
+          <a:p>
+            <a:pPr lvl="0"/>
+            <a:r>
+              <a:rPr lang="en-US"/>
+              <a:t>award received (P166) = [http://www.wikidata.org/entity/Q16943677 (item), http://www.wikidata.org/entity/Q1635491 (item)] ()</a:t>
+            </a:r>
+          </a:p>
+          <a:p>
+            <a:pPr lvl="0"/>
+            <a:r>
+              <a:rPr lang="en-US"/>
+              <a:t>ULAN ID (P245) = 500072573 ()</a:t>
+            </a:r>
+          </a:p>
+          <a:p>
+            <a:pPr lvl="0"/>
+            <a:r>
+              <a:rPr lang="en-US"/>
+              <a:t>Library of Congress authority ID (P244) = n00023605 ()</a:t>
+            </a:r>
+          </a:p>
+          <a:p>
+            <a:pPr lvl="0"/>
+            <a:r>
+              <a:rPr lang="en-US"/>
+              <a:t>Collective Biographies of Women ID (P4539) = 11837 ()</a:t>
+            </a:r>
+          </a:p>
+          <a:p>
+            <a:pPr lvl="0"/>
+            <a:r>
+              <a:rPr lang="en-US"/>
+              <a:t>wikidata_id (wikidata_id) = Q160539 ()</a:t>
+            </a:r>
+          </a:p>
+          <a:p>
+            <a:pPr lvl="0"/>
+            <a:r>
+              <a:rPr lang="en-US"/>
+              <a:t>UK National Archives ID (P3029) = F33374 ()</a:t>
+            </a:r>
+          </a:p>
+          <a:p>
+            <a:pPr lvl="0"/>
+            <a:r>
+              <a:rPr lang="en-US"/>
+              <a:t>source (source) = WikiData ()</a:t>
+            </a:r>
+          </a:p>
+          <a:p>
+            <a:pPr lvl="0"/>
+            <a:r>
+              <a:rPr lang="en-US"/>
+              <a:t>child (P40) = [http://www.wikidata.org/entity/Q242876 (item), http://www.wikidata.org/entity/Q836119 (item), http://www.wikidata.org/entity/Q701095 (item), http://www.wikidata.org/entity/Q204864 (item)] ()</a:t>
+            </a:r>
+          </a:p>
+          <a:p>
+            <a:pPr lvl="0"/>
+            <a:r>
+              <a:rPr lang="en-US"/>
+              <a:t>date of birth (P569) = [1846-05-25 (Prec.: day [-0 .. +0], PCal: Gregorian), 1846-05-26 (Prec.: day [-0 .. +0], PCal: Gregorian)] ()</a:t>
+            </a:r>
+          </a:p>
+          <a:p>
+            <a:pPr lvl="0"/>
+            <a:r>
+              <a:rPr lang="en-US"/>
+              <a:t>Freebase ID (P646) = /m/01s46f ()</a:t>
+            </a:r>
+          </a:p>
+          <a:p>
+            <a:pPr lvl="0"/>
+            <a:r>
+              <a:rPr lang="en-US"/>
+              <a:t>sex or gender (P21) = female (Q6581072)</a:t>
+            </a:r>
+          </a:p>
+          <a:p>
+            <a:pPr lvl="0"/>
+            <a:r>
+              <a:rPr lang="en-US"/>
+              <a:t>WeRelate person ID (P4159) = Princess_Helena_of_the_United_Kingdom_(1) ()</a:t>
+            </a:r>
+          </a:p>
+          <a:p>
+            <a:pPr lvl="0"/>
+            <a:r>
+              <a:rPr lang="en-US"/>
+              <a:t>place of death (P20) = Q84 (Q84)</a:t>
+            </a:r>
+          </a:p>
+          <a:p>
+            <a:pPr lvl="0"/>
+            <a:r>
+              <a:rPr lang="en-US"/>
+              <a:t>father (P22) = Q152245 (Q152245)</a:t>
+            </a:r>
+          </a:p>
+          <a:p>
+            <a:pPr lvl="0"/>
+            <a:r>
+              <a:rPr lang="en-US"/>
+              <a:t>mother (P25) = Q9439 (Q9439)</a:t>
+            </a:r>
+          </a:p>
+          <a:p>
+            <a:pPr lvl="0"/>
+            <a:r>
+              <a:rPr lang="en-US"/>
+              <a:t>country of citizenship (P27) = Q145 (Q145)</a:t>
+            </a:r>
+          </a:p>
+          <a:p>
+            <a:pPr lvl="0"/>
+            <a:r>
+              <a:rPr lang="en-US"/>
+              <a:t>spouse (P26) = Q677589 (Q677589)</a:t>
+            </a:r>
+          </a:p>
+          <a:p>
+            <a:pPr lvl="0"/>
+            <a:r>
+              <a:rPr lang="en-US"/>
+              <a:t>Commons category (P373) = Princess Helena of the United Kingdom ()</a:t>
+            </a:r>
+          </a:p>
+          <a:p>
+            <a:pPr lvl="0"/>
+            <a:r>
+              <a:rPr lang="en-US"/>
+              <a:t>date of death (P570) = 1923-06-09 (Prec.: day [-0 .. +0], PCal: Gregorian) ()</a:t>
+            </a:r>
+          </a:p>
+          <a:p>
+            <a:pPr lvl="0"/>
+            <a:r>
+              <a:rPr lang="en-US"/>
+              <a:t>wiki_en (wiki_en) = Princess Helena of the United Kingdom ()</a:t>
+            </a:r>
+          </a:p>
+          <a:p>
+            <a:pPr lvl="0"/>
+            <a:r>
+              <a:rPr lang="en-US"/>
+              <a:t>VIAF ID (P214) = 96190266 ()</a:t>
+            </a:r>
+          </a:p>
+          <a:p>
+            <a:pPr lvl="0"/>
+            <a:r>
+              <a:rPr lang="en-US"/>
+              <a:t>ISNI (P213) = 0000 0001 2213 6927 ()</a:t>
+            </a:r>
+          </a:p>
+          <a:p>
+            <a:pPr lvl="0"/>
+            <a:r>
+              <a:rPr lang="en-US"/>
+              <a:t>WikiTree person ID (P2949) = Sachsen-Coburg_und_Gotha-16 ()</a:t>
+            </a:r>
+          </a:p>
+          <a:p>
+            <a:pPr lvl="0"/>
+            <a:r>
+              <a:rPr lang="en-US"/>
+              <a:t>Find a Grave memorial ID (P535) = 6137255 ()</a:t>
+            </a:r>
+          </a:p>
+          <a:p>
+            <a:pPr lvl="0"/>
+            <a:r>
+              <a:rPr lang="en-US"/>
+              <a:t>British Museum person-institution (P1711) = 146589 ()</a:t>
+            </a:r>
+          </a:p>
+          <a:p>
+            <a:pPr lvl="0"/>
+            <a:r>
+              <a:rPr lang="en-US"/>
+              <a:t>Oxford Dictionary of National Biography ID (P1415) = 41067 ()</a:t>
+            </a:r>
+          </a:p>
+          <a:p>
+            <a:pPr lvl="0"/>
+            <a:r>
+              <a:rPr lang="en-US"/>
+              <a:t>coat of arms image (P94) = Coat of Arms of Helena, Princess Christian of Schleswig-Holstein.svg ()</a:t>
+            </a:r>
+          </a:p>
+          <a:p>
+            <a:pPr lvl="0"/>
+            <a:r>
+              <a:rPr lang="en-US"/>
+              <a:t>label_en (label_en) = Princess Helena of the United Kingdom ()</a:t>
+            </a:r>
+          </a:p>
+          <a:p>
+            <a:pPr lvl="0"/>
+            <a:r>
+              <a:rPr lang="en-US"/>
+              <a:t>place of burial (P119) = Q6677705 (Q6677705)</a:t>
+            </a:r>
+          </a:p>
+          <a:p>
+            <a:pPr lvl="0"/>
+            <a:r>
+              <a:rPr lang="en-US"/>
+              <a:t>given name (P735) = Q1209486 (Q1209486)</a:t>
+            </a:r>
+          </a:p>
+          <a:p>
+            <a:pPr lvl="0"/>
+            <a:r>
+              <a:rPr lang="en-US"/>
+              <a:t>wikidata_type (wikidata_type) = http://www.wikidata.org/ontology#Item ()</a:t>
+            </a:r>
+          </a:p>
+          <a:p>
+            <a:pPr lvl="0"/>
+            <a:r>
+              <a:rPr lang="en-US"/>
+              <a:t>Commons gallery (P935) = Princess Helena of the United Kingdom ()</a:t>
+            </a:r>
+          </a:p>
+          <a:p>
+            <a:pPr lvl="0"/>
+            <a:r>
+              <a:rPr lang="en-US"/>
+              <a:t>picture (picture) = BufferedImage@4b3fe06e: type = 10 ColorModel: #pixelBits = 8 numComponents = 1 color space = java.awt.color.ICC_ColorSpace@474fae39 transparency = 1 has alpha = false isAlphaPre = false ByteInterleavedRaster: width = 200 height = 318 #numDataElements 1 dataOff[0] = 0 ()</a:t>
+            </a:r>
+          </a:p>
+          <a:p>
+            <a:pPr lvl="0"/>
+            <a:r>
+              <a:rPr lang="en-US"/>
+              <a:t>instance of (P31) = Q5 (Q5)</a:t>
+            </a:r>
+          </a:p>
+          <a:p>
+            <a:pPr lvl="0"/>
+            <a:r>
+              <a:rPr lang="en-US"/>
+              <a:t>family (P53) = Q1753846 (Q1753846)</a:t>
+            </a:r>
+          </a:p>
+          <a:p>
+            <a:pPr lvl="0"/>
+            <a:r>
+              <a:rPr lang="en-US"/>
+              <a:t>SNAC Ark ID (P3430) = w6nd4r9h ()</a:t>
+            </a:r>
+          </a:p>
+          <a:p>
+            <a:pPr lvl="0"/>
+            <a:r>
+              <a:rPr lang="en-US"/>
+              <a:t>FAST ID (P2163) = 444318 ()</a:t>
+            </a:r>
+          </a:p>
+          <a:p>
+            <a:pPr lvl="0"/>
+            <a:r>
+              <a:rPr lang="en-US"/>
+              <a:t>sibling (P3373) = [http://www.wikidata.org/entity/Q116728 (item), http://www.wikidata.org/entity/Q155566 (item), http://www.wikidata.org/entity/Q158140 (item), http://www.wikidata.org/entity/Q161167 (item), http://www.wikidata.org/entity/Q158143 (item), http://www.wikidata.org/entity/Q160541 (item), http://www.wikidata.org/entity/Q160558 (item), http://www.wikidata.org/entity/Q20875 (item)] ()</a:t>
+            </a:r>
+          </a:p>
+          <a:p>
+            <a:pPr lvl="0"/>
+            <a:r>
+              <a:rPr lang="en-US"/>
+              <a:t>image (P18) = Helena scan.jpg ()</a:t>
+            </a:r>
+          </a:p>
+          <a:p>
+            <a:pPr lvl="0"/>
+            <a:r>
+              <a:rPr lang="en-US"/>
+              <a:t>name (name) = Princess Helena of the United Kingdom ()</a:t>
+            </a:r>
+          </a:p>
+          <a:p>
+            <a:pPr lvl="0"/>
+            <a:r>
+              <a:rPr lang="en-US"/>
+              <a:t>place of birth (P19) = Q42182 (Q42182)</a:t>
             </a:r>
           </a:p>
         </p:txBody>
@@ -5119,378 +5119,378 @@
             <a:pPr lvl="0"/>
             <a:r>
               <a:rPr lang="en-US"/>
-              <a:t>BnF ID (P268) = 15536613s</a:t>
-            </a:r>
-          </a:p>
-          <a:p>
-            <a:pPr lvl="0"/>
-            <a:r>
-              <a:rPr lang="en-US"/>
-              <a:t>GND ID (P227) = 1047165791</a:t>
-            </a:r>
-          </a:p>
-          <a:p>
-            <a:pPr lvl="0"/>
-            <a:r>
-              <a:rPr lang="en-US"/>
-              <a:t>occupation (P106) = [http://www.wikidata.org/entity/Q1028181 (item), http://www.wikidata.org/entity/Q1281618 (item)]</a:t>
-            </a:r>
-          </a:p>
-          <a:p>
-            <a:pPr lvl="0"/>
-            <a:r>
-              <a:rPr lang="en-US"/>
-              <a:t>Collective Biographies of Women ID (P4539) = 13681</a:t>
-            </a:r>
-          </a:p>
-          <a:p>
-            <a:pPr lvl="0"/>
-            <a:r>
-              <a:rPr lang="en-US"/>
-              <a:t>source (source) = WikiData</a:t>
-            </a:r>
-          </a:p>
-          <a:p>
-            <a:pPr lvl="0"/>
-            <a:r>
-              <a:rPr lang="en-US"/>
-              <a:t>monogram (P1543) = Royal Monogram of Princess Louise of Great Britain.svg</a:t>
-            </a:r>
-          </a:p>
-          <a:p>
-            <a:pPr lvl="0"/>
-            <a:r>
-              <a:rPr lang="en-US"/>
-              <a:t>sex or gender (P21) = http://www.wikidata.org/entity/Q6581072 (item)</a:t>
-            </a:r>
-          </a:p>
-          <a:p>
-            <a:pPr lvl="0"/>
-            <a:r>
-              <a:rPr lang="en-US"/>
-              <a:t>place of death (P20) = http://www.wikidata.org/entity/Q84 (item)</a:t>
-            </a:r>
-          </a:p>
-          <a:p>
-            <a:pPr lvl="0"/>
-            <a:r>
-              <a:rPr lang="en-US"/>
-              <a:t>described by source (P1343) = http://www.wikidata.org/entity/Q19507487 (item)</a:t>
-            </a:r>
-          </a:p>
-          <a:p>
-            <a:pPr lvl="0"/>
-            <a:r>
-              <a:rPr lang="en-US"/>
-              <a:t>father (P22) = http://www.wikidata.org/entity/Q152245 (item)</a:t>
-            </a:r>
-          </a:p>
-          <a:p>
-            <a:pPr lvl="0"/>
-            <a:r>
-              <a:rPr lang="en-US"/>
-              <a:t>mother (P25) = http://www.wikidata.org/entity/Q9439 (item)</a:t>
-            </a:r>
-          </a:p>
-          <a:p>
-            <a:pPr lvl="0"/>
-            <a:r>
-              <a:rPr lang="en-US"/>
-              <a:t>P69 (P69) = http://www.wikidata.org/entity/Q1753535 (item)</a:t>
-            </a:r>
-          </a:p>
-          <a:p>
-            <a:pPr lvl="0"/>
-            <a:r>
-              <a:rPr lang="en-US"/>
-              <a:t>country of citizenship (P27) = http://www.wikidata.org/entity/Q145 (item)</a:t>
-            </a:r>
-          </a:p>
-          <a:p>
-            <a:pPr lvl="0"/>
-            <a:r>
-              <a:rPr lang="en-US"/>
-              <a:t>spouse (P26) = http://www.wikidata.org/entity/Q334971 (item)</a:t>
-            </a:r>
-          </a:p>
-          <a:p>
-            <a:pPr lvl="0"/>
-            <a:r>
-              <a:rPr lang="en-US"/>
-              <a:t>VIAF ID (P214) = 68773672</a:t>
-            </a:r>
-          </a:p>
-          <a:p>
-            <a:pPr lvl="0"/>
-            <a:r>
-              <a:rPr lang="en-US"/>
-              <a:t>ISNI (P213) = 0000 0000 7263 7001</a:t>
-            </a:r>
-          </a:p>
-          <a:p>
-            <a:pPr lvl="0"/>
-            <a:r>
-              <a:rPr lang="en-US"/>
-              <a:t>National Portrait Gallery (London) person ID (P1816) = mp02802</a:t>
-            </a:r>
-          </a:p>
-          <a:p>
-            <a:pPr lvl="0"/>
-            <a:r>
-              <a:rPr lang="en-US"/>
-              <a:t>WikiTree person ID (P2949) = Sachsen-Coburg_und_Gotha-17</a:t>
-            </a:r>
-          </a:p>
-          <a:p>
-            <a:pPr lvl="0"/>
-            <a:r>
-              <a:rPr lang="en-US"/>
-              <a:t>Find a Grave memorial ID (P535) = 6137138</a:t>
-            </a:r>
-          </a:p>
-          <a:p>
-            <a:pPr lvl="0"/>
-            <a:r>
-              <a:rPr lang="en-US"/>
-              <a:t>P650 (P650) = 51011</a:t>
-            </a:r>
-          </a:p>
-          <a:p>
-            <a:pPr lvl="0"/>
-            <a:r>
-              <a:rPr lang="en-US"/>
-              <a:t>P1615 (P1615) = 1171</a:t>
-            </a:r>
-          </a:p>
-          <a:p>
-            <a:pPr lvl="0"/>
-            <a:r>
-              <a:rPr lang="en-US"/>
-              <a:t>Oxford Dictionary of National Biography ID (P1415) = 34601</a:t>
-            </a:r>
-          </a:p>
-          <a:p>
-            <a:pPr lvl="0"/>
-            <a:r>
-              <a:rPr lang="en-US"/>
-              <a:t>given name (P735) = http://www.wikidata.org/entity/Q3215140 (item)</a:t>
-            </a:r>
-          </a:p>
-          <a:p>
-            <a:pPr lvl="0"/>
-            <a:r>
-              <a:rPr lang="en-US"/>
-              <a:t>wikidata_type (wikidata_type) = http://www.wikidata.org/ontology#Item</a:t>
-            </a:r>
-          </a:p>
-          <a:p>
-            <a:pPr lvl="0"/>
-            <a:r>
-              <a:rPr lang="en-US"/>
-              <a:t>Commons gallery (P935) = Princess Louise, Duchess of Argyll</a:t>
-            </a:r>
-          </a:p>
-          <a:p>
-            <a:pPr lvl="0"/>
-            <a:r>
-              <a:rPr lang="en-US"/>
-              <a:t>instance of (P31) = http://www.wikidata.org/entity/Q5 (item)</a:t>
-            </a:r>
-          </a:p>
-          <a:p>
-            <a:pPr lvl="0"/>
-            <a:r>
-              <a:rPr lang="en-US"/>
-              <a:t>SNAC Ark ID (P3430) = w6hr3pvp</a:t>
-            </a:r>
-          </a:p>
-          <a:p>
-            <a:pPr lvl="0"/>
-            <a:r>
-              <a:rPr lang="en-US"/>
-              <a:t>name (name) = Princess Louise, Duchess of Argyll</a:t>
-            </a:r>
-          </a:p>
-          <a:p>
-            <a:pPr lvl="0"/>
-            <a:r>
-              <a:rPr lang="en-US"/>
-              <a:t>award received (P166) = [http://www.wikidata.org/entity/Q16943677 (item), http://www.wikidata.org/entity/Q12192384 (item), http://www.wikidata.org/entity/Q1635491 (item)]</a:t>
-            </a:r>
-          </a:p>
-          <a:p>
-            <a:pPr lvl="0"/>
-            <a:r>
-              <a:rPr lang="en-US"/>
-              <a:t>ULAN ID (P245) = 500022468</a:t>
-            </a:r>
-          </a:p>
-          <a:p>
-            <a:pPr lvl="0"/>
-            <a:r>
-              <a:rPr lang="en-US"/>
-              <a:t>Library of Congress authority ID (P244) = nr88011178</a:t>
-            </a:r>
-          </a:p>
-          <a:p>
-            <a:pPr lvl="0"/>
-            <a:r>
-              <a:rPr lang="en-US"/>
-              <a:t>wikidata_id (wikidata_id) = Q161167</a:t>
-            </a:r>
-          </a:p>
-          <a:p>
-            <a:pPr lvl="0"/>
-            <a:r>
-              <a:rPr lang="en-US"/>
-              <a:t>National Thesaurus for Author Names ID (P1006) = 073446130</a:t>
-            </a:r>
-          </a:p>
-          <a:p>
-            <a:pPr lvl="0"/>
-            <a:r>
-              <a:rPr lang="en-US"/>
-              <a:t>date of birth (P569) = 1848-03-18 (Prec.: day [-0 .. +0], PCal: Gregorian)</a:t>
-            </a:r>
-          </a:p>
-          <a:p>
-            <a:pPr lvl="0"/>
-            <a:r>
-              <a:rPr lang="en-US"/>
-              <a:t>Freebase ID (P646) = /m/01q_6h</a:t>
-            </a:r>
-          </a:p>
-          <a:p>
-            <a:pPr lvl="0"/>
-            <a:r>
-              <a:rPr lang="en-US"/>
-              <a:t>P1367 (P1367) = alberta-duchess-of-argyll-louise-caroline-18481939</a:t>
-            </a:r>
-          </a:p>
-          <a:p>
-            <a:pPr lvl="0"/>
-            <a:r>
-              <a:rPr lang="en-US"/>
-              <a:t>WeRelate person ID (P4159) = Princess_Louise,_Duchess_of_Argyll_(1)</a:t>
-            </a:r>
-          </a:p>
-          <a:p>
-            <a:pPr lvl="0"/>
-            <a:r>
-              <a:rPr lang="en-US"/>
-              <a:t>RA Collections ID (P4553) = 7313</a:t>
-            </a:r>
-          </a:p>
-          <a:p>
-            <a:pPr lvl="0"/>
-            <a:r>
-              <a:rPr lang="en-US"/>
-              <a:t>Commons category (P373) = Princess Louise, Duchess of Argyll</a:t>
-            </a:r>
-          </a:p>
-          <a:p>
-            <a:pPr lvl="0"/>
-            <a:r>
-              <a:rPr lang="en-US"/>
-              <a:t>date of death (P570) = 1939-12-03 (Prec.: day [-0 .. +0], PCal: Gregorian)</a:t>
-            </a:r>
-          </a:p>
-          <a:p>
-            <a:pPr lvl="0"/>
-            <a:r>
-              <a:rPr lang="en-US"/>
-              <a:t>wiki_en (wiki_en) = Princess Louise, Duchess of Argyll</a:t>
-            </a:r>
-          </a:p>
-          <a:p>
-            <a:pPr lvl="0"/>
-            <a:r>
-              <a:rPr lang="en-US"/>
-              <a:t>name in native language (P1559) = "Louise of the United Kingdom" (en)</a:t>
-            </a:r>
-          </a:p>
-          <a:p>
-            <a:pPr lvl="0"/>
-            <a:r>
-              <a:rPr lang="en-US"/>
-              <a:t>British Museum person-institution (P1711) = 36259</a:t>
-            </a:r>
-          </a:p>
-          <a:p>
-            <a:pPr lvl="0"/>
-            <a:r>
-              <a:rPr lang="en-US"/>
-              <a:t>Quora topic ID (P3417) = Princess-Louise</a:t>
-            </a:r>
-          </a:p>
-          <a:p>
-            <a:pPr lvl="0"/>
-            <a:r>
-              <a:rPr lang="en-US"/>
-              <a:t>coat of arms image (P94) = Coat of Arms of Louise, Duchess of Argyll.svg</a:t>
-            </a:r>
-          </a:p>
-          <a:p>
-            <a:pPr lvl="0"/>
-            <a:r>
-              <a:rPr lang="en-US"/>
-              <a:t>label_en (label_en) = Princess Louise, Duchess of Argyll</a:t>
-            </a:r>
-          </a:p>
-          <a:p>
-            <a:pPr lvl="0"/>
-            <a:r>
-              <a:rPr lang="en-US"/>
-              <a:t>place of burial (P119) = http://www.wikidata.org/entity/Q6677705 (item)</a:t>
-            </a:r>
-          </a:p>
-          <a:p>
-            <a:pPr lvl="0"/>
-            <a:r>
-              <a:rPr lang="en-US"/>
-              <a:t>picture (picture) = BufferedImage@76db540e: type = 10 ColorModel: #pixelBits = 8 numComponents = 1 color space = java.awt.color.ICC_ColorSpace@3ece1e79 transparency = 1 has alpha = false isAlphaPre = false ByteInterleavedRaster: width = 200 height = 292 #numDataElements 1 dataOff[0] = 0</a:t>
-            </a:r>
-          </a:p>
-          <a:p>
-            <a:pPr lvl="0"/>
-            <a:r>
-              <a:rPr lang="en-US"/>
-              <a:t>family (P53) = http://www.wikidata.org/entity/Q1753846 (item)</a:t>
-            </a:r>
-          </a:p>
-          <a:p>
-            <a:pPr lvl="0"/>
-            <a:r>
-              <a:rPr lang="en-US"/>
-              <a:t>P97 (P97) = http://www.wikidata.org/entity/Q2994749 (item)</a:t>
-            </a:r>
-          </a:p>
-          <a:p>
-            <a:pPr lvl="0"/>
-            <a:r>
-              <a:rPr lang="en-US"/>
-              <a:t>P1472 (P1472) = Princess Louise, Duchess of Argyll</a:t>
-            </a:r>
-          </a:p>
-          <a:p>
-            <a:pPr lvl="0"/>
-            <a:r>
-              <a:rPr lang="en-US"/>
-              <a:t>sibling (P3373) = [http://www.wikidata.org/entity/Q158143 (item), http://www.wikidata.org/entity/Q160541 (item), http://www.wikidata.org/entity/Q160558 (item), http://www.wikidata.org/entity/Q20875 (item), http://www.wikidata.org/entity/Q116728 (item), http://www.wikidata.org/entity/Q155566 (item), http://www.wikidata.org/entity/Q158140 (item), http://www.wikidata.org/entity/Q160539 (item)]</a:t>
-            </a:r>
-          </a:p>
-          <a:p>
-            <a:pPr lvl="0"/>
-            <a:r>
-              <a:rPr lang="en-US"/>
-              <a:t>image (P18) = Princess Louise 1901 copy.jpg</a:t>
-            </a:r>
-          </a:p>
-          <a:p>
-            <a:pPr lvl="0"/>
-            <a:r>
-              <a:rPr lang="en-US"/>
-              <a:t>place of birth (P19) = http://www.wikidata.org/entity/Q42182 (item)</a:t>
+              <a:t>BnF ID (P268) = 15536613s ()</a:t>
+            </a:r>
+          </a:p>
+          <a:p>
+            <a:pPr lvl="0"/>
+            <a:r>
+              <a:rPr lang="en-US"/>
+              <a:t>GND ID (P227) = 1047165791 ()</a:t>
+            </a:r>
+          </a:p>
+          <a:p>
+            <a:pPr lvl="0"/>
+            <a:r>
+              <a:rPr lang="en-US"/>
+              <a:t>occupation (P106) = [http://www.wikidata.org/entity/Q1028181 (item), http://www.wikidata.org/entity/Q1281618 (item)] ()</a:t>
+            </a:r>
+          </a:p>
+          <a:p>
+            <a:pPr lvl="0"/>
+            <a:r>
+              <a:rPr lang="en-US"/>
+              <a:t>Collective Biographies of Women ID (P4539) = 13681 ()</a:t>
+            </a:r>
+          </a:p>
+          <a:p>
+            <a:pPr lvl="0"/>
+            <a:r>
+              <a:rPr lang="en-US"/>
+              <a:t>source (source) = WikiData ()</a:t>
+            </a:r>
+          </a:p>
+          <a:p>
+            <a:pPr lvl="0"/>
+            <a:r>
+              <a:rPr lang="en-US"/>
+              <a:t>monogram (P1543) = Royal Monogram of Princess Louise of Great Britain.svg ()</a:t>
+            </a:r>
+          </a:p>
+          <a:p>
+            <a:pPr lvl="0"/>
+            <a:r>
+              <a:rPr lang="en-US"/>
+              <a:t>sex or gender (P21) = female (Q6581072)</a:t>
+            </a:r>
+          </a:p>
+          <a:p>
+            <a:pPr lvl="0"/>
+            <a:r>
+              <a:rPr lang="en-US"/>
+              <a:t>place of death (P20) = Q84 (Q84)</a:t>
+            </a:r>
+          </a:p>
+          <a:p>
+            <a:pPr lvl="0"/>
+            <a:r>
+              <a:rPr lang="en-US"/>
+              <a:t>described by source (P1343) = Q19507487 (Q19507487)</a:t>
+            </a:r>
+          </a:p>
+          <a:p>
+            <a:pPr lvl="0"/>
+            <a:r>
+              <a:rPr lang="en-US"/>
+              <a:t>father (P22) = Q152245 (Q152245)</a:t>
+            </a:r>
+          </a:p>
+          <a:p>
+            <a:pPr lvl="0"/>
+            <a:r>
+              <a:rPr lang="en-US"/>
+              <a:t>mother (P25) = Q9439 (Q9439)</a:t>
+            </a:r>
+          </a:p>
+          <a:p>
+            <a:pPr lvl="0"/>
+            <a:r>
+              <a:rPr lang="en-US"/>
+              <a:t>P69 (P69) = Q1753535 (Q1753535)</a:t>
+            </a:r>
+          </a:p>
+          <a:p>
+            <a:pPr lvl="0"/>
+            <a:r>
+              <a:rPr lang="en-US"/>
+              <a:t>country of citizenship (P27) = Q145 (Q145)</a:t>
+            </a:r>
+          </a:p>
+          <a:p>
+            <a:pPr lvl="0"/>
+            <a:r>
+              <a:rPr lang="en-US"/>
+              <a:t>spouse (P26) = Q334971 (Q334971)</a:t>
+            </a:r>
+          </a:p>
+          <a:p>
+            <a:pPr lvl="0"/>
+            <a:r>
+              <a:rPr lang="en-US"/>
+              <a:t>VIAF ID (P214) = 68773672 ()</a:t>
+            </a:r>
+          </a:p>
+          <a:p>
+            <a:pPr lvl="0"/>
+            <a:r>
+              <a:rPr lang="en-US"/>
+              <a:t>ISNI (P213) = 0000 0000 7263 7001 ()</a:t>
+            </a:r>
+          </a:p>
+          <a:p>
+            <a:pPr lvl="0"/>
+            <a:r>
+              <a:rPr lang="en-US"/>
+              <a:t>National Portrait Gallery (London) person ID (P1816) = mp02802 ()</a:t>
+            </a:r>
+          </a:p>
+          <a:p>
+            <a:pPr lvl="0"/>
+            <a:r>
+              <a:rPr lang="en-US"/>
+              <a:t>WikiTree person ID (P2949) = Sachsen-Coburg_und_Gotha-17 ()</a:t>
+            </a:r>
+          </a:p>
+          <a:p>
+            <a:pPr lvl="0"/>
+            <a:r>
+              <a:rPr lang="en-US"/>
+              <a:t>Find a Grave memorial ID (P535) = 6137138 ()</a:t>
+            </a:r>
+          </a:p>
+          <a:p>
+            <a:pPr lvl="0"/>
+            <a:r>
+              <a:rPr lang="en-US"/>
+              <a:t>P650 (P650) = 51011 ()</a:t>
+            </a:r>
+          </a:p>
+          <a:p>
+            <a:pPr lvl="0"/>
+            <a:r>
+              <a:rPr lang="en-US"/>
+              <a:t>P1615 (P1615) = 1171 ()</a:t>
+            </a:r>
+          </a:p>
+          <a:p>
+            <a:pPr lvl="0"/>
+            <a:r>
+              <a:rPr lang="en-US"/>
+              <a:t>Oxford Dictionary of National Biography ID (P1415) = 34601 ()</a:t>
+            </a:r>
+          </a:p>
+          <a:p>
+            <a:pPr lvl="0"/>
+            <a:r>
+              <a:rPr lang="en-US"/>
+              <a:t>given name (P735) = Q3215140 (Q3215140)</a:t>
+            </a:r>
+          </a:p>
+          <a:p>
+            <a:pPr lvl="0"/>
+            <a:r>
+              <a:rPr lang="en-US"/>
+              <a:t>wikidata_type (wikidata_type) = http://www.wikidata.org/ontology#Item ()</a:t>
+            </a:r>
+          </a:p>
+          <a:p>
+            <a:pPr lvl="0"/>
+            <a:r>
+              <a:rPr lang="en-US"/>
+              <a:t>Commons gallery (P935) = Princess Louise, Duchess of Argyll ()</a:t>
+            </a:r>
+          </a:p>
+          <a:p>
+            <a:pPr lvl="0"/>
+            <a:r>
+              <a:rPr lang="en-US"/>
+              <a:t>instance of (P31) = Q5 (Q5)</a:t>
+            </a:r>
+          </a:p>
+          <a:p>
+            <a:pPr lvl="0"/>
+            <a:r>
+              <a:rPr lang="en-US"/>
+              <a:t>SNAC Ark ID (P3430) = w6hr3pvp ()</a:t>
+            </a:r>
+          </a:p>
+          <a:p>
+            <a:pPr lvl="0"/>
+            <a:r>
+              <a:rPr lang="en-US"/>
+              <a:t>name (name) = Princess Louise, Duchess of Argyll ()</a:t>
+            </a:r>
+          </a:p>
+          <a:p>
+            <a:pPr lvl="0"/>
+            <a:r>
+              <a:rPr lang="en-US"/>
+              <a:t>award received (P166) = [http://www.wikidata.org/entity/Q16943677 (item), http://www.wikidata.org/entity/Q12192384 (item), http://www.wikidata.org/entity/Q1635491 (item)] ()</a:t>
+            </a:r>
+          </a:p>
+          <a:p>
+            <a:pPr lvl="0"/>
+            <a:r>
+              <a:rPr lang="en-US"/>
+              <a:t>ULAN ID (P245) = 500022468 ()</a:t>
+            </a:r>
+          </a:p>
+          <a:p>
+            <a:pPr lvl="0"/>
+            <a:r>
+              <a:rPr lang="en-US"/>
+              <a:t>Library of Congress authority ID (P244) = nr88011178 ()</a:t>
+            </a:r>
+          </a:p>
+          <a:p>
+            <a:pPr lvl="0"/>
+            <a:r>
+              <a:rPr lang="en-US"/>
+              <a:t>wikidata_id (wikidata_id) = Q161167 ()</a:t>
+            </a:r>
+          </a:p>
+          <a:p>
+            <a:pPr lvl="0"/>
+            <a:r>
+              <a:rPr lang="en-US"/>
+              <a:t>National Thesaurus for Author Names ID (P1006) = 073446130 ()</a:t>
+            </a:r>
+          </a:p>
+          <a:p>
+            <a:pPr lvl="0"/>
+            <a:r>
+              <a:rPr lang="en-US"/>
+              <a:t>date of birth (P569) = 1848-03-18 (Prec.: day [-0 .. +0], PCal: Gregorian) ()</a:t>
+            </a:r>
+          </a:p>
+          <a:p>
+            <a:pPr lvl="0"/>
+            <a:r>
+              <a:rPr lang="en-US"/>
+              <a:t>Freebase ID (P646) = /m/01q_6h ()</a:t>
+            </a:r>
+          </a:p>
+          <a:p>
+            <a:pPr lvl="0"/>
+            <a:r>
+              <a:rPr lang="en-US"/>
+              <a:t>P1367 (P1367) = alberta-duchess-of-argyll-louise-caroline-18481939 ()</a:t>
+            </a:r>
+          </a:p>
+          <a:p>
+            <a:pPr lvl="0"/>
+            <a:r>
+              <a:rPr lang="en-US"/>
+              <a:t>WeRelate person ID (P4159) = Princess_Louise,_Duchess_of_Argyll_(1) ()</a:t>
+            </a:r>
+          </a:p>
+          <a:p>
+            <a:pPr lvl="0"/>
+            <a:r>
+              <a:rPr lang="en-US"/>
+              <a:t>RA Collections ID (P4553) = 7313 ()</a:t>
+            </a:r>
+          </a:p>
+          <a:p>
+            <a:pPr lvl="0"/>
+            <a:r>
+              <a:rPr lang="en-US"/>
+              <a:t>Commons category (P373) = Princess Louise, Duchess of Argyll ()</a:t>
+            </a:r>
+          </a:p>
+          <a:p>
+            <a:pPr lvl="0"/>
+            <a:r>
+              <a:rPr lang="en-US"/>
+              <a:t>date of death (P570) = 1939-12-03 (Prec.: day [-0 .. +0], PCal: Gregorian) ()</a:t>
+            </a:r>
+          </a:p>
+          <a:p>
+            <a:pPr lvl="0"/>
+            <a:r>
+              <a:rPr lang="en-US"/>
+              <a:t>wiki_en (wiki_en) = Princess Louise, Duchess of Argyll ()</a:t>
+            </a:r>
+          </a:p>
+          <a:p>
+            <a:pPr lvl="0"/>
+            <a:r>
+              <a:rPr lang="en-US"/>
+              <a:t>name in native language (P1559) = "Louise of the United Kingdom" (en) ()</a:t>
+            </a:r>
+          </a:p>
+          <a:p>
+            <a:pPr lvl="0"/>
+            <a:r>
+              <a:rPr lang="en-US"/>
+              <a:t>British Museum person-institution (P1711) = 36259 ()</a:t>
+            </a:r>
+          </a:p>
+          <a:p>
+            <a:pPr lvl="0"/>
+            <a:r>
+              <a:rPr lang="en-US"/>
+              <a:t>Quora topic ID (P3417) = Princess-Louise ()</a:t>
+            </a:r>
+          </a:p>
+          <a:p>
+            <a:pPr lvl="0"/>
+            <a:r>
+              <a:rPr lang="en-US"/>
+              <a:t>coat of arms image (P94) = Coat of Arms of Louise, Duchess of Argyll.svg ()</a:t>
+            </a:r>
+          </a:p>
+          <a:p>
+            <a:pPr lvl="0"/>
+            <a:r>
+              <a:rPr lang="en-US"/>
+              <a:t>label_en (label_en) = Princess Louise, Duchess of Argyll ()</a:t>
+            </a:r>
+          </a:p>
+          <a:p>
+            <a:pPr lvl="0"/>
+            <a:r>
+              <a:rPr lang="en-US"/>
+              <a:t>place of burial (P119) = Q6677705 (Q6677705)</a:t>
+            </a:r>
+          </a:p>
+          <a:p>
+            <a:pPr lvl="0"/>
+            <a:r>
+              <a:rPr lang="en-US"/>
+              <a:t>picture (picture) = BufferedImage@2af4129d: type = 10 ColorModel: #pixelBits = 8 numComponents = 1 color space = java.awt.color.ICC_ColorSpace@474fae39 transparency = 1 has alpha = false isAlphaPre = false ByteInterleavedRaster: width = 200 height = 292 #numDataElements 1 dataOff[0] = 0 ()</a:t>
+            </a:r>
+          </a:p>
+          <a:p>
+            <a:pPr lvl="0"/>
+            <a:r>
+              <a:rPr lang="en-US"/>
+              <a:t>family (P53) = Q1753846 (Q1753846)</a:t>
+            </a:r>
+          </a:p>
+          <a:p>
+            <a:pPr lvl="0"/>
+            <a:r>
+              <a:rPr lang="en-US"/>
+              <a:t>P97 (P97) = Q2994749 (Q2994749)</a:t>
+            </a:r>
+          </a:p>
+          <a:p>
+            <a:pPr lvl="0"/>
+            <a:r>
+              <a:rPr lang="en-US"/>
+              <a:t>P1472 (P1472) = Princess Louise, Duchess of Argyll ()</a:t>
+            </a:r>
+          </a:p>
+          <a:p>
+            <a:pPr lvl="0"/>
+            <a:r>
+              <a:rPr lang="en-US"/>
+              <a:t>sibling (P3373) = [http://www.wikidata.org/entity/Q158143 (item), http://www.wikidata.org/entity/Q160541 (item), http://www.wikidata.org/entity/Q160558 (item), http://www.wikidata.org/entity/Q20875 (item), http://www.wikidata.org/entity/Q116728 (item), http://www.wikidata.org/entity/Q155566 (item), http://www.wikidata.org/entity/Q158140 (item), http://www.wikidata.org/entity/Q160539 (item)] ()</a:t>
+            </a:r>
+          </a:p>
+          <a:p>
+            <a:pPr lvl="0"/>
+            <a:r>
+              <a:rPr lang="en-US"/>
+              <a:t>image (P18) = Princess Louise 1901 copy.jpg ()</a:t>
+            </a:r>
+          </a:p>
+          <a:p>
+            <a:pPr lvl="0"/>
+            <a:r>
+              <a:rPr lang="en-US"/>
+              <a:t>place of birth (P19) = Q42182 (Q42182)</a:t>
             </a:r>
           </a:p>
         </p:txBody>
@@ -5708,357 +5708,357 @@
             <a:pPr lvl="0"/>
             <a:r>
               <a:rPr lang="en-US"/>
-              <a:t>SUDOC authorities (P269) = 032716877</a:t>
-            </a:r>
-          </a:p>
-          <a:p>
-            <a:pPr lvl="0"/>
-            <a:r>
-              <a:rPr lang="en-US"/>
-              <a:t>BnF ID (P268) = 12369331g</a:t>
-            </a:r>
-          </a:p>
-          <a:p>
-            <a:pPr lvl="0"/>
-            <a:r>
-              <a:rPr lang="en-US"/>
-              <a:t>GND ID (P227) = 119373289</a:t>
-            </a:r>
-          </a:p>
-          <a:p>
-            <a:pPr lvl="0"/>
-            <a:r>
-              <a:rPr lang="en-US"/>
-              <a:t>occupation (P106) = http://www.wikidata.org/entity/Q47064 (item)</a:t>
-            </a:r>
-          </a:p>
-          <a:p>
-            <a:pPr lvl="0"/>
-            <a:r>
-              <a:rPr lang="en-US"/>
-              <a:t>member of (P463) = http://www.wikidata.org/entity/Q123885 (item)</a:t>
-            </a:r>
-          </a:p>
-          <a:p>
-            <a:pPr lvl="0"/>
-            <a:r>
-              <a:rPr lang="en-US"/>
-              <a:t>US National Archives Identifier (P1225) = 10574479</a:t>
-            </a:r>
-          </a:p>
-          <a:p>
-            <a:pPr lvl="0"/>
-            <a:r>
-              <a:rPr lang="en-US"/>
-              <a:t>National Library of Israel ID (P949) = 000370875</a:t>
-            </a:r>
-          </a:p>
-          <a:p>
-            <a:pPr lvl="0"/>
-            <a:r>
-              <a:rPr lang="en-US"/>
-              <a:t>source (source) = WikiData</a:t>
-            </a:r>
-          </a:p>
-          <a:p>
-            <a:pPr lvl="0"/>
-            <a:r>
-              <a:rPr lang="en-US"/>
-              <a:t>sex or gender (P21) = http://www.wikidata.org/entity/Q6581097 (item)</a:t>
-            </a:r>
-          </a:p>
-          <a:p>
-            <a:pPr lvl="0"/>
-            <a:r>
-              <a:rPr lang="en-US"/>
-              <a:t>place of death (P20) = http://www.wikidata.org/entity/Q582085 (item)</a:t>
-            </a:r>
-          </a:p>
-          <a:p>
-            <a:pPr lvl="0"/>
-            <a:r>
-              <a:rPr lang="en-US"/>
-              <a:t>father (P22) = http://www.wikidata.org/entity/Q152245 (item)</a:t>
-            </a:r>
-          </a:p>
-          <a:p>
-            <a:pPr lvl="0"/>
-            <a:r>
-              <a:rPr lang="en-US"/>
-              <a:t>mother (P25) = http://www.wikidata.org/entity/Q9439 (item)</a:t>
-            </a:r>
-          </a:p>
-          <a:p>
-            <a:pPr lvl="0"/>
-            <a:r>
-              <a:rPr lang="en-US"/>
-              <a:t>P69 (P69) = http://www.wikidata.org/entity/Q1573631 (item)</a:t>
-            </a:r>
-          </a:p>
-          <a:p>
-            <a:pPr lvl="0"/>
-            <a:r>
-              <a:rPr lang="en-US"/>
-              <a:t>country of citizenship (P27) = http://www.wikidata.org/entity/Q145 (item)</a:t>
-            </a:r>
-          </a:p>
-          <a:p>
-            <a:pPr lvl="0"/>
-            <a:r>
-              <a:rPr lang="en-US"/>
-              <a:t>spouse (P26) = http://www.wikidata.org/entity/Q235435 (item)</a:t>
-            </a:r>
-          </a:p>
-          <a:p>
-            <a:pPr lvl="0"/>
-            <a:r>
-              <a:rPr lang="en-US"/>
-              <a:t>VIAF ID (P214) = 74661807</a:t>
-            </a:r>
-          </a:p>
-          <a:p>
-            <a:pPr lvl="0"/>
-            <a:r>
-              <a:rPr lang="en-US"/>
-              <a:t>ISNI (P213) = 0000 0000 5196 6762</a:t>
-            </a:r>
-          </a:p>
-          <a:p>
-            <a:pPr lvl="0"/>
-            <a:r>
-              <a:rPr lang="en-US"/>
-              <a:t>WikiTree person ID (P2949) = Sachsen-Coburg_und_Gotha-18</a:t>
-            </a:r>
-          </a:p>
-          <a:p>
-            <a:pPr lvl="0"/>
-            <a:r>
-              <a:rPr lang="en-US"/>
-              <a:t>P410 (P410) = http://www.wikidata.org/entity/Q2703373 (item)</a:t>
-            </a:r>
-          </a:p>
-          <a:p>
-            <a:pPr lvl="0"/>
-            <a:r>
-              <a:rPr lang="en-US"/>
-              <a:t>Oxford Dictionary of National Biography ID (P1415) = 30462</a:t>
-            </a:r>
-          </a:p>
-          <a:p>
-            <a:pPr lvl="0"/>
-            <a:r>
-              <a:rPr lang="en-US"/>
-              <a:t>given name (P735) = http://www.wikidata.org/entity/Q1778168 (item)</a:t>
-            </a:r>
-          </a:p>
-          <a:p>
-            <a:pPr lvl="0"/>
-            <a:r>
-              <a:rPr lang="en-US"/>
-              <a:t>wikidata_type (wikidata_type) = http://www.wikidata.org/ontology#Item</a:t>
-            </a:r>
-          </a:p>
-          <a:p>
-            <a:pPr lvl="0"/>
-            <a:r>
-              <a:rPr lang="en-US"/>
-              <a:t>Commons gallery (P935) = Prince Arthur, Duke of Connaught and Strathearn</a:t>
-            </a:r>
-          </a:p>
-          <a:p>
-            <a:pPr lvl="0"/>
-            <a:r>
-              <a:rPr lang="en-US"/>
-              <a:t>instance of (P31) = http://www.wikidata.org/entity/Q5 (item)</a:t>
-            </a:r>
-          </a:p>
-          <a:p>
-            <a:pPr lvl="0"/>
-            <a:r>
-              <a:rPr lang="en-US"/>
-              <a:t>position held (P39) = [http://www.wikidata.org/entity/Q390776 (item), http://www.wikidata.org/entity/Q28837708 (item), http://www.wikidata.org/entity/Q28841847 (item)]</a:t>
-            </a:r>
-          </a:p>
-          <a:p>
-            <a:pPr lvl="0"/>
-            <a:r>
-              <a:rPr lang="en-US"/>
-              <a:t>religion (P140) = http://www.wikidata.org/entity/Q6423963 (item)</a:t>
-            </a:r>
-          </a:p>
-          <a:p>
-            <a:pPr lvl="0"/>
-            <a:r>
-              <a:rPr lang="en-US"/>
-              <a:t>name (name) = Prince Arthur, Duke of Connaught and Strathearn</a:t>
-            </a:r>
-          </a:p>
-          <a:p>
-            <a:pPr lvl="0"/>
-            <a:r>
-              <a:rPr lang="en-US"/>
-              <a:t>award received (P166) = [http://www.wikidata.org/entity/Q15117228 (item), http://www.wikidata.org/entity/Q94145 (item), http://www.wikidata.org/entity/Q12177451 (item), http://www.wikidata.org/entity/Q12201378 (item), http://www.wikidata.org/entity/Q12192290 (item), http://www.wikidata.org/entity/Q12177423 (item), http://www.wikidata.org/entity/Q5361043 (item), http://www.wikidata.org/entity/Q1126563 (item), http://www.wikidata.org/entity/Q2171187 (item), http://www.wikidata.org/entity/Q4710826 (item), http://www.wikidata.org/entity/Q18579585 (item)]</a:t>
-            </a:r>
-          </a:p>
-          <a:p>
-            <a:pPr lvl="0"/>
-            <a:r>
-              <a:rPr lang="en-US"/>
-              <a:t>Library of Congress authority ID (P244) = nr93042306</a:t>
-            </a:r>
-          </a:p>
-          <a:p>
-            <a:pPr lvl="0"/>
-            <a:r>
-              <a:rPr lang="en-US"/>
-              <a:t>P607 (P607) = http://www.wikidata.org/entity/Q616939 (item)</a:t>
-            </a:r>
-          </a:p>
-          <a:p>
-            <a:pPr lvl="0"/>
-            <a:r>
-              <a:rPr lang="en-US"/>
-              <a:t>wikidata_id (wikidata_id) = Q160558</a:t>
-            </a:r>
-          </a:p>
-          <a:p>
-            <a:pPr lvl="0"/>
-            <a:r>
-              <a:rPr lang="en-US"/>
-              <a:t>National Thesaurus for Author Names ID (P1006) = 159288177</a:t>
-            </a:r>
-          </a:p>
-          <a:p>
-            <a:pPr lvl="0"/>
-            <a:r>
-              <a:rPr lang="en-US"/>
-              <a:t>UK National Archives ID (P3029) = F59017</a:t>
-            </a:r>
-          </a:p>
-          <a:p>
-            <a:pPr lvl="0"/>
-            <a:r>
-              <a:rPr lang="en-US"/>
-              <a:t>P2015 (P2015) = mr-arthur-gotha</a:t>
-            </a:r>
-          </a:p>
-          <a:p>
-            <a:pPr lvl="0"/>
-            <a:r>
-              <a:rPr lang="en-US"/>
-              <a:t>child (P40) = [http://www.wikidata.org/entity/Q158173 (item), http://www.wikidata.org/entity/Q519332 (item), http://www.wikidata.org/entity/Q256951 (item)]</a:t>
-            </a:r>
-          </a:p>
-          <a:p>
-            <a:pPr lvl="0"/>
-            <a:r>
-              <a:rPr lang="en-US"/>
-              <a:t>date of birth (P569) = 1850-05-01 (Prec.: day [-0 .. +0], PCal: Gregorian)</a:t>
-            </a:r>
-          </a:p>
-          <a:p>
-            <a:pPr lvl="0"/>
-            <a:r>
-              <a:rPr lang="en-US"/>
-              <a:t>Freebase ID (P646) = /m/01h_sl</a:t>
-            </a:r>
-          </a:p>
-          <a:p>
-            <a:pPr lvl="0"/>
-            <a:r>
-              <a:rPr lang="en-US"/>
-              <a:t>WeRelate person ID (P4159) = Prince_Arthur,_Duke_of_Connaught_and_Strathearn_(1)</a:t>
-            </a:r>
-          </a:p>
-          <a:p>
-            <a:pPr lvl="0"/>
-            <a:r>
-              <a:rPr lang="en-US"/>
-              <a:t>Commons category (P373) = Prince Arthur, Duke of Connaught and Strathearn</a:t>
-            </a:r>
-          </a:p>
-          <a:p>
-            <a:pPr lvl="0"/>
-            <a:r>
-              <a:rPr lang="en-US"/>
-              <a:t>date of death (P570) = 1942-01-16 (Prec.: day [-0 .. +0], PCal: Gregorian)</a:t>
-            </a:r>
-          </a:p>
-          <a:p>
-            <a:pPr lvl="0"/>
-            <a:r>
-              <a:rPr lang="en-US"/>
-              <a:t>wiki_en (wiki_en) = Prince Arthur, Duke of Connaught and Strathearn</a:t>
-            </a:r>
-          </a:p>
-          <a:p>
-            <a:pPr lvl="0"/>
-            <a:r>
-              <a:rPr lang="en-US"/>
-              <a:t>coat of arms image (P94) = Coat of Arms of Arthur, Duke of Connaught and Strathearn.svg</a:t>
-            </a:r>
-          </a:p>
-          <a:p>
-            <a:pPr lvl="0"/>
-            <a:r>
-              <a:rPr lang="en-US"/>
-              <a:t>label_en (label_en) = Prince Arthur, Duke of Connaught and Strathearn</a:t>
-            </a:r>
-          </a:p>
-          <a:p>
-            <a:pPr lvl="0"/>
-            <a:r>
-              <a:rPr lang="en-US"/>
-              <a:t>place of burial (P119) = http://www.wikidata.org/entity/Q6677705 (item)</a:t>
-            </a:r>
-          </a:p>
-          <a:p>
-            <a:pPr lvl="0"/>
-            <a:r>
-              <a:rPr lang="en-US"/>
-              <a:t>OpenPlaques subject ID (P1430) = 5207</a:t>
-            </a:r>
-          </a:p>
-          <a:p>
-            <a:pPr lvl="0"/>
-            <a:r>
-              <a:rPr lang="en-US"/>
-              <a:t>picture (picture) = BufferedImage@3f725306: type = 10 ColorModel: #pixelBits = 8 numComponents = 1 color space = java.awt.color.ICC_ColorSpace@3ece1e79 transparency = 1 has alpha = false isAlphaPre = false ByteInterleavedRaster: width = 200 height = 269 #numDataElements 1 dataOff[0] = 0</a:t>
-            </a:r>
-          </a:p>
-          <a:p>
-            <a:pPr lvl="0"/>
-            <a:r>
-              <a:rPr lang="en-US"/>
-              <a:t>family (P53) = http://www.wikidata.org/entity/Q81589 (item)</a:t>
-            </a:r>
-          </a:p>
-          <a:p>
-            <a:pPr lvl="0"/>
-            <a:r>
-              <a:rPr lang="en-US"/>
-              <a:t>sibling (P3373) = [http://www.wikidata.org/entity/Q116728 (item), http://www.wikidata.org/entity/Q155566 (item), http://www.wikidata.org/entity/Q158140 (item), http://www.wikidata.org/entity/Q160539 (item), http://www.wikidata.org/entity/Q161167 (item), http://www.wikidata.org/entity/Q160541 (item), http://www.wikidata.org/entity/Q158143 (item), http://www.wikidata.org/entity/Q20875 (item)]</a:t>
-            </a:r>
-          </a:p>
-          <a:p>
-            <a:pPr lvl="0"/>
-            <a:r>
-              <a:rPr lang="en-US"/>
-              <a:t>image (P18) = Duke of Connaught and Strathearn.jpg</a:t>
-            </a:r>
-          </a:p>
-          <a:p>
-            <a:pPr lvl="0"/>
-            <a:r>
-              <a:rPr lang="en-US"/>
-              <a:t>place of birth (P19) = http://www.wikidata.org/entity/Q42182 (item)</a:t>
-            </a:r>
-          </a:p>
-          <a:p>
-            <a:pPr lvl="0"/>
-            <a:r>
-              <a:rPr lang="en-US"/>
-              <a:t>P241 (P241) = http://www.wikidata.org/entity/Q222595 (item)</a:t>
+              <a:t>SUDOC authorities (P269) = 032716877 ()</a:t>
+            </a:r>
+          </a:p>
+          <a:p>
+            <a:pPr lvl="0"/>
+            <a:r>
+              <a:rPr lang="en-US"/>
+              <a:t>BnF ID (P268) = 12369331g ()</a:t>
+            </a:r>
+          </a:p>
+          <a:p>
+            <a:pPr lvl="0"/>
+            <a:r>
+              <a:rPr lang="en-US"/>
+              <a:t>GND ID (P227) = 119373289 ()</a:t>
+            </a:r>
+          </a:p>
+          <a:p>
+            <a:pPr lvl="0"/>
+            <a:r>
+              <a:rPr lang="en-US"/>
+              <a:t>occupation (P106) = Q47064 (Q47064)</a:t>
+            </a:r>
+          </a:p>
+          <a:p>
+            <a:pPr lvl="0"/>
+            <a:r>
+              <a:rPr lang="en-US"/>
+              <a:t>member of (P463) = Q123885 (Q123885)</a:t>
+            </a:r>
+          </a:p>
+          <a:p>
+            <a:pPr lvl="0"/>
+            <a:r>
+              <a:rPr lang="en-US"/>
+              <a:t>US National Archives Identifier (P1225) = 10574479 ()</a:t>
+            </a:r>
+          </a:p>
+          <a:p>
+            <a:pPr lvl="0"/>
+            <a:r>
+              <a:rPr lang="en-US"/>
+              <a:t>National Library of Israel ID (P949) = 000370875 ()</a:t>
+            </a:r>
+          </a:p>
+          <a:p>
+            <a:pPr lvl="0"/>
+            <a:r>
+              <a:rPr lang="en-US"/>
+              <a:t>source (source) = WikiData ()</a:t>
+            </a:r>
+          </a:p>
+          <a:p>
+            <a:pPr lvl="0"/>
+            <a:r>
+              <a:rPr lang="en-US"/>
+              <a:t>sex or gender (P21) = Q6581097 (Q6581097)</a:t>
+            </a:r>
+          </a:p>
+          <a:p>
+            <a:pPr lvl="0"/>
+            <a:r>
+              <a:rPr lang="en-US"/>
+              <a:t>place of death (P20) = Q582085 (Q582085)</a:t>
+            </a:r>
+          </a:p>
+          <a:p>
+            <a:pPr lvl="0"/>
+            <a:r>
+              <a:rPr lang="en-US"/>
+              <a:t>father (P22) = Q152245 (Q152245)</a:t>
+            </a:r>
+          </a:p>
+          <a:p>
+            <a:pPr lvl="0"/>
+            <a:r>
+              <a:rPr lang="en-US"/>
+              <a:t>mother (P25) = Q9439 (Q9439)</a:t>
+            </a:r>
+          </a:p>
+          <a:p>
+            <a:pPr lvl="0"/>
+            <a:r>
+              <a:rPr lang="en-US"/>
+              <a:t>P69 (P69) = Q1573631 (Q1573631)</a:t>
+            </a:r>
+          </a:p>
+          <a:p>
+            <a:pPr lvl="0"/>
+            <a:r>
+              <a:rPr lang="en-US"/>
+              <a:t>country of citizenship (P27) = Q145 (Q145)</a:t>
+            </a:r>
+          </a:p>
+          <a:p>
+            <a:pPr lvl="0"/>
+            <a:r>
+              <a:rPr lang="en-US"/>
+              <a:t>spouse (P26) = Q235435 (Q235435)</a:t>
+            </a:r>
+          </a:p>
+          <a:p>
+            <a:pPr lvl="0"/>
+            <a:r>
+              <a:rPr lang="en-US"/>
+              <a:t>VIAF ID (P214) = 74661807 ()</a:t>
+            </a:r>
+          </a:p>
+          <a:p>
+            <a:pPr lvl="0"/>
+            <a:r>
+              <a:rPr lang="en-US"/>
+              <a:t>ISNI (P213) = 0000 0000 5196 6762 ()</a:t>
+            </a:r>
+          </a:p>
+          <a:p>
+            <a:pPr lvl="0"/>
+            <a:r>
+              <a:rPr lang="en-US"/>
+              <a:t>WikiTree person ID (P2949) = Sachsen-Coburg_und_Gotha-18 ()</a:t>
+            </a:r>
+          </a:p>
+          <a:p>
+            <a:pPr lvl="0"/>
+            <a:r>
+              <a:rPr lang="en-US"/>
+              <a:t>P410 (P410) = Q2703373 (Q2703373)</a:t>
+            </a:r>
+          </a:p>
+          <a:p>
+            <a:pPr lvl="0"/>
+            <a:r>
+              <a:rPr lang="en-US"/>
+              <a:t>Oxford Dictionary of National Biography ID (P1415) = 30462 ()</a:t>
+            </a:r>
+          </a:p>
+          <a:p>
+            <a:pPr lvl="0"/>
+            <a:r>
+              <a:rPr lang="en-US"/>
+              <a:t>given name (P735) = Q1778168 (Q1778168)</a:t>
+            </a:r>
+          </a:p>
+          <a:p>
+            <a:pPr lvl="0"/>
+            <a:r>
+              <a:rPr lang="en-US"/>
+              <a:t>wikidata_type (wikidata_type) = http://www.wikidata.org/ontology#Item ()</a:t>
+            </a:r>
+          </a:p>
+          <a:p>
+            <a:pPr lvl="0"/>
+            <a:r>
+              <a:rPr lang="en-US"/>
+              <a:t>Commons gallery (P935) = Prince Arthur, Duke of Connaught and Strathearn ()</a:t>
+            </a:r>
+          </a:p>
+          <a:p>
+            <a:pPr lvl="0"/>
+            <a:r>
+              <a:rPr lang="en-US"/>
+              <a:t>instance of (P31) = Q5 (Q5)</a:t>
+            </a:r>
+          </a:p>
+          <a:p>
+            <a:pPr lvl="0"/>
+            <a:r>
+              <a:rPr lang="en-US"/>
+              <a:t>position held (P39) = [http://www.wikidata.org/entity/Q390776 (item), http://www.wikidata.org/entity/Q28837708 (item), http://www.wikidata.org/entity/Q28841847 (item)] ()</a:t>
+            </a:r>
+          </a:p>
+          <a:p>
+            <a:pPr lvl="0"/>
+            <a:r>
+              <a:rPr lang="en-US"/>
+              <a:t>religion (P140) = Q6423963 (Q6423963)</a:t>
+            </a:r>
+          </a:p>
+          <a:p>
+            <a:pPr lvl="0"/>
+            <a:r>
+              <a:rPr lang="en-US"/>
+              <a:t>name (name) = Prince Arthur, Duke of Connaught and Strathearn ()</a:t>
+            </a:r>
+          </a:p>
+          <a:p>
+            <a:pPr lvl="0"/>
+            <a:r>
+              <a:rPr lang="en-US"/>
+              <a:t>award received (P166) = [http://www.wikidata.org/entity/Q15117228 (item), http://www.wikidata.org/entity/Q94145 (item), http://www.wikidata.org/entity/Q12177451 (item), http://www.wikidata.org/entity/Q12201378 (item), http://www.wikidata.org/entity/Q12192290 (item), http://www.wikidata.org/entity/Q12177423 (item), http://www.wikidata.org/entity/Q5361043 (item), http://www.wikidata.org/entity/Q1126563 (item), http://www.wikidata.org/entity/Q2171187 (item), http://www.wikidata.org/entity/Q4710826 (item), http://www.wikidata.org/entity/Q18579585 (item)] ()</a:t>
+            </a:r>
+          </a:p>
+          <a:p>
+            <a:pPr lvl="0"/>
+            <a:r>
+              <a:rPr lang="en-US"/>
+              <a:t>Library of Congress authority ID (P244) = nr93042306 ()</a:t>
+            </a:r>
+          </a:p>
+          <a:p>
+            <a:pPr lvl="0"/>
+            <a:r>
+              <a:rPr lang="en-US"/>
+              <a:t>P607 (P607) = Q616939 (Q616939)</a:t>
+            </a:r>
+          </a:p>
+          <a:p>
+            <a:pPr lvl="0"/>
+            <a:r>
+              <a:rPr lang="en-US"/>
+              <a:t>wikidata_id (wikidata_id) = Q160558 ()</a:t>
+            </a:r>
+          </a:p>
+          <a:p>
+            <a:pPr lvl="0"/>
+            <a:r>
+              <a:rPr lang="en-US"/>
+              <a:t>National Thesaurus for Author Names ID (P1006) = 159288177 ()</a:t>
+            </a:r>
+          </a:p>
+          <a:p>
+            <a:pPr lvl="0"/>
+            <a:r>
+              <a:rPr lang="en-US"/>
+              <a:t>UK National Archives ID (P3029) = F59017 ()</a:t>
+            </a:r>
+          </a:p>
+          <a:p>
+            <a:pPr lvl="0"/>
+            <a:r>
+              <a:rPr lang="en-US"/>
+              <a:t>P2015 (P2015) = mr-arthur-gotha ()</a:t>
+            </a:r>
+          </a:p>
+          <a:p>
+            <a:pPr lvl="0"/>
+            <a:r>
+              <a:rPr lang="en-US"/>
+              <a:t>child (P40) = [http://www.wikidata.org/entity/Q158173 (item), http://www.wikidata.org/entity/Q519332 (item), http://www.wikidata.org/entity/Q256951 (item)] ()</a:t>
+            </a:r>
+          </a:p>
+          <a:p>
+            <a:pPr lvl="0"/>
+            <a:r>
+              <a:rPr lang="en-US"/>
+              <a:t>date of birth (P569) = 1850-05-01 (Prec.: day [-0 .. +0], PCal: Gregorian) ()</a:t>
+            </a:r>
+          </a:p>
+          <a:p>
+            <a:pPr lvl="0"/>
+            <a:r>
+              <a:rPr lang="en-US"/>
+              <a:t>Freebase ID (P646) = /m/01h_sl ()</a:t>
+            </a:r>
+          </a:p>
+          <a:p>
+            <a:pPr lvl="0"/>
+            <a:r>
+              <a:rPr lang="en-US"/>
+              <a:t>WeRelate person ID (P4159) = Prince_Arthur,_Duke_of_Connaught_and_Strathearn_(1) ()</a:t>
+            </a:r>
+          </a:p>
+          <a:p>
+            <a:pPr lvl="0"/>
+            <a:r>
+              <a:rPr lang="en-US"/>
+              <a:t>Commons category (P373) = Prince Arthur, Duke of Connaught and Strathearn ()</a:t>
+            </a:r>
+          </a:p>
+          <a:p>
+            <a:pPr lvl="0"/>
+            <a:r>
+              <a:rPr lang="en-US"/>
+              <a:t>date of death (P570) = 1942-01-16 (Prec.: day [-0 .. +0], PCal: Gregorian) ()</a:t>
+            </a:r>
+          </a:p>
+          <a:p>
+            <a:pPr lvl="0"/>
+            <a:r>
+              <a:rPr lang="en-US"/>
+              <a:t>wiki_en (wiki_en) = Prince Arthur, Duke of Connaught and Strathearn ()</a:t>
+            </a:r>
+          </a:p>
+          <a:p>
+            <a:pPr lvl="0"/>
+            <a:r>
+              <a:rPr lang="en-US"/>
+              <a:t>coat of arms image (P94) = Coat of Arms of Arthur, Duke of Connaught and Strathearn.svg ()</a:t>
+            </a:r>
+          </a:p>
+          <a:p>
+            <a:pPr lvl="0"/>
+            <a:r>
+              <a:rPr lang="en-US"/>
+              <a:t>label_en (label_en) = Prince Arthur, Duke of Connaught and Strathearn ()</a:t>
+            </a:r>
+          </a:p>
+          <a:p>
+            <a:pPr lvl="0"/>
+            <a:r>
+              <a:rPr lang="en-US"/>
+              <a:t>place of burial (P119) = Q6677705 (Q6677705)</a:t>
+            </a:r>
+          </a:p>
+          <a:p>
+            <a:pPr lvl="0"/>
+            <a:r>
+              <a:rPr lang="en-US"/>
+              <a:t>OpenPlaques subject ID (P1430) = 5207 ()</a:t>
+            </a:r>
+          </a:p>
+          <a:p>
+            <a:pPr lvl="0"/>
+            <a:r>
+              <a:rPr lang="en-US"/>
+              <a:t>picture (picture) = BufferedImage@2412a42b: type = 10 ColorModel: #pixelBits = 8 numComponents = 1 color space = java.awt.color.ICC_ColorSpace@474fae39 transparency = 1 has alpha = false isAlphaPre = false ByteInterleavedRaster: width = 200 height = 269 #numDataElements 1 dataOff[0] = 0 ()</a:t>
+            </a:r>
+          </a:p>
+          <a:p>
+            <a:pPr lvl="0"/>
+            <a:r>
+              <a:rPr lang="en-US"/>
+              <a:t>family (P53) = Q81589 (Q81589)</a:t>
+            </a:r>
+          </a:p>
+          <a:p>
+            <a:pPr lvl="0"/>
+            <a:r>
+              <a:rPr lang="en-US"/>
+              <a:t>sibling (P3373) = [http://www.wikidata.org/entity/Q116728 (item), http://www.wikidata.org/entity/Q155566 (item), http://www.wikidata.org/entity/Q158140 (item), http://www.wikidata.org/entity/Q160539 (item), http://www.wikidata.org/entity/Q161167 (item), http://www.wikidata.org/entity/Q160541 (item), http://www.wikidata.org/entity/Q158143 (item), http://www.wikidata.org/entity/Q20875 (item)] ()</a:t>
+            </a:r>
+          </a:p>
+          <a:p>
+            <a:pPr lvl="0"/>
+            <a:r>
+              <a:rPr lang="en-US"/>
+              <a:t>image (P18) = Duke of Connaught and Strathearn.jpg ()</a:t>
+            </a:r>
+          </a:p>
+          <a:p>
+            <a:pPr lvl="0"/>
+            <a:r>
+              <a:rPr lang="en-US"/>
+              <a:t>place of birth (P19) = Q42182 (Q42182)</a:t>
+            </a:r>
+          </a:p>
+          <a:p>
+            <a:pPr lvl="0"/>
+            <a:r>
+              <a:rPr lang="en-US"/>
+              <a:t>P241 (P241) = Q222595 (Q222595)</a:t>
             </a:r>
           </a:p>
         </p:txBody>
@@ -6276,301 +6276,301 @@
             <a:pPr lvl="0"/>
             <a:r>
               <a:rPr lang="en-US"/>
-              <a:t>BnF ID (P268) = 13612939t</a:t>
-            </a:r>
-          </a:p>
-          <a:p>
-            <a:pPr lvl="0"/>
-            <a:r>
-              <a:rPr lang="en-US"/>
-              <a:t>GND ID (P227) = 121701409</a:t>
-            </a:r>
-          </a:p>
-          <a:p>
-            <a:pPr lvl="0"/>
-            <a:r>
-              <a:rPr lang="en-US"/>
-              <a:t>occupation (P106) = http://www.wikidata.org/entity/Q82955 (item)</a:t>
-            </a:r>
-          </a:p>
-          <a:p>
-            <a:pPr lvl="0"/>
-            <a:r>
-              <a:rPr lang="en-US"/>
-              <a:t>award received (P166) = [http://www.wikidata.org/entity/Q12177423 (item), http://www.wikidata.org/entity/Q1126563 (item)]</a:t>
-            </a:r>
-          </a:p>
-          <a:p>
-            <a:pPr lvl="0"/>
-            <a:r>
-              <a:rPr lang="en-US"/>
-              <a:t>Library of Congress authority ID (P244) = n98083203</a:t>
-            </a:r>
-          </a:p>
-          <a:p>
-            <a:pPr lvl="0"/>
-            <a:r>
-              <a:rPr lang="en-US"/>
-              <a:t>wikidata_id (wikidata_id) = Q160541</a:t>
-            </a:r>
-          </a:p>
-          <a:p>
-            <a:pPr lvl="0"/>
-            <a:r>
-              <a:rPr lang="en-US"/>
-              <a:t>source (source) = WikiData</a:t>
-            </a:r>
-          </a:p>
-          <a:p>
-            <a:pPr lvl="0"/>
-            <a:r>
-              <a:rPr lang="en-US"/>
-              <a:t>P2015 (P2015) = mr-leopold-gotha</a:t>
-            </a:r>
-          </a:p>
-          <a:p>
-            <a:pPr lvl="0"/>
-            <a:r>
-              <a:rPr lang="en-US"/>
-              <a:t>child (P40) = [http://www.wikidata.org/entity/Q235521 (item), http://www.wikidata.org/entity/Q160467 (item)]</a:t>
-            </a:r>
-          </a:p>
-          <a:p>
-            <a:pPr lvl="0"/>
-            <a:r>
-              <a:rPr lang="en-US"/>
-              <a:t>date of birth (P569) = 1853-04-07 (Prec.: day [-0 .. +0], PCal: Gregorian)</a:t>
-            </a:r>
-          </a:p>
-          <a:p>
-            <a:pPr lvl="0"/>
-            <a:r>
-              <a:rPr lang="en-US"/>
-              <a:t>Freebase ID (P646) = /m/01pzkx</a:t>
-            </a:r>
-          </a:p>
-          <a:p>
-            <a:pPr lvl="0"/>
-            <a:r>
-              <a:rPr lang="en-US"/>
-              <a:t>sex or gender (P21) = http://www.wikidata.org/entity/Q6581097 (item)</a:t>
-            </a:r>
-          </a:p>
-          <a:p>
-            <a:pPr lvl="0"/>
-            <a:r>
-              <a:rPr lang="en-US"/>
-              <a:t>WeRelate person ID (P4159) = Leopold_Van_Groot_Brittannie_(1)</a:t>
-            </a:r>
-          </a:p>
-          <a:p>
-            <a:pPr lvl="0"/>
-            <a:r>
-              <a:rPr lang="en-US"/>
-              <a:t>place of death (P20) = http://www.wikidata.org/entity/Q39984 (item)</a:t>
-            </a:r>
-          </a:p>
-          <a:p>
-            <a:pPr lvl="0"/>
-            <a:r>
-              <a:rPr lang="en-US"/>
-              <a:t>described by source (P1343) = [http://www.wikidata.org/entity/Q19096012 (item), http://www.wikidata.org/entity/Q15987216 (item), http://www.wikidata.org/entity/Q19180675 (item), http://www.wikidata.org/entity/Q602358 (item)]</a:t>
-            </a:r>
-          </a:p>
-          <a:p>
-            <a:pPr lvl="0"/>
-            <a:r>
-              <a:rPr lang="en-US"/>
-              <a:t>father (P22) = http://www.wikidata.org/entity/Q152245 (item)</a:t>
-            </a:r>
-          </a:p>
-          <a:p>
-            <a:pPr lvl="0"/>
-            <a:r>
-              <a:rPr lang="en-US"/>
-              <a:t>mother (P25) = http://www.wikidata.org/entity/Q9439 (item)</a:t>
-            </a:r>
-          </a:p>
-          <a:p>
-            <a:pPr lvl="0"/>
-            <a:r>
-              <a:rPr lang="en-US"/>
-              <a:t>P69 (P69) = http://www.wikidata.org/entity/Q745967 (item)</a:t>
-            </a:r>
-          </a:p>
-          <a:p>
-            <a:pPr lvl="0"/>
-            <a:r>
-              <a:rPr lang="en-US"/>
-              <a:t>country of citizenship (P27) = http://www.wikidata.org/entity/Q145 (item)</a:t>
-            </a:r>
-          </a:p>
-          <a:p>
-            <a:pPr lvl="0"/>
-            <a:r>
-              <a:rPr lang="en-US"/>
-              <a:t>spouse (P26) = http://www.wikidata.org/entity/Q60747 (item)</a:t>
-            </a:r>
-          </a:p>
-          <a:p>
-            <a:pPr lvl="0"/>
-            <a:r>
-              <a:rPr lang="en-US"/>
-              <a:t>Commons category (P373) = Prince Leopold, Duke of Albany</a:t>
-            </a:r>
-          </a:p>
-          <a:p>
-            <a:pPr lvl="0"/>
-            <a:r>
-              <a:rPr lang="en-US"/>
-              <a:t>date of death (P570) = 1884-03-28 (Prec.: day [-0 .. +0], PCal: Gregorian)</a:t>
-            </a:r>
-          </a:p>
-          <a:p>
-            <a:pPr lvl="0"/>
-            <a:r>
-              <a:rPr lang="en-US"/>
-              <a:t>wiki_en (wiki_en) = Prince Leopold, Duke of Albany</a:t>
-            </a:r>
-          </a:p>
-          <a:p>
-            <a:pPr lvl="0"/>
-            <a:r>
-              <a:rPr lang="en-US"/>
-              <a:t>VIAF ID (P214) = 64869950</a:t>
-            </a:r>
-          </a:p>
-          <a:p>
-            <a:pPr lvl="0"/>
-            <a:r>
-              <a:rPr lang="en-US"/>
-              <a:t>ISNI (P213) = 0000 0000 3915 9327</a:t>
-            </a:r>
-          </a:p>
-          <a:p>
-            <a:pPr lvl="0"/>
-            <a:r>
-              <a:rPr lang="en-US"/>
-              <a:t>National Portrait Gallery (London) person ID (P1816) = mp00056</a:t>
-            </a:r>
-          </a:p>
-          <a:p>
-            <a:pPr lvl="0"/>
-            <a:r>
-              <a:rPr lang="en-US"/>
-              <a:t>WikiTree person ID (P2949) = Sachsen-Coburg_und_Gotha-19</a:t>
-            </a:r>
-          </a:p>
-          <a:p>
-            <a:pPr lvl="0"/>
-            <a:r>
-              <a:rPr lang="en-US"/>
-              <a:t>Oxford Dictionary of National Biography ID (P1415) = 16475</a:t>
-            </a:r>
-          </a:p>
-          <a:p>
-            <a:pPr lvl="0"/>
-            <a:r>
-              <a:rPr lang="en-US"/>
-              <a:t>coat of arms image (P94) = Coat of Arms of Leopold, Duke of Albany.svg</a:t>
-            </a:r>
-          </a:p>
-          <a:p>
-            <a:pPr lvl="0"/>
-            <a:r>
-              <a:rPr lang="en-US"/>
-              <a:t>label_en (label_en) = Prince Leopold, Duke of Albany</a:t>
-            </a:r>
-          </a:p>
-          <a:p>
-            <a:pPr lvl="0"/>
-            <a:r>
-              <a:rPr lang="en-US"/>
-              <a:t>place of burial (P119) = http://www.wikidata.org/entity/Q2449634 (item)</a:t>
-            </a:r>
-          </a:p>
-          <a:p>
-            <a:pPr lvl="0"/>
-            <a:r>
-              <a:rPr lang="en-US"/>
-              <a:t>given name (P735) = http://www.wikidata.org/entity/Q1076652 (item)</a:t>
-            </a:r>
-          </a:p>
-          <a:p>
-            <a:pPr lvl="0"/>
-            <a:r>
-              <a:rPr lang="en-US"/>
-              <a:t>wikidata_type (wikidata_type) = http://www.wikidata.org/ontology#Item</a:t>
-            </a:r>
-          </a:p>
-          <a:p>
-            <a:pPr lvl="0"/>
-            <a:r>
-              <a:rPr lang="en-US"/>
-              <a:t>picture (picture) = BufferedImage@60cf62ad: type = 10 ColorModel: #pixelBits = 8 numComponents = 1 color space = java.awt.color.ICC_ColorSpace@3ece1e79 transparency = 1 has alpha = false isAlphaPre = false ByteInterleavedRaster: width = 200 height = 271 #numDataElements 1 dataOff[0] = 0</a:t>
-            </a:r>
-          </a:p>
-          <a:p>
-            <a:pPr lvl="0"/>
-            <a:r>
-              <a:rPr lang="en-US"/>
-              <a:t>instance of (P31) = http://www.wikidata.org/entity/Q5 (item)</a:t>
-            </a:r>
-          </a:p>
-          <a:p>
-            <a:pPr lvl="0"/>
-            <a:r>
-              <a:rPr lang="en-US"/>
-              <a:t>family (P53) = http://www.wikidata.org/entity/Q1753846 (item)</a:t>
-            </a:r>
-          </a:p>
-          <a:p>
-            <a:pPr lvl="0"/>
-            <a:r>
-              <a:rPr lang="en-US"/>
-              <a:t>SNAC Ark ID (P3430) = w693180b</a:t>
-            </a:r>
-          </a:p>
-          <a:p>
-            <a:pPr lvl="0"/>
-            <a:r>
-              <a:rPr lang="en-US"/>
-              <a:t>sibling (P3373) = [http://www.wikidata.org/entity/Q116728 (item), http://www.wikidata.org/entity/Q155566 (item), http://www.wikidata.org/entity/Q158140 (item), http://www.wikidata.org/entity/Q160539 (item), http://www.wikidata.org/entity/Q161167 (item), http://www.wikidata.org/entity/Q160558 (item), http://www.wikidata.org/entity/Q158143 (item), http://www.wikidata.org/entity/Q20875 (item)]</a:t>
-            </a:r>
-          </a:p>
-          <a:p>
-            <a:pPr lvl="0"/>
-            <a:r>
-              <a:rPr lang="en-US"/>
-              <a:t>P1050 (P1050) = [http://www.wikidata.org/entity/Q134003 (item), http://www.wikidata.org/entity/Q41571 (item)]</a:t>
-            </a:r>
-          </a:p>
-          <a:p>
-            <a:pPr lvl="0"/>
-            <a:r>
-              <a:rPr lang="en-US"/>
-              <a:t>image (P18) = Prince Leopold, Duke of Albany - Project Gutenberg eText 13103.jpg</a:t>
-            </a:r>
-          </a:p>
-          <a:p>
-            <a:pPr lvl="0"/>
-            <a:r>
-              <a:rPr lang="en-US"/>
-              <a:t>position held (P39) = http://www.wikidata.org/entity/Q28841847 (item)</a:t>
-            </a:r>
-          </a:p>
-          <a:p>
-            <a:pPr lvl="0"/>
-            <a:r>
-              <a:rPr lang="en-US"/>
-              <a:t>name (name) = Prince Leopold, Duke of Albany</a:t>
-            </a:r>
-          </a:p>
-          <a:p>
-            <a:pPr lvl="0"/>
-            <a:r>
-              <a:rPr lang="en-US"/>
-              <a:t>place of birth (P19) = http://www.wikidata.org/entity/Q42182 (item)</a:t>
+              <a:t>BnF ID (P268) = 13612939t ()</a:t>
+            </a:r>
+          </a:p>
+          <a:p>
+            <a:pPr lvl="0"/>
+            <a:r>
+              <a:rPr lang="en-US"/>
+              <a:t>GND ID (P227) = 121701409 ()</a:t>
+            </a:r>
+          </a:p>
+          <a:p>
+            <a:pPr lvl="0"/>
+            <a:r>
+              <a:rPr lang="en-US"/>
+              <a:t>occupation (P106) = Q82955 (Q82955)</a:t>
+            </a:r>
+          </a:p>
+          <a:p>
+            <a:pPr lvl="0"/>
+            <a:r>
+              <a:rPr lang="en-US"/>
+              <a:t>award received (P166) = [http://www.wikidata.org/entity/Q12177423 (item), http://www.wikidata.org/entity/Q1126563 (item)] ()</a:t>
+            </a:r>
+          </a:p>
+          <a:p>
+            <a:pPr lvl="0"/>
+            <a:r>
+              <a:rPr lang="en-US"/>
+              <a:t>Library of Congress authority ID (P244) = n98083203 ()</a:t>
+            </a:r>
+          </a:p>
+          <a:p>
+            <a:pPr lvl="0"/>
+            <a:r>
+              <a:rPr lang="en-US"/>
+              <a:t>wikidata_id (wikidata_id) = Q160541 ()</a:t>
+            </a:r>
+          </a:p>
+          <a:p>
+            <a:pPr lvl="0"/>
+            <a:r>
+              <a:rPr lang="en-US"/>
+              <a:t>source (source) = WikiData ()</a:t>
+            </a:r>
+          </a:p>
+          <a:p>
+            <a:pPr lvl="0"/>
+            <a:r>
+              <a:rPr lang="en-US"/>
+              <a:t>P2015 (P2015) = mr-leopold-gotha ()</a:t>
+            </a:r>
+          </a:p>
+          <a:p>
+            <a:pPr lvl="0"/>
+            <a:r>
+              <a:rPr lang="en-US"/>
+              <a:t>child (P40) = [http://www.wikidata.org/entity/Q235521 (item), http://www.wikidata.org/entity/Q160467 (item)] ()</a:t>
+            </a:r>
+          </a:p>
+          <a:p>
+            <a:pPr lvl="0"/>
+            <a:r>
+              <a:rPr lang="en-US"/>
+              <a:t>date of birth (P569) = 1853-04-07 (Prec.: day [-0 .. +0], PCal: Gregorian) ()</a:t>
+            </a:r>
+          </a:p>
+          <a:p>
+            <a:pPr lvl="0"/>
+            <a:r>
+              <a:rPr lang="en-US"/>
+              <a:t>Freebase ID (P646) = /m/01pzkx ()</a:t>
+            </a:r>
+          </a:p>
+          <a:p>
+            <a:pPr lvl="0"/>
+            <a:r>
+              <a:rPr lang="en-US"/>
+              <a:t>sex or gender (P21) = Q6581097 (Q6581097)</a:t>
+            </a:r>
+          </a:p>
+          <a:p>
+            <a:pPr lvl="0"/>
+            <a:r>
+              <a:rPr lang="en-US"/>
+              <a:t>WeRelate person ID (P4159) = Leopold_Van_Groot_Brittannie_(1) ()</a:t>
+            </a:r>
+          </a:p>
+          <a:p>
+            <a:pPr lvl="0"/>
+            <a:r>
+              <a:rPr lang="en-US"/>
+              <a:t>place of death (P20) = Q39984 (Q39984)</a:t>
+            </a:r>
+          </a:p>
+          <a:p>
+            <a:pPr lvl="0"/>
+            <a:r>
+              <a:rPr lang="en-US"/>
+              <a:t>described by source (P1343) = [http://www.wikidata.org/entity/Q19096012 (item), http://www.wikidata.org/entity/Q15987216 (item), http://www.wikidata.org/entity/Q19180675 (item), http://www.wikidata.org/entity/Q602358 (item)] ()</a:t>
+            </a:r>
+          </a:p>
+          <a:p>
+            <a:pPr lvl="0"/>
+            <a:r>
+              <a:rPr lang="en-US"/>
+              <a:t>father (P22) = Q152245 (Q152245)</a:t>
+            </a:r>
+          </a:p>
+          <a:p>
+            <a:pPr lvl="0"/>
+            <a:r>
+              <a:rPr lang="en-US"/>
+              <a:t>mother (P25) = Q9439 (Q9439)</a:t>
+            </a:r>
+          </a:p>
+          <a:p>
+            <a:pPr lvl="0"/>
+            <a:r>
+              <a:rPr lang="en-US"/>
+              <a:t>P69 (P69) = Q745967 (Q745967)</a:t>
+            </a:r>
+          </a:p>
+          <a:p>
+            <a:pPr lvl="0"/>
+            <a:r>
+              <a:rPr lang="en-US"/>
+              <a:t>country of citizenship (P27) = Q145 (Q145)</a:t>
+            </a:r>
+          </a:p>
+          <a:p>
+            <a:pPr lvl="0"/>
+            <a:r>
+              <a:rPr lang="en-US"/>
+              <a:t>spouse (P26) = Q60747 (Q60747)</a:t>
+            </a:r>
+          </a:p>
+          <a:p>
+            <a:pPr lvl="0"/>
+            <a:r>
+              <a:rPr lang="en-US"/>
+              <a:t>Commons category (P373) = Prince Leopold, Duke of Albany ()</a:t>
+            </a:r>
+          </a:p>
+          <a:p>
+            <a:pPr lvl="0"/>
+            <a:r>
+              <a:rPr lang="en-US"/>
+              <a:t>date of death (P570) = 1884-03-28 (Prec.: day [-0 .. +0], PCal: Gregorian) ()</a:t>
+            </a:r>
+          </a:p>
+          <a:p>
+            <a:pPr lvl="0"/>
+            <a:r>
+              <a:rPr lang="en-US"/>
+              <a:t>wiki_en (wiki_en) = Prince Leopold, Duke of Albany ()</a:t>
+            </a:r>
+          </a:p>
+          <a:p>
+            <a:pPr lvl="0"/>
+            <a:r>
+              <a:rPr lang="en-US"/>
+              <a:t>VIAF ID (P214) = 64869950 ()</a:t>
+            </a:r>
+          </a:p>
+          <a:p>
+            <a:pPr lvl="0"/>
+            <a:r>
+              <a:rPr lang="en-US"/>
+              <a:t>ISNI (P213) = 0000 0000 3915 9327 ()</a:t>
+            </a:r>
+          </a:p>
+          <a:p>
+            <a:pPr lvl="0"/>
+            <a:r>
+              <a:rPr lang="en-US"/>
+              <a:t>National Portrait Gallery (London) person ID (P1816) = mp00056 ()</a:t>
+            </a:r>
+          </a:p>
+          <a:p>
+            <a:pPr lvl="0"/>
+            <a:r>
+              <a:rPr lang="en-US"/>
+              <a:t>WikiTree person ID (P2949) = Sachsen-Coburg_und_Gotha-19 ()</a:t>
+            </a:r>
+          </a:p>
+          <a:p>
+            <a:pPr lvl="0"/>
+            <a:r>
+              <a:rPr lang="en-US"/>
+              <a:t>Oxford Dictionary of National Biography ID (P1415) = 16475 ()</a:t>
+            </a:r>
+          </a:p>
+          <a:p>
+            <a:pPr lvl="0"/>
+            <a:r>
+              <a:rPr lang="en-US"/>
+              <a:t>coat of arms image (P94) = Coat of Arms of Leopold, Duke of Albany.svg ()</a:t>
+            </a:r>
+          </a:p>
+          <a:p>
+            <a:pPr lvl="0"/>
+            <a:r>
+              <a:rPr lang="en-US"/>
+              <a:t>label_en (label_en) = Prince Leopold, Duke of Albany ()</a:t>
+            </a:r>
+          </a:p>
+          <a:p>
+            <a:pPr lvl="0"/>
+            <a:r>
+              <a:rPr lang="en-US"/>
+              <a:t>place of burial (P119) = Q2449634 (Q2449634)</a:t>
+            </a:r>
+          </a:p>
+          <a:p>
+            <a:pPr lvl="0"/>
+            <a:r>
+              <a:rPr lang="en-US"/>
+              <a:t>given name (P735) = Q1076652 (Q1076652)</a:t>
+            </a:r>
+          </a:p>
+          <a:p>
+            <a:pPr lvl="0"/>
+            <a:r>
+              <a:rPr lang="en-US"/>
+              <a:t>wikidata_type (wikidata_type) = http://www.wikidata.org/ontology#Item ()</a:t>
+            </a:r>
+          </a:p>
+          <a:p>
+            <a:pPr lvl="0"/>
+            <a:r>
+              <a:rPr lang="en-US"/>
+              <a:t>picture (picture) = BufferedImage@1ac4ccad: type = 10 ColorModel: #pixelBits = 8 numComponents = 1 color space = java.awt.color.ICC_ColorSpace@474fae39 transparency = 1 has alpha = false isAlphaPre = false ByteInterleavedRaster: width = 200 height = 271 #numDataElements 1 dataOff[0] = 0 ()</a:t>
+            </a:r>
+          </a:p>
+          <a:p>
+            <a:pPr lvl="0"/>
+            <a:r>
+              <a:rPr lang="en-US"/>
+              <a:t>instance of (P31) = Q5 (Q5)</a:t>
+            </a:r>
+          </a:p>
+          <a:p>
+            <a:pPr lvl="0"/>
+            <a:r>
+              <a:rPr lang="en-US"/>
+              <a:t>family (P53) = Q1753846 (Q1753846)</a:t>
+            </a:r>
+          </a:p>
+          <a:p>
+            <a:pPr lvl="0"/>
+            <a:r>
+              <a:rPr lang="en-US"/>
+              <a:t>SNAC Ark ID (P3430) = w693180b ()</a:t>
+            </a:r>
+          </a:p>
+          <a:p>
+            <a:pPr lvl="0"/>
+            <a:r>
+              <a:rPr lang="en-US"/>
+              <a:t>sibling (P3373) = [http://www.wikidata.org/entity/Q116728 (item), http://www.wikidata.org/entity/Q155566 (item), http://www.wikidata.org/entity/Q158140 (item), http://www.wikidata.org/entity/Q160539 (item), http://www.wikidata.org/entity/Q161167 (item), http://www.wikidata.org/entity/Q160558 (item), http://www.wikidata.org/entity/Q158143 (item), http://www.wikidata.org/entity/Q20875 (item)] ()</a:t>
+            </a:r>
+          </a:p>
+          <a:p>
+            <a:pPr lvl="0"/>
+            <a:r>
+              <a:rPr lang="en-US"/>
+              <a:t>P1050 (P1050) = [http://www.wikidata.org/entity/Q134003 (item), http://www.wikidata.org/entity/Q41571 (item)] ()</a:t>
+            </a:r>
+          </a:p>
+          <a:p>
+            <a:pPr lvl="0"/>
+            <a:r>
+              <a:rPr lang="en-US"/>
+              <a:t>image (P18) = Prince Leopold, Duke of Albany - Project Gutenberg eText 13103.jpg ()</a:t>
+            </a:r>
+          </a:p>
+          <a:p>
+            <a:pPr lvl="0"/>
+            <a:r>
+              <a:rPr lang="en-US"/>
+              <a:t>position held (P39) = Q28841847 (Q28841847)</a:t>
+            </a:r>
+          </a:p>
+          <a:p>
+            <a:pPr lvl="0"/>
+            <a:r>
+              <a:rPr lang="en-US"/>
+              <a:t>name (name) = Prince Leopold, Duke of Albany ()</a:t>
+            </a:r>
+          </a:p>
+          <a:p>
+            <a:pPr lvl="0"/>
+            <a:r>
+              <a:rPr lang="en-US"/>
+              <a:t>place of birth (P19) = Q42182 (Q42182)</a:t>
             </a:r>
           </a:p>
         </p:txBody>

--- a/QueenVictoria.pptx
+++ b/QueenVictoria.pptx
@@ -611,6 +611,27 @@
             <a:pPr lvl="0"/>
             <a:r>
               <a:rPr lang="en-US"/>
+              <a:t>date of birth (P569) = 1819-06-24</a:t>
+            </a:r>
+          </a:p>
+          <a:p>
+            <a:pPr lvl="0"/>
+            <a:r>
+              <a:rPr lang="en-US"/>
+              <a:t>date of death (P570) = 1901-02-22</a:t>
+            </a:r>
+          </a:p>
+          <a:p>
+            <a:pPr lvl="0"/>
+            <a:r>
+              <a:rPr lang="en-US"/>
+              <a:t>place of birth (P19) = Kensington Palace (Q207385)</a:t>
+            </a:r>
+          </a:p>
+          <a:p>
+            <a:pPr lvl="0"/>
+            <a:r>
+              <a:rPr lang="en-US"/>
               <a:t>monogram (P1543) = Royal Monogram of Queen Victoria of Great Britain.svg</a:t>
             </a:r>
           </a:p>
@@ -647,27 +668,6 @@
             <a:r>
               <a:rPr lang="en-US"/>
               <a:t>mother (P25) = Princess Victoria of Saxe-Coburg-Saalfeld (Q58067)</a:t>
-            </a:r>
-          </a:p>
-          <a:p>
-            <a:pPr lvl="0"/>
-            <a:r>
-              <a:rPr lang="en-US"/>
-              <a:t>date of birth (P569) = 1819-06-24</a:t>
-            </a:r>
-          </a:p>
-          <a:p>
-            <a:pPr lvl="0"/>
-            <a:r>
-              <a:rPr lang="en-US"/>
-              <a:t>date of death (P570) = 1901-02-22</a:t>
-            </a:r>
-          </a:p>
-          <a:p>
-            <a:pPr lvl="0"/>
-            <a:r>
-              <a:rPr lang="en-US"/>
-              <a:t>place of birth (P19) = Kensington Palace (Q207385)</a:t>
             </a:r>
           </a:p>
         </p:txBody>
